--- a/XPlatformCloudkit.pptx
+++ b/XPlatformCloudkit.pptx
@@ -40,14 +40,12 @@
     <p:sldId id="290" r:id="rId34"/>
     <p:sldId id="291" r:id="rId35"/>
     <p:sldId id="296" r:id="rId36"/>
-    <p:sldId id="293" r:id="rId37"/>
-    <p:sldId id="294" r:id="rId38"/>
-    <p:sldId id="295" r:id="rId39"/>
-    <p:sldId id="297" r:id="rId40"/>
-    <p:sldId id="298" r:id="rId41"/>
-    <p:sldId id="299" r:id="rId42"/>
-    <p:sldId id="300" r:id="rId43"/>
-    <p:sldId id="301" r:id="rId44"/>
+    <p:sldId id="294" r:id="rId37"/>
+    <p:sldId id="297" r:id="rId38"/>
+    <p:sldId id="298" r:id="rId39"/>
+    <p:sldId id="299" r:id="rId40"/>
+    <p:sldId id="300" r:id="rId41"/>
+    <p:sldId id="301" r:id="rId42"/>
   </p:sldIdLst>
   <p:sldSz cx="12192000" cy="6858000"/>
   <p:notesSz cx="6858000" cy="9144000"/>
@@ -146,6 +144,11 @@
       </a:defRPr>
     </a:lvl9pPr>
   </p:defaultTextStyle>
+  <p:extLst>
+    <p:ext uri="{EFAFB233-063F-42B5-8137-9DF3F51BA10A}">
+      <p15:sldGuideLst xmlns:p15="http://schemas.microsoft.com/office/powerpoint/2012/main"/>
+    </p:ext>
+  </p:extLst>
 </p:presentation>
 </file>
 
@@ -652,7 +655,7 @@
             <a:fld id="{B61BEF0D-F0BB-DE4B-95CE-6DB70DBA9567}" type="datetimeFigureOut">
               <a:rPr lang="en-US" dirty="0"/>
               <a:pPr/>
-              <a:t>9/19/2013</a:t>
+              <a:t>10/10/2013</a:t>
             </a:fld>
             <a:endParaRPr lang="en-US" dirty="0"/>
           </a:p>
@@ -945,7 +948,7 @@
             <a:fld id="{B61BEF0D-F0BB-DE4B-95CE-6DB70DBA9567}" type="datetimeFigureOut">
               <a:rPr lang="en-US" dirty="0"/>
               <a:pPr/>
-              <a:t>9/19/2013</a:t>
+              <a:t>10/10/2013</a:t>
             </a:fld>
             <a:endParaRPr lang="en-US" dirty="0"/>
           </a:p>
@@ -1190,7 +1193,7 @@
             <a:fld id="{B61BEF0D-F0BB-DE4B-95CE-6DB70DBA9567}" type="datetimeFigureOut">
               <a:rPr lang="en-US" dirty="0"/>
               <a:pPr/>
-              <a:t>9/19/2013</a:t>
+              <a:t>10/10/2013</a:t>
             </a:fld>
             <a:endParaRPr lang="en-US" dirty="0"/>
           </a:p>
@@ -1727,7 +1730,7 @@
             <a:fld id="{B61BEF0D-F0BB-DE4B-95CE-6DB70DBA9567}" type="datetimeFigureOut">
               <a:rPr lang="en-US" dirty="0"/>
               <a:pPr/>
-              <a:t>9/19/2013</a:t>
+              <a:t>10/10/2013</a:t>
             </a:fld>
             <a:endParaRPr lang="en-US" dirty="0"/>
           </a:p>
@@ -1972,7 +1975,7 @@
             <a:fld id="{B61BEF0D-F0BB-DE4B-95CE-6DB70DBA9567}" type="datetimeFigureOut">
               <a:rPr lang="en-US" dirty="0"/>
               <a:pPr/>
-              <a:t>9/19/2013</a:t>
+              <a:t>10/10/2013</a:t>
             </a:fld>
             <a:endParaRPr lang="en-US" dirty="0"/>
           </a:p>
@@ -2501,7 +2504,7 @@
             <a:fld id="{B61BEF0D-F0BB-DE4B-95CE-6DB70DBA9567}" type="datetimeFigureOut">
               <a:rPr lang="en-US" dirty="0"/>
               <a:pPr/>
-              <a:t>9/19/2013</a:t>
+              <a:t>10/10/2013</a:t>
             </a:fld>
             <a:endParaRPr lang="en-US" dirty="0"/>
           </a:p>
@@ -2795,7 +2798,7 @@
             <a:fld id="{B61BEF0D-F0BB-DE4B-95CE-6DB70DBA9567}" type="datetimeFigureOut">
               <a:rPr lang="en-US" dirty="0"/>
               <a:pPr/>
-              <a:t>9/19/2013</a:t>
+              <a:t>10/10/2013</a:t>
             </a:fld>
             <a:endParaRPr lang="en-US" dirty="0"/>
           </a:p>
@@ -2966,7 +2969,7 @@
             <a:fld id="{B61BEF0D-F0BB-DE4B-95CE-6DB70DBA9567}" type="datetimeFigureOut">
               <a:rPr lang="en-US" dirty="0"/>
               <a:pPr/>
-              <a:t>9/19/2013</a:t>
+              <a:t>10/10/2013</a:t>
             </a:fld>
             <a:endParaRPr lang="en-US" dirty="0"/>
           </a:p>
@@ -3143,7 +3146,7 @@
             <a:fld id="{B61BEF0D-F0BB-DE4B-95CE-6DB70DBA9567}" type="datetimeFigureOut">
               <a:rPr lang="en-US" dirty="0"/>
               <a:pPr/>
-              <a:t>9/19/2013</a:t>
+              <a:t>10/10/2013</a:t>
             </a:fld>
             <a:endParaRPr lang="en-US" dirty="0"/>
           </a:p>
@@ -3310,7 +3313,7 @@
             <a:fld id="{B61BEF0D-F0BB-DE4B-95CE-6DB70DBA9567}" type="datetimeFigureOut">
               <a:rPr lang="en-US" dirty="0"/>
               <a:pPr/>
-              <a:t>9/19/2013</a:t>
+              <a:t>10/10/2013</a:t>
             </a:fld>
             <a:endParaRPr lang="en-US" dirty="0"/>
           </a:p>
@@ -3558,7 +3561,7 @@
             <a:fld id="{B61BEF0D-F0BB-DE4B-95CE-6DB70DBA9567}" type="datetimeFigureOut">
               <a:rPr lang="en-US" dirty="0"/>
               <a:pPr/>
-              <a:t>9/19/2013</a:t>
+              <a:t>10/10/2013</a:t>
             </a:fld>
             <a:endParaRPr lang="en-US" dirty="0"/>
           </a:p>
@@ -3852,7 +3855,7 @@
             <a:fld id="{B61BEF0D-F0BB-DE4B-95CE-6DB70DBA9567}" type="datetimeFigureOut">
               <a:rPr lang="en-US" dirty="0"/>
               <a:pPr/>
-              <a:t>9/19/2013</a:t>
+              <a:t>10/10/2013</a:t>
             </a:fld>
             <a:endParaRPr lang="en-US" dirty="0"/>
           </a:p>
@@ -4291,7 +4294,7 @@
             <a:fld id="{B61BEF0D-F0BB-DE4B-95CE-6DB70DBA9567}" type="datetimeFigureOut">
               <a:rPr lang="en-US" dirty="0"/>
               <a:pPr/>
-              <a:t>9/19/2013</a:t>
+              <a:t>10/10/2013</a:t>
             </a:fld>
             <a:endParaRPr lang="en-US" dirty="0"/>
           </a:p>
@@ -4406,7 +4409,7 @@
             <a:fld id="{B61BEF0D-F0BB-DE4B-95CE-6DB70DBA9567}" type="datetimeFigureOut">
               <a:rPr lang="en-US" dirty="0"/>
               <a:pPr/>
-              <a:t>9/19/2013</a:t>
+              <a:t>10/10/2013</a:t>
             </a:fld>
             <a:endParaRPr lang="en-US" dirty="0"/>
           </a:p>
@@ -4498,7 +4501,7 @@
             <a:fld id="{B61BEF0D-F0BB-DE4B-95CE-6DB70DBA9567}" type="datetimeFigureOut">
               <a:rPr lang="en-US" dirty="0"/>
               <a:pPr/>
-              <a:t>9/19/2013</a:t>
+              <a:t>10/10/2013</a:t>
             </a:fld>
             <a:endParaRPr lang="en-US" dirty="0"/>
           </a:p>
@@ -4778,7 +4781,7 @@
             <a:fld id="{B61BEF0D-F0BB-DE4B-95CE-6DB70DBA9567}" type="datetimeFigureOut">
               <a:rPr lang="en-US" dirty="0"/>
               <a:pPr/>
-              <a:t>9/19/2013</a:t>
+              <a:t>10/10/2013</a:t>
             </a:fld>
             <a:endParaRPr lang="en-US" dirty="0"/>
           </a:p>
@@ -5066,7 +5069,7 @@
             <a:fld id="{B61BEF0D-F0BB-DE4B-95CE-6DB70DBA9567}" type="datetimeFigureOut">
               <a:rPr lang="en-US" dirty="0"/>
               <a:pPr/>
-              <a:t>9/19/2013</a:t>
+              <a:t>10/10/2013</a:t>
             </a:fld>
             <a:endParaRPr lang="en-US" dirty="0"/>
           </a:p>
@@ -5593,7 +5596,7 @@
             <a:fld id="{B61BEF0D-F0BB-DE4B-95CE-6DB70DBA9567}" type="datetimeFigureOut">
               <a:rPr lang="en-US" dirty="0"/>
               <a:pPr/>
-              <a:t>9/19/2013</a:t>
+              <a:t>10/10/2013</a:t>
             </a:fld>
             <a:endParaRPr lang="en-US" dirty="0"/>
           </a:p>
@@ -6916,10 +6919,6 @@
               <a:rPr lang="en-US" dirty="0"/>
               <a:t> textbox and wait for name verification. Once name verification completes, click the right arrow button to go to the next page.</a:t>
             </a:r>
-            <a:r>
-              <a:rPr lang="en-US" dirty="0"/>
-              <a:t/>
-            </a:r>
             <a:br>
               <a:rPr lang="en-US" dirty="0"/>
             </a:br>
@@ -7077,10 +7076,6 @@
             <a:r>
               <a:rPr lang="en-US" dirty="0"/>
               <a:t>, which is the administrator login name for the new SQL Database server, type and confirm the password, and click the check button to complete the process.</a:t>
-            </a:r>
-            <a:r>
-              <a:rPr lang="en-US" dirty="0"/>
-              <a:t/>
             </a:r>
             <a:br>
               <a:rPr lang="en-US" dirty="0"/>
@@ -8678,51 +8673,7 @@
             </a:r>
             <a:r>
               <a:rPr lang="en-US" dirty="0" smtClean="0"/>
-              <a:t> Lab </a:t>
-            </a:r>
-            <a:r>
-              <a:rPr lang="en-US" dirty="0" smtClean="0"/>
-              <a:t>we will create an application that </a:t>
-            </a:r>
-            <a:r>
-              <a:rPr lang="en-US" dirty="0" smtClean="0"/>
-              <a:t>can consume grouped data </a:t>
-            </a:r>
-            <a:r>
-              <a:rPr lang="en-US" dirty="0" smtClean="0"/>
-              <a:t>from </a:t>
-            </a:r>
-            <a:r>
-              <a:rPr lang="en-US" dirty="0" smtClean="0"/>
-              <a:t>an Azure Mobile Service table and/or </a:t>
-            </a:r>
-            <a:r>
-              <a:rPr lang="en-US" dirty="0" smtClean="0"/>
-              <a:t>RSS </a:t>
-            </a:r>
-            <a:r>
-              <a:rPr lang="en-US" dirty="0" smtClean="0"/>
-              <a:t>feed(s).  The app supports live tile update upon </a:t>
-            </a:r>
-            <a:r>
-              <a:rPr lang="en-US" dirty="0" smtClean="0"/>
-              <a:t>viewing an item and sharing on both Windows 8 and Windows Phone 8.  </a:t>
-            </a:r>
-            <a:r>
-              <a:rPr lang="en-US" dirty="0" smtClean="0"/>
-              <a:t>Try </a:t>
-            </a:r>
-            <a:r>
-              <a:rPr lang="en-US" dirty="0" smtClean="0"/>
-              <a:t>to think of a topic that is well suited for this type of content i.e. </a:t>
-            </a:r>
-            <a:r>
-              <a:rPr lang="en-US" dirty="0" smtClean="0"/>
-              <a:t>a collection of super heroes, </a:t>
-            </a:r>
-            <a:r>
-              <a:rPr lang="en-US" dirty="0" smtClean="0"/>
-              <a:t>universities, TV shows, game consoles.  </a:t>
+              <a:t> Lab we will create an application that can consume grouped data from an Azure Mobile Service table and/or RSS feed(s).  The app supports live tile update upon viewing an item and sharing on both Windows 8 and Windows Phone 8.  Try to think of a topic that is well suited for this type of content i.e. a collection of super heroes, universities, TV shows, game consoles.  </a:t>
             </a:r>
             <a:endParaRPr lang="en-US" dirty="0"/>
           </a:p>
@@ -10112,7 +10063,6 @@
               <a:rPr lang="en-US" dirty="0"/>
               <a:t> </a:t>
             </a:r>
-            <a:endParaRPr lang="en-US" dirty="0"/>
           </a:p>
         </p:txBody>
       </p:sp>
@@ -10966,6 +10916,7 @@
           <a:bodyPr/>
           <a:lstStyle/>
           <a:p>
+            <a:pPr algn="l"/>
             <a:r>
               <a:rPr lang="en-US" dirty="0" smtClean="0"/>
               <a:t>The two view states of our app</a:t>
@@ -11718,20 +11669,6 @@
               </a:rPr>
               <a:t>&lt;- Group</a:t>
             </a:r>
-            <a:endParaRPr lang="en-US" b="1" dirty="0">
-              <a:ln w="22225">
-                <a:solidFill>
-                  <a:schemeClr val="accent2"/>
-                </a:solidFill>
-                <a:prstDash val="solid"/>
-              </a:ln>
-              <a:solidFill>
-                <a:schemeClr val="accent2">
-                  <a:lumMod val="40000"/>
-                  <a:lumOff val="60000"/>
-                </a:schemeClr>
-              </a:solidFill>
-            </a:endParaRPr>
           </a:p>
         </p:txBody>
       </p:sp>
@@ -11861,8 +11798,8 @@
         </p:nvSpPr>
         <p:spPr>
           <a:xfrm>
-            <a:off x="6032524" y="3589515"/>
-            <a:ext cx="2630144" cy="461665"/>
+            <a:off x="5933139" y="3589515"/>
+            <a:ext cx="2828916" cy="461665"/>
           </a:xfrm>
           <a:prstGeom prst="rect">
             <a:avLst/>
@@ -11910,7 +11847,7 @@
                 </a:solidFill>
                 <a:effectLst/>
               </a:rPr>
-              <a:t>ApplicationTitle</a:t>
+              <a:t>ApplicationName</a:t>
             </a:r>
             <a:endParaRPr lang="en-US" sz="2400" b="1" cap="none" spc="0" dirty="0">
               <a:ln w="22225">
@@ -12168,14 +12105,14 @@
       </p:sp>
       <p:sp>
         <p:nvSpPr>
-          <p:cNvPr id="41" name="Rectangle 40"/>
+          <p:cNvPr id="42" name="Rectangle 41"/>
           <p:cNvSpPr/>
           <p:nvPr/>
         </p:nvSpPr>
         <p:spPr>
           <a:xfrm>
-            <a:off x="2134439" y="3245121"/>
-            <a:ext cx="1568571" cy="461665"/>
+            <a:off x="6463289" y="4962770"/>
+            <a:ext cx="2037737" cy="461665"/>
           </a:xfrm>
           <a:prstGeom prst="rect">
             <a:avLst/>
@@ -12205,7 +12142,7 @@
                 </a:solidFill>
                 <a:effectLst/>
               </a:rPr>
-              <a:t>&lt;- Subtitle</a:t>
+              <a:t>&lt;- Description</a:t>
             </a:r>
             <a:endParaRPr lang="en-US" sz="2400" b="1" cap="none" spc="0" dirty="0">
               <a:ln w="22225">
@@ -12227,14 +12164,14 @@
       </p:sp>
       <p:sp>
         <p:nvSpPr>
-          <p:cNvPr id="42" name="Rectangle 41"/>
+          <p:cNvPr id="43" name="Rectangle 42"/>
           <p:cNvSpPr/>
           <p:nvPr/>
         </p:nvSpPr>
         <p:spPr>
           <a:xfrm>
-            <a:off x="6463289" y="4962770"/>
-            <a:ext cx="2037737" cy="461665"/>
+            <a:off x="6297681" y="3815862"/>
+            <a:ext cx="1323568" cy="461665"/>
           </a:xfrm>
           <a:prstGeom prst="rect">
             <a:avLst/>
@@ -12264,7 +12201,7 @@
                 </a:solidFill>
                 <a:effectLst/>
               </a:rPr>
-              <a:t>&lt;- Description</a:t>
+              <a:t>&lt;- Group</a:t>
             </a:r>
             <a:endParaRPr lang="en-US" sz="2400" b="1" cap="none" spc="0" dirty="0">
               <a:ln w="22225">
@@ -12286,14 +12223,14 @@
       </p:sp>
       <p:sp>
         <p:nvSpPr>
-          <p:cNvPr id="43" name="Rectangle 42"/>
+          <p:cNvPr id="44" name="Rectangle 43"/>
           <p:cNvSpPr/>
           <p:nvPr/>
         </p:nvSpPr>
         <p:spPr>
           <a:xfrm>
-            <a:off x="6297681" y="3815862"/>
-            <a:ext cx="1323568" cy="461665"/>
+            <a:off x="5930732" y="1276183"/>
+            <a:ext cx="2828916" cy="461665"/>
           </a:xfrm>
           <a:prstGeom prst="rect">
             <a:avLst/>
@@ -12308,7 +12245,7 @@
           <a:p>
             <a:pPr algn="ctr"/>
             <a:r>
-              <a:rPr lang="en-US" sz="2400" b="1" cap="none" spc="0" dirty="0" smtClean="0">
+              <a:rPr lang="en-US" sz="2400" b="1" dirty="0">
                 <a:ln w="22225">
                   <a:solidFill>
                     <a:schemeClr val="accent2"/>
@@ -12321,11 +12258,27 @@
                     <a:lumOff val="60000"/>
                   </a:schemeClr>
                 </a:solidFill>
-                <a:effectLst/>
               </a:rPr>
-              <a:t>&lt;- Group</a:t>
-            </a:r>
-            <a:endParaRPr lang="en-US" sz="2400" b="1" cap="none" spc="0" dirty="0">
+              <a:t>&lt;- </a:t>
+            </a:r>
+            <a:r>
+              <a:rPr lang="en-US" sz="2400" b="1" dirty="0" err="1" smtClean="0">
+                <a:ln w="22225">
+                  <a:solidFill>
+                    <a:schemeClr val="accent2"/>
+                  </a:solidFill>
+                  <a:prstDash val="solid"/>
+                </a:ln>
+                <a:solidFill>
+                  <a:schemeClr val="accent2">
+                    <a:lumMod val="40000"/>
+                    <a:lumOff val="60000"/>
+                  </a:schemeClr>
+                </a:solidFill>
+              </a:rPr>
+              <a:t>ApplicationName</a:t>
+            </a:r>
+            <a:endParaRPr lang="en-US" sz="2400" b="1" dirty="0">
               <a:ln w="22225">
                 <a:solidFill>
                   <a:schemeClr val="accent2"/>
@@ -12338,84 +12291,6 @@
                   <a:lumOff val="60000"/>
                 </a:schemeClr>
               </a:solidFill>
-              <a:effectLst/>
-            </a:endParaRPr>
-          </a:p>
-        </p:txBody>
-      </p:sp>
-      <p:sp>
-        <p:nvSpPr>
-          <p:cNvPr id="44" name="Rectangle 43"/>
-          <p:cNvSpPr/>
-          <p:nvPr/>
-        </p:nvSpPr>
-        <p:spPr>
-          <a:xfrm>
-            <a:off x="6030120" y="1276183"/>
-            <a:ext cx="2630144" cy="461665"/>
-          </a:xfrm>
-          <a:prstGeom prst="rect">
-            <a:avLst/>
-          </a:prstGeom>
-          <a:noFill/>
-        </p:spPr>
-        <p:txBody>
-          <a:bodyPr wrap="none" lIns="91440" tIns="45720" rIns="91440" bIns="45720">
-            <a:spAutoFit/>
-          </a:bodyPr>
-          <a:lstStyle/>
-          <a:p>
-            <a:pPr algn="ctr"/>
-            <a:r>
-              <a:rPr lang="en-US" sz="2400" b="1" cap="none" spc="0" dirty="0" smtClean="0">
-                <a:ln w="22225">
-                  <a:solidFill>
-                    <a:schemeClr val="accent2"/>
-                  </a:solidFill>
-                  <a:prstDash val="solid"/>
-                </a:ln>
-                <a:solidFill>
-                  <a:schemeClr val="accent2">
-                    <a:lumMod val="40000"/>
-                    <a:lumOff val="60000"/>
-                  </a:schemeClr>
-                </a:solidFill>
-                <a:effectLst/>
-              </a:rPr>
-              <a:t>&lt;- </a:t>
-            </a:r>
-            <a:r>
-              <a:rPr lang="en-US" sz="2400" b="1" cap="none" spc="0" dirty="0" err="1" smtClean="0">
-                <a:ln w="22225">
-                  <a:solidFill>
-                    <a:schemeClr val="accent2"/>
-                  </a:solidFill>
-                  <a:prstDash val="solid"/>
-                </a:ln>
-                <a:solidFill>
-                  <a:schemeClr val="accent2">
-                    <a:lumMod val="40000"/>
-                    <a:lumOff val="60000"/>
-                  </a:schemeClr>
-                </a:solidFill>
-                <a:effectLst/>
-              </a:rPr>
-              <a:t>ApplicationTitle</a:t>
-            </a:r>
-            <a:endParaRPr lang="en-US" sz="2400" b="1" cap="none" spc="0" dirty="0">
-              <a:ln w="22225">
-                <a:solidFill>
-                  <a:schemeClr val="accent2"/>
-                </a:solidFill>
-                <a:prstDash val="solid"/>
-              </a:ln>
-              <a:solidFill>
-                <a:schemeClr val="accent2">
-                  <a:lumMod val="40000"/>
-                  <a:lumOff val="60000"/>
-                </a:schemeClr>
-              </a:solidFill>
-              <a:effectLst/>
             </a:endParaRPr>
           </a:p>
         </p:txBody>
@@ -12462,8 +12337,8 @@
         </p:nvSpPr>
         <p:spPr>
           <a:xfrm>
-            <a:off x="1484311" y="451140"/>
-            <a:ext cx="10018713" cy="1752599"/>
+            <a:off x="1440872" y="397884"/>
+            <a:ext cx="10283824" cy="1752599"/>
           </a:xfrm>
         </p:spPr>
         <p:txBody>
@@ -12472,7 +12347,11 @@
           <a:p>
             <a:r>
               <a:rPr lang="en-US" dirty="0" smtClean="0"/>
-              <a:t>Further Customization - Windows 8</a:t>
+              <a:t>Further Customization - Windows </a:t>
+            </a:r>
+            <a:r>
+              <a:rPr lang="en-US" dirty="0" smtClean="0"/>
+              <a:t>8</a:t>
             </a:r>
             <a:endParaRPr lang="en-US" dirty="0"/>
           </a:p>
@@ -12500,37 +12379,21 @@
           <a:p>
             <a:r>
               <a:rPr lang="en-US" dirty="0" smtClean="0"/>
-              <a:t>A </a:t>
+              <a:t>You will also want to open up </a:t>
             </a:r>
             <a:r>
               <a:rPr lang="en-US" dirty="0" err="1" smtClean="0"/>
-              <a:t>resources.resw</a:t>
-            </a:r>
-            <a:r>
-              <a:rPr lang="en-US" dirty="0" smtClean="0"/>
-              <a:t> file exists in the “en-us” folder of the XplatformCloudKit.Win8 project, open this to change values such as “</a:t>
-            </a:r>
-            <a:r>
-              <a:rPr lang="en-US" dirty="0" err="1" smtClean="0"/>
-              <a:t>ApplicationName</a:t>
-            </a:r>
-            <a:r>
-              <a:rPr lang="en-US" dirty="0" smtClean="0"/>
-              <a:t>”, “ItemShowcaseViewTitle.txt”, and “</a:t>
-            </a:r>
-            <a:r>
-              <a:rPr lang="en-US" dirty="0" err="1" smtClean="0"/>
-              <a:t>ShareMessage</a:t>
-            </a:r>
-            <a:r>
-              <a:rPr lang="en-US" dirty="0" smtClean="0"/>
-              <a:t>” </a:t>
-            </a:r>
-          </a:p>
-          <a:p>
-            <a:r>
-              <a:rPr lang="en-US" dirty="0" smtClean="0"/>
-              <a:t>A description of what these resources do is provided the “Comment” field </a:t>
+              <a:t>Package.Appxmanifest</a:t>
+            </a:r>
+            <a:r>
+              <a:rPr lang="en-US" dirty="0" smtClean="0"/>
+              <a:t> in the root of the XPlatformCloudKit.Win8 project.</a:t>
+            </a:r>
+          </a:p>
+          <a:p>
+            <a:r>
+              <a:rPr lang="en-US" dirty="0" smtClean="0"/>
+              <a:t>Here you can edit your app name, description, and set the tile sizes you wish to use and the default image to display on them.</a:t>
             </a:r>
             <a:endParaRPr lang="en-US" dirty="0"/>
           </a:p>
@@ -12538,7 +12401,7 @@
       </p:sp>
       <p:pic>
         <p:nvPicPr>
-          <p:cNvPr id="4" name="Picture 3"/>
+          <p:cNvPr id="5" name="Picture 4"/>
           <p:cNvPicPr>
             <a:picLocks noChangeAspect="1"/>
           </p:cNvPicPr>
@@ -12552,8 +12415,8 @@
         </p:blipFill>
         <p:spPr>
           <a:xfrm>
-            <a:off x="1705983" y="2065193"/>
-            <a:ext cx="9096375" cy="2228850"/>
+            <a:off x="3340892" y="1768265"/>
+            <a:ext cx="6301872" cy="2630120"/>
           </a:xfrm>
           <a:prstGeom prst="rect">
             <a:avLst/>
@@ -12563,7 +12426,7 @@
     </p:spTree>
     <p:extLst>
       <p:ext uri="{BB962C8B-B14F-4D97-AF65-F5344CB8AC3E}">
-        <p14:creationId xmlns:p14="http://schemas.microsoft.com/office/powerpoint/2010/main" val="1616461735"/>
+        <p14:creationId xmlns:p14="http://schemas.microsoft.com/office/powerpoint/2010/main" val="650216853"/>
       </p:ext>
     </p:extLst>
   </p:cSld>
@@ -12602,8 +12465,8 @@
         </p:nvSpPr>
         <p:spPr>
           <a:xfrm>
-            <a:off x="1440872" y="397884"/>
-            <a:ext cx="10283824" cy="1752599"/>
+            <a:off x="675122" y="0"/>
+            <a:ext cx="11516878" cy="1752599"/>
           </a:xfrm>
         </p:spPr>
         <p:txBody>
@@ -12612,7 +12475,11 @@
           <a:p>
             <a:r>
               <a:rPr lang="en-US" dirty="0" smtClean="0"/>
-              <a:t>Further Customization - Windows 8 continued…</a:t>
+              <a:t>Further Customization – </a:t>
+            </a:r>
+            <a:r>
+              <a:rPr lang="en-US" dirty="0" smtClean="0"/>
+              <a:t>WP8</a:t>
             </a:r>
             <a:endParaRPr lang="en-US" dirty="0"/>
           </a:p>
@@ -12640,15 +12507,7 @@
           <a:p>
             <a:r>
               <a:rPr lang="en-US" dirty="0" smtClean="0"/>
-              <a:t>You will also want to open up </a:t>
-            </a:r>
-            <a:r>
-              <a:rPr lang="en-US" dirty="0" err="1" smtClean="0"/>
-              <a:t>Package.Appxmanifest</a:t>
-            </a:r>
-            <a:r>
-              <a:rPr lang="en-US" dirty="0" smtClean="0"/>
-              <a:t> in the root of the XPlatformCloudKit.Win8 project.</a:t>
+              <a:t>You will also want to open up WMAppManifest.xml in the “Properties” folder of the XPlatformCloudKit.Phone8 project.</a:t>
             </a:r>
           </a:p>
           <a:p>
@@ -12662,7 +12521,7 @@
       </p:sp>
       <p:pic>
         <p:nvPicPr>
-          <p:cNvPr id="5" name="Picture 4"/>
+          <p:cNvPr id="4" name="Picture 3"/>
           <p:cNvPicPr>
             <a:picLocks noChangeAspect="1"/>
           </p:cNvPicPr>
@@ -12676,8 +12535,8 @@
         </p:blipFill>
         <p:spPr>
           <a:xfrm>
-            <a:off x="3340892" y="1768265"/>
-            <a:ext cx="6301872" cy="2630120"/>
+            <a:off x="3650529" y="1265401"/>
+            <a:ext cx="5566064" cy="3163188"/>
           </a:xfrm>
           <a:prstGeom prst="rect">
             <a:avLst/>
@@ -12687,7 +12546,7 @@
     </p:spTree>
     <p:extLst>
       <p:ext uri="{BB962C8B-B14F-4D97-AF65-F5344CB8AC3E}">
-        <p14:creationId xmlns:p14="http://schemas.microsoft.com/office/powerpoint/2010/main" val="650216853"/>
+        <p14:creationId xmlns:p14="http://schemas.microsoft.com/office/powerpoint/2010/main" val="3061018902"/>
       </p:ext>
     </p:extLst>
   </p:cSld>
@@ -12726,8 +12585,8 @@
         </p:nvSpPr>
         <p:spPr>
           <a:xfrm>
-            <a:off x="1484311" y="451140"/>
-            <a:ext cx="10018713" cy="1752599"/>
+            <a:off x="1522947" y="119051"/>
+            <a:ext cx="10018713" cy="1433847"/>
           </a:xfrm>
         </p:spPr>
         <p:txBody>
@@ -12736,7 +12595,7 @@
           <a:p>
             <a:r>
               <a:rPr lang="en-US" dirty="0" smtClean="0"/>
-              <a:t>Further Customization - Windows Phone 8</a:t>
+              <a:t>Capturing Screenshots – WP*</a:t>
             </a:r>
             <a:endParaRPr lang="en-US" dirty="0"/>
           </a:p>
@@ -12754,71 +12613,89 @@
         </p:nvSpPr>
         <p:spPr>
           <a:xfrm>
-            <a:off x="1705983" y="3817792"/>
-            <a:ext cx="10018713" cy="3124201"/>
+            <a:off x="1767645" y="0"/>
+            <a:ext cx="10018713" cy="4606344"/>
           </a:xfrm>
         </p:spPr>
         <p:txBody>
           <a:bodyPr/>
           <a:lstStyle/>
           <a:p>
-            <a:r>
-              <a:rPr lang="en-US" dirty="0" smtClean="0"/>
-              <a:t>A </a:t>
-            </a:r>
-            <a:r>
-              <a:rPr lang="en-US" dirty="0" err="1" smtClean="0"/>
-              <a:t>resources.resw</a:t>
-            </a:r>
-            <a:r>
-              <a:rPr lang="en-US" dirty="0" smtClean="0"/>
-              <a:t> file exists in the “Resources” folder of the XplatformCloudKit.Phone8 project, open this to change values such as “</a:t>
-            </a:r>
-            <a:r>
-              <a:rPr lang="en-US" dirty="0" err="1" smtClean="0"/>
-              <a:t>ApplicationTitle</a:t>
-            </a:r>
-            <a:r>
-              <a:rPr lang="en-US" dirty="0" smtClean="0"/>
-              <a:t>”, “</a:t>
-            </a:r>
-            <a:r>
-              <a:rPr lang="en-US" dirty="0" err="1" smtClean="0"/>
-              <a:t>ItemDescriptionViewTitle</a:t>
-            </a:r>
-            <a:r>
-              <a:rPr lang="en-US" dirty="0" smtClean="0"/>
-              <a:t>”,</a:t>
+            <a:pPr marL="0" indent="0">
+              <a:buNone/>
+            </a:pPr>
+            <a:endParaRPr lang="en-US" dirty="0" smtClean="0"/>
+          </a:p>
+          <a:p>
+            <a:pPr marL="0" indent="0">
+              <a:buNone/>
+            </a:pPr>
+            <a:r>
+              <a:rPr lang="en-US" dirty="0" smtClean="0"/>
+              <a:t>Make sure you are deploying to the WXGA emulator </a:t>
+            </a:r>
+          </a:p>
+          <a:p>
+            <a:pPr marL="0" indent="0">
+              <a:buNone/>
+            </a:pPr>
+            <a:r>
+              <a:rPr lang="en-US" dirty="0" smtClean="0">
+                <a:solidFill>
+                  <a:srgbClr val="FF0000"/>
+                </a:solidFill>
+              </a:rPr>
+              <a:t>DO NOT CAPTURE IMAGES WITH DEBUGGING ENABLED</a:t>
+            </a:r>
+          </a:p>
+          <a:p>
+            <a:pPr marL="0" indent="0">
+              <a:buNone/>
+            </a:pPr>
+            <a:r>
+              <a:rPr lang="en-US" dirty="0" smtClean="0">
+                <a:solidFill>
+                  <a:srgbClr val="FF0000"/>
+                </a:solidFill>
+              </a:rPr>
+              <a:t>The Marketplace will immediately fail your app </a:t>
+            </a:r>
+          </a:p>
+          <a:p>
+            <a:pPr marL="0" indent="0">
+              <a:buNone/>
+            </a:pPr>
+            <a:r>
+              <a:rPr lang="en-US" dirty="0" smtClean="0"/>
+              <a:t>To </a:t>
             </a:r>
             <a:r>
               <a:rPr lang="en-US" dirty="0"/>
-              <a:t> </a:t>
-            </a:r>
-            <a:r>
-              <a:rPr lang="en-US" dirty="0" smtClean="0"/>
-              <a:t>and “</a:t>
-            </a:r>
-            <a:r>
-              <a:rPr lang="en-US" dirty="0" err="1" smtClean="0"/>
-              <a:t>ItemShowcaseViewTitle</a:t>
-            </a:r>
-            <a:r>
-              <a:rPr lang="en-US" dirty="0" smtClean="0"/>
-              <a:t>” </a:t>
-            </a:r>
-          </a:p>
-          <a:p>
-            <a:r>
-              <a:rPr lang="en-US" dirty="0" smtClean="0"/>
-              <a:t>A description of what these resources do is provided the “Comment” field </a:t>
-            </a:r>
-            <a:endParaRPr lang="en-US" dirty="0"/>
+              <a:t>capture screenshots </a:t>
+            </a:r>
+            <a:r>
+              <a:rPr lang="en-US" dirty="0" smtClean="0"/>
+              <a:t>:</a:t>
+            </a:r>
+          </a:p>
+          <a:p>
+            <a:pPr marL="0" indent="0">
+              <a:buNone/>
+            </a:pPr>
+            <a:r>
+              <a:rPr lang="en-US" dirty="0" smtClean="0"/>
+              <a:t>click </a:t>
+            </a:r>
+            <a:r>
+              <a:rPr lang="en-US" dirty="0"/>
+              <a:t>the double arrows (&gt;&gt;) in the emulator -&gt; Screenshot -&gt; Capture -&gt; Save</a:t>
+            </a:r>
           </a:p>
         </p:txBody>
       </p:sp>
       <p:pic>
         <p:nvPicPr>
-          <p:cNvPr id="6" name="Picture 5"/>
+          <p:cNvPr id="4" name="Picture 3"/>
           <p:cNvPicPr>
             <a:picLocks noChangeAspect="1"/>
           </p:cNvPicPr>
@@ -12832,8 +12709,8 @@
         </p:blipFill>
         <p:spPr>
           <a:xfrm>
-            <a:off x="1564479" y="1777278"/>
-            <a:ext cx="9858375" cy="2466975"/>
+            <a:off x="3943309" y="3940411"/>
+            <a:ext cx="5175246" cy="2917589"/>
           </a:xfrm>
           <a:prstGeom prst="rect">
             <a:avLst/>
@@ -12843,13 +12720,20 @@
     </p:spTree>
     <p:extLst>
       <p:ext uri="{BB962C8B-B14F-4D97-AF65-F5344CB8AC3E}">
-        <p14:creationId xmlns:p14="http://schemas.microsoft.com/office/powerpoint/2010/main" val="3968082273"/>
+        <p14:creationId xmlns:p14="http://schemas.microsoft.com/office/powerpoint/2010/main" val="2453063874"/>
       </p:ext>
     </p:extLst>
   </p:cSld>
   <p:clrMapOvr>
     <a:masterClrMapping/>
   </p:clrMapOvr>
+  <p:timing>
+    <p:tnLst>
+      <p:par>
+        <p:cTn id="1" dur="indefinite" restart="never" nodeType="tmRoot"/>
+      </p:par>
+    </p:tnLst>
+  </p:timing>
 </p:sld>
 </file>
 
@@ -12880,19 +12764,14 @@
             <p:ph type="title"/>
           </p:nvPr>
         </p:nvSpPr>
-        <p:spPr>
-          <a:xfrm>
-            <a:off x="675122" y="0"/>
-            <a:ext cx="11516878" cy="1752599"/>
-          </a:xfrm>
-        </p:spPr>
+        <p:spPr/>
         <p:txBody>
           <a:bodyPr/>
           <a:lstStyle/>
           <a:p>
             <a:r>
               <a:rPr lang="en-US" dirty="0" smtClean="0"/>
-              <a:t>Further Customization – WP8 continued…</a:t>
+              <a:t>Ready to Submit – WP8!</a:t>
             </a:r>
             <a:endParaRPr lang="en-US" dirty="0"/>
           </a:p>
@@ -12910,24 +12789,114 @@
         </p:nvSpPr>
         <p:spPr>
           <a:xfrm>
-            <a:off x="1705983" y="3817792"/>
-            <a:ext cx="10018713" cy="3124201"/>
+            <a:off x="1339263" y="2632075"/>
+            <a:ext cx="10018713" cy="4117145"/>
           </a:xfrm>
         </p:spPr>
         <p:txBody>
           <a:bodyPr/>
           <a:lstStyle/>
           <a:p>
-            <a:r>
-              <a:rPr lang="en-US" dirty="0" smtClean="0"/>
-              <a:t>You will also want to open up WMAppManifest.xml in the “Properties” folder of the XPlatformCloudKit.Phone8 project.</a:t>
-            </a:r>
-          </a:p>
-          <a:p>
-            <a:r>
-              <a:rPr lang="en-US" dirty="0" smtClean="0"/>
-              <a:t>Here you can edit your app name, description, and set the tile sizes you wish to use and the default image to display on them.</a:t>
-            </a:r>
+            <a:pPr marL="0" indent="0">
+              <a:buNone/>
+            </a:pPr>
+            <a:r>
+              <a:rPr lang="en-US" dirty="0" smtClean="0"/>
+              <a:t>Take a look at the </a:t>
+            </a:r>
+            <a:r>
+              <a:rPr lang="en-US" dirty="0" smtClean="0">
+                <a:hlinkClick r:id="rId2"/>
+              </a:rPr>
+              <a:t>app submission requirements</a:t>
+            </a:r>
+            <a:r>
+              <a:rPr lang="en-US" dirty="0" smtClean="0"/>
+              <a:t>, and make sure you have everything required to submit.</a:t>
+            </a:r>
+          </a:p>
+          <a:p>
+            <a:pPr marL="0" indent="0">
+              <a:buNone/>
+            </a:pPr>
+            <a:r>
+              <a:rPr lang="en-US" dirty="0" smtClean="0"/>
+              <a:t>Next, log </a:t>
+            </a:r>
+            <a:r>
+              <a:rPr lang="en-US" dirty="0"/>
+              <a:t>in with your developer account at </a:t>
+            </a:r>
+            <a:r>
+              <a:rPr lang="en-US" dirty="0">
+                <a:hlinkClick r:id="rId3"/>
+              </a:rPr>
+              <a:t>https://dev.windowsphone.com/ </a:t>
+            </a:r>
+            <a:r>
+              <a:rPr lang="en-US" dirty="0"/>
+              <a:t>and click ‘Submit App’ then follow the steps online to submit your application</a:t>
+            </a:r>
+            <a:r>
+              <a:rPr lang="en-US" dirty="0" smtClean="0"/>
+              <a:t>.</a:t>
+            </a:r>
+          </a:p>
+          <a:p>
+            <a:pPr marL="0" indent="0">
+              <a:buNone/>
+            </a:pPr>
+            <a:r>
+              <a:rPr lang="en-US" dirty="0" smtClean="0"/>
+              <a:t>You will need your .</a:t>
+            </a:r>
+            <a:r>
+              <a:rPr lang="en-US" dirty="0" err="1" smtClean="0"/>
+              <a:t>xap</a:t>
+            </a:r>
+            <a:r>
+              <a:rPr lang="en-US" dirty="0" smtClean="0"/>
+              <a:t> file, at least one screenshot, and a 300x300 PNG for submission. </a:t>
+            </a:r>
+            <a:r>
+              <a:rPr lang="en-US" dirty="0"/>
+              <a:t>The .</a:t>
+            </a:r>
+            <a:r>
+              <a:rPr lang="en-US" dirty="0" err="1"/>
+              <a:t>xap</a:t>
+            </a:r>
+            <a:r>
+              <a:rPr lang="en-US" dirty="0"/>
+              <a:t> file is automatically created </a:t>
+            </a:r>
+            <a:r>
+              <a:rPr lang="en-US" dirty="0" smtClean="0"/>
+              <a:t>when your project </a:t>
+            </a:r>
+            <a:r>
+              <a:rPr lang="en-US" smtClean="0"/>
+              <a:t>is built and</a:t>
+            </a:r>
+            <a:r>
+              <a:rPr lang="en-US" dirty="0"/>
+              <a:t> can be found in your projects directory in the bin\Debug or bin\Release folders.</a:t>
+            </a:r>
+          </a:p>
+          <a:p>
+            <a:pPr marL="0" indent="0">
+              <a:buNone/>
+            </a:pPr>
+            <a:r>
+              <a:rPr lang="en-US" dirty="0" smtClean="0"/>
+              <a:t>.</a:t>
+            </a:r>
+            <a:endParaRPr lang="en-US" dirty="0"/>
+          </a:p>
+          <a:p>
+            <a:pPr marL="0" indent="0">
+              <a:buNone/>
+            </a:pPr>
             <a:endParaRPr lang="en-US" dirty="0"/>
           </a:p>
         </p:txBody>
@@ -12941,15 +12910,21 @@
           <p:nvPr/>
         </p:nvPicPr>
         <p:blipFill>
-          <a:blip r:embed="rId2"/>
+          <a:blip r:embed="rId4">
+            <a:extLst>
+              <a:ext uri="{28A0092B-C50C-407E-A947-70E740481C1C}">
+                <a14:useLocalDpi xmlns:a14="http://schemas.microsoft.com/office/drawing/2010/main" val="0"/>
+              </a:ext>
+            </a:extLst>
+          </a:blip>
           <a:stretch>
             <a:fillRect/>
           </a:stretch>
         </p:blipFill>
         <p:spPr>
           <a:xfrm>
-            <a:off x="3650529" y="1265401"/>
-            <a:ext cx="5566064" cy="3163188"/>
+            <a:off x="9443451" y="588961"/>
+            <a:ext cx="1914525" cy="1946275"/>
           </a:xfrm>
           <a:prstGeom prst="rect">
             <a:avLst/>
@@ -12959,13 +12934,20 @@
     </p:spTree>
     <p:extLst>
       <p:ext uri="{BB962C8B-B14F-4D97-AF65-F5344CB8AC3E}">
-        <p14:creationId xmlns:p14="http://schemas.microsoft.com/office/powerpoint/2010/main" val="3061018902"/>
+        <p14:creationId xmlns:p14="http://schemas.microsoft.com/office/powerpoint/2010/main" val="3609341363"/>
       </p:ext>
     </p:extLst>
   </p:cSld>
   <p:clrMapOvr>
     <a:masterClrMapping/>
   </p:clrMapOvr>
+  <p:timing>
+    <p:tnLst>
+      <p:par>
+        <p:cTn id="1" dur="indefinite" restart="never" nodeType="tmRoot"/>
+      </p:par>
+    </p:tnLst>
+  </p:timing>
 </p:sld>
 </file>
 
@@ -13153,23 +13135,14 @@
             <p:ph type="title"/>
           </p:nvPr>
         </p:nvSpPr>
-        <p:spPr>
-          <a:xfrm>
-            <a:off x="1522947" y="119051"/>
-            <a:ext cx="10018713" cy="1433847"/>
-          </a:xfrm>
-        </p:spPr>
+        <p:spPr/>
         <p:txBody>
           <a:bodyPr/>
           <a:lstStyle/>
           <a:p>
             <a:r>
               <a:rPr lang="en-US" dirty="0" smtClean="0"/>
-              <a:t>Capturing </a:t>
-            </a:r>
-            <a:r>
-              <a:rPr lang="en-US" dirty="0" smtClean="0"/>
-              <a:t>Screenshots – WP*</a:t>
+              <a:t>Reward yourself, you earned it!</a:t>
             </a:r>
             <a:endParaRPr lang="en-US" dirty="0"/>
           </a:p>
@@ -13187,8 +13160,8 @@
         </p:nvSpPr>
         <p:spPr>
           <a:xfrm>
-            <a:off x="1767645" y="0"/>
-            <a:ext cx="10018713" cy="4606344"/>
+            <a:off x="1484311" y="2438399"/>
+            <a:ext cx="10018713" cy="3522786"/>
           </a:xfrm>
         </p:spPr>
         <p:txBody>
@@ -13198,6 +13171,32 @@
             <a:pPr marL="0" indent="0">
               <a:buNone/>
             </a:pPr>
+            <a:r>
+              <a:rPr lang="en-US" dirty="0" smtClean="0"/>
+              <a:t>If </a:t>
+            </a:r>
+            <a:r>
+              <a:rPr lang="en-US" dirty="0"/>
+              <a:t>you successfully publish 3 apps, contact </a:t>
+            </a:r>
+            <a:r>
+              <a:rPr lang="en-US" dirty="0">
+                <a:hlinkClick r:id="rId2"/>
+              </a:rPr>
+              <a:t>pdecarlo@microsoft.com</a:t>
+            </a:r>
+            <a:r>
+              <a:rPr lang="en-US" dirty="0"/>
+              <a:t> with the published store links and inquire about receiving a free Windows Phone</a:t>
+            </a:r>
+            <a:r>
+              <a:rPr lang="en-US" dirty="0" smtClean="0"/>
+              <a:t>!</a:t>
+            </a:r>
+            <a:r>
+              <a:rPr lang="en-US" dirty="0"/>
+              <a:t> </a:t>
+            </a:r>
             <a:endParaRPr lang="en-US" dirty="0" smtClean="0"/>
           </a:p>
           <a:p>
@@ -13206,63 +13205,7 @@
             </a:pPr>
             <a:r>
               <a:rPr lang="en-US" dirty="0" smtClean="0"/>
-              <a:t>Make sure you are deploying to the WXGA emulator </a:t>
-            </a:r>
-          </a:p>
-          <a:p>
-            <a:pPr marL="0" indent="0">
-              <a:buNone/>
-            </a:pPr>
-            <a:r>
-              <a:rPr lang="en-US" dirty="0" smtClean="0">
-                <a:solidFill>
-                  <a:srgbClr val="FF0000"/>
-                </a:solidFill>
-              </a:rPr>
-              <a:t>DO NOT CAPTURE IMAGES WITH DEBUGGING ENABLED</a:t>
-            </a:r>
-          </a:p>
-          <a:p>
-            <a:pPr marL="0" indent="0">
-              <a:buNone/>
-            </a:pPr>
-            <a:r>
-              <a:rPr lang="en-US" dirty="0" smtClean="0">
-                <a:solidFill>
-                  <a:srgbClr val="FF0000"/>
-                </a:solidFill>
-              </a:rPr>
-              <a:t>The Marketplace will immediately fail your app </a:t>
-            </a:r>
-          </a:p>
-          <a:p>
-            <a:pPr marL="0" indent="0">
-              <a:buNone/>
-            </a:pPr>
-            <a:r>
-              <a:rPr lang="en-US" dirty="0" smtClean="0"/>
-              <a:t>To </a:t>
-            </a:r>
-            <a:r>
-              <a:rPr lang="en-US" dirty="0"/>
-              <a:t>capture screenshots </a:t>
-            </a:r>
-            <a:r>
-              <a:rPr lang="en-US" dirty="0" smtClean="0"/>
-              <a:t>:</a:t>
-            </a:r>
-          </a:p>
-          <a:p>
-            <a:pPr marL="0" indent="0">
-              <a:buNone/>
-            </a:pPr>
-            <a:r>
-              <a:rPr lang="en-US" dirty="0" smtClean="0"/>
-              <a:t>click </a:t>
-            </a:r>
-            <a:r>
-              <a:rPr lang="en-US" dirty="0"/>
-              <a:t>the double arrows (&gt;&gt;) in the emulator -&gt; Screenshot -&gt; Capture -&gt; Save</a:t>
+              <a:t>*Offer limited to the first 100 respondents / U.S. residents only</a:t>
             </a:r>
           </a:p>
         </p:txBody>
@@ -13276,15 +13219,21 @@
           <p:nvPr/>
         </p:nvPicPr>
         <p:blipFill>
-          <a:blip r:embed="rId2"/>
+          <a:blip r:embed="rId3">
+            <a:extLst>
+              <a:ext uri="{28A0092B-C50C-407E-A947-70E740481C1C}">
+                <a14:useLocalDpi xmlns:a14="http://schemas.microsoft.com/office/drawing/2010/main" val="0"/>
+              </a:ext>
+            </a:extLst>
+          </a:blip>
           <a:stretch>
             <a:fillRect/>
           </a:stretch>
         </p:blipFill>
         <p:spPr>
           <a:xfrm>
-            <a:off x="3943309" y="3940411"/>
-            <a:ext cx="5175246" cy="2917589"/>
+            <a:off x="5900480" y="2111912"/>
+            <a:ext cx="1186374" cy="1186374"/>
           </a:xfrm>
           <a:prstGeom prst="rect">
             <a:avLst/>
@@ -13294,7 +13243,7 @@
     </p:spTree>
     <p:extLst>
       <p:ext uri="{BB962C8B-B14F-4D97-AF65-F5344CB8AC3E}">
-        <p14:creationId xmlns:p14="http://schemas.microsoft.com/office/powerpoint/2010/main" val="2453063874"/>
+        <p14:creationId xmlns:p14="http://schemas.microsoft.com/office/powerpoint/2010/main" val="2754927281"/>
       </p:ext>
     </p:extLst>
   </p:cSld>
@@ -13345,376 +13294,6 @@
           <a:p>
             <a:r>
               <a:rPr lang="en-US" dirty="0" smtClean="0"/>
-              <a:t>Ready to </a:t>
-            </a:r>
-            <a:r>
-              <a:rPr lang="en-US" dirty="0" smtClean="0"/>
-              <a:t>Submit – WP8!</a:t>
-            </a:r>
-            <a:endParaRPr lang="en-US" dirty="0"/>
-          </a:p>
-        </p:txBody>
-      </p:sp>
-      <p:sp>
-        <p:nvSpPr>
-          <p:cNvPr id="3" name="Content Placeholder 2"/>
-          <p:cNvSpPr>
-            <a:spLocks noGrp="1"/>
-          </p:cNvSpPr>
-          <p:nvPr>
-            <p:ph idx="1"/>
-          </p:nvPr>
-        </p:nvSpPr>
-        <p:spPr>
-          <a:xfrm>
-            <a:off x="1339263" y="2632075"/>
-            <a:ext cx="10018713" cy="4117145"/>
-          </a:xfrm>
-        </p:spPr>
-        <p:txBody>
-          <a:bodyPr/>
-          <a:lstStyle/>
-          <a:p>
-            <a:pPr marL="0" indent="0">
-              <a:buNone/>
-            </a:pPr>
-            <a:r>
-              <a:rPr lang="en-US" dirty="0" smtClean="0"/>
-              <a:t>Take a look at the </a:t>
-            </a:r>
-            <a:r>
-              <a:rPr lang="en-US" dirty="0" smtClean="0">
-                <a:hlinkClick r:id="rId2"/>
-              </a:rPr>
-              <a:t>app submission requirements</a:t>
-            </a:r>
-            <a:r>
-              <a:rPr lang="en-US" dirty="0" smtClean="0"/>
-              <a:t>, and make sure you have everything required to submit.</a:t>
-            </a:r>
-          </a:p>
-          <a:p>
-            <a:pPr marL="0" indent="0">
-              <a:buNone/>
-            </a:pPr>
-            <a:r>
-              <a:rPr lang="en-US" dirty="0" smtClean="0"/>
-              <a:t>Next, log </a:t>
-            </a:r>
-            <a:r>
-              <a:rPr lang="en-US" dirty="0"/>
-              <a:t>in with your developer account at </a:t>
-            </a:r>
-            <a:r>
-              <a:rPr lang="en-US" dirty="0">
-                <a:hlinkClick r:id="rId3"/>
-              </a:rPr>
-              <a:t>https://dev.windowsphone.com/ </a:t>
-            </a:r>
-            <a:r>
-              <a:rPr lang="en-US" dirty="0"/>
-              <a:t>and click ‘Submit App’ then follow the steps online to submit your application</a:t>
-            </a:r>
-            <a:r>
-              <a:rPr lang="en-US" dirty="0" smtClean="0"/>
-              <a:t>.</a:t>
-            </a:r>
-          </a:p>
-          <a:p>
-            <a:pPr marL="0" indent="0">
-              <a:buNone/>
-            </a:pPr>
-            <a:r>
-              <a:rPr lang="en-US" dirty="0" smtClean="0"/>
-              <a:t>You will need your .</a:t>
-            </a:r>
-            <a:r>
-              <a:rPr lang="en-US" dirty="0" err="1" smtClean="0"/>
-              <a:t>xap</a:t>
-            </a:r>
-            <a:r>
-              <a:rPr lang="en-US" dirty="0" smtClean="0"/>
-              <a:t> file, at least one screenshot, and a 300x300 PNG for submission. </a:t>
-            </a:r>
-            <a:r>
-              <a:rPr lang="en-US" dirty="0"/>
-              <a:t>The .</a:t>
-            </a:r>
-            <a:r>
-              <a:rPr lang="en-US" dirty="0" err="1"/>
-              <a:t>xap</a:t>
-            </a:r>
-            <a:r>
-              <a:rPr lang="en-US" dirty="0"/>
-              <a:t> file is automatically created </a:t>
-            </a:r>
-            <a:r>
-              <a:rPr lang="en-US" dirty="0" smtClean="0"/>
-              <a:t>when your project </a:t>
-            </a:r>
-            <a:r>
-              <a:rPr lang="en-US" smtClean="0"/>
-              <a:t>is built and</a:t>
-            </a:r>
-            <a:r>
-              <a:rPr lang="en-US" dirty="0"/>
-              <a:t> can be found in your projects directory in the bin\Debug or bin\Release folders.</a:t>
-            </a:r>
-          </a:p>
-          <a:p>
-            <a:pPr marL="0" indent="0">
-              <a:buNone/>
-            </a:pPr>
-            <a:r>
-              <a:rPr lang="en-US" dirty="0" smtClean="0"/>
-              <a:t>.</a:t>
-            </a:r>
-            <a:endParaRPr lang="en-US" dirty="0"/>
-          </a:p>
-          <a:p>
-            <a:pPr marL="0" indent="0">
-              <a:buNone/>
-            </a:pPr>
-            <a:endParaRPr lang="en-US" dirty="0"/>
-          </a:p>
-        </p:txBody>
-      </p:sp>
-      <p:pic>
-        <p:nvPicPr>
-          <p:cNvPr id="4" name="Picture 3"/>
-          <p:cNvPicPr>
-            <a:picLocks noChangeAspect="1"/>
-          </p:cNvPicPr>
-          <p:nvPr/>
-        </p:nvPicPr>
-        <p:blipFill>
-          <a:blip r:embed="rId4">
-            <a:extLst>
-              <a:ext uri="{28A0092B-C50C-407E-A947-70E740481C1C}">
-                <a14:useLocalDpi xmlns:a14="http://schemas.microsoft.com/office/drawing/2010/main" val="0"/>
-              </a:ext>
-            </a:extLst>
-          </a:blip>
-          <a:stretch>
-            <a:fillRect/>
-          </a:stretch>
-        </p:blipFill>
-        <p:spPr>
-          <a:xfrm>
-            <a:off x="9443451" y="588961"/>
-            <a:ext cx="1914525" cy="1946275"/>
-          </a:xfrm>
-          <a:prstGeom prst="rect">
-            <a:avLst/>
-          </a:prstGeom>
-        </p:spPr>
-      </p:pic>
-    </p:spTree>
-    <p:extLst>
-      <p:ext uri="{BB962C8B-B14F-4D97-AF65-F5344CB8AC3E}">
-        <p14:creationId xmlns:p14="http://schemas.microsoft.com/office/powerpoint/2010/main" val="3609341363"/>
-      </p:ext>
-    </p:extLst>
-  </p:cSld>
-  <p:clrMapOvr>
-    <a:masterClrMapping/>
-  </p:clrMapOvr>
-  <p:timing>
-    <p:tnLst>
-      <p:par>
-        <p:cTn id="1" dur="indefinite" restart="never" nodeType="tmRoot"/>
-      </p:par>
-    </p:tnLst>
-  </p:timing>
-</p:sld>
-</file>
-
-<file path=ppt/slides/slide42.xml><?xml version="1.0" encoding="utf-8"?>
-<p:sld xmlns:a="http://schemas.openxmlformats.org/drawingml/2006/main" xmlns:r="http://schemas.openxmlformats.org/officeDocument/2006/relationships" xmlns:p="http://schemas.openxmlformats.org/presentationml/2006/main">
-  <p:cSld>
-    <p:spTree>
-      <p:nvGrpSpPr>
-        <p:cNvPr id="1" name=""/>
-        <p:cNvGrpSpPr/>
-        <p:nvPr/>
-      </p:nvGrpSpPr>
-      <p:grpSpPr>
-        <a:xfrm>
-          <a:off x="0" y="0"/>
-          <a:ext cx="0" cy="0"/>
-          <a:chOff x="0" y="0"/>
-          <a:chExt cx="0" cy="0"/>
-        </a:xfrm>
-      </p:grpSpPr>
-      <p:sp>
-        <p:nvSpPr>
-          <p:cNvPr id="2" name="Title 1"/>
-          <p:cNvSpPr>
-            <a:spLocks noGrp="1"/>
-          </p:cNvSpPr>
-          <p:nvPr>
-            <p:ph type="title"/>
-          </p:nvPr>
-        </p:nvSpPr>
-        <p:spPr/>
-        <p:txBody>
-          <a:bodyPr/>
-          <a:lstStyle/>
-          <a:p>
-            <a:r>
-              <a:rPr lang="en-US" dirty="0" smtClean="0"/>
-              <a:t>Reward yourself, you earned it!</a:t>
-            </a:r>
-            <a:endParaRPr lang="en-US" dirty="0"/>
-          </a:p>
-        </p:txBody>
-      </p:sp>
-      <p:sp>
-        <p:nvSpPr>
-          <p:cNvPr id="3" name="Content Placeholder 2"/>
-          <p:cNvSpPr>
-            <a:spLocks noGrp="1"/>
-          </p:cNvSpPr>
-          <p:nvPr>
-            <p:ph idx="1"/>
-          </p:nvPr>
-        </p:nvSpPr>
-        <p:spPr>
-          <a:xfrm>
-            <a:off x="1484311" y="2438399"/>
-            <a:ext cx="10018713" cy="3522786"/>
-          </a:xfrm>
-        </p:spPr>
-        <p:txBody>
-          <a:bodyPr/>
-          <a:lstStyle/>
-          <a:p>
-            <a:pPr marL="0" indent="0">
-              <a:buNone/>
-            </a:pPr>
-            <a:r>
-              <a:rPr lang="en-US" dirty="0" smtClean="0"/>
-              <a:t>If </a:t>
-            </a:r>
-            <a:r>
-              <a:rPr lang="en-US" dirty="0"/>
-              <a:t>you successfully publish 3 apps, contact </a:t>
-            </a:r>
-            <a:r>
-              <a:rPr lang="en-US" dirty="0">
-                <a:hlinkClick r:id="rId2"/>
-              </a:rPr>
-              <a:t>pdecarlo@microsoft.com</a:t>
-            </a:r>
-            <a:r>
-              <a:rPr lang="en-US" dirty="0"/>
-              <a:t> with the published store links and inquire about receiving a free Windows Phone</a:t>
-            </a:r>
-            <a:r>
-              <a:rPr lang="en-US" dirty="0" smtClean="0"/>
-              <a:t>!</a:t>
-            </a:r>
-            <a:r>
-              <a:rPr lang="en-US" dirty="0"/>
-              <a:t> </a:t>
-            </a:r>
-            <a:endParaRPr lang="en-US" dirty="0" smtClean="0"/>
-          </a:p>
-          <a:p>
-            <a:pPr marL="0" indent="0">
-              <a:buNone/>
-            </a:pPr>
-            <a:r>
-              <a:rPr lang="en-US" dirty="0" smtClean="0"/>
-              <a:t>*Offer limited to the first 100 respondents / U.S. residents only</a:t>
-            </a:r>
-          </a:p>
-        </p:txBody>
-      </p:sp>
-      <p:pic>
-        <p:nvPicPr>
-          <p:cNvPr id="4" name="Picture 3"/>
-          <p:cNvPicPr>
-            <a:picLocks noChangeAspect="1"/>
-          </p:cNvPicPr>
-          <p:nvPr/>
-        </p:nvPicPr>
-        <p:blipFill>
-          <a:blip r:embed="rId3">
-            <a:extLst>
-              <a:ext uri="{28A0092B-C50C-407E-A947-70E740481C1C}">
-                <a14:useLocalDpi xmlns:a14="http://schemas.microsoft.com/office/drawing/2010/main" val="0"/>
-              </a:ext>
-            </a:extLst>
-          </a:blip>
-          <a:stretch>
-            <a:fillRect/>
-          </a:stretch>
-        </p:blipFill>
-        <p:spPr>
-          <a:xfrm>
-            <a:off x="5900480" y="2111912"/>
-            <a:ext cx="1186374" cy="1186374"/>
-          </a:xfrm>
-          <a:prstGeom prst="rect">
-            <a:avLst/>
-          </a:prstGeom>
-        </p:spPr>
-      </p:pic>
-    </p:spTree>
-    <p:extLst>
-      <p:ext uri="{BB962C8B-B14F-4D97-AF65-F5344CB8AC3E}">
-        <p14:creationId xmlns:p14="http://schemas.microsoft.com/office/powerpoint/2010/main" val="2754927281"/>
-      </p:ext>
-    </p:extLst>
-  </p:cSld>
-  <p:clrMapOvr>
-    <a:masterClrMapping/>
-  </p:clrMapOvr>
-  <p:timing>
-    <p:tnLst>
-      <p:par>
-        <p:cTn id="1" dur="indefinite" restart="never" nodeType="tmRoot"/>
-      </p:par>
-    </p:tnLst>
-  </p:timing>
-</p:sld>
-</file>
-
-<file path=ppt/slides/slide43.xml><?xml version="1.0" encoding="utf-8"?>
-<p:sld xmlns:a="http://schemas.openxmlformats.org/drawingml/2006/main" xmlns:r="http://schemas.openxmlformats.org/officeDocument/2006/relationships" xmlns:p="http://schemas.openxmlformats.org/presentationml/2006/main">
-  <p:cSld>
-    <p:spTree>
-      <p:nvGrpSpPr>
-        <p:cNvPr id="1" name=""/>
-        <p:cNvGrpSpPr/>
-        <p:nvPr/>
-      </p:nvGrpSpPr>
-      <p:grpSpPr>
-        <a:xfrm>
-          <a:off x="0" y="0"/>
-          <a:ext cx="0" cy="0"/>
-          <a:chOff x="0" y="0"/>
-          <a:chExt cx="0" cy="0"/>
-        </a:xfrm>
-      </p:grpSpPr>
-      <p:sp>
-        <p:nvSpPr>
-          <p:cNvPr id="2" name="Title 1"/>
-          <p:cNvSpPr>
-            <a:spLocks noGrp="1"/>
-          </p:cNvSpPr>
-          <p:nvPr>
-            <p:ph type="title"/>
-          </p:nvPr>
-        </p:nvSpPr>
-        <p:spPr/>
-        <p:txBody>
-          <a:bodyPr/>
-          <a:lstStyle/>
-          <a:p>
-            <a:r>
-              <a:rPr lang="en-US" dirty="0" smtClean="0"/>
               <a:t>Further Help and Assistance</a:t>
             </a:r>
             <a:endParaRPr lang="en-US" dirty="0"/>
@@ -13751,15 +13330,7 @@
             </a:r>
             <a:r>
               <a:rPr lang="en-US" dirty="0" smtClean="0"/>
-              <a:t> and I will do my best to help get your application coded, tested, and submitted to the Windows </a:t>
-            </a:r>
-            <a:r>
-              <a:rPr lang="en-US" dirty="0" smtClean="0"/>
-              <a:t>marketplace</a:t>
-            </a:r>
-            <a:r>
-              <a:rPr lang="en-US" dirty="0" smtClean="0"/>
-              <a:t>!</a:t>
+              <a:t> and I will do my best to help get your application coded, tested, and submitted to the Windows marketplace!</a:t>
             </a:r>
             <a:endParaRPr lang="en-US" dirty="0"/>
           </a:p>
@@ -13897,11 +13468,7 @@
             </a:r>
             <a:r>
               <a:rPr lang="en-US" dirty="0" smtClean="0"/>
-              <a:t>(Professional or above</a:t>
-            </a:r>
-            <a:r>
-              <a:rPr lang="en-US" dirty="0" smtClean="0"/>
-              <a:t>) – </a:t>
+              <a:t>(Professional or above) – </a:t>
             </a:r>
             <a:r>
               <a:rPr lang="en-US" dirty="0" err="1" smtClean="0">
@@ -13932,19 +13499,12 @@
               <a:rPr lang="en-US" dirty="0" smtClean="0">
                 <a:hlinkClick r:id="rId4"/>
               </a:rPr>
-              <a:t>Windows </a:t>
-            </a:r>
-            <a:r>
-              <a:rPr lang="en-US" dirty="0" smtClean="0">
-                <a:hlinkClick r:id="rId4"/>
-              </a:rPr>
-              <a:t>Phone 8 SDK </a:t>
+              <a:t>Windows Phone 8 SDK </a:t>
             </a:r>
             <a:r>
               <a:rPr lang="en-US" dirty="0" smtClean="0"/>
               <a:t>(if you wish to build WP8 project)</a:t>
             </a:r>
-            <a:endParaRPr lang="en-US" dirty="0" smtClean="0"/>
           </a:p>
           <a:p>
             <a:endParaRPr lang="en-US" dirty="0"/>

--- a/XPlatformCloudkit.pptx
+++ b/XPlatformCloudkit.pptx
@@ -23,29 +23,31 @@
     <p:sldId id="272" r:id="rId17"/>
     <p:sldId id="273" r:id="rId18"/>
     <p:sldId id="275" r:id="rId19"/>
-    <p:sldId id="276" r:id="rId20"/>
-    <p:sldId id="278" r:id="rId21"/>
-    <p:sldId id="277" r:id="rId22"/>
-    <p:sldId id="280" r:id="rId23"/>
-    <p:sldId id="281" r:id="rId24"/>
-    <p:sldId id="282" r:id="rId25"/>
-    <p:sldId id="284" r:id="rId26"/>
-    <p:sldId id="285" r:id="rId27"/>
-    <p:sldId id="274" r:id="rId28"/>
-    <p:sldId id="279" r:id="rId29"/>
-    <p:sldId id="286" r:id="rId30"/>
-    <p:sldId id="287" r:id="rId31"/>
-    <p:sldId id="288" r:id="rId32"/>
-    <p:sldId id="289" r:id="rId33"/>
-    <p:sldId id="290" r:id="rId34"/>
-    <p:sldId id="291" r:id="rId35"/>
-    <p:sldId id="296" r:id="rId36"/>
+    <p:sldId id="278" r:id="rId20"/>
+    <p:sldId id="277" r:id="rId21"/>
+    <p:sldId id="280" r:id="rId22"/>
+    <p:sldId id="281" r:id="rId23"/>
+    <p:sldId id="282" r:id="rId24"/>
+    <p:sldId id="284" r:id="rId25"/>
+    <p:sldId id="285" r:id="rId26"/>
+    <p:sldId id="274" r:id="rId27"/>
+    <p:sldId id="279" r:id="rId28"/>
+    <p:sldId id="286" r:id="rId29"/>
+    <p:sldId id="287" r:id="rId30"/>
+    <p:sldId id="288" r:id="rId31"/>
+    <p:sldId id="289" r:id="rId32"/>
+    <p:sldId id="290" r:id="rId33"/>
+    <p:sldId id="291" r:id="rId34"/>
+    <p:sldId id="296" r:id="rId35"/>
+    <p:sldId id="302" r:id="rId36"/>
     <p:sldId id="294" r:id="rId37"/>
     <p:sldId id="297" r:id="rId38"/>
     <p:sldId id="298" r:id="rId39"/>
-    <p:sldId id="299" r:id="rId40"/>
-    <p:sldId id="300" r:id="rId41"/>
-    <p:sldId id="301" r:id="rId42"/>
+    <p:sldId id="304" r:id="rId40"/>
+    <p:sldId id="299" r:id="rId41"/>
+    <p:sldId id="303" r:id="rId42"/>
+    <p:sldId id="300" r:id="rId43"/>
+    <p:sldId id="301" r:id="rId44"/>
   </p:sldIdLst>
   <p:sldSz cx="12192000" cy="6858000"/>
   <p:notesSz cx="6858000" cy="9144000"/>
@@ -655,7 +657,7 @@
             <a:fld id="{B61BEF0D-F0BB-DE4B-95CE-6DB70DBA9567}" type="datetimeFigureOut">
               <a:rPr lang="en-US" dirty="0"/>
               <a:pPr/>
-              <a:t>10/10/2013</a:t>
+              <a:t>10/14/2013</a:t>
             </a:fld>
             <a:endParaRPr lang="en-US" dirty="0"/>
           </a:p>
@@ -948,7 +950,7 @@
             <a:fld id="{B61BEF0D-F0BB-DE4B-95CE-6DB70DBA9567}" type="datetimeFigureOut">
               <a:rPr lang="en-US" dirty="0"/>
               <a:pPr/>
-              <a:t>10/10/2013</a:t>
+              <a:t>10/14/2013</a:t>
             </a:fld>
             <a:endParaRPr lang="en-US" dirty="0"/>
           </a:p>
@@ -1193,7 +1195,7 @@
             <a:fld id="{B61BEF0D-F0BB-DE4B-95CE-6DB70DBA9567}" type="datetimeFigureOut">
               <a:rPr lang="en-US" dirty="0"/>
               <a:pPr/>
-              <a:t>10/10/2013</a:t>
+              <a:t>10/14/2013</a:t>
             </a:fld>
             <a:endParaRPr lang="en-US" dirty="0"/>
           </a:p>
@@ -1730,7 +1732,7 @@
             <a:fld id="{B61BEF0D-F0BB-DE4B-95CE-6DB70DBA9567}" type="datetimeFigureOut">
               <a:rPr lang="en-US" dirty="0"/>
               <a:pPr/>
-              <a:t>10/10/2013</a:t>
+              <a:t>10/14/2013</a:t>
             </a:fld>
             <a:endParaRPr lang="en-US" dirty="0"/>
           </a:p>
@@ -1975,7 +1977,7 @@
             <a:fld id="{B61BEF0D-F0BB-DE4B-95CE-6DB70DBA9567}" type="datetimeFigureOut">
               <a:rPr lang="en-US" dirty="0"/>
               <a:pPr/>
-              <a:t>10/10/2013</a:t>
+              <a:t>10/14/2013</a:t>
             </a:fld>
             <a:endParaRPr lang="en-US" dirty="0"/>
           </a:p>
@@ -2504,7 +2506,7 @@
             <a:fld id="{B61BEF0D-F0BB-DE4B-95CE-6DB70DBA9567}" type="datetimeFigureOut">
               <a:rPr lang="en-US" dirty="0"/>
               <a:pPr/>
-              <a:t>10/10/2013</a:t>
+              <a:t>10/14/2013</a:t>
             </a:fld>
             <a:endParaRPr lang="en-US" dirty="0"/>
           </a:p>
@@ -2798,7 +2800,7 @@
             <a:fld id="{B61BEF0D-F0BB-DE4B-95CE-6DB70DBA9567}" type="datetimeFigureOut">
               <a:rPr lang="en-US" dirty="0"/>
               <a:pPr/>
-              <a:t>10/10/2013</a:t>
+              <a:t>10/14/2013</a:t>
             </a:fld>
             <a:endParaRPr lang="en-US" dirty="0"/>
           </a:p>
@@ -2969,7 +2971,7 @@
             <a:fld id="{B61BEF0D-F0BB-DE4B-95CE-6DB70DBA9567}" type="datetimeFigureOut">
               <a:rPr lang="en-US" dirty="0"/>
               <a:pPr/>
-              <a:t>10/10/2013</a:t>
+              <a:t>10/14/2013</a:t>
             </a:fld>
             <a:endParaRPr lang="en-US" dirty="0"/>
           </a:p>
@@ -3146,7 +3148,7 @@
             <a:fld id="{B61BEF0D-F0BB-DE4B-95CE-6DB70DBA9567}" type="datetimeFigureOut">
               <a:rPr lang="en-US" dirty="0"/>
               <a:pPr/>
-              <a:t>10/10/2013</a:t>
+              <a:t>10/14/2013</a:t>
             </a:fld>
             <a:endParaRPr lang="en-US" dirty="0"/>
           </a:p>
@@ -3313,7 +3315,7 @@
             <a:fld id="{B61BEF0D-F0BB-DE4B-95CE-6DB70DBA9567}" type="datetimeFigureOut">
               <a:rPr lang="en-US" dirty="0"/>
               <a:pPr/>
-              <a:t>10/10/2013</a:t>
+              <a:t>10/14/2013</a:t>
             </a:fld>
             <a:endParaRPr lang="en-US" dirty="0"/>
           </a:p>
@@ -3561,7 +3563,7 @@
             <a:fld id="{B61BEF0D-F0BB-DE4B-95CE-6DB70DBA9567}" type="datetimeFigureOut">
               <a:rPr lang="en-US" dirty="0"/>
               <a:pPr/>
-              <a:t>10/10/2013</a:t>
+              <a:t>10/14/2013</a:t>
             </a:fld>
             <a:endParaRPr lang="en-US" dirty="0"/>
           </a:p>
@@ -3855,7 +3857,7 @@
             <a:fld id="{B61BEF0D-F0BB-DE4B-95CE-6DB70DBA9567}" type="datetimeFigureOut">
               <a:rPr lang="en-US" dirty="0"/>
               <a:pPr/>
-              <a:t>10/10/2013</a:t>
+              <a:t>10/14/2013</a:t>
             </a:fld>
             <a:endParaRPr lang="en-US" dirty="0"/>
           </a:p>
@@ -4294,7 +4296,7 @@
             <a:fld id="{B61BEF0D-F0BB-DE4B-95CE-6DB70DBA9567}" type="datetimeFigureOut">
               <a:rPr lang="en-US" dirty="0"/>
               <a:pPr/>
-              <a:t>10/10/2013</a:t>
+              <a:t>10/14/2013</a:t>
             </a:fld>
             <a:endParaRPr lang="en-US" dirty="0"/>
           </a:p>
@@ -4409,7 +4411,7 @@
             <a:fld id="{B61BEF0D-F0BB-DE4B-95CE-6DB70DBA9567}" type="datetimeFigureOut">
               <a:rPr lang="en-US" dirty="0"/>
               <a:pPr/>
-              <a:t>10/10/2013</a:t>
+              <a:t>10/14/2013</a:t>
             </a:fld>
             <a:endParaRPr lang="en-US" dirty="0"/>
           </a:p>
@@ -4501,7 +4503,7 @@
             <a:fld id="{B61BEF0D-F0BB-DE4B-95CE-6DB70DBA9567}" type="datetimeFigureOut">
               <a:rPr lang="en-US" dirty="0"/>
               <a:pPr/>
-              <a:t>10/10/2013</a:t>
+              <a:t>10/14/2013</a:t>
             </a:fld>
             <a:endParaRPr lang="en-US" dirty="0"/>
           </a:p>
@@ -4781,7 +4783,7 @@
             <a:fld id="{B61BEF0D-F0BB-DE4B-95CE-6DB70DBA9567}" type="datetimeFigureOut">
               <a:rPr lang="en-US" dirty="0"/>
               <a:pPr/>
-              <a:t>10/10/2013</a:t>
+              <a:t>10/14/2013</a:t>
             </a:fld>
             <a:endParaRPr lang="en-US" dirty="0"/>
           </a:p>
@@ -5069,7 +5071,7 @@
             <a:fld id="{B61BEF0D-F0BB-DE4B-95CE-6DB70DBA9567}" type="datetimeFigureOut">
               <a:rPr lang="en-US" dirty="0"/>
               <a:pPr/>
-              <a:t>10/10/2013</a:t>
+              <a:t>10/14/2013</a:t>
             </a:fld>
             <a:endParaRPr lang="en-US" dirty="0"/>
           </a:p>
@@ -5596,7 +5598,7 @@
             <a:fld id="{B61BEF0D-F0BB-DE4B-95CE-6DB70DBA9567}" type="datetimeFigureOut">
               <a:rPr lang="en-US" dirty="0"/>
               <a:pPr/>
-              <a:t>10/10/2013</a:t>
+              <a:t>10/14/2013</a:t>
             </a:fld>
             <a:endParaRPr lang="en-US" dirty="0"/>
           </a:p>
@@ -6977,6 +6979,134 @@
           </a:extLst>
         </p:spPr>
       </p:pic>
+      <p:sp>
+        <p:nvSpPr>
+          <p:cNvPr id="6" name="Rectangle 5"/>
+          <p:cNvSpPr/>
+          <p:nvPr/>
+        </p:nvSpPr>
+        <p:spPr>
+          <a:xfrm>
+            <a:off x="5872915" y="4410210"/>
+            <a:ext cx="5899244" cy="830997"/>
+          </a:xfrm>
+          <a:prstGeom prst="rect">
+            <a:avLst/>
+          </a:prstGeom>
+          <a:noFill/>
+        </p:spPr>
+        <p:txBody>
+          <a:bodyPr wrap="none" lIns="91440" tIns="45720" rIns="91440" bIns="45720">
+            <a:spAutoFit/>
+          </a:bodyPr>
+          <a:lstStyle/>
+          <a:p>
+            <a:pPr algn="ctr"/>
+            <a:r>
+              <a:rPr lang="en-US" sz="2400" b="1" dirty="0">
+                <a:ln w="22225">
+                  <a:solidFill>
+                    <a:schemeClr val="accent2"/>
+                  </a:solidFill>
+                  <a:prstDash val="solid"/>
+                </a:ln>
+                <a:solidFill>
+                  <a:schemeClr val="accent2">
+                    <a:lumMod val="40000"/>
+                    <a:lumOff val="60000"/>
+                  </a:schemeClr>
+                </a:solidFill>
+              </a:rPr>
+              <a:t>&lt;- </a:t>
+            </a:r>
+            <a:r>
+              <a:rPr lang="en-US" sz="2400" b="1" dirty="0" smtClean="0">
+                <a:ln w="22225">
+                  <a:solidFill>
+                    <a:schemeClr val="accent2"/>
+                  </a:solidFill>
+                  <a:prstDash val="solid"/>
+                </a:ln>
+                <a:solidFill>
+                  <a:schemeClr val="accent2">
+                    <a:lumMod val="40000"/>
+                    <a:lumOff val="60000"/>
+                  </a:schemeClr>
+                </a:solidFill>
+              </a:rPr>
+              <a:t>Use a name that describes your app</a:t>
+            </a:r>
+          </a:p>
+          <a:p>
+            <a:pPr algn="ctr"/>
+            <a:r>
+              <a:rPr lang="en-US" sz="2400" b="1" dirty="0" smtClean="0">
+                <a:ln w="22225">
+                  <a:solidFill>
+                    <a:schemeClr val="accent2"/>
+                  </a:solidFill>
+                  <a:prstDash val="solid"/>
+                </a:ln>
+                <a:solidFill>
+                  <a:schemeClr val="accent2">
+                    <a:lumMod val="40000"/>
+                    <a:lumOff val="60000"/>
+                  </a:schemeClr>
+                </a:solidFill>
+              </a:rPr>
+              <a:t>(i.e. Dallas Cowboys, </a:t>
+            </a:r>
+            <a:r>
+              <a:rPr lang="en-US" sz="2400" b="1" dirty="0" err="1" smtClean="0">
+                <a:ln w="22225">
+                  <a:solidFill>
+                    <a:schemeClr val="accent2"/>
+                  </a:solidFill>
+                  <a:prstDash val="solid"/>
+                </a:ln>
+                <a:solidFill>
+                  <a:schemeClr val="accent2">
+                    <a:lumMod val="40000"/>
+                    <a:lumOff val="60000"/>
+                  </a:schemeClr>
+                </a:solidFill>
+              </a:rPr>
+              <a:t>Xmen</a:t>
+            </a:r>
+            <a:r>
+              <a:rPr lang="en-US" sz="2400" b="1" dirty="0" smtClean="0">
+                <a:ln w="22225">
+                  <a:solidFill>
+                    <a:schemeClr val="accent2"/>
+                  </a:solidFill>
+                  <a:prstDash val="solid"/>
+                </a:ln>
+                <a:solidFill>
+                  <a:schemeClr val="accent2">
+                    <a:lumMod val="40000"/>
+                    <a:lumOff val="60000"/>
+                  </a:schemeClr>
+                </a:solidFill>
+              </a:rPr>
+              <a:t>, or Dog Breeds)</a:t>
+            </a:r>
+            <a:endParaRPr lang="en-US" sz="2400" b="1" dirty="0">
+              <a:ln w="22225">
+                <a:solidFill>
+                  <a:schemeClr val="accent2"/>
+                </a:solidFill>
+                <a:prstDash val="solid"/>
+              </a:ln>
+              <a:solidFill>
+                <a:schemeClr val="accent2">
+                  <a:lumMod val="40000"/>
+                  <a:lumOff val="60000"/>
+                </a:schemeClr>
+              </a:solidFill>
+            </a:endParaRPr>
+          </a:p>
+        </p:txBody>
+      </p:sp>
     </p:spTree>
     <p:extLst>
       <p:ext uri="{BB962C8B-B14F-4D97-AF65-F5344CB8AC3E}">
@@ -7135,6 +7265,168 @@
           </a:extLst>
         </p:spPr>
       </p:pic>
+      <p:sp>
+        <p:nvSpPr>
+          <p:cNvPr id="5" name="Rectangle 4"/>
+          <p:cNvSpPr/>
+          <p:nvPr/>
+        </p:nvSpPr>
+        <p:spPr>
+          <a:xfrm>
+            <a:off x="6570750" y="3990242"/>
+            <a:ext cx="5254324" cy="830997"/>
+          </a:xfrm>
+          <a:prstGeom prst="rect">
+            <a:avLst/>
+          </a:prstGeom>
+          <a:noFill/>
+        </p:spPr>
+        <p:txBody>
+          <a:bodyPr wrap="none" lIns="91440" tIns="45720" rIns="91440" bIns="45720">
+            <a:spAutoFit/>
+          </a:bodyPr>
+          <a:lstStyle/>
+          <a:p>
+            <a:pPr algn="ctr"/>
+            <a:r>
+              <a:rPr lang="en-US" sz="2400" b="1" dirty="0">
+                <a:ln w="22225">
+                  <a:solidFill>
+                    <a:schemeClr val="accent2"/>
+                  </a:solidFill>
+                  <a:prstDash val="solid"/>
+                </a:ln>
+                <a:solidFill>
+                  <a:schemeClr val="accent2">
+                    <a:lumMod val="40000"/>
+                    <a:lumOff val="60000"/>
+                  </a:schemeClr>
+                </a:solidFill>
+              </a:rPr>
+              <a:t>&lt;- </a:t>
+            </a:r>
+            <a:r>
+              <a:rPr lang="en-US" sz="2400" b="1" dirty="0" smtClean="0">
+                <a:ln w="22225">
+                  <a:solidFill>
+                    <a:schemeClr val="accent2"/>
+                  </a:solidFill>
+                  <a:prstDash val="solid"/>
+                </a:ln>
+                <a:solidFill>
+                  <a:schemeClr val="accent2">
+                    <a:lumMod val="40000"/>
+                    <a:lumOff val="60000"/>
+                  </a:schemeClr>
+                </a:solidFill>
+              </a:rPr>
+              <a:t>Use a generic name like “</a:t>
+            </a:r>
+            <a:r>
+              <a:rPr lang="en-US" sz="2400" b="1" dirty="0" err="1" smtClean="0">
+                <a:ln w="22225">
+                  <a:solidFill>
+                    <a:schemeClr val="accent2"/>
+                  </a:solidFill>
+                  <a:prstDash val="solid"/>
+                </a:ln>
+                <a:solidFill>
+                  <a:schemeClr val="accent2">
+                    <a:lumMod val="40000"/>
+                    <a:lumOff val="60000"/>
+                  </a:schemeClr>
+                </a:solidFill>
+              </a:rPr>
+              <a:t>My_Apps</a:t>
+            </a:r>
+            <a:r>
+              <a:rPr lang="en-US" sz="2400" b="1" dirty="0" smtClean="0">
+                <a:ln w="22225">
+                  <a:solidFill>
+                    <a:schemeClr val="accent2"/>
+                  </a:solidFill>
+                  <a:prstDash val="solid"/>
+                </a:ln>
+                <a:solidFill>
+                  <a:schemeClr val="accent2">
+                    <a:lumMod val="40000"/>
+                    <a:lumOff val="60000"/>
+                  </a:schemeClr>
+                </a:solidFill>
+              </a:rPr>
+              <a:t>” </a:t>
+            </a:r>
+          </a:p>
+          <a:p>
+            <a:pPr algn="ctr"/>
+            <a:r>
+              <a:rPr lang="en-US" sz="2400" b="1" dirty="0" smtClean="0">
+                <a:ln w="22225">
+                  <a:solidFill>
+                    <a:schemeClr val="accent2"/>
+                  </a:solidFill>
+                  <a:prstDash val="solid"/>
+                </a:ln>
+                <a:solidFill>
+                  <a:schemeClr val="accent2">
+                    <a:lumMod val="40000"/>
+                    <a:lumOff val="60000"/>
+                  </a:schemeClr>
+                </a:solidFill>
+              </a:rPr>
+              <a:t>or “</a:t>
+            </a:r>
+            <a:r>
+              <a:rPr lang="en-US" sz="2400" b="1" dirty="0" err="1" smtClean="0">
+                <a:ln w="22225">
+                  <a:solidFill>
+                    <a:schemeClr val="accent2"/>
+                  </a:solidFill>
+                  <a:prstDash val="solid"/>
+                </a:ln>
+                <a:solidFill>
+                  <a:schemeClr val="accent2">
+                    <a:lumMod val="40000"/>
+                    <a:lumOff val="60000"/>
+                  </a:schemeClr>
+                </a:solidFill>
+              </a:rPr>
+              <a:t>XPlatformCloudKit_Apps</a:t>
+            </a:r>
+            <a:r>
+              <a:rPr lang="en-US" sz="2400" b="1" dirty="0" smtClean="0">
+                <a:ln w="22225">
+                  <a:solidFill>
+                    <a:schemeClr val="accent2"/>
+                  </a:solidFill>
+                  <a:prstDash val="solid"/>
+                </a:ln>
+                <a:solidFill>
+                  <a:schemeClr val="accent2">
+                    <a:lumMod val="40000"/>
+                    <a:lumOff val="60000"/>
+                  </a:schemeClr>
+                </a:solidFill>
+              </a:rPr>
+              <a:t>”</a:t>
+            </a:r>
+            <a:endParaRPr lang="en-US" sz="2400" b="1" dirty="0">
+              <a:ln w="22225">
+                <a:solidFill>
+                  <a:schemeClr val="accent2"/>
+                </a:solidFill>
+                <a:prstDash val="solid"/>
+              </a:ln>
+              <a:solidFill>
+                <a:schemeClr val="accent2">
+                  <a:lumMod val="40000"/>
+                  <a:lumOff val="60000"/>
+                </a:schemeClr>
+              </a:solidFill>
+            </a:endParaRPr>
+          </a:p>
+        </p:txBody>
+      </p:sp>
     </p:spTree>
     <p:extLst>
       <p:ext uri="{BB962C8B-B14F-4D97-AF65-F5344CB8AC3E}">
@@ -7727,7 +8019,7 @@
         </p:blipFill>
         <p:spPr>
           <a:xfrm>
-            <a:off x="1895134" y="2528207"/>
+            <a:off x="1895134" y="2438399"/>
             <a:ext cx="5610949" cy="3431384"/>
           </a:xfrm>
           <a:prstGeom prst="rect">
@@ -7767,7 +8059,7 @@
         <p:spPr>
           <a:xfrm>
             <a:off x="7506083" y="3159616"/>
-            <a:ext cx="4649273" cy="923330"/>
+            <a:ext cx="4649273" cy="646331"/>
           </a:xfrm>
           <a:prstGeom prst="rect">
             <a:avLst/>
@@ -7785,17 +8077,17 @@
             </a:pPr>
             <a:r>
               <a:rPr lang="en-US" dirty="0" smtClean="0"/>
-              <a:t>With your mobile service selected, click “Data”</a:t>
-            </a:r>
-          </a:p>
-          <a:p>
-            <a:pPr marL="342900" indent="-342900">
-              <a:buAutoNum type="arabicPeriod"/>
-            </a:pPr>
-            <a:r>
-              <a:rPr lang="en-US" dirty="0" smtClean="0"/>
-              <a:t>Click “Create”.</a:t>
-            </a:r>
+              <a:t>With your mobile service selected, click “</a:t>
+            </a:r>
+            <a:r>
+              <a:rPr lang="en-US" dirty="0" smtClean="0"/>
+              <a:t>Data</a:t>
+            </a:r>
+            <a:r>
+              <a:rPr lang="en-US" dirty="0" smtClean="0"/>
+              <a:t>” then select “Add a Table”</a:t>
+            </a:r>
+            <a:endParaRPr lang="en-US" dirty="0" smtClean="0"/>
           </a:p>
         </p:txBody>
       </p:sp>
@@ -7837,61 +8129,6 @@
                 </a:effectLst>
               </a:rPr>
               <a:t>1.</a:t>
-            </a:r>
-            <a:endParaRPr lang="en-US" sz="5400" b="0" cap="none" spc="0" dirty="0">
-              <a:ln w="0"/>
-              <a:solidFill>
-                <a:schemeClr val="tx1"/>
-              </a:solidFill>
-              <a:effectLst>
-                <a:outerShdw blurRad="38100" dist="19050" dir="2700000" algn="tl" rotWithShape="0">
-                  <a:schemeClr val="dk1">
-                    <a:alpha val="40000"/>
-                  </a:schemeClr>
-                </a:outerShdw>
-              </a:effectLst>
-            </a:endParaRPr>
-          </a:p>
-        </p:txBody>
-      </p:sp>
-      <p:sp>
-        <p:nvSpPr>
-          <p:cNvPr id="7" name="Rectangle 6"/>
-          <p:cNvSpPr/>
-          <p:nvPr/>
-        </p:nvSpPr>
-        <p:spPr>
-          <a:xfrm>
-            <a:off x="3185375" y="5126069"/>
-            <a:ext cx="721672" cy="923330"/>
-          </a:xfrm>
-          <a:prstGeom prst="rect">
-            <a:avLst/>
-          </a:prstGeom>
-          <a:noFill/>
-        </p:spPr>
-        <p:txBody>
-          <a:bodyPr wrap="none" lIns="91440" tIns="45720" rIns="91440" bIns="45720">
-            <a:spAutoFit/>
-          </a:bodyPr>
-          <a:lstStyle/>
-          <a:p>
-            <a:pPr algn="ctr"/>
-            <a:r>
-              <a:rPr lang="en-US" sz="5400" b="0" cap="none" spc="0" dirty="0" smtClean="0">
-                <a:ln w="0"/>
-                <a:solidFill>
-                  <a:schemeClr val="tx1"/>
-                </a:solidFill>
-                <a:effectLst>
-                  <a:outerShdw blurRad="38100" dist="19050" dir="2700000" algn="tl" rotWithShape="0">
-                    <a:schemeClr val="dk1">
-                      <a:alpha val="40000"/>
-                    </a:schemeClr>
-                  </a:outerShdw>
-                </a:effectLst>
-              </a:rPr>
-              <a:t>2.</a:t>
             </a:r>
             <a:endParaRPr lang="en-US" sz="5400" b="0" cap="none" spc="0" dirty="0">
               <a:ln w="0"/>
@@ -8386,7 +8623,7 @@
       </p:grpSpPr>
       <p:pic>
         <p:nvPicPr>
-          <p:cNvPr id="5" name="Picture 4"/>
+          <p:cNvPr id="3" name="Picture 2"/>
           <p:cNvPicPr>
             <a:picLocks noChangeAspect="1"/>
           </p:cNvPicPr>
@@ -8400,8 +8637,8 @@
         </p:blipFill>
         <p:spPr>
           <a:xfrm>
-            <a:off x="1471176" y="2601531"/>
-            <a:ext cx="5908420" cy="3238877"/>
+            <a:off x="1522258" y="2438399"/>
+            <a:ext cx="5857338" cy="3293145"/>
           </a:xfrm>
           <a:prstGeom prst="rect">
             <a:avLst/>
@@ -8439,8 +8676,8 @@
         </p:nvSpPr>
         <p:spPr>
           <a:xfrm>
-            <a:off x="7379596" y="2869909"/>
-            <a:ext cx="4997002" cy="2308324"/>
+            <a:off x="7379596" y="2987899"/>
+            <a:ext cx="4584877" cy="1200329"/>
           </a:xfrm>
           <a:prstGeom prst="rect">
             <a:avLst/>
@@ -8458,63 +8695,7 @@
             </a:pPr>
             <a:r>
               <a:rPr lang="en-US" dirty="0" smtClean="0"/>
-              <a:t>Open </a:t>
-            </a:r>
-            <a:r>
-              <a:rPr lang="en-US" dirty="0" err="1" smtClean="0"/>
-              <a:t>AppSettings.cs</a:t>
-            </a:r>
-            <a:r>
-              <a:rPr lang="en-US" dirty="0" smtClean="0"/>
-              <a:t> in the </a:t>
-            </a:r>
-            <a:r>
-              <a:rPr lang="en-US" dirty="0" err="1" smtClean="0"/>
-              <a:t>XPlatformCloudKit.PCL</a:t>
-            </a:r>
-            <a:r>
-              <a:rPr lang="en-US" dirty="0" smtClean="0"/>
-              <a:t> project and set “</a:t>
-            </a:r>
-            <a:r>
-              <a:rPr lang="en-US" dirty="0" err="1" smtClean="0"/>
-              <a:t>CreateInitialSchemaForAzureMobileService</a:t>
-            </a:r>
-            <a:r>
-              <a:rPr lang="en-US" dirty="0" smtClean="0"/>
-              <a:t>” (line 32 of </a:t>
-            </a:r>
-            <a:r>
-              <a:rPr lang="en-US" dirty="0" err="1" smtClean="0"/>
-              <a:t>AppSettings.cs</a:t>
-            </a:r>
-            <a:r>
-              <a:rPr lang="en-US" dirty="0" smtClean="0"/>
-              <a:t>) to “true”</a:t>
-            </a:r>
-          </a:p>
-          <a:p>
-            <a:pPr marL="342900" indent="-342900">
-              <a:buAutoNum type="arabicPeriod"/>
-            </a:pPr>
-            <a:endParaRPr lang="en-US" dirty="0"/>
-          </a:p>
-          <a:p>
-            <a:r>
-              <a:rPr lang="en-US" dirty="0" smtClean="0"/>
-              <a:t>NOTE: We will set this value immediately back to </a:t>
-            </a:r>
-          </a:p>
-          <a:p>
-            <a:r>
-              <a:rPr lang="en-US" dirty="0" smtClean="0"/>
-              <a:t>“false” after initial success.  We will only ever have</a:t>
-            </a:r>
-          </a:p>
-          <a:p>
-            <a:r>
-              <a:rPr lang="en-US" dirty="0" smtClean="0"/>
-              <a:t>to do this step once in the lifetime of the app.</a:t>
+              <a:t>Build and deploy the XPlatformCloudKit.Win8 project (The .Phone8 project should work too, but we will use the Win8 project in the slide deck)</a:t>
             </a:r>
           </a:p>
         </p:txBody>
@@ -8527,7 +8708,7 @@
         </p:nvSpPr>
         <p:spPr>
           <a:xfrm>
-            <a:off x="4569985" y="5178233"/>
+            <a:off x="3278137" y="4457017"/>
             <a:ext cx="678392" cy="923330"/>
           </a:xfrm>
           <a:prstGeom prst="rect">
@@ -8577,7 +8758,7 @@
     </p:spTree>
     <p:extLst>
       <p:ext uri="{BB962C8B-B14F-4D97-AF65-F5344CB8AC3E}">
-        <p14:creationId xmlns:p14="http://schemas.microsoft.com/office/powerpoint/2010/main" val="2912307915"/>
+        <p14:creationId xmlns:p14="http://schemas.microsoft.com/office/powerpoint/2010/main" val="2887236922"/>
       </p:ext>
     </p:extLst>
   </p:cSld>
@@ -8780,8 +8961,8 @@
         </p:blipFill>
         <p:spPr>
           <a:xfrm>
-            <a:off x="1522258" y="2438399"/>
-            <a:ext cx="5857338" cy="3293145"/>
+            <a:off x="1800079" y="2593174"/>
+            <a:ext cx="5090118" cy="2861794"/>
           </a:xfrm>
           <a:prstGeom prst="rect">
             <a:avLst/>
@@ -8819,8 +9000,8 @@
         </p:nvSpPr>
         <p:spPr>
           <a:xfrm>
-            <a:off x="7379596" y="2987899"/>
-            <a:ext cx="4584877" cy="1200329"/>
+            <a:off x="7096259" y="3114608"/>
+            <a:ext cx="4997002" cy="1477328"/>
           </a:xfrm>
           <a:prstGeom prst="rect">
             <a:avLst/>
@@ -8833,75 +9014,47 @@
           </a:bodyPr>
           <a:lstStyle/>
           <a:p>
-            <a:pPr marL="342900" indent="-342900">
-              <a:buAutoNum type="arabicPeriod"/>
-            </a:pPr>
-            <a:r>
-              <a:rPr lang="en-US" dirty="0" smtClean="0"/>
-              <a:t>Build and deploy the XPlatformCloudKit.Win8 project (The .Phone8 project should work too, but we will use the Win8 project in the slide deck)</a:t>
-            </a:r>
-          </a:p>
-        </p:txBody>
-      </p:sp>
-      <p:sp>
-        <p:nvSpPr>
-          <p:cNvPr id="6" name="Rectangle 5"/>
-          <p:cNvSpPr/>
-          <p:nvPr/>
-        </p:nvSpPr>
-        <p:spPr>
-          <a:xfrm>
-            <a:off x="3278137" y="4457017"/>
-            <a:ext cx="678392" cy="923330"/>
-          </a:xfrm>
-          <a:prstGeom prst="rect">
-            <a:avLst/>
-          </a:prstGeom>
-          <a:noFill/>
-        </p:spPr>
-        <p:txBody>
-          <a:bodyPr wrap="none" lIns="91440" tIns="45720" rIns="91440" bIns="45720">
-            <a:spAutoFit/>
-          </a:bodyPr>
-          <a:lstStyle/>
-          <a:p>
-            <a:pPr algn="ctr"/>
-            <a:r>
-              <a:rPr lang="en-US" sz="5400" b="0" cap="none" spc="0" dirty="0" smtClean="0">
-                <a:ln w="0"/>
-                <a:solidFill>
-                  <a:schemeClr val="tx1"/>
-                </a:solidFill>
-                <a:effectLst>
-                  <a:outerShdw blurRad="38100" dist="19050" dir="2700000" algn="tl" rotWithShape="0">
-                    <a:schemeClr val="dk1">
-                      <a:alpha val="40000"/>
-                    </a:schemeClr>
-                  </a:outerShdw>
-                </a:effectLst>
-              </a:rPr>
-              <a:t>1.</a:t>
-            </a:r>
-            <a:endParaRPr lang="en-US" sz="5400" b="0" cap="none" spc="0" dirty="0">
-              <a:ln w="0"/>
-              <a:solidFill>
-                <a:schemeClr val="tx1"/>
-              </a:solidFill>
-              <a:effectLst>
-                <a:outerShdw blurRad="38100" dist="19050" dir="2700000" algn="tl" rotWithShape="0">
-                  <a:schemeClr val="dk1">
-                    <a:alpha val="40000"/>
-                  </a:schemeClr>
-                </a:outerShdw>
-              </a:effectLst>
-            </a:endParaRPr>
+            <a:r>
+              <a:rPr lang="en-US" dirty="0" smtClean="0"/>
+              <a:t>Upon deploy of the Windows 8 application you should see the following message.  Make note and</a:t>
+            </a:r>
+          </a:p>
+          <a:p>
+            <a:r>
+              <a:rPr lang="en-US" dirty="0" smtClean="0"/>
+              <a:t>be sure to set </a:t>
+            </a:r>
+            <a:r>
+              <a:rPr lang="en-US" dirty="0"/>
+              <a:t>“</a:t>
+            </a:r>
+            <a:r>
+              <a:rPr lang="en-US" dirty="0" err="1"/>
+              <a:t>CreateInitialSchemaForAzureMobileService</a:t>
+            </a:r>
+            <a:r>
+              <a:rPr lang="en-US" dirty="0"/>
+              <a:t>” (line 32 of </a:t>
+            </a:r>
+            <a:r>
+              <a:rPr lang="en-US" dirty="0" err="1"/>
+              <a:t>AppSettings.cs</a:t>
+            </a:r>
+            <a:r>
+              <a:rPr lang="en-US" dirty="0"/>
+              <a:t>) </a:t>
+            </a:r>
+            <a:r>
+              <a:rPr lang="en-US" dirty="0" smtClean="0"/>
+              <a:t>back to “false”.</a:t>
+            </a:r>
           </a:p>
         </p:txBody>
       </p:sp>
     </p:spTree>
     <p:extLst>
       <p:ext uri="{BB962C8B-B14F-4D97-AF65-F5344CB8AC3E}">
-        <p14:creationId xmlns:p14="http://schemas.microsoft.com/office/powerpoint/2010/main" val="2887236922"/>
+        <p14:creationId xmlns:p14="http://schemas.microsoft.com/office/powerpoint/2010/main" val="4023835916"/>
       </p:ext>
     </p:extLst>
   </p:cSld>
@@ -8928,9 +9081,61 @@
           <a:chExt cx="0" cy="0"/>
         </a:xfrm>
       </p:grpSpPr>
+      <p:sp>
+        <p:nvSpPr>
+          <p:cNvPr id="2" name="Title 1"/>
+          <p:cNvSpPr>
+            <a:spLocks noGrp="1"/>
+          </p:cNvSpPr>
+          <p:nvPr>
+            <p:ph type="title"/>
+          </p:nvPr>
+        </p:nvSpPr>
+        <p:spPr/>
+        <p:txBody>
+          <a:bodyPr/>
+          <a:lstStyle/>
+          <a:p>
+            <a:r>
+              <a:rPr lang="en-US" dirty="0" smtClean="0"/>
+              <a:t>Verify the Schema was generated</a:t>
+            </a:r>
+            <a:endParaRPr lang="en-US" dirty="0"/>
+          </a:p>
+        </p:txBody>
+      </p:sp>
+      <p:sp>
+        <p:nvSpPr>
+          <p:cNvPr id="4" name="TextBox 3"/>
+          <p:cNvSpPr txBox="1"/>
+          <p:nvPr/>
+        </p:nvSpPr>
+        <p:spPr>
+          <a:xfrm>
+            <a:off x="2382593" y="5064005"/>
+            <a:ext cx="5434884" cy="646331"/>
+          </a:xfrm>
+          <a:prstGeom prst="rect">
+            <a:avLst/>
+          </a:prstGeom>
+          <a:noFill/>
+        </p:spPr>
+        <p:txBody>
+          <a:bodyPr wrap="square" rtlCol="0">
+            <a:spAutoFit/>
+          </a:bodyPr>
+          <a:lstStyle/>
+          <a:p>
+            <a:r>
+              <a:rPr lang="en-US" dirty="0" smtClean="0"/>
+              <a:t>In your Azure portal, click “SQL DATABASES” and select the database you assigned your Mobile Service to </a:t>
+            </a:r>
+          </a:p>
+        </p:txBody>
+      </p:sp>
       <p:pic>
         <p:nvPicPr>
-          <p:cNvPr id="3" name="Picture 2"/>
+          <p:cNvPr id="6" name="Picture 5"/>
           <p:cNvPicPr>
             <a:picLocks noChangeAspect="1"/>
           </p:cNvPicPr>
@@ -8944,100 +9149,18 @@
         </p:blipFill>
         <p:spPr>
           <a:xfrm>
-            <a:off x="1800079" y="2593174"/>
-            <a:ext cx="5090118" cy="2861794"/>
+            <a:off x="1484311" y="2189408"/>
+            <a:ext cx="9504218" cy="2501110"/>
           </a:xfrm>
           <a:prstGeom prst="rect">
             <a:avLst/>
           </a:prstGeom>
         </p:spPr>
       </p:pic>
-      <p:sp>
-        <p:nvSpPr>
-          <p:cNvPr id="2" name="Title 1"/>
-          <p:cNvSpPr>
-            <a:spLocks noGrp="1"/>
-          </p:cNvSpPr>
-          <p:nvPr>
-            <p:ph type="title"/>
-          </p:nvPr>
-        </p:nvSpPr>
-        <p:spPr/>
-        <p:txBody>
-          <a:bodyPr/>
-          <a:lstStyle/>
-          <a:p>
-            <a:r>
-              <a:rPr lang="en-US" dirty="0" smtClean="0"/>
-              <a:t>Generate the “Item” table schema continued…</a:t>
-            </a:r>
-            <a:endParaRPr lang="en-US" dirty="0"/>
-          </a:p>
-        </p:txBody>
-      </p:sp>
-      <p:sp>
-        <p:nvSpPr>
-          <p:cNvPr id="4" name="TextBox 3"/>
-          <p:cNvSpPr txBox="1"/>
-          <p:nvPr/>
-        </p:nvSpPr>
-        <p:spPr>
-          <a:xfrm>
-            <a:off x="7096259" y="3114608"/>
-            <a:ext cx="4997002" cy="1477328"/>
-          </a:xfrm>
-          <a:prstGeom prst="rect">
-            <a:avLst/>
-          </a:prstGeom>
-          <a:noFill/>
-        </p:spPr>
-        <p:txBody>
-          <a:bodyPr wrap="square" rtlCol="0">
-            <a:spAutoFit/>
-          </a:bodyPr>
-          <a:lstStyle/>
-          <a:p>
-            <a:r>
-              <a:rPr lang="en-US" dirty="0" smtClean="0"/>
-              <a:t>Upon deploy of the Windows 8 application you should see the following message.  Make note and</a:t>
-            </a:r>
-          </a:p>
-          <a:p>
-            <a:r>
-              <a:rPr lang="en-US" dirty="0" smtClean="0"/>
-              <a:t>be sure to set </a:t>
-            </a:r>
-            <a:r>
-              <a:rPr lang="en-US" dirty="0"/>
-              <a:t>“</a:t>
-            </a:r>
-            <a:r>
-              <a:rPr lang="en-US" dirty="0" err="1"/>
-              <a:t>CreateInitialSchemaForAzureMobileService</a:t>
-            </a:r>
-            <a:r>
-              <a:rPr lang="en-US" dirty="0"/>
-              <a:t>” (line 32 of </a:t>
-            </a:r>
-            <a:r>
-              <a:rPr lang="en-US" dirty="0" err="1"/>
-              <a:t>AppSettings.cs</a:t>
-            </a:r>
-            <a:r>
-              <a:rPr lang="en-US" dirty="0"/>
-              <a:t>) </a:t>
-            </a:r>
-            <a:r>
-              <a:rPr lang="en-US" dirty="0" smtClean="0"/>
-              <a:t>back to “false”.</a:t>
-            </a:r>
-          </a:p>
-        </p:txBody>
-      </p:sp>
     </p:spTree>
     <p:extLst>
       <p:ext uri="{BB962C8B-B14F-4D97-AF65-F5344CB8AC3E}">
-        <p14:creationId xmlns:p14="http://schemas.microsoft.com/office/powerpoint/2010/main" val="4023835916"/>
+        <p14:creationId xmlns:p14="http://schemas.microsoft.com/office/powerpoint/2010/main" val="2849293015"/>
       </p:ext>
     </p:extLst>
   </p:cSld>
@@ -9081,7 +9204,7 @@
           <a:p>
             <a:r>
               <a:rPr lang="en-US" dirty="0" smtClean="0"/>
-              <a:t>Verify the Schema was generated</a:t>
+              <a:t>Verify the Schema was generated continued…</a:t>
             </a:r>
             <a:endParaRPr lang="en-US" dirty="0"/>
           </a:p>
@@ -9095,8 +9218,8 @@
         </p:nvSpPr>
         <p:spPr>
           <a:xfrm>
-            <a:off x="2382593" y="5064005"/>
-            <a:ext cx="5434884" cy="646331"/>
+            <a:off x="3382363" y="5657671"/>
+            <a:ext cx="5434884" cy="1200329"/>
           </a:xfrm>
           <a:prstGeom prst="rect">
             <a:avLst/>
@@ -9111,14 +9234,31 @@
           <a:p>
             <a:r>
               <a:rPr lang="en-US" dirty="0" smtClean="0"/>
-              <a:t>In your Azure portal, click “SQL DATABASES” and select the database you assigned your Mobile Service to </a:t>
+              <a:t>On the resulting screen, select “Design your SQL database:” underneath “Connect to your database”</a:t>
+            </a:r>
+          </a:p>
+          <a:p>
+            <a:endParaRPr lang="en-US" dirty="0"/>
+          </a:p>
+          <a:p>
+            <a:r>
+              <a:rPr lang="en-US" dirty="0" smtClean="0"/>
+              <a:t>If prompted to add your </a:t>
+            </a:r>
+            <a:r>
+              <a:rPr lang="en-US" dirty="0" err="1" smtClean="0"/>
+              <a:t>ip</a:t>
+            </a:r>
+            <a:r>
+              <a:rPr lang="en-US" dirty="0" smtClean="0"/>
+              <a:t> to firewall rules, click “Yes”</a:t>
             </a:r>
           </a:p>
         </p:txBody>
       </p:sp>
       <p:pic>
         <p:nvPicPr>
-          <p:cNvPr id="6" name="Picture 5"/>
+          <p:cNvPr id="3" name="Picture 2"/>
           <p:cNvPicPr>
             <a:picLocks noChangeAspect="1"/>
           </p:cNvPicPr>
@@ -9132,8 +9272,8 @@
         </p:blipFill>
         <p:spPr>
           <a:xfrm>
-            <a:off x="1484311" y="2189408"/>
-            <a:ext cx="9504218" cy="2501110"/>
+            <a:off x="2630608" y="2149713"/>
+            <a:ext cx="6938395" cy="3383943"/>
           </a:xfrm>
           <a:prstGeom prst="rect">
             <a:avLst/>
@@ -9143,7 +9283,7 @@
     </p:spTree>
     <p:extLst>
       <p:ext uri="{BB962C8B-B14F-4D97-AF65-F5344CB8AC3E}">
-        <p14:creationId xmlns:p14="http://schemas.microsoft.com/office/powerpoint/2010/main" val="2849293015"/>
+        <p14:creationId xmlns:p14="http://schemas.microsoft.com/office/powerpoint/2010/main" val="880993464"/>
       </p:ext>
     </p:extLst>
   </p:cSld>
@@ -9201,8 +9341,8 @@
         </p:nvSpPr>
         <p:spPr>
           <a:xfrm>
-            <a:off x="3382363" y="5657671"/>
-            <a:ext cx="5434884" cy="1200329"/>
+            <a:off x="4327349" y="5934670"/>
+            <a:ext cx="3544910" cy="923330"/>
           </a:xfrm>
           <a:prstGeom prst="rect">
             <a:avLst/>
@@ -9217,31 +9357,17 @@
           <a:p>
             <a:r>
               <a:rPr lang="en-US" dirty="0" smtClean="0"/>
-              <a:t>On the resulting screen, select “Design your SQL database:” underneath “Connect to your database”</a:t>
-            </a:r>
-          </a:p>
-          <a:p>
-            <a:endParaRPr lang="en-US" dirty="0"/>
-          </a:p>
-          <a:p>
-            <a:r>
-              <a:rPr lang="en-US" dirty="0" smtClean="0"/>
-              <a:t>If prompted to add your </a:t>
-            </a:r>
-            <a:r>
-              <a:rPr lang="en-US" dirty="0" err="1" smtClean="0"/>
-              <a:t>ip</a:t>
-            </a:r>
-            <a:r>
-              <a:rPr lang="en-US" dirty="0" smtClean="0"/>
-              <a:t> to firewall rules, click “Yes”</a:t>
-            </a:r>
+              <a:t>On the resulting screen, log in using your credentials that you set earlier</a:t>
+            </a:r>
+          </a:p>
+          <a:p>
+            <a:endParaRPr lang="en-US" dirty="0"/>
           </a:p>
         </p:txBody>
       </p:sp>
       <p:pic>
         <p:nvPicPr>
-          <p:cNvPr id="3" name="Picture 2"/>
+          <p:cNvPr id="5" name="Picture 4"/>
           <p:cNvPicPr>
             <a:picLocks noChangeAspect="1"/>
           </p:cNvPicPr>
@@ -9255,8 +9381,8 @@
         </p:blipFill>
         <p:spPr>
           <a:xfrm>
-            <a:off x="2630608" y="2149713"/>
-            <a:ext cx="6938395" cy="3383943"/>
+            <a:off x="4513033" y="2046398"/>
+            <a:ext cx="3173543" cy="3611273"/>
           </a:xfrm>
           <a:prstGeom prst="rect">
             <a:avLst/>
@@ -9266,7 +9392,7 @@
     </p:spTree>
     <p:extLst>
       <p:ext uri="{BB962C8B-B14F-4D97-AF65-F5344CB8AC3E}">
-        <p14:creationId xmlns:p14="http://schemas.microsoft.com/office/powerpoint/2010/main" val="880993464"/>
+        <p14:creationId xmlns:p14="http://schemas.microsoft.com/office/powerpoint/2010/main" val="3201014449"/>
       </p:ext>
     </p:extLst>
   </p:cSld>
@@ -9324,8 +9450,8 @@
         </p:nvSpPr>
         <p:spPr>
           <a:xfrm>
-            <a:off x="4327349" y="5934670"/>
-            <a:ext cx="3544910" cy="923330"/>
+            <a:off x="4721211" y="5311216"/>
+            <a:ext cx="3544910" cy="646331"/>
           </a:xfrm>
           <a:prstGeom prst="rect">
             <a:avLst/>
@@ -9340,7 +9466,7 @@
           <a:p>
             <a:r>
               <a:rPr lang="en-US" dirty="0" smtClean="0"/>
-              <a:t>On the resulting screen, log in using your credentials that you set earlier</a:t>
+              <a:t>Locate your table and select “Edit”</a:t>
             </a:r>
           </a:p>
           <a:p>
@@ -9350,7 +9476,7 @@
       </p:sp>
       <p:pic>
         <p:nvPicPr>
-          <p:cNvPr id="5" name="Picture 4"/>
+          <p:cNvPr id="3" name="Picture 2"/>
           <p:cNvPicPr>
             <a:picLocks noChangeAspect="1"/>
           </p:cNvPicPr>
@@ -9364,8 +9490,8 @@
         </p:blipFill>
         <p:spPr>
           <a:xfrm>
-            <a:off x="4513033" y="2046398"/>
-            <a:ext cx="3173543" cy="3611273"/>
+            <a:off x="3469479" y="2438399"/>
+            <a:ext cx="6048375" cy="2628900"/>
           </a:xfrm>
           <a:prstGeom prst="rect">
             <a:avLst/>
@@ -9375,7 +9501,7 @@
     </p:spTree>
     <p:extLst>
       <p:ext uri="{BB962C8B-B14F-4D97-AF65-F5344CB8AC3E}">
-        <p14:creationId xmlns:p14="http://schemas.microsoft.com/office/powerpoint/2010/main" val="3201014449"/>
+        <p14:creationId xmlns:p14="http://schemas.microsoft.com/office/powerpoint/2010/main" val="1436149357"/>
       </p:ext>
     </p:extLst>
   </p:cSld>
@@ -9433,8 +9559,8 @@
         </p:nvSpPr>
         <p:spPr>
           <a:xfrm>
-            <a:off x="4721211" y="5311216"/>
-            <a:ext cx="3544910" cy="646331"/>
+            <a:off x="4600927" y="5574453"/>
+            <a:ext cx="3785480" cy="923330"/>
           </a:xfrm>
           <a:prstGeom prst="rect">
             <a:avLst/>
@@ -9449,7 +9575,13 @@
           <a:p>
             <a:r>
               <a:rPr lang="en-US" dirty="0" smtClean="0"/>
-              <a:t>Locate your table and select “Edit”</a:t>
+              <a:t>Verify your table is named “Item”</a:t>
+            </a:r>
+          </a:p>
+          <a:p>
+            <a:r>
+              <a:rPr lang="en-US" dirty="0" smtClean="0"/>
+              <a:t>and that your schema looks like above</a:t>
             </a:r>
           </a:p>
           <a:p>
@@ -9459,7 +9591,7 @@
       </p:sp>
       <p:pic>
         <p:nvPicPr>
-          <p:cNvPr id="3" name="Picture 2"/>
+          <p:cNvPr id="5" name="Picture 4"/>
           <p:cNvPicPr>
             <a:picLocks noChangeAspect="1"/>
           </p:cNvPicPr>
@@ -9473,8 +9605,8 @@
         </p:blipFill>
         <p:spPr>
           <a:xfrm>
-            <a:off x="3469479" y="2438399"/>
-            <a:ext cx="6048375" cy="2628900"/>
+            <a:off x="3522949" y="2047093"/>
+            <a:ext cx="5941436" cy="3416523"/>
           </a:xfrm>
           <a:prstGeom prst="rect">
             <a:avLst/>
@@ -9484,7 +9616,7 @@
     </p:spTree>
     <p:extLst>
       <p:ext uri="{BB962C8B-B14F-4D97-AF65-F5344CB8AC3E}">
-        <p14:creationId xmlns:p14="http://schemas.microsoft.com/office/powerpoint/2010/main" val="1436149357"/>
+        <p14:creationId xmlns:p14="http://schemas.microsoft.com/office/powerpoint/2010/main" val="64378281"/>
       </p:ext>
     </p:extLst>
   </p:cSld>
@@ -9527,79 +9659,90 @@
           <a:lstStyle/>
           <a:p>
             <a:r>
-              <a:rPr lang="en-US" dirty="0" smtClean="0"/>
-              <a:t>Verify the Schema was generated continued…</a:t>
-            </a:r>
-            <a:endParaRPr lang="en-US" dirty="0"/>
-          </a:p>
-        </p:txBody>
-      </p:sp>
-      <p:sp>
-        <p:nvSpPr>
-          <p:cNvPr id="4" name="TextBox 3"/>
-          <p:cNvSpPr txBox="1"/>
-          <p:nvPr/>
-        </p:nvSpPr>
-        <p:spPr>
-          <a:xfrm>
-            <a:off x="4600927" y="5574453"/>
-            <a:ext cx="3785480" cy="923330"/>
-          </a:xfrm>
-          <a:prstGeom prst="rect">
-            <a:avLst/>
-          </a:prstGeom>
-          <a:noFill/>
-        </p:spPr>
-        <p:txBody>
-          <a:bodyPr wrap="square" rtlCol="0">
-            <a:spAutoFit/>
-          </a:bodyPr>
-          <a:lstStyle/>
-          <a:p>
-            <a:r>
-              <a:rPr lang="en-US" dirty="0" smtClean="0"/>
-              <a:t>Verify your table is named “Item”</a:t>
-            </a:r>
-          </a:p>
-          <a:p>
-            <a:r>
-              <a:rPr lang="en-US" dirty="0" smtClean="0"/>
-              <a:t>and that your schema looks like above</a:t>
-            </a:r>
-          </a:p>
-          <a:p>
-            <a:endParaRPr lang="en-US" dirty="0"/>
-          </a:p>
-        </p:txBody>
-      </p:sp>
-      <p:pic>
-        <p:nvPicPr>
-          <p:cNvPr id="5" name="Picture 4"/>
-          <p:cNvPicPr>
-            <a:picLocks noChangeAspect="1"/>
-          </p:cNvPicPr>
-          <p:nvPr/>
-        </p:nvPicPr>
-        <p:blipFill>
-          <a:blip r:embed="rId2"/>
-          <a:stretch>
-            <a:fillRect/>
-          </a:stretch>
-        </p:blipFill>
-        <p:spPr>
-          <a:xfrm>
-            <a:off x="3522949" y="2047093"/>
-            <a:ext cx="5941436" cy="3416523"/>
-          </a:xfrm>
-          <a:prstGeom prst="rect">
-            <a:avLst/>
-          </a:prstGeom>
-        </p:spPr>
-      </p:pic>
+              <a:rPr lang="en-US" dirty="0" err="1" smtClean="0"/>
+              <a:t>Whoah</a:t>
+            </a:r>
+            <a:r>
+              <a:rPr lang="en-US" dirty="0" smtClean="0"/>
+              <a:t>, we just auto-generated a table schema, how the heck did that happen?</a:t>
+            </a:r>
+            <a:endParaRPr lang="en-US" dirty="0"/>
+          </a:p>
+        </p:txBody>
+      </p:sp>
+      <p:sp>
+        <p:nvSpPr>
+          <p:cNvPr id="3" name="Content Placeholder 2"/>
+          <p:cNvSpPr>
+            <a:spLocks noGrp="1"/>
+          </p:cNvSpPr>
+          <p:nvPr>
+            <p:ph idx="1"/>
+          </p:nvPr>
+        </p:nvSpPr>
+        <p:spPr/>
+        <p:txBody>
+          <a:bodyPr/>
+          <a:lstStyle/>
+          <a:p>
+            <a:pPr marL="0" indent="0">
+              <a:buNone/>
+            </a:pPr>
+            <a:r>
+              <a:rPr lang="en-US" dirty="0" smtClean="0"/>
+              <a:t>Azure Mobile services allows us to auto-generate a table schema when a new item is inserted into a brand new table that does not contain any items.  When </a:t>
+            </a:r>
+            <a:r>
+              <a:rPr lang="en-US" dirty="0"/>
+              <a:t>“</a:t>
+            </a:r>
+            <a:r>
+              <a:rPr lang="en-US" dirty="0" err="1"/>
+              <a:t>CreateInitialSchemaForAzureMobileService</a:t>
+            </a:r>
+            <a:r>
+              <a:rPr lang="en-US" dirty="0"/>
+              <a:t>” </a:t>
+            </a:r>
+            <a:r>
+              <a:rPr lang="en-US" dirty="0" smtClean="0"/>
+              <a:t>is set to true, we insert and then immediately delete an object of type “Item” which sets up the schema to support the properties of the “Item” Class.  See “</a:t>
+            </a:r>
+            <a:r>
+              <a:rPr lang="en-US" dirty="0" err="1" smtClean="0"/>
+              <a:t>Item.cs</a:t>
+            </a:r>
+            <a:r>
+              <a:rPr lang="en-US" dirty="0" smtClean="0"/>
+              <a:t>” in the “Models” folder of </a:t>
+            </a:r>
+            <a:r>
+              <a:rPr lang="en-US" dirty="0" err="1" smtClean="0"/>
+              <a:t>XPlatformCloudKit.PCL</a:t>
+            </a:r>
+            <a:r>
+              <a:rPr lang="en-US" dirty="0" smtClean="0"/>
+              <a:t>, note that it has a “Title”, “Subtitle”, “Description”, “Image”, and “Group” property</a:t>
+            </a:r>
+          </a:p>
+          <a:p>
+            <a:pPr marL="0" indent="0">
+              <a:buNone/>
+            </a:pPr>
+            <a:endParaRPr lang="en-US" dirty="0"/>
+          </a:p>
+          <a:p>
+            <a:pPr marL="0" indent="0">
+              <a:buNone/>
+            </a:pPr>
+            <a:endParaRPr lang="en-US" dirty="0"/>
+          </a:p>
+        </p:txBody>
+      </p:sp>
     </p:spTree>
     <p:extLst>
       <p:ext uri="{BB962C8B-B14F-4D97-AF65-F5344CB8AC3E}">
-        <p14:creationId xmlns:p14="http://schemas.microsoft.com/office/powerpoint/2010/main" val="64378281"/>
+        <p14:creationId xmlns:p14="http://schemas.microsoft.com/office/powerpoint/2010/main" val="2435757149"/>
       </p:ext>
     </p:extLst>
   </p:cSld>
@@ -9642,90 +9785,41 @@
           <a:lstStyle/>
           <a:p>
             <a:r>
-              <a:rPr lang="en-US" dirty="0" err="1" smtClean="0"/>
-              <a:t>Whoah</a:t>
-            </a:r>
-            <a:r>
-              <a:rPr lang="en-US" dirty="0" smtClean="0"/>
-              <a:t>, we just auto-generated a table schema, how the heck did that happen?</a:t>
-            </a:r>
-            <a:endParaRPr lang="en-US" dirty="0"/>
-          </a:p>
-        </p:txBody>
-      </p:sp>
-      <p:sp>
-        <p:nvSpPr>
-          <p:cNvPr id="3" name="Content Placeholder 2"/>
-          <p:cNvSpPr>
-            <a:spLocks noGrp="1"/>
-          </p:cNvSpPr>
-          <p:nvPr>
-            <p:ph idx="1"/>
-          </p:nvPr>
-        </p:nvSpPr>
-        <p:spPr/>
-        <p:txBody>
-          <a:bodyPr/>
-          <a:lstStyle/>
-          <a:p>
-            <a:pPr marL="0" indent="0">
-              <a:buNone/>
-            </a:pPr>
-            <a:r>
-              <a:rPr lang="en-US" dirty="0" smtClean="0"/>
-              <a:t>Azure Mobile services allows us to auto-generate a table schema when a new item is inserted into a brand new table that does not contain any items.  When </a:t>
-            </a:r>
-            <a:r>
-              <a:rPr lang="en-US" dirty="0"/>
-              <a:t>“</a:t>
-            </a:r>
-            <a:r>
-              <a:rPr lang="en-US" dirty="0" err="1"/>
-              <a:t>CreateInitialSchemaForAzureMobileService</a:t>
-            </a:r>
-            <a:r>
-              <a:rPr lang="en-US" dirty="0"/>
-              <a:t>” </a:t>
-            </a:r>
-            <a:r>
-              <a:rPr lang="en-US" dirty="0" smtClean="0"/>
-              <a:t>is set to true, we insert and then immediately delete an object of type “Item” which sets up the schema to support the properties of the “Item” Class.  See “</a:t>
-            </a:r>
-            <a:r>
-              <a:rPr lang="en-US" dirty="0" err="1" smtClean="0"/>
-              <a:t>Item.cs</a:t>
-            </a:r>
-            <a:r>
-              <a:rPr lang="en-US" dirty="0" smtClean="0"/>
-              <a:t>” in the “Models” folder of </a:t>
-            </a:r>
-            <a:r>
-              <a:rPr lang="en-US" dirty="0" err="1" smtClean="0"/>
-              <a:t>XPlatformCloudKit.PCL</a:t>
-            </a:r>
-            <a:r>
-              <a:rPr lang="en-US" dirty="0" smtClean="0"/>
-              <a:t>, note that it has a “Title”, “Subtitle”, “Description”, “Image”, and “Group” property</a:t>
-            </a:r>
-          </a:p>
-          <a:p>
-            <a:pPr marL="0" indent="0">
-              <a:buNone/>
-            </a:pPr>
-            <a:endParaRPr lang="en-US" dirty="0"/>
-          </a:p>
-          <a:p>
-            <a:pPr marL="0" indent="0">
-              <a:buNone/>
-            </a:pPr>
-            <a:endParaRPr lang="en-US" dirty="0"/>
-          </a:p>
-        </p:txBody>
-      </p:sp>
+              <a:rPr lang="en-US" dirty="0" smtClean="0"/>
+              <a:t>The code for creating the initial schema</a:t>
+            </a:r>
+            <a:endParaRPr lang="en-US" dirty="0"/>
+          </a:p>
+        </p:txBody>
+      </p:sp>
+      <p:pic>
+        <p:nvPicPr>
+          <p:cNvPr id="4" name="Picture 3"/>
+          <p:cNvPicPr>
+            <a:picLocks noChangeAspect="1"/>
+          </p:cNvPicPr>
+          <p:nvPr/>
+        </p:nvPicPr>
+        <p:blipFill>
+          <a:blip r:embed="rId2"/>
+          <a:stretch>
+            <a:fillRect/>
+          </a:stretch>
+        </p:blipFill>
+        <p:spPr>
+          <a:xfrm>
+            <a:off x="2395469" y="2213039"/>
+            <a:ext cx="8240029" cy="4243368"/>
+          </a:xfrm>
+          <a:prstGeom prst="rect">
+            <a:avLst/>
+          </a:prstGeom>
+        </p:spPr>
+      </p:pic>
     </p:spTree>
     <p:extLst>
       <p:ext uri="{BB962C8B-B14F-4D97-AF65-F5344CB8AC3E}">
-        <p14:creationId xmlns:p14="http://schemas.microsoft.com/office/powerpoint/2010/main" val="2435757149"/>
+        <p14:creationId xmlns:p14="http://schemas.microsoft.com/office/powerpoint/2010/main" val="97225058"/>
       </p:ext>
     </p:extLst>
   </p:cSld>
@@ -9769,15 +9863,47 @@
           <a:p>
             <a:r>
               <a:rPr lang="en-US" dirty="0" smtClean="0"/>
-              <a:t>The code for creating the initial schema</a:t>
-            </a:r>
+              <a:t>Adding data to the “Item” table</a:t>
+            </a:r>
+            <a:endParaRPr lang="en-US" dirty="0"/>
+          </a:p>
+        </p:txBody>
+      </p:sp>
+      <p:sp>
+        <p:nvSpPr>
+          <p:cNvPr id="4" name="TextBox 3"/>
+          <p:cNvSpPr txBox="1"/>
+          <p:nvPr/>
+        </p:nvSpPr>
+        <p:spPr>
+          <a:xfrm>
+            <a:off x="4600927" y="5574453"/>
+            <a:ext cx="3785480" cy="646331"/>
+          </a:xfrm>
+          <a:prstGeom prst="rect">
+            <a:avLst/>
+          </a:prstGeom>
+          <a:noFill/>
+        </p:spPr>
+        <p:txBody>
+          <a:bodyPr wrap="square" rtlCol="0">
+            <a:spAutoFit/>
+          </a:bodyPr>
+          <a:lstStyle/>
+          <a:p>
+            <a:r>
+              <a:rPr lang="en-US" dirty="0" smtClean="0"/>
+              <a:t>In the table-edit screen, click “Data”</a:t>
+            </a:r>
+          </a:p>
+          <a:p>
             <a:endParaRPr lang="en-US" dirty="0"/>
           </a:p>
         </p:txBody>
       </p:sp>
       <p:pic>
         <p:nvPicPr>
-          <p:cNvPr id="4" name="Picture 3"/>
+          <p:cNvPr id="5" name="Picture 4"/>
           <p:cNvPicPr>
             <a:picLocks noChangeAspect="1"/>
           </p:cNvPicPr>
@@ -9791,8 +9917,8 @@
         </p:blipFill>
         <p:spPr>
           <a:xfrm>
-            <a:off x="2395469" y="2213039"/>
-            <a:ext cx="8240029" cy="4243368"/>
+            <a:off x="3522949" y="2047093"/>
+            <a:ext cx="5941436" cy="3416523"/>
           </a:xfrm>
           <a:prstGeom prst="rect">
             <a:avLst/>
@@ -9802,7 +9928,7 @@
     </p:spTree>
     <p:extLst>
       <p:ext uri="{BB962C8B-B14F-4D97-AF65-F5344CB8AC3E}">
-        <p14:creationId xmlns:p14="http://schemas.microsoft.com/office/powerpoint/2010/main" val="97225058"/>
+        <p14:creationId xmlns:p14="http://schemas.microsoft.com/office/powerpoint/2010/main" val="2019552621"/>
       </p:ext>
     </p:extLst>
   </p:cSld>
@@ -9846,7 +9972,7 @@
           <a:p>
             <a:r>
               <a:rPr lang="en-US" dirty="0" smtClean="0"/>
-              <a:t>Adding data to the “Item” table</a:t>
+              <a:t>Adding data to the “Item” table continued…</a:t>
             </a:r>
             <a:endParaRPr lang="en-US" dirty="0"/>
           </a:p>
@@ -9860,8 +9986,8 @@
         </p:nvSpPr>
         <p:spPr>
           <a:xfrm>
-            <a:off x="4600927" y="5574453"/>
-            <a:ext cx="3785480" cy="646331"/>
+            <a:off x="2052636" y="4549216"/>
+            <a:ext cx="8864746" cy="646331"/>
           </a:xfrm>
           <a:prstGeom prst="rect">
             <a:avLst/>
@@ -9876,17 +10002,63 @@
           <a:p>
             <a:r>
               <a:rPr lang="en-US" dirty="0" smtClean="0"/>
-              <a:t>In the table-edit screen, click “Data”</a:t>
-            </a:r>
-          </a:p>
-          <a:p>
+              <a:t>Click “Add row” and begin filling in some data!  Make sure to click “Save” when you are done!</a:t>
+            </a:r>
+          </a:p>
+          <a:p>
+            <a:endParaRPr lang="en-US" dirty="0"/>
+          </a:p>
+        </p:txBody>
+      </p:sp>
+      <p:sp>
+        <p:nvSpPr>
+          <p:cNvPr id="6" name="TextBox 5"/>
+          <p:cNvSpPr txBox="1"/>
+          <p:nvPr/>
+        </p:nvSpPr>
+        <p:spPr>
+          <a:xfrm>
+            <a:off x="2052636" y="5024514"/>
+            <a:ext cx="8086726" cy="1477328"/>
+          </a:xfrm>
+          <a:prstGeom prst="rect">
+            <a:avLst/>
+          </a:prstGeom>
+          <a:noFill/>
+        </p:spPr>
+        <p:txBody>
+          <a:bodyPr wrap="square" rtlCol="0">
+            <a:spAutoFit/>
+          </a:bodyPr>
+          <a:lstStyle/>
+          <a:p>
+            <a:r>
+              <a:rPr lang="en-US" dirty="0" smtClean="0"/>
+              <a:t>NOTE: All columns accept string values.  For image, you will want to use a </a:t>
+            </a:r>
+            <a:r>
+              <a:rPr lang="en-US" dirty="0" err="1" smtClean="0"/>
+              <a:t>url</a:t>
+            </a:r>
+            <a:r>
+              <a:rPr lang="en-US" dirty="0" smtClean="0"/>
+              <a:t> to a remote hosted image.  The description field offers the ability to render html, thus if you paste html into this field it will properly render in the Win8 and </a:t>
+            </a:r>
+            <a:r>
+              <a:rPr lang="en-US" dirty="0" err="1" smtClean="0"/>
+              <a:t>WinPhone</a:t>
+            </a:r>
+            <a:r>
+              <a:rPr lang="en-US" dirty="0" smtClean="0"/>
+              <a:t> applications.  This can allow for some custom modifications to the way description is presented in your apps.</a:t>
+            </a:r>
             <a:endParaRPr lang="en-US" dirty="0"/>
           </a:p>
         </p:txBody>
       </p:sp>
       <p:pic>
         <p:nvPicPr>
-          <p:cNvPr id="5" name="Picture 4"/>
+          <p:cNvPr id="7" name="Picture 6"/>
           <p:cNvPicPr>
             <a:picLocks noChangeAspect="1"/>
           </p:cNvPicPr>
@@ -9900,8 +10072,8 @@
         </p:blipFill>
         <p:spPr>
           <a:xfrm>
-            <a:off x="3522949" y="2047093"/>
-            <a:ext cx="5941436" cy="3416523"/>
+            <a:off x="2052636" y="1965035"/>
+            <a:ext cx="7839509" cy="2555771"/>
           </a:xfrm>
           <a:prstGeom prst="rect">
             <a:avLst/>
@@ -9911,7 +10083,7 @@
     </p:spTree>
     <p:extLst>
       <p:ext uri="{BB962C8B-B14F-4D97-AF65-F5344CB8AC3E}">
-        <p14:creationId xmlns:p14="http://schemas.microsoft.com/office/powerpoint/2010/main" val="2019552621"/>
+        <p14:creationId xmlns:p14="http://schemas.microsoft.com/office/powerpoint/2010/main" val="340092270"/>
       </p:ext>
     </p:extLst>
   </p:cSld>
@@ -10143,7 +10315,7 @@
           <a:p>
             <a:r>
               <a:rPr lang="en-US" dirty="0" smtClean="0"/>
-              <a:t>Adding data to the “Item” table continued…</a:t>
+              <a:t>Example table</a:t>
             </a:r>
             <a:endParaRPr lang="en-US" dirty="0"/>
           </a:p>
@@ -10157,8 +10329,8 @@
         </p:nvSpPr>
         <p:spPr>
           <a:xfrm>
-            <a:off x="2052636" y="4549216"/>
-            <a:ext cx="8864746" cy="646331"/>
+            <a:off x="2052635" y="4549216"/>
+            <a:ext cx="8993981" cy="646331"/>
           </a:xfrm>
           <a:prstGeom prst="rect">
             <a:avLst/>
@@ -10173,63 +10345,17 @@
           <a:p>
             <a:r>
               <a:rPr lang="en-US" dirty="0" smtClean="0"/>
-              <a:t>Click “Add row” and begin filling in some data!  Make sure to click “Save” when you are done!</a:t>
-            </a:r>
-          </a:p>
-          <a:p>
-            <a:endParaRPr lang="en-US" dirty="0"/>
-          </a:p>
-        </p:txBody>
-      </p:sp>
-      <p:sp>
-        <p:nvSpPr>
-          <p:cNvPr id="6" name="TextBox 5"/>
-          <p:cNvSpPr txBox="1"/>
-          <p:nvPr/>
-        </p:nvSpPr>
-        <p:spPr>
-          <a:xfrm>
-            <a:off x="2052636" y="5024514"/>
-            <a:ext cx="8086726" cy="1477328"/>
-          </a:xfrm>
-          <a:prstGeom prst="rect">
-            <a:avLst/>
-          </a:prstGeom>
-          <a:noFill/>
-        </p:spPr>
-        <p:txBody>
-          <a:bodyPr wrap="square" rtlCol="0">
-            <a:spAutoFit/>
-          </a:bodyPr>
-          <a:lstStyle/>
-          <a:p>
-            <a:r>
-              <a:rPr lang="en-US" dirty="0" smtClean="0"/>
-              <a:t>NOTE: All columns accept string values.  For image, you will want to use a </a:t>
-            </a:r>
-            <a:r>
-              <a:rPr lang="en-US" dirty="0" err="1" smtClean="0"/>
-              <a:t>url</a:t>
-            </a:r>
-            <a:r>
-              <a:rPr lang="en-US" dirty="0" smtClean="0"/>
-              <a:t> to a remote hosted image.  The description field offers the ability to render html, thus if you paste html into this field it will properly render in the Win8 and </a:t>
-            </a:r>
-            <a:r>
-              <a:rPr lang="en-US" dirty="0" err="1" smtClean="0"/>
-              <a:t>WinPhone</a:t>
-            </a:r>
-            <a:r>
-              <a:rPr lang="en-US" dirty="0" smtClean="0"/>
-              <a:t> applications.  This can allow for some custom modifications to the way description is presented in your apps.</a:t>
-            </a:r>
+              <a:t>Here is an example of a table with some Marvel Comics Super Heroes entered </a:t>
+            </a:r>
+          </a:p>
+          <a:p>
             <a:endParaRPr lang="en-US" dirty="0"/>
           </a:p>
         </p:txBody>
       </p:sp>
       <p:pic>
         <p:nvPicPr>
-          <p:cNvPr id="7" name="Picture 6"/>
+          <p:cNvPr id="5" name="Picture 4"/>
           <p:cNvPicPr>
             <a:picLocks noChangeAspect="1"/>
           </p:cNvPicPr>
@@ -10243,8 +10369,8 @@
         </p:blipFill>
         <p:spPr>
           <a:xfrm>
-            <a:off x="2052636" y="1965035"/>
-            <a:ext cx="7839509" cy="2555771"/>
+            <a:off x="1940717" y="2006041"/>
+            <a:ext cx="9105900" cy="2543175"/>
           </a:xfrm>
           <a:prstGeom prst="rect">
             <a:avLst/>
@@ -10254,7 +10380,7 @@
     </p:spTree>
     <p:extLst>
       <p:ext uri="{BB962C8B-B14F-4D97-AF65-F5344CB8AC3E}">
-        <p14:creationId xmlns:p14="http://schemas.microsoft.com/office/powerpoint/2010/main" val="340092270"/>
+        <p14:creationId xmlns:p14="http://schemas.microsoft.com/office/powerpoint/2010/main" val="2923302112"/>
       </p:ext>
     </p:extLst>
   </p:cSld>
@@ -10298,47 +10424,46 @@
           <a:p>
             <a:r>
               <a:rPr lang="en-US" dirty="0" smtClean="0"/>
-              <a:t>Example table</a:t>
-            </a:r>
-            <a:endParaRPr lang="en-US" dirty="0"/>
-          </a:p>
-        </p:txBody>
-      </p:sp>
-      <p:sp>
-        <p:nvSpPr>
-          <p:cNvPr id="4" name="TextBox 3"/>
-          <p:cNvSpPr txBox="1"/>
-          <p:nvPr/>
-        </p:nvSpPr>
-        <p:spPr>
-          <a:xfrm>
-            <a:off x="2052635" y="4549216"/>
-            <a:ext cx="8993981" cy="646331"/>
-          </a:xfrm>
-          <a:prstGeom prst="rect">
-            <a:avLst/>
-          </a:prstGeom>
-          <a:noFill/>
-        </p:spPr>
-        <p:txBody>
-          <a:bodyPr wrap="square" rtlCol="0">
-            <a:spAutoFit/>
-          </a:bodyPr>
-          <a:lstStyle/>
-          <a:p>
-            <a:r>
-              <a:rPr lang="en-US" dirty="0" smtClean="0"/>
-              <a:t>Here is an example of a table with some Marvel Comics Super Heroes entered </a:t>
-            </a:r>
-          </a:p>
-          <a:p>
+              <a:t>Show me the data!</a:t>
+            </a:r>
+            <a:endParaRPr lang="en-US" dirty="0"/>
+          </a:p>
+        </p:txBody>
+      </p:sp>
+      <p:sp>
+        <p:nvSpPr>
+          <p:cNvPr id="3" name="Content Placeholder 2"/>
+          <p:cNvSpPr>
+            <a:spLocks noGrp="1"/>
+          </p:cNvSpPr>
+          <p:nvPr>
+            <p:ph idx="1"/>
+          </p:nvPr>
+        </p:nvSpPr>
+        <p:spPr>
+          <a:xfrm>
+            <a:off x="1886092" y="3941617"/>
+            <a:ext cx="10018713" cy="3124201"/>
+          </a:xfrm>
+        </p:spPr>
+        <p:txBody>
+          <a:bodyPr/>
+          <a:lstStyle/>
+          <a:p>
+            <a:pPr marL="0" indent="0">
+              <a:buNone/>
+            </a:pPr>
+            <a:r>
+              <a:rPr lang="en-US" dirty="0" smtClean="0"/>
+              <a:t>If everything went right and you have followed all instruction up until this point, go ahead and build your Windows Phone and Windows 8 applications, you should see your data come back from Azure!</a:t>
+            </a:r>
             <a:endParaRPr lang="en-US" dirty="0"/>
           </a:p>
         </p:txBody>
       </p:sp>
       <p:pic>
         <p:nvPicPr>
-          <p:cNvPr id="5" name="Picture 4"/>
+          <p:cNvPr id="4" name="Picture 3"/>
           <p:cNvPicPr>
             <a:picLocks noChangeAspect="1"/>
           </p:cNvPicPr>
@@ -10352,8 +10477,32 @@
         </p:blipFill>
         <p:spPr>
           <a:xfrm>
-            <a:off x="1940717" y="2006041"/>
-            <a:ext cx="9105900" cy="2543175"/>
+            <a:off x="2150479" y="2031760"/>
+            <a:ext cx="4579793" cy="2574876"/>
+          </a:xfrm>
+          <a:prstGeom prst="rect">
+            <a:avLst/>
+          </a:prstGeom>
+        </p:spPr>
+      </p:pic>
+      <p:pic>
+        <p:nvPicPr>
+          <p:cNvPr id="5" name="Picture 4"/>
+          <p:cNvPicPr>
+            <a:picLocks noChangeAspect="1"/>
+          </p:cNvPicPr>
+          <p:nvPr/>
+        </p:nvPicPr>
+        <p:blipFill>
+          <a:blip r:embed="rId3"/>
+          <a:stretch>
+            <a:fillRect/>
+          </a:stretch>
+        </p:blipFill>
+        <p:spPr>
+          <a:xfrm>
+            <a:off x="8269168" y="2031760"/>
+            <a:ext cx="1544925" cy="2574876"/>
           </a:xfrm>
           <a:prstGeom prst="rect">
             <a:avLst/>
@@ -10363,7 +10512,7 @@
     </p:spTree>
     <p:extLst>
       <p:ext uri="{BB962C8B-B14F-4D97-AF65-F5344CB8AC3E}">
-        <p14:creationId xmlns:p14="http://schemas.microsoft.com/office/powerpoint/2010/main" val="2923302112"/>
+        <p14:creationId xmlns:p14="http://schemas.microsoft.com/office/powerpoint/2010/main" val="560297710"/>
       </p:ext>
     </p:extLst>
   </p:cSld>
@@ -10407,7 +10556,15 @@
           <a:p>
             <a:r>
               <a:rPr lang="en-US" dirty="0" smtClean="0"/>
-              <a:t>Show me the data!</a:t>
+              <a:t>Using the RSS </a:t>
+            </a:r>
+            <a:r>
+              <a:rPr lang="en-US" dirty="0" err="1" smtClean="0"/>
+              <a:t>DataServices</a:t>
+            </a:r>
+            <a:r>
+              <a:rPr lang="en-US" dirty="0" smtClean="0"/>
+              <a:t> in your apps</a:t>
             </a:r>
             <a:endParaRPr lang="en-US" dirty="0"/>
           </a:p>
@@ -10425,12 +10582,14 @@
         </p:nvSpPr>
         <p:spPr>
           <a:xfrm>
-            <a:off x="1886092" y="3941617"/>
-            <a:ext cx="10018713" cy="3124201"/>
-          </a:xfrm>
-        </p:spPr>
-        <p:txBody>
-          <a:bodyPr/>
+            <a:off x="1884219" y="2590799"/>
+            <a:ext cx="10016836" cy="4066307"/>
+          </a:xfrm>
+        </p:spPr>
+        <p:txBody>
+          <a:bodyPr>
+            <a:normAutofit fontScale="92500" lnSpcReduction="20000"/>
+          </a:bodyPr>
           <a:lstStyle/>
           <a:p>
             <a:pPr marL="0" indent="0">
@@ -10438,64 +10597,144 @@
             </a:pPr>
             <a:r>
               <a:rPr lang="en-US" dirty="0" smtClean="0"/>
-              <a:t>If everything went right and you have followed all instruction up until this point, go ahead and build your Windows Phone and Windows 8 applications, you should see your data come back from Azure!</a:t>
-            </a:r>
-            <a:endParaRPr lang="en-US" dirty="0"/>
-          </a:p>
-        </p:txBody>
-      </p:sp>
-      <p:pic>
-        <p:nvPicPr>
-          <p:cNvPr id="4" name="Picture 3"/>
-          <p:cNvPicPr>
-            <a:picLocks noChangeAspect="1"/>
-          </p:cNvPicPr>
-          <p:nvPr/>
-        </p:nvPicPr>
-        <p:blipFill>
-          <a:blip r:embed="rId2"/>
-          <a:stretch>
-            <a:fillRect/>
-          </a:stretch>
-        </p:blipFill>
-        <p:spPr>
-          <a:xfrm>
-            <a:off x="2150479" y="2031760"/>
-            <a:ext cx="4579793" cy="2574876"/>
-          </a:xfrm>
-          <a:prstGeom prst="rect">
-            <a:avLst/>
-          </a:prstGeom>
-        </p:spPr>
-      </p:pic>
-      <p:pic>
-        <p:nvPicPr>
-          <p:cNvPr id="5" name="Picture 4"/>
-          <p:cNvPicPr>
-            <a:picLocks noChangeAspect="1"/>
-          </p:cNvPicPr>
-          <p:nvPr/>
-        </p:nvPicPr>
-        <p:blipFill>
-          <a:blip r:embed="rId3"/>
-          <a:stretch>
-            <a:fillRect/>
-          </a:stretch>
-        </p:blipFill>
-        <p:spPr>
-          <a:xfrm>
-            <a:off x="8269168" y="2031760"/>
-            <a:ext cx="1544925" cy="2574876"/>
-          </a:xfrm>
-          <a:prstGeom prst="rect">
-            <a:avLst/>
-          </a:prstGeom>
-        </p:spPr>
-      </p:pic>
+              <a:t>To enable use of RSS feeds in your application, simply set </a:t>
+            </a:r>
+            <a:r>
+              <a:rPr lang="en-US" dirty="0" err="1" smtClean="0"/>
+              <a:t>CurrentDataService</a:t>
+            </a:r>
+            <a:r>
+              <a:rPr lang="en-US" dirty="0" smtClean="0"/>
+              <a:t>        </a:t>
+            </a:r>
+          </a:p>
+          <a:p>
+            <a:pPr marL="0" indent="0">
+              <a:buNone/>
+            </a:pPr>
+            <a:r>
+              <a:rPr lang="en-US" dirty="0" smtClean="0"/>
+              <a:t>  (line 27 of </a:t>
+            </a:r>
+            <a:r>
+              <a:rPr lang="en-US" dirty="0" err="1" smtClean="0"/>
+              <a:t>AppSettings.cs</a:t>
+            </a:r>
+            <a:r>
+              <a:rPr lang="en-US" dirty="0" smtClean="0"/>
+              <a:t> in </a:t>
+            </a:r>
+            <a:r>
+              <a:rPr lang="en-US" dirty="0" err="1" smtClean="0"/>
+              <a:t>XPlatformCloudKit.PCL</a:t>
+            </a:r>
+            <a:r>
+              <a:rPr lang="en-US" dirty="0" smtClean="0"/>
+              <a:t>) to :</a:t>
+            </a:r>
+          </a:p>
+          <a:p>
+            <a:pPr marL="0" indent="0">
+              <a:buNone/>
+            </a:pPr>
+            <a:endParaRPr lang="en-US" dirty="0" smtClean="0"/>
+          </a:p>
+          <a:p>
+            <a:pPr marL="0" indent="0">
+              <a:buNone/>
+            </a:pPr>
+            <a:r>
+              <a:rPr lang="en-US" dirty="0" err="1" smtClean="0"/>
+              <a:t>DataService.RSSAzureHybrid</a:t>
+            </a:r>
+            <a:r>
+              <a:rPr lang="en-US" dirty="0" smtClean="0"/>
+              <a:t> (for both Azure and RSS data) </a:t>
+            </a:r>
+          </a:p>
+          <a:p>
+            <a:pPr marL="0" indent="0">
+              <a:buNone/>
+            </a:pPr>
+            <a:r>
+              <a:rPr lang="en-US" dirty="0" smtClean="0"/>
+              <a:t>Or</a:t>
+            </a:r>
+          </a:p>
+          <a:p>
+            <a:pPr marL="0" indent="0">
+              <a:buNone/>
+            </a:pPr>
+            <a:r>
+              <a:rPr lang="en-US" dirty="0" smtClean="0"/>
+              <a:t> </a:t>
+            </a:r>
+            <a:r>
+              <a:rPr lang="en-US" dirty="0" err="1" smtClean="0"/>
+              <a:t>DataService.RSSService</a:t>
+            </a:r>
+            <a:r>
+              <a:rPr lang="en-US" dirty="0" smtClean="0"/>
+              <a:t> (for RSS data only)</a:t>
+            </a:r>
+          </a:p>
+          <a:p>
+            <a:pPr marL="0" indent="0">
+              <a:buNone/>
+            </a:pPr>
+            <a:endParaRPr lang="en-US" dirty="0"/>
+          </a:p>
+          <a:p>
+            <a:pPr marL="0" indent="0">
+              <a:buNone/>
+            </a:pPr>
+            <a:r>
+              <a:rPr lang="en-US" dirty="0" smtClean="0"/>
+              <a:t>Then configure the RSS sources and name to use for the source by adding to the </a:t>
+            </a:r>
+            <a:r>
+              <a:rPr lang="en-US" dirty="0" err="1" smtClean="0"/>
+              <a:t>RssAddressCollection</a:t>
+            </a:r>
+            <a:r>
+              <a:rPr lang="en-US" dirty="0" smtClean="0"/>
+              <a:t> array on line 48 of </a:t>
+            </a:r>
+            <a:r>
+              <a:rPr lang="en-US" dirty="0" err="1" smtClean="0"/>
+              <a:t>AppSettings.cs</a:t>
+            </a:r>
+            <a:r>
+              <a:rPr lang="en-US" dirty="0" smtClean="0"/>
+              <a:t> in </a:t>
+            </a:r>
+            <a:r>
+              <a:rPr lang="en-US" dirty="0" err="1" smtClean="0"/>
+              <a:t>XPlatformCloudKit.PCL</a:t>
+            </a:r>
+            <a:r>
+              <a:rPr lang="en-US" dirty="0" smtClean="0"/>
+              <a:t>, a few example should already exist.</a:t>
+            </a:r>
+          </a:p>
+          <a:p>
+            <a:pPr marL="0" indent="0">
+              <a:buNone/>
+            </a:pPr>
+            <a:endParaRPr lang="en-US" dirty="0"/>
+          </a:p>
+          <a:p>
+            <a:pPr marL="0" indent="0">
+              <a:buNone/>
+            </a:pPr>
+            <a:endParaRPr lang="en-US" dirty="0"/>
+          </a:p>
+        </p:txBody>
+      </p:sp>
     </p:spTree>
     <p:extLst>
       <p:ext uri="{BB962C8B-B14F-4D97-AF65-F5344CB8AC3E}">
-        <p14:creationId xmlns:p14="http://schemas.microsoft.com/office/powerpoint/2010/main" val="560297710"/>
+        <p14:creationId xmlns:p14="http://schemas.microsoft.com/office/powerpoint/2010/main" val="645691410"/>
       </p:ext>
     </p:extLst>
   </p:cSld>
@@ -10539,15 +10778,19 @@
           <a:p>
             <a:r>
               <a:rPr lang="en-US" dirty="0" smtClean="0"/>
-              <a:t>Using the RSS </a:t>
+              <a:t>Example using </a:t>
             </a:r>
             <a:r>
               <a:rPr lang="en-US" dirty="0" err="1" smtClean="0"/>
-              <a:t>DataServices</a:t>
-            </a:r>
-            <a:r>
-              <a:rPr lang="en-US" dirty="0" smtClean="0"/>
-              <a:t> in your apps</a:t>
+              <a:t>RSSAzureHybrid</a:t>
+            </a:r>
+            <a:r>
+              <a:rPr lang="en-US" dirty="0" smtClean="0"/>
+              <a:t> </a:t>
+            </a:r>
+            <a:r>
+              <a:rPr lang="en-US" dirty="0" err="1" smtClean="0"/>
+              <a:t>DataService</a:t>
             </a:r>
             <a:endParaRPr lang="en-US" dirty="0"/>
           </a:p>
@@ -10565,14 +10808,12 @@
         </p:nvSpPr>
         <p:spPr>
           <a:xfrm>
-            <a:off x="1884219" y="2590799"/>
-            <a:ext cx="10016836" cy="4066307"/>
-          </a:xfrm>
-        </p:spPr>
-        <p:txBody>
-          <a:bodyPr>
-            <a:normAutofit fontScale="92500" lnSpcReduction="20000"/>
-          </a:bodyPr>
+            <a:off x="3132063" y="4606636"/>
+            <a:ext cx="7257908" cy="1898073"/>
+          </a:xfrm>
+        </p:spPr>
+        <p:txBody>
+          <a:bodyPr/>
           <a:lstStyle/>
           <a:p>
             <a:pPr marL="0" indent="0">
@@ -10580,144 +10821,72 @@
             </a:pPr>
             <a:r>
               <a:rPr lang="en-US" dirty="0" smtClean="0"/>
-              <a:t>To enable use of RSS feeds in your application, simply set </a:t>
+              <a:t>Note that Avengers are coming from Azure and Microsoft data is coming from Bing </a:t>
             </a:r>
             <a:r>
               <a:rPr lang="en-US" dirty="0" err="1" smtClean="0"/>
-              <a:t>CurrentDataService</a:t>
-            </a:r>
-            <a:r>
-              <a:rPr lang="en-US" dirty="0" smtClean="0"/>
-              <a:t>        </a:t>
-            </a:r>
-          </a:p>
-          <a:p>
-            <a:pPr marL="0" indent="0">
-              <a:buNone/>
-            </a:pPr>
-            <a:r>
-              <a:rPr lang="en-US" dirty="0" smtClean="0"/>
-              <a:t>  (line 27 of </a:t>
-            </a:r>
-            <a:r>
-              <a:rPr lang="en-US" dirty="0" err="1" smtClean="0"/>
-              <a:t>AppSettings.cs</a:t>
-            </a:r>
-            <a:r>
-              <a:rPr lang="en-US" dirty="0" smtClean="0"/>
-              <a:t> in </a:t>
-            </a:r>
-            <a:r>
-              <a:rPr lang="en-US" dirty="0" err="1" smtClean="0"/>
-              <a:t>XPlatformCloudKit.PCL</a:t>
-            </a:r>
-            <a:r>
-              <a:rPr lang="en-US" dirty="0" smtClean="0"/>
-              <a:t>) to :</a:t>
-            </a:r>
-          </a:p>
-          <a:p>
-            <a:pPr marL="0" indent="0">
-              <a:buNone/>
-            </a:pPr>
-            <a:endParaRPr lang="en-US" dirty="0" smtClean="0"/>
-          </a:p>
-          <a:p>
-            <a:pPr marL="0" indent="0">
-              <a:buNone/>
-            </a:pPr>
-            <a:r>
-              <a:rPr lang="en-US" dirty="0" err="1" smtClean="0"/>
-              <a:t>DataService.RSSAzureHybrid</a:t>
-            </a:r>
-            <a:r>
-              <a:rPr lang="en-US" dirty="0" smtClean="0"/>
-              <a:t> (for both Azure and RSS data) </a:t>
-            </a:r>
-          </a:p>
-          <a:p>
-            <a:pPr marL="0" indent="0">
-              <a:buNone/>
-            </a:pPr>
-            <a:r>
-              <a:rPr lang="en-US" dirty="0" smtClean="0"/>
-              <a:t>Or</a:t>
-            </a:r>
-          </a:p>
-          <a:p>
-            <a:pPr marL="0" indent="0">
-              <a:buNone/>
-            </a:pPr>
-            <a:r>
-              <a:rPr lang="en-US" dirty="0" smtClean="0"/>
-              <a:t> </a:t>
-            </a:r>
-            <a:r>
-              <a:rPr lang="en-US" dirty="0" err="1" smtClean="0"/>
-              <a:t>DataService.RSSService</a:t>
-            </a:r>
-            <a:r>
-              <a:rPr lang="en-US" dirty="0" smtClean="0"/>
-              <a:t> (for RSS data only)</a:t>
-            </a:r>
-          </a:p>
-          <a:p>
-            <a:pPr marL="0" indent="0">
-              <a:buNone/>
-            </a:pPr>
-            <a:endParaRPr lang="en-US" dirty="0"/>
-          </a:p>
-          <a:p>
-            <a:pPr marL="0" indent="0">
-              <a:buNone/>
-            </a:pPr>
-            <a:r>
-              <a:rPr lang="en-US" dirty="0" smtClean="0"/>
-              <a:t>Then configure the RSS sources and name to use for the source by adding to the </a:t>
-            </a:r>
-            <a:r>
-              <a:rPr lang="en-US" dirty="0" err="1" smtClean="0"/>
-              <a:t>RssAddressCollection</a:t>
-            </a:r>
-            <a:r>
-              <a:rPr lang="en-US" dirty="0" smtClean="0"/>
-              <a:t> array on line 48 of </a:t>
-            </a:r>
-            <a:r>
-              <a:rPr lang="en-US" dirty="0" err="1" smtClean="0"/>
-              <a:t>AppSettings.cs</a:t>
-            </a:r>
-            <a:r>
-              <a:rPr lang="en-US" dirty="0" smtClean="0"/>
-              <a:t> in </a:t>
-            </a:r>
-            <a:r>
-              <a:rPr lang="en-US" dirty="0" err="1" smtClean="0"/>
-              <a:t>XPlatformCloudKit.PCL</a:t>
-            </a:r>
-            <a:r>
-              <a:rPr lang="en-US" dirty="0" smtClean="0"/>
-              <a:t>, a few example should already exist.</a:t>
-            </a:r>
-          </a:p>
-          <a:p>
-            <a:pPr marL="0" indent="0">
-              <a:buNone/>
-            </a:pPr>
-            <a:endParaRPr lang="en-US" dirty="0"/>
-          </a:p>
-          <a:p>
-            <a:pPr marL="0" indent="0">
-              <a:buNone/>
-            </a:pPr>
-            <a:endParaRPr lang="en-US" dirty="0"/>
-          </a:p>
-        </p:txBody>
-      </p:sp>
+              <a:t>Rss</a:t>
+            </a:r>
+            <a:r>
+              <a:rPr lang="en-US" dirty="0" smtClean="0"/>
+              <a:t> feed!</a:t>
+            </a:r>
+            <a:endParaRPr lang="en-US" dirty="0"/>
+          </a:p>
+        </p:txBody>
+      </p:sp>
+      <p:pic>
+        <p:nvPicPr>
+          <p:cNvPr id="6" name="Picture 5"/>
+          <p:cNvPicPr>
+            <a:picLocks noChangeAspect="1"/>
+          </p:cNvPicPr>
+          <p:nvPr/>
+        </p:nvPicPr>
+        <p:blipFill>
+          <a:blip r:embed="rId2"/>
+          <a:stretch>
+            <a:fillRect/>
+          </a:stretch>
+        </p:blipFill>
+        <p:spPr>
+          <a:xfrm>
+            <a:off x="2261670" y="2105194"/>
+            <a:ext cx="4499347" cy="2529648"/>
+          </a:xfrm>
+          <a:prstGeom prst="rect">
+            <a:avLst/>
+          </a:prstGeom>
+        </p:spPr>
+      </p:pic>
+      <p:pic>
+        <p:nvPicPr>
+          <p:cNvPr id="7" name="Picture 6"/>
+          <p:cNvPicPr>
+            <a:picLocks noChangeAspect="1"/>
+          </p:cNvPicPr>
+          <p:nvPr/>
+        </p:nvPicPr>
+        <p:blipFill>
+          <a:blip r:embed="rId3"/>
+          <a:stretch>
+            <a:fillRect/>
+          </a:stretch>
+        </p:blipFill>
+        <p:spPr>
+          <a:xfrm>
+            <a:off x="8411214" y="2105194"/>
+            <a:ext cx="1517788" cy="2529648"/>
+          </a:xfrm>
+          <a:prstGeom prst="rect">
+            <a:avLst/>
+          </a:prstGeom>
+        </p:spPr>
+      </p:pic>
     </p:spTree>
     <p:extLst>
       <p:ext uri="{BB962C8B-B14F-4D97-AF65-F5344CB8AC3E}">
-        <p14:creationId xmlns:p14="http://schemas.microsoft.com/office/powerpoint/2010/main" val="645691410"/>
+        <p14:creationId xmlns:p14="http://schemas.microsoft.com/office/powerpoint/2010/main" val="1308519537"/>
       </p:ext>
     </p:extLst>
   </p:cSld>
@@ -10754,65 +10923,55 @@
             <p:ph type="title"/>
           </p:nvPr>
         </p:nvSpPr>
-        <p:spPr/>
+        <p:spPr>
+          <a:xfrm>
+            <a:off x="1470456" y="0"/>
+            <a:ext cx="10018713" cy="1752599"/>
+          </a:xfrm>
+        </p:spPr>
         <p:txBody>
           <a:bodyPr/>
           <a:lstStyle/>
           <a:p>
-            <a:r>
-              <a:rPr lang="en-US" dirty="0" smtClean="0"/>
-              <a:t>Example using </a:t>
+            <a:pPr algn="l"/>
+            <a:r>
+              <a:rPr lang="en-US" dirty="0" smtClean="0"/>
+              <a:t>The two view states of our app</a:t>
+            </a:r>
+            <a:endParaRPr lang="en-US" dirty="0"/>
+          </a:p>
+        </p:txBody>
+      </p:sp>
+      <p:sp>
+        <p:nvSpPr>
+          <p:cNvPr id="3" name="Content Placeholder 2"/>
+          <p:cNvSpPr>
+            <a:spLocks noGrp="1"/>
+          </p:cNvSpPr>
+          <p:nvPr>
+            <p:ph idx="1"/>
+          </p:nvPr>
+        </p:nvSpPr>
+        <p:spPr>
+          <a:xfrm>
+            <a:off x="7053322" y="1521628"/>
+            <a:ext cx="3586969" cy="1898073"/>
+          </a:xfrm>
+        </p:spPr>
+        <p:txBody>
+          <a:bodyPr/>
+          <a:lstStyle/>
+          <a:p>
+            <a:pPr marL="0" indent="0">
+              <a:buNone/>
+            </a:pPr>
+            <a:r>
+              <a:rPr lang="en-US" dirty="0" smtClean="0"/>
+              <a:t>The </a:t>
             </a:r>
             <a:r>
               <a:rPr lang="en-US" dirty="0" err="1" smtClean="0"/>
-              <a:t>RSSAzureHybrid</a:t>
-            </a:r>
-            <a:r>
-              <a:rPr lang="en-US" dirty="0" smtClean="0"/>
-              <a:t> </a:t>
-            </a:r>
-            <a:r>
-              <a:rPr lang="en-US" dirty="0" err="1" smtClean="0"/>
-              <a:t>DataService</a:t>
-            </a:r>
-            <a:endParaRPr lang="en-US" dirty="0"/>
-          </a:p>
-        </p:txBody>
-      </p:sp>
-      <p:sp>
-        <p:nvSpPr>
-          <p:cNvPr id="3" name="Content Placeholder 2"/>
-          <p:cNvSpPr>
-            <a:spLocks noGrp="1"/>
-          </p:cNvSpPr>
-          <p:nvPr>
-            <p:ph idx="1"/>
-          </p:nvPr>
-        </p:nvSpPr>
-        <p:spPr>
-          <a:xfrm>
-            <a:off x="3132063" y="4606636"/>
-            <a:ext cx="7257908" cy="1898073"/>
-          </a:xfrm>
-        </p:spPr>
-        <p:txBody>
-          <a:bodyPr/>
-          <a:lstStyle/>
-          <a:p>
-            <a:pPr marL="0" indent="0">
-              <a:buNone/>
-            </a:pPr>
-            <a:r>
-              <a:rPr lang="en-US" dirty="0" smtClean="0"/>
-              <a:t>Note that Avengers are coming from Azure and Microsoft data is coming from Bing </a:t>
-            </a:r>
-            <a:r>
-              <a:rPr lang="en-US" dirty="0" err="1" smtClean="0"/>
-              <a:t>Rss</a:t>
-            </a:r>
-            <a:r>
-              <a:rPr lang="en-US" dirty="0" smtClean="0"/>
-              <a:t> feed!</a:t>
+              <a:t>ItemsShowcaseView</a:t>
             </a:r>
             <a:endParaRPr lang="en-US" dirty="0"/>
           </a:p>
@@ -10834,8 +10993,8 @@
         </p:blipFill>
         <p:spPr>
           <a:xfrm>
-            <a:off x="2261670" y="2105194"/>
-            <a:ext cx="4499347" cy="2529648"/>
+            <a:off x="1495454" y="1386945"/>
+            <a:ext cx="3855110" cy="2167441"/>
           </a:xfrm>
           <a:prstGeom prst="rect">
             <a:avLst/>
@@ -10858,18 +11017,1305 @@
         </p:blipFill>
         <p:spPr>
           <a:xfrm>
-            <a:off x="8411214" y="2105194"/>
-            <a:ext cx="1517788" cy="2529648"/>
+            <a:off x="5553342" y="1392381"/>
+            <a:ext cx="1297202" cy="2162005"/>
           </a:xfrm>
           <a:prstGeom prst="rect">
             <a:avLst/>
           </a:prstGeom>
         </p:spPr>
       </p:pic>
+      <p:pic>
+        <p:nvPicPr>
+          <p:cNvPr id="4" name="Picture 3"/>
+          <p:cNvPicPr>
+            <a:picLocks noChangeAspect="1"/>
+          </p:cNvPicPr>
+          <p:nvPr/>
+        </p:nvPicPr>
+        <p:blipFill>
+          <a:blip r:embed="rId4"/>
+          <a:stretch>
+            <a:fillRect/>
+          </a:stretch>
+        </p:blipFill>
+        <p:spPr>
+          <a:xfrm>
+            <a:off x="1495454" y="3734896"/>
+            <a:ext cx="3855110" cy="2167441"/>
+          </a:xfrm>
+          <a:prstGeom prst="rect">
+            <a:avLst/>
+          </a:prstGeom>
+        </p:spPr>
+      </p:pic>
+      <p:pic>
+        <p:nvPicPr>
+          <p:cNvPr id="5" name="Picture 4"/>
+          <p:cNvPicPr>
+            <a:picLocks noChangeAspect="1"/>
+          </p:cNvPicPr>
+          <p:nvPr/>
+        </p:nvPicPr>
+        <p:blipFill>
+          <a:blip r:embed="rId5"/>
+          <a:stretch>
+            <a:fillRect/>
+          </a:stretch>
+        </p:blipFill>
+        <p:spPr>
+          <a:xfrm>
+            <a:off x="5538276" y="3734896"/>
+            <a:ext cx="1327333" cy="2212222"/>
+          </a:xfrm>
+          <a:prstGeom prst="rect">
+            <a:avLst/>
+          </a:prstGeom>
+        </p:spPr>
+      </p:pic>
+      <p:sp>
+        <p:nvSpPr>
+          <p:cNvPr id="8" name="Content Placeholder 2"/>
+          <p:cNvSpPr txBox="1">
+            <a:spLocks/>
+          </p:cNvSpPr>
+          <p:nvPr/>
+        </p:nvSpPr>
+        <p:spPr>
+          <a:xfrm>
+            <a:off x="7053321" y="3891970"/>
+            <a:ext cx="4002606" cy="1898073"/>
+          </a:xfrm>
+          <a:prstGeom prst="rect">
+            <a:avLst/>
+          </a:prstGeom>
+        </p:spPr>
+        <p:txBody>
+          <a:bodyPr vert="horz" lIns="91440" tIns="45720" rIns="91440" bIns="45720" rtlCol="0" anchor="ctr">
+            <a:normAutofit/>
+          </a:bodyPr>
+          <a:lstStyle>
+            <a:lvl1pPr marL="285750" indent="-285750" algn="l" defTabSz="457200" rtl="0" eaLnBrk="1" latinLnBrk="0" hangingPunct="1">
+              <a:spcBef>
+                <a:spcPct val="20000"/>
+              </a:spcBef>
+              <a:spcAft>
+                <a:spcPts val="600"/>
+              </a:spcAft>
+              <a:buClr>
+                <a:schemeClr val="accent1">
+                  <a:lumMod val="75000"/>
+                </a:schemeClr>
+              </a:buClr>
+              <a:buSzPct val="145000"/>
+              <a:buFont typeface="Arial"/>
+              <a:buChar char="•"/>
+              <a:defRPr sz="2400" kern="1200" cap="none">
+                <a:solidFill>
+                  <a:schemeClr val="tx1"/>
+                </a:solidFill>
+                <a:effectLst/>
+                <a:latin typeface="+mn-lt"/>
+                <a:ea typeface="+mn-ea"/>
+                <a:cs typeface="+mn-cs"/>
+              </a:defRPr>
+            </a:lvl1pPr>
+            <a:lvl2pPr marL="742950" indent="-285750" algn="l" defTabSz="457200" rtl="0" eaLnBrk="1" latinLnBrk="0" hangingPunct="1">
+              <a:spcBef>
+                <a:spcPct val="20000"/>
+              </a:spcBef>
+              <a:spcAft>
+                <a:spcPts val="600"/>
+              </a:spcAft>
+              <a:buClr>
+                <a:schemeClr val="accent1">
+                  <a:lumMod val="75000"/>
+                </a:schemeClr>
+              </a:buClr>
+              <a:buSzPct val="145000"/>
+              <a:buFont typeface="Arial"/>
+              <a:buChar char="•"/>
+              <a:defRPr sz="2000" kern="1200" cap="none">
+                <a:solidFill>
+                  <a:schemeClr val="tx1"/>
+                </a:solidFill>
+                <a:effectLst/>
+                <a:latin typeface="+mn-lt"/>
+                <a:ea typeface="+mn-ea"/>
+                <a:cs typeface="+mn-cs"/>
+              </a:defRPr>
+            </a:lvl2pPr>
+            <a:lvl3pPr marL="1200150" indent="-285750" algn="l" defTabSz="457200" rtl="0" eaLnBrk="1" latinLnBrk="0" hangingPunct="1">
+              <a:spcBef>
+                <a:spcPct val="20000"/>
+              </a:spcBef>
+              <a:spcAft>
+                <a:spcPts val="600"/>
+              </a:spcAft>
+              <a:buClr>
+                <a:schemeClr val="accent1">
+                  <a:lumMod val="75000"/>
+                </a:schemeClr>
+              </a:buClr>
+              <a:buSzPct val="145000"/>
+              <a:buFont typeface="Arial"/>
+              <a:buChar char="•"/>
+              <a:defRPr sz="1800" kern="1200" cap="none">
+                <a:solidFill>
+                  <a:schemeClr val="tx1"/>
+                </a:solidFill>
+                <a:effectLst/>
+                <a:latin typeface="+mn-lt"/>
+                <a:ea typeface="+mn-ea"/>
+                <a:cs typeface="+mn-cs"/>
+              </a:defRPr>
+            </a:lvl3pPr>
+            <a:lvl4pPr marL="1543050" indent="-171450" algn="l" defTabSz="457200" rtl="0" eaLnBrk="1" latinLnBrk="0" hangingPunct="1">
+              <a:spcBef>
+                <a:spcPct val="20000"/>
+              </a:spcBef>
+              <a:spcAft>
+                <a:spcPts val="600"/>
+              </a:spcAft>
+              <a:buClr>
+                <a:schemeClr val="accent1">
+                  <a:lumMod val="75000"/>
+                </a:schemeClr>
+              </a:buClr>
+              <a:buSzPct val="145000"/>
+              <a:buFont typeface="Arial"/>
+              <a:buChar char="•"/>
+              <a:defRPr sz="1600" kern="1200" cap="none">
+                <a:solidFill>
+                  <a:schemeClr val="tx1"/>
+                </a:solidFill>
+                <a:effectLst/>
+                <a:latin typeface="+mn-lt"/>
+                <a:ea typeface="+mn-ea"/>
+                <a:cs typeface="+mn-cs"/>
+              </a:defRPr>
+            </a:lvl4pPr>
+            <a:lvl5pPr marL="2000250" indent="-171450" algn="l" defTabSz="457200" rtl="0" eaLnBrk="1" latinLnBrk="0" hangingPunct="1">
+              <a:spcBef>
+                <a:spcPct val="20000"/>
+              </a:spcBef>
+              <a:spcAft>
+                <a:spcPts val="600"/>
+              </a:spcAft>
+              <a:buClr>
+                <a:schemeClr val="accent1">
+                  <a:lumMod val="75000"/>
+                </a:schemeClr>
+              </a:buClr>
+              <a:buSzPct val="145000"/>
+              <a:buFont typeface="Arial"/>
+              <a:buChar char="•"/>
+              <a:defRPr sz="1400" kern="1200" cap="none">
+                <a:solidFill>
+                  <a:schemeClr val="tx1"/>
+                </a:solidFill>
+                <a:effectLst/>
+                <a:latin typeface="+mn-lt"/>
+                <a:ea typeface="+mn-ea"/>
+                <a:cs typeface="+mn-cs"/>
+              </a:defRPr>
+            </a:lvl5pPr>
+            <a:lvl6pPr marL="2514600" indent="-228600" algn="l" defTabSz="457200" rtl="0" eaLnBrk="1" latinLnBrk="0" hangingPunct="1">
+              <a:spcBef>
+                <a:spcPct val="20000"/>
+              </a:spcBef>
+              <a:spcAft>
+                <a:spcPts val="600"/>
+              </a:spcAft>
+              <a:buClr>
+                <a:schemeClr val="accent1">
+                  <a:lumMod val="75000"/>
+                </a:schemeClr>
+              </a:buClr>
+              <a:buSzPct val="145000"/>
+              <a:buFont typeface="Arial"/>
+              <a:buChar char="•"/>
+              <a:defRPr sz="1400" kern="1200" cap="none">
+                <a:solidFill>
+                  <a:schemeClr val="tx1"/>
+                </a:solidFill>
+                <a:effectLst/>
+                <a:latin typeface="+mn-lt"/>
+                <a:ea typeface="+mn-ea"/>
+                <a:cs typeface="+mn-cs"/>
+              </a:defRPr>
+            </a:lvl6pPr>
+            <a:lvl7pPr marL="2971800" indent="-228600" algn="l" defTabSz="457200" rtl="0" eaLnBrk="1" latinLnBrk="0" hangingPunct="1">
+              <a:spcBef>
+                <a:spcPct val="20000"/>
+              </a:spcBef>
+              <a:spcAft>
+                <a:spcPts val="600"/>
+              </a:spcAft>
+              <a:buClr>
+                <a:schemeClr val="accent1">
+                  <a:lumMod val="75000"/>
+                </a:schemeClr>
+              </a:buClr>
+              <a:buSzPct val="145000"/>
+              <a:buFont typeface="Arial"/>
+              <a:buChar char="•"/>
+              <a:defRPr sz="1400" kern="1200" cap="none">
+                <a:solidFill>
+                  <a:schemeClr val="tx1"/>
+                </a:solidFill>
+                <a:effectLst/>
+                <a:latin typeface="+mn-lt"/>
+                <a:ea typeface="+mn-ea"/>
+                <a:cs typeface="+mn-cs"/>
+              </a:defRPr>
+            </a:lvl7pPr>
+            <a:lvl8pPr marL="3429000" indent="-228600" algn="l" defTabSz="457200" rtl="0" eaLnBrk="1" latinLnBrk="0" hangingPunct="1">
+              <a:spcBef>
+                <a:spcPct val="20000"/>
+              </a:spcBef>
+              <a:spcAft>
+                <a:spcPts val="600"/>
+              </a:spcAft>
+              <a:buClr>
+                <a:schemeClr val="accent1">
+                  <a:lumMod val="75000"/>
+                </a:schemeClr>
+              </a:buClr>
+              <a:buSzPct val="145000"/>
+              <a:buFont typeface="Arial"/>
+              <a:buChar char="•"/>
+              <a:defRPr sz="1400" kern="1200" cap="none">
+                <a:solidFill>
+                  <a:schemeClr val="tx1"/>
+                </a:solidFill>
+                <a:effectLst/>
+                <a:latin typeface="+mn-lt"/>
+                <a:ea typeface="+mn-ea"/>
+                <a:cs typeface="+mn-cs"/>
+              </a:defRPr>
+            </a:lvl8pPr>
+            <a:lvl9pPr marL="3886200" indent="-228600" algn="l" defTabSz="457200" rtl="0" eaLnBrk="1" latinLnBrk="0" hangingPunct="1">
+              <a:spcBef>
+                <a:spcPct val="20000"/>
+              </a:spcBef>
+              <a:spcAft>
+                <a:spcPts val="600"/>
+              </a:spcAft>
+              <a:buClr>
+                <a:schemeClr val="accent1">
+                  <a:lumMod val="75000"/>
+                </a:schemeClr>
+              </a:buClr>
+              <a:buSzPct val="145000"/>
+              <a:buFont typeface="Arial"/>
+              <a:buChar char="•"/>
+              <a:defRPr sz="1400" kern="1200" cap="none">
+                <a:solidFill>
+                  <a:schemeClr val="tx1"/>
+                </a:solidFill>
+                <a:effectLst/>
+                <a:latin typeface="+mn-lt"/>
+                <a:ea typeface="+mn-ea"/>
+                <a:cs typeface="+mn-cs"/>
+              </a:defRPr>
+            </a:lvl9pPr>
+          </a:lstStyle>
+          <a:p>
+            <a:pPr marL="0" indent="0">
+              <a:buFont typeface="Arial"/>
+              <a:buNone/>
+            </a:pPr>
+            <a:r>
+              <a:rPr lang="en-US" smtClean="0"/>
+              <a:t>The ItemDescriptionView</a:t>
+            </a:r>
+            <a:endParaRPr lang="en-US" dirty="0"/>
+          </a:p>
+        </p:txBody>
+      </p:sp>
+      <p:sp>
+        <p:nvSpPr>
+          <p:cNvPr id="13" name="Rectangle 12"/>
+          <p:cNvSpPr/>
+          <p:nvPr/>
+        </p:nvSpPr>
+        <p:spPr>
+          <a:xfrm>
+            <a:off x="2909942" y="1290934"/>
+            <a:ext cx="2828915" cy="461665"/>
+          </a:xfrm>
+          <a:prstGeom prst="rect">
+            <a:avLst/>
+          </a:prstGeom>
+          <a:noFill/>
+        </p:spPr>
+        <p:txBody>
+          <a:bodyPr wrap="none" lIns="91440" tIns="45720" rIns="91440" bIns="45720">
+            <a:spAutoFit/>
+          </a:bodyPr>
+          <a:lstStyle/>
+          <a:p>
+            <a:pPr algn="ctr"/>
+            <a:r>
+              <a:rPr lang="en-US" sz="2400" b="1" cap="none" spc="0" dirty="0" smtClean="0">
+                <a:ln w="22225">
+                  <a:solidFill>
+                    <a:schemeClr val="accent2"/>
+                  </a:solidFill>
+                  <a:prstDash val="solid"/>
+                </a:ln>
+                <a:solidFill>
+                  <a:schemeClr val="accent2">
+                    <a:lumMod val="40000"/>
+                    <a:lumOff val="60000"/>
+                  </a:schemeClr>
+                </a:solidFill>
+                <a:effectLst/>
+              </a:rPr>
+              <a:t>&lt;- </a:t>
+            </a:r>
+            <a:r>
+              <a:rPr lang="en-US" sz="2400" b="1" cap="none" spc="0" dirty="0" err="1" smtClean="0">
+                <a:ln w="22225">
+                  <a:solidFill>
+                    <a:schemeClr val="accent2"/>
+                  </a:solidFill>
+                  <a:prstDash val="solid"/>
+                </a:ln>
+                <a:solidFill>
+                  <a:schemeClr val="accent2">
+                    <a:lumMod val="40000"/>
+                    <a:lumOff val="60000"/>
+                  </a:schemeClr>
+                </a:solidFill>
+                <a:effectLst/>
+              </a:rPr>
+              <a:t>ApplicationName</a:t>
+            </a:r>
+            <a:endParaRPr lang="en-US" sz="2400" b="1" cap="none" spc="0" dirty="0">
+              <a:ln w="22225">
+                <a:solidFill>
+                  <a:schemeClr val="accent2"/>
+                </a:solidFill>
+                <a:prstDash val="solid"/>
+              </a:ln>
+              <a:solidFill>
+                <a:schemeClr val="accent2">
+                  <a:lumMod val="40000"/>
+                  <a:lumOff val="60000"/>
+                </a:schemeClr>
+              </a:solidFill>
+              <a:effectLst/>
+            </a:endParaRPr>
+          </a:p>
+        </p:txBody>
+      </p:sp>
+      <p:sp>
+        <p:nvSpPr>
+          <p:cNvPr id="15" name="Rectangle 14"/>
+          <p:cNvSpPr/>
+          <p:nvPr/>
+        </p:nvSpPr>
+        <p:spPr>
+          <a:xfrm>
+            <a:off x="3000831" y="1597041"/>
+            <a:ext cx="1323568" cy="461665"/>
+          </a:xfrm>
+          <a:prstGeom prst="rect">
+            <a:avLst/>
+          </a:prstGeom>
+          <a:noFill/>
+        </p:spPr>
+        <p:txBody>
+          <a:bodyPr wrap="none" lIns="91440" tIns="45720" rIns="91440" bIns="45720">
+            <a:spAutoFit/>
+          </a:bodyPr>
+          <a:lstStyle/>
+          <a:p>
+            <a:pPr algn="ctr"/>
+            <a:r>
+              <a:rPr lang="en-US" sz="2400" b="1" cap="none" spc="0" dirty="0" smtClean="0">
+                <a:ln w="22225">
+                  <a:solidFill>
+                    <a:schemeClr val="accent2"/>
+                  </a:solidFill>
+                  <a:prstDash val="solid"/>
+                </a:ln>
+                <a:solidFill>
+                  <a:schemeClr val="accent2">
+                    <a:lumMod val="40000"/>
+                    <a:lumOff val="60000"/>
+                  </a:schemeClr>
+                </a:solidFill>
+                <a:effectLst/>
+              </a:rPr>
+              <a:t>&lt;- Group</a:t>
+            </a:r>
+            <a:endParaRPr lang="en-US" sz="2400" b="1" cap="none" spc="0" dirty="0">
+              <a:ln w="22225">
+                <a:solidFill>
+                  <a:schemeClr val="accent2"/>
+                </a:solidFill>
+                <a:prstDash val="solid"/>
+              </a:ln>
+              <a:solidFill>
+                <a:schemeClr val="accent2">
+                  <a:lumMod val="40000"/>
+                  <a:lumOff val="60000"/>
+                </a:schemeClr>
+              </a:solidFill>
+              <a:effectLst/>
+            </a:endParaRPr>
+          </a:p>
+        </p:txBody>
+      </p:sp>
+      <p:sp>
+        <p:nvSpPr>
+          <p:cNvPr id="16" name="Rectangle 15"/>
+          <p:cNvSpPr/>
+          <p:nvPr/>
+        </p:nvSpPr>
+        <p:spPr>
+          <a:xfrm>
+            <a:off x="2326426" y="2135165"/>
+            <a:ext cx="1096583" cy="461665"/>
+          </a:xfrm>
+          <a:prstGeom prst="rect">
+            <a:avLst/>
+          </a:prstGeom>
+          <a:noFill/>
+        </p:spPr>
+        <p:txBody>
+          <a:bodyPr wrap="none" lIns="91440" tIns="45720" rIns="91440" bIns="45720">
+            <a:spAutoFit/>
+          </a:bodyPr>
+          <a:lstStyle/>
+          <a:p>
+            <a:pPr algn="ctr"/>
+            <a:r>
+              <a:rPr lang="en-US" sz="2400" b="1" cap="none" spc="0" dirty="0" smtClean="0">
+                <a:ln w="22225">
+                  <a:solidFill>
+                    <a:schemeClr val="accent2"/>
+                  </a:solidFill>
+                  <a:prstDash val="solid"/>
+                </a:ln>
+                <a:solidFill>
+                  <a:schemeClr val="accent2">
+                    <a:lumMod val="40000"/>
+                    <a:lumOff val="60000"/>
+                  </a:schemeClr>
+                </a:solidFill>
+                <a:effectLst/>
+              </a:rPr>
+              <a:t>&lt;- Title</a:t>
+            </a:r>
+            <a:endParaRPr lang="en-US" sz="2400" b="1" cap="none" spc="0" dirty="0">
+              <a:ln w="22225">
+                <a:solidFill>
+                  <a:schemeClr val="accent2"/>
+                </a:solidFill>
+                <a:prstDash val="solid"/>
+              </a:ln>
+              <a:solidFill>
+                <a:schemeClr val="accent2">
+                  <a:lumMod val="40000"/>
+                  <a:lumOff val="60000"/>
+                </a:schemeClr>
+              </a:solidFill>
+              <a:effectLst/>
+            </a:endParaRPr>
+          </a:p>
+        </p:txBody>
+      </p:sp>
+      <p:sp>
+        <p:nvSpPr>
+          <p:cNvPr id="17" name="Rectangle 16"/>
+          <p:cNvSpPr/>
+          <p:nvPr/>
+        </p:nvSpPr>
+        <p:spPr>
+          <a:xfrm>
+            <a:off x="1982039" y="3092721"/>
+            <a:ext cx="1568571" cy="461665"/>
+          </a:xfrm>
+          <a:prstGeom prst="rect">
+            <a:avLst/>
+          </a:prstGeom>
+          <a:noFill/>
+        </p:spPr>
+        <p:txBody>
+          <a:bodyPr wrap="none" lIns="91440" tIns="45720" rIns="91440" bIns="45720">
+            <a:spAutoFit/>
+          </a:bodyPr>
+          <a:lstStyle/>
+          <a:p>
+            <a:pPr algn="ctr"/>
+            <a:r>
+              <a:rPr lang="en-US" sz="2400" b="1" cap="none" spc="0" dirty="0" smtClean="0">
+                <a:ln w="22225">
+                  <a:solidFill>
+                    <a:schemeClr val="accent2"/>
+                  </a:solidFill>
+                  <a:prstDash val="solid"/>
+                </a:ln>
+                <a:solidFill>
+                  <a:schemeClr val="accent2">
+                    <a:lumMod val="40000"/>
+                    <a:lumOff val="60000"/>
+                  </a:schemeClr>
+                </a:solidFill>
+                <a:effectLst/>
+              </a:rPr>
+              <a:t>&lt;- Subtitle</a:t>
+            </a:r>
+            <a:endParaRPr lang="en-US" sz="2400" b="1" cap="none" spc="0" dirty="0">
+              <a:ln w="22225">
+                <a:solidFill>
+                  <a:schemeClr val="accent2"/>
+                </a:solidFill>
+                <a:prstDash val="solid"/>
+              </a:ln>
+              <a:solidFill>
+                <a:schemeClr val="accent2">
+                  <a:lumMod val="40000"/>
+                  <a:lumOff val="60000"/>
+                </a:schemeClr>
+              </a:solidFill>
+              <a:effectLst/>
+            </a:endParaRPr>
+          </a:p>
+        </p:txBody>
+      </p:sp>
+      <p:sp>
+        <p:nvSpPr>
+          <p:cNvPr id="18" name="Rectangle 17"/>
+          <p:cNvSpPr/>
+          <p:nvPr/>
+        </p:nvSpPr>
+        <p:spPr>
+          <a:xfrm>
+            <a:off x="4425552" y="4343031"/>
+            <a:ext cx="2037737" cy="461665"/>
+          </a:xfrm>
+          <a:prstGeom prst="rect">
+            <a:avLst/>
+          </a:prstGeom>
+          <a:noFill/>
+        </p:spPr>
+        <p:txBody>
+          <a:bodyPr wrap="none" lIns="91440" tIns="45720" rIns="91440" bIns="45720">
+            <a:spAutoFit/>
+          </a:bodyPr>
+          <a:lstStyle/>
+          <a:p>
+            <a:pPr algn="ctr"/>
+            <a:r>
+              <a:rPr lang="en-US" sz="2400" b="1" cap="none" spc="0" dirty="0" smtClean="0">
+                <a:ln w="22225">
+                  <a:solidFill>
+                    <a:schemeClr val="accent2"/>
+                  </a:solidFill>
+                  <a:prstDash val="solid"/>
+                </a:ln>
+                <a:solidFill>
+                  <a:schemeClr val="accent2">
+                    <a:lumMod val="40000"/>
+                    <a:lumOff val="60000"/>
+                  </a:schemeClr>
+                </a:solidFill>
+                <a:effectLst/>
+              </a:rPr>
+              <a:t>&lt;- Description</a:t>
+            </a:r>
+            <a:endParaRPr lang="en-US" sz="2400" b="1" cap="none" spc="0" dirty="0">
+              <a:ln w="22225">
+                <a:solidFill>
+                  <a:schemeClr val="accent2"/>
+                </a:solidFill>
+                <a:prstDash val="solid"/>
+              </a:ln>
+              <a:solidFill>
+                <a:schemeClr val="accent2">
+                  <a:lumMod val="40000"/>
+                  <a:lumOff val="60000"/>
+                </a:schemeClr>
+              </a:solidFill>
+              <a:effectLst/>
+            </a:endParaRPr>
+          </a:p>
+        </p:txBody>
+      </p:sp>
+      <p:sp>
+        <p:nvSpPr>
+          <p:cNvPr id="19" name="Rectangle 18"/>
+          <p:cNvSpPr/>
+          <p:nvPr/>
+        </p:nvSpPr>
+        <p:spPr>
+          <a:xfrm>
+            <a:off x="2479967" y="3764482"/>
+            <a:ext cx="1038040" cy="369332"/>
+          </a:xfrm>
+          <a:prstGeom prst="rect">
+            <a:avLst/>
+          </a:prstGeom>
+        </p:spPr>
+        <p:txBody>
+          <a:bodyPr wrap="none">
+            <a:spAutoFit/>
+          </a:bodyPr>
+          <a:lstStyle/>
+          <a:p>
+            <a:pPr algn="ctr"/>
+            <a:r>
+              <a:rPr lang="en-US" b="1" dirty="0">
+                <a:ln w="22225">
+                  <a:solidFill>
+                    <a:schemeClr val="accent2"/>
+                  </a:solidFill>
+                  <a:prstDash val="solid"/>
+                </a:ln>
+                <a:solidFill>
+                  <a:schemeClr val="accent2">
+                    <a:lumMod val="40000"/>
+                    <a:lumOff val="60000"/>
+                  </a:schemeClr>
+                </a:solidFill>
+              </a:rPr>
+              <a:t>&lt;- Group</a:t>
+            </a:r>
+          </a:p>
+        </p:txBody>
+      </p:sp>
+      <p:sp>
+        <p:nvSpPr>
+          <p:cNvPr id="33" name="Rectangle 32"/>
+          <p:cNvSpPr/>
+          <p:nvPr/>
+        </p:nvSpPr>
+        <p:spPr>
+          <a:xfrm>
+            <a:off x="2361650" y="3918095"/>
+            <a:ext cx="1096583" cy="461665"/>
+          </a:xfrm>
+          <a:prstGeom prst="rect">
+            <a:avLst/>
+          </a:prstGeom>
+          <a:noFill/>
+        </p:spPr>
+        <p:txBody>
+          <a:bodyPr wrap="none" lIns="91440" tIns="45720" rIns="91440" bIns="45720">
+            <a:spAutoFit/>
+          </a:bodyPr>
+          <a:lstStyle/>
+          <a:p>
+            <a:pPr algn="ctr"/>
+            <a:r>
+              <a:rPr lang="en-US" sz="2400" b="1" cap="none" spc="0" dirty="0" smtClean="0">
+                <a:ln w="22225">
+                  <a:solidFill>
+                    <a:schemeClr val="accent2"/>
+                  </a:solidFill>
+                  <a:prstDash val="solid"/>
+                </a:ln>
+                <a:solidFill>
+                  <a:schemeClr val="accent2">
+                    <a:lumMod val="40000"/>
+                    <a:lumOff val="60000"/>
+                  </a:schemeClr>
+                </a:solidFill>
+                <a:effectLst/>
+              </a:rPr>
+              <a:t>&lt;- Title</a:t>
+            </a:r>
+            <a:endParaRPr lang="en-US" sz="2400" b="1" cap="none" spc="0" dirty="0">
+              <a:ln w="22225">
+                <a:solidFill>
+                  <a:schemeClr val="accent2"/>
+                </a:solidFill>
+                <a:prstDash val="solid"/>
+              </a:ln>
+              <a:solidFill>
+                <a:schemeClr val="accent2">
+                  <a:lumMod val="40000"/>
+                  <a:lumOff val="60000"/>
+                </a:schemeClr>
+              </a:solidFill>
+              <a:effectLst/>
+            </a:endParaRPr>
+          </a:p>
+        </p:txBody>
+      </p:sp>
+      <p:sp>
+        <p:nvSpPr>
+          <p:cNvPr id="34" name="Rectangle 33"/>
+          <p:cNvSpPr/>
+          <p:nvPr/>
+        </p:nvSpPr>
+        <p:spPr>
+          <a:xfrm>
+            <a:off x="1996830" y="4171077"/>
+            <a:ext cx="1568571" cy="461665"/>
+          </a:xfrm>
+          <a:prstGeom prst="rect">
+            <a:avLst/>
+          </a:prstGeom>
+          <a:noFill/>
+        </p:spPr>
+        <p:txBody>
+          <a:bodyPr wrap="none" lIns="91440" tIns="45720" rIns="91440" bIns="45720">
+            <a:spAutoFit/>
+          </a:bodyPr>
+          <a:lstStyle/>
+          <a:p>
+            <a:pPr algn="ctr"/>
+            <a:r>
+              <a:rPr lang="en-US" sz="2400" b="1" cap="none" spc="0" dirty="0" smtClean="0">
+                <a:ln w="22225">
+                  <a:solidFill>
+                    <a:schemeClr val="accent2"/>
+                  </a:solidFill>
+                  <a:prstDash val="solid"/>
+                </a:ln>
+                <a:solidFill>
+                  <a:schemeClr val="accent2">
+                    <a:lumMod val="40000"/>
+                    <a:lumOff val="60000"/>
+                  </a:schemeClr>
+                </a:solidFill>
+                <a:effectLst/>
+              </a:rPr>
+              <a:t>&lt;- Subtitle</a:t>
+            </a:r>
+            <a:endParaRPr lang="en-US" sz="2400" b="1" cap="none" spc="0" dirty="0">
+              <a:ln w="22225">
+                <a:solidFill>
+                  <a:schemeClr val="accent2"/>
+                </a:solidFill>
+                <a:prstDash val="solid"/>
+              </a:ln>
+              <a:solidFill>
+                <a:schemeClr val="accent2">
+                  <a:lumMod val="40000"/>
+                  <a:lumOff val="60000"/>
+                </a:schemeClr>
+              </a:solidFill>
+              <a:effectLst/>
+            </a:endParaRPr>
+          </a:p>
+        </p:txBody>
+      </p:sp>
+      <p:sp>
+        <p:nvSpPr>
+          <p:cNvPr id="36" name="Rectangle 35"/>
+          <p:cNvSpPr/>
+          <p:nvPr/>
+        </p:nvSpPr>
+        <p:spPr>
+          <a:xfrm>
+            <a:off x="5933139" y="3589515"/>
+            <a:ext cx="2828916" cy="461665"/>
+          </a:xfrm>
+          <a:prstGeom prst="rect">
+            <a:avLst/>
+          </a:prstGeom>
+          <a:noFill/>
+        </p:spPr>
+        <p:txBody>
+          <a:bodyPr wrap="none" lIns="91440" tIns="45720" rIns="91440" bIns="45720">
+            <a:spAutoFit/>
+          </a:bodyPr>
+          <a:lstStyle/>
+          <a:p>
+            <a:pPr algn="ctr"/>
+            <a:r>
+              <a:rPr lang="en-US" sz="2400" b="1" cap="none" spc="0" dirty="0" smtClean="0">
+                <a:ln w="22225">
+                  <a:solidFill>
+                    <a:schemeClr val="accent2"/>
+                  </a:solidFill>
+                  <a:prstDash val="solid"/>
+                </a:ln>
+                <a:solidFill>
+                  <a:schemeClr val="accent2">
+                    <a:lumMod val="40000"/>
+                    <a:lumOff val="60000"/>
+                  </a:schemeClr>
+                </a:solidFill>
+                <a:effectLst/>
+              </a:rPr>
+              <a:t>&lt;- </a:t>
+            </a:r>
+            <a:r>
+              <a:rPr lang="en-US" sz="2400" b="1" cap="none" spc="0" dirty="0" err="1" smtClean="0">
+                <a:ln w="22225">
+                  <a:solidFill>
+                    <a:schemeClr val="accent2"/>
+                  </a:solidFill>
+                  <a:prstDash val="solid"/>
+                </a:ln>
+                <a:solidFill>
+                  <a:schemeClr val="accent2">
+                    <a:lumMod val="40000"/>
+                    <a:lumOff val="60000"/>
+                  </a:schemeClr>
+                </a:solidFill>
+                <a:effectLst/>
+              </a:rPr>
+              <a:t>ApplicationName</a:t>
+            </a:r>
+            <a:endParaRPr lang="en-US" sz="2400" b="1" cap="none" spc="0" dirty="0">
+              <a:ln w="22225">
+                <a:solidFill>
+                  <a:schemeClr val="accent2"/>
+                </a:solidFill>
+                <a:prstDash val="solid"/>
+              </a:ln>
+              <a:solidFill>
+                <a:schemeClr val="accent2">
+                  <a:lumMod val="40000"/>
+                  <a:lumOff val="60000"/>
+                </a:schemeClr>
+              </a:solidFill>
+              <a:effectLst/>
+            </a:endParaRPr>
+          </a:p>
+        </p:txBody>
+      </p:sp>
+      <p:sp>
+        <p:nvSpPr>
+          <p:cNvPr id="37" name="Rectangle 36"/>
+          <p:cNvSpPr/>
+          <p:nvPr/>
+        </p:nvSpPr>
+        <p:spPr>
+          <a:xfrm>
+            <a:off x="6032524" y="1556968"/>
+            <a:ext cx="1323568" cy="461665"/>
+          </a:xfrm>
+          <a:prstGeom prst="rect">
+            <a:avLst/>
+          </a:prstGeom>
+          <a:noFill/>
+        </p:spPr>
+        <p:txBody>
+          <a:bodyPr wrap="none" lIns="91440" tIns="45720" rIns="91440" bIns="45720">
+            <a:spAutoFit/>
+          </a:bodyPr>
+          <a:lstStyle/>
+          <a:p>
+            <a:pPr algn="ctr"/>
+            <a:r>
+              <a:rPr lang="en-US" sz="2400" b="1" cap="none" spc="0" dirty="0" smtClean="0">
+                <a:ln w="22225">
+                  <a:solidFill>
+                    <a:schemeClr val="accent2"/>
+                  </a:solidFill>
+                  <a:prstDash val="solid"/>
+                </a:ln>
+                <a:solidFill>
+                  <a:schemeClr val="accent2">
+                    <a:lumMod val="40000"/>
+                    <a:lumOff val="60000"/>
+                  </a:schemeClr>
+                </a:solidFill>
+                <a:effectLst/>
+              </a:rPr>
+              <a:t>&lt;- Group</a:t>
+            </a:r>
+            <a:endParaRPr lang="en-US" sz="2400" b="1" cap="none" spc="0" dirty="0">
+              <a:ln w="22225">
+                <a:solidFill>
+                  <a:schemeClr val="accent2"/>
+                </a:solidFill>
+                <a:prstDash val="solid"/>
+              </a:ln>
+              <a:solidFill>
+                <a:schemeClr val="accent2">
+                  <a:lumMod val="40000"/>
+                  <a:lumOff val="60000"/>
+                </a:schemeClr>
+              </a:solidFill>
+              <a:effectLst/>
+            </a:endParaRPr>
+          </a:p>
+        </p:txBody>
+      </p:sp>
+      <p:sp>
+        <p:nvSpPr>
+          <p:cNvPr id="38" name="Rectangle 37"/>
+          <p:cNvSpPr/>
+          <p:nvPr/>
+        </p:nvSpPr>
+        <p:spPr>
+          <a:xfrm>
+            <a:off x="6335077" y="4073839"/>
+            <a:ext cx="1096583" cy="461665"/>
+          </a:xfrm>
+          <a:prstGeom prst="rect">
+            <a:avLst/>
+          </a:prstGeom>
+          <a:noFill/>
+        </p:spPr>
+        <p:txBody>
+          <a:bodyPr wrap="none" lIns="91440" tIns="45720" rIns="91440" bIns="45720">
+            <a:spAutoFit/>
+          </a:bodyPr>
+          <a:lstStyle/>
+          <a:p>
+            <a:pPr algn="ctr"/>
+            <a:r>
+              <a:rPr lang="en-US" sz="2400" b="1" cap="none" spc="0" dirty="0" smtClean="0">
+                <a:ln w="22225">
+                  <a:solidFill>
+                    <a:schemeClr val="accent2"/>
+                  </a:solidFill>
+                  <a:prstDash val="solid"/>
+                </a:ln>
+                <a:solidFill>
+                  <a:schemeClr val="accent2">
+                    <a:lumMod val="40000"/>
+                    <a:lumOff val="60000"/>
+                  </a:schemeClr>
+                </a:solidFill>
+                <a:effectLst/>
+              </a:rPr>
+              <a:t>&lt;- Title</a:t>
+            </a:r>
+            <a:endParaRPr lang="en-US" sz="2400" b="1" cap="none" spc="0" dirty="0">
+              <a:ln w="22225">
+                <a:solidFill>
+                  <a:schemeClr val="accent2"/>
+                </a:solidFill>
+                <a:prstDash val="solid"/>
+              </a:ln>
+              <a:solidFill>
+                <a:schemeClr val="accent2">
+                  <a:lumMod val="40000"/>
+                  <a:lumOff val="60000"/>
+                </a:schemeClr>
+              </a:solidFill>
+              <a:effectLst/>
+            </a:endParaRPr>
+          </a:p>
+        </p:txBody>
+      </p:sp>
+      <p:sp>
+        <p:nvSpPr>
+          <p:cNvPr id="39" name="Rectangle 38"/>
+          <p:cNvSpPr/>
+          <p:nvPr/>
+        </p:nvSpPr>
+        <p:spPr>
+          <a:xfrm>
+            <a:off x="6073099" y="2024648"/>
+            <a:ext cx="1096583" cy="461665"/>
+          </a:xfrm>
+          <a:prstGeom prst="rect">
+            <a:avLst/>
+          </a:prstGeom>
+          <a:noFill/>
+        </p:spPr>
+        <p:txBody>
+          <a:bodyPr wrap="none" lIns="91440" tIns="45720" rIns="91440" bIns="45720">
+            <a:spAutoFit/>
+          </a:bodyPr>
+          <a:lstStyle/>
+          <a:p>
+            <a:pPr algn="ctr"/>
+            <a:r>
+              <a:rPr lang="en-US" sz="2400" b="1" cap="none" spc="0" dirty="0" smtClean="0">
+                <a:ln w="22225">
+                  <a:solidFill>
+                    <a:schemeClr val="accent2"/>
+                  </a:solidFill>
+                  <a:prstDash val="solid"/>
+                </a:ln>
+                <a:solidFill>
+                  <a:schemeClr val="accent2">
+                    <a:lumMod val="40000"/>
+                    <a:lumOff val="60000"/>
+                  </a:schemeClr>
+                </a:solidFill>
+                <a:effectLst/>
+              </a:rPr>
+              <a:t>&lt;- Title</a:t>
+            </a:r>
+            <a:endParaRPr lang="en-US" sz="2400" b="1" cap="none" spc="0" dirty="0">
+              <a:ln w="22225">
+                <a:solidFill>
+                  <a:schemeClr val="accent2"/>
+                </a:solidFill>
+                <a:prstDash val="solid"/>
+              </a:ln>
+              <a:solidFill>
+                <a:schemeClr val="accent2">
+                  <a:lumMod val="40000"/>
+                  <a:lumOff val="60000"/>
+                </a:schemeClr>
+              </a:solidFill>
+              <a:effectLst/>
+            </a:endParaRPr>
+          </a:p>
+        </p:txBody>
+      </p:sp>
+      <p:sp>
+        <p:nvSpPr>
+          <p:cNvPr id="40" name="Rectangle 39"/>
+          <p:cNvSpPr/>
+          <p:nvPr/>
+        </p:nvSpPr>
+        <p:spPr>
+          <a:xfrm>
+            <a:off x="6032524" y="2191827"/>
+            <a:ext cx="1568571" cy="461665"/>
+          </a:xfrm>
+          <a:prstGeom prst="rect">
+            <a:avLst/>
+          </a:prstGeom>
+          <a:noFill/>
+        </p:spPr>
+        <p:txBody>
+          <a:bodyPr wrap="none" lIns="91440" tIns="45720" rIns="91440" bIns="45720">
+            <a:spAutoFit/>
+          </a:bodyPr>
+          <a:lstStyle/>
+          <a:p>
+            <a:pPr algn="ctr"/>
+            <a:r>
+              <a:rPr lang="en-US" sz="2400" b="1" cap="none" spc="0" dirty="0" smtClean="0">
+                <a:ln w="22225">
+                  <a:solidFill>
+                    <a:schemeClr val="accent2"/>
+                  </a:solidFill>
+                  <a:prstDash val="solid"/>
+                </a:ln>
+                <a:solidFill>
+                  <a:schemeClr val="accent2">
+                    <a:lumMod val="40000"/>
+                    <a:lumOff val="60000"/>
+                  </a:schemeClr>
+                </a:solidFill>
+                <a:effectLst/>
+              </a:rPr>
+              <a:t>&lt;- Subtitle</a:t>
+            </a:r>
+            <a:endParaRPr lang="en-US" sz="2400" b="1" cap="none" spc="0" dirty="0">
+              <a:ln w="22225">
+                <a:solidFill>
+                  <a:schemeClr val="accent2"/>
+                </a:solidFill>
+                <a:prstDash val="solid"/>
+              </a:ln>
+              <a:solidFill>
+                <a:schemeClr val="accent2">
+                  <a:lumMod val="40000"/>
+                  <a:lumOff val="60000"/>
+                </a:schemeClr>
+              </a:solidFill>
+              <a:effectLst/>
+            </a:endParaRPr>
+          </a:p>
+        </p:txBody>
+      </p:sp>
+      <p:sp>
+        <p:nvSpPr>
+          <p:cNvPr id="42" name="Rectangle 41"/>
+          <p:cNvSpPr/>
+          <p:nvPr/>
+        </p:nvSpPr>
+        <p:spPr>
+          <a:xfrm>
+            <a:off x="6463289" y="4962770"/>
+            <a:ext cx="2037737" cy="461665"/>
+          </a:xfrm>
+          <a:prstGeom prst="rect">
+            <a:avLst/>
+          </a:prstGeom>
+          <a:noFill/>
+        </p:spPr>
+        <p:txBody>
+          <a:bodyPr wrap="none" lIns="91440" tIns="45720" rIns="91440" bIns="45720">
+            <a:spAutoFit/>
+          </a:bodyPr>
+          <a:lstStyle/>
+          <a:p>
+            <a:pPr algn="ctr"/>
+            <a:r>
+              <a:rPr lang="en-US" sz="2400" b="1" cap="none" spc="0" dirty="0" smtClean="0">
+                <a:ln w="22225">
+                  <a:solidFill>
+                    <a:schemeClr val="accent2"/>
+                  </a:solidFill>
+                  <a:prstDash val="solid"/>
+                </a:ln>
+                <a:solidFill>
+                  <a:schemeClr val="accent2">
+                    <a:lumMod val="40000"/>
+                    <a:lumOff val="60000"/>
+                  </a:schemeClr>
+                </a:solidFill>
+                <a:effectLst/>
+              </a:rPr>
+              <a:t>&lt;- Description</a:t>
+            </a:r>
+            <a:endParaRPr lang="en-US" sz="2400" b="1" cap="none" spc="0" dirty="0">
+              <a:ln w="22225">
+                <a:solidFill>
+                  <a:schemeClr val="accent2"/>
+                </a:solidFill>
+                <a:prstDash val="solid"/>
+              </a:ln>
+              <a:solidFill>
+                <a:schemeClr val="accent2">
+                  <a:lumMod val="40000"/>
+                  <a:lumOff val="60000"/>
+                </a:schemeClr>
+              </a:solidFill>
+              <a:effectLst/>
+            </a:endParaRPr>
+          </a:p>
+        </p:txBody>
+      </p:sp>
+      <p:sp>
+        <p:nvSpPr>
+          <p:cNvPr id="43" name="Rectangle 42"/>
+          <p:cNvSpPr/>
+          <p:nvPr/>
+        </p:nvSpPr>
+        <p:spPr>
+          <a:xfrm>
+            <a:off x="6297681" y="3815862"/>
+            <a:ext cx="1323568" cy="461665"/>
+          </a:xfrm>
+          <a:prstGeom prst="rect">
+            <a:avLst/>
+          </a:prstGeom>
+          <a:noFill/>
+        </p:spPr>
+        <p:txBody>
+          <a:bodyPr wrap="none" lIns="91440" tIns="45720" rIns="91440" bIns="45720">
+            <a:spAutoFit/>
+          </a:bodyPr>
+          <a:lstStyle/>
+          <a:p>
+            <a:pPr algn="ctr"/>
+            <a:r>
+              <a:rPr lang="en-US" sz="2400" b="1" cap="none" spc="0" dirty="0" smtClean="0">
+                <a:ln w="22225">
+                  <a:solidFill>
+                    <a:schemeClr val="accent2"/>
+                  </a:solidFill>
+                  <a:prstDash val="solid"/>
+                </a:ln>
+                <a:solidFill>
+                  <a:schemeClr val="accent2">
+                    <a:lumMod val="40000"/>
+                    <a:lumOff val="60000"/>
+                  </a:schemeClr>
+                </a:solidFill>
+                <a:effectLst/>
+              </a:rPr>
+              <a:t>&lt;- Group</a:t>
+            </a:r>
+            <a:endParaRPr lang="en-US" sz="2400" b="1" cap="none" spc="0" dirty="0">
+              <a:ln w="22225">
+                <a:solidFill>
+                  <a:schemeClr val="accent2"/>
+                </a:solidFill>
+                <a:prstDash val="solid"/>
+              </a:ln>
+              <a:solidFill>
+                <a:schemeClr val="accent2">
+                  <a:lumMod val="40000"/>
+                  <a:lumOff val="60000"/>
+                </a:schemeClr>
+              </a:solidFill>
+              <a:effectLst/>
+            </a:endParaRPr>
+          </a:p>
+        </p:txBody>
+      </p:sp>
+      <p:sp>
+        <p:nvSpPr>
+          <p:cNvPr id="44" name="Rectangle 43"/>
+          <p:cNvSpPr/>
+          <p:nvPr/>
+        </p:nvSpPr>
+        <p:spPr>
+          <a:xfrm>
+            <a:off x="5930732" y="1276183"/>
+            <a:ext cx="2828916" cy="461665"/>
+          </a:xfrm>
+          <a:prstGeom prst="rect">
+            <a:avLst/>
+          </a:prstGeom>
+          <a:noFill/>
+        </p:spPr>
+        <p:txBody>
+          <a:bodyPr wrap="none" lIns="91440" tIns="45720" rIns="91440" bIns="45720">
+            <a:spAutoFit/>
+          </a:bodyPr>
+          <a:lstStyle/>
+          <a:p>
+            <a:pPr algn="ctr"/>
+            <a:r>
+              <a:rPr lang="en-US" sz="2400" b="1" dirty="0">
+                <a:ln w="22225">
+                  <a:solidFill>
+                    <a:schemeClr val="accent2"/>
+                  </a:solidFill>
+                  <a:prstDash val="solid"/>
+                </a:ln>
+                <a:solidFill>
+                  <a:schemeClr val="accent2">
+                    <a:lumMod val="40000"/>
+                    <a:lumOff val="60000"/>
+                  </a:schemeClr>
+                </a:solidFill>
+              </a:rPr>
+              <a:t>&lt;- </a:t>
+            </a:r>
+            <a:r>
+              <a:rPr lang="en-US" sz="2400" b="1" dirty="0" err="1" smtClean="0">
+                <a:ln w="22225">
+                  <a:solidFill>
+                    <a:schemeClr val="accent2"/>
+                  </a:solidFill>
+                  <a:prstDash val="solid"/>
+                </a:ln>
+                <a:solidFill>
+                  <a:schemeClr val="accent2">
+                    <a:lumMod val="40000"/>
+                    <a:lumOff val="60000"/>
+                  </a:schemeClr>
+                </a:solidFill>
+              </a:rPr>
+              <a:t>ApplicationName</a:t>
+            </a:r>
+            <a:endParaRPr lang="en-US" sz="2400" b="1" dirty="0">
+              <a:ln w="22225">
+                <a:solidFill>
+                  <a:schemeClr val="accent2"/>
+                </a:solidFill>
+                <a:prstDash val="solid"/>
+              </a:ln>
+              <a:solidFill>
+                <a:schemeClr val="accent2">
+                  <a:lumMod val="40000"/>
+                  <a:lumOff val="60000"/>
+                </a:schemeClr>
+              </a:solidFill>
+            </a:endParaRPr>
+          </a:p>
+        </p:txBody>
+      </p:sp>
     </p:spTree>
     <p:extLst>
       <p:ext uri="{BB962C8B-B14F-4D97-AF65-F5344CB8AC3E}">
-        <p14:creationId xmlns:p14="http://schemas.microsoft.com/office/powerpoint/2010/main" val="1308519537"/>
+        <p14:creationId xmlns:p14="http://schemas.microsoft.com/office/powerpoint/2010/main" val="285096467"/>
       </p:ext>
     </p:extLst>
   </p:cSld>
@@ -10908,18 +12354,44 @@
         </p:nvSpPr>
         <p:spPr>
           <a:xfrm>
-            <a:off x="1470456" y="0"/>
-            <a:ext cx="10018713" cy="1752599"/>
+            <a:off x="1440872" y="397884"/>
+            <a:ext cx="10283824" cy="1752599"/>
           </a:xfrm>
         </p:spPr>
         <p:txBody>
           <a:bodyPr/>
           <a:lstStyle/>
           <a:p>
-            <a:pPr algn="l"/>
-            <a:r>
-              <a:rPr lang="en-US" dirty="0" smtClean="0"/>
-              <a:t>The two view states of our app</a:t>
+            <a:r>
+              <a:rPr lang="en-US" dirty="0" smtClean="0"/>
+              <a:t>Further Customization </a:t>
+            </a:r>
+            <a:r>
+              <a:rPr lang="en-US" dirty="0" smtClean="0"/>
+              <a:t>– </a:t>
+            </a:r>
+            <a:r>
+              <a:rPr lang="en-US" dirty="0" err="1" smtClean="0"/>
+              <a:t>AppSetting.cs</a:t>
+            </a:r>
+            <a:r>
+              <a:rPr lang="en-US" dirty="0" smtClean="0"/>
+              <a:t/>
+            </a:r>
+            <a:br>
+              <a:rPr lang="en-US" dirty="0" smtClean="0"/>
+            </a:br>
+            <a:r>
+              <a:rPr lang="en-US" dirty="0" smtClean="0"/>
+              <a:t>(located in </a:t>
+            </a:r>
+            <a:r>
+              <a:rPr lang="en-US" dirty="0" err="1" smtClean="0"/>
+              <a:t>XPlatformCloudKit.PCL</a:t>
+            </a:r>
+            <a:r>
+              <a:rPr lang="en-US" dirty="0" smtClean="0"/>
+              <a:t>)</a:t>
             </a:r>
             <a:endParaRPr lang="en-US" dirty="0"/>
           </a:p>
@@ -10937,24 +12409,33 @@
         </p:nvSpPr>
         <p:spPr>
           <a:xfrm>
-            <a:off x="7053322" y="1521628"/>
-            <a:ext cx="3586969" cy="1898073"/>
+            <a:off x="1705983" y="3952740"/>
+            <a:ext cx="10018713" cy="3124201"/>
           </a:xfrm>
         </p:spPr>
         <p:txBody>
           <a:bodyPr/>
           <a:lstStyle/>
           <a:p>
-            <a:pPr marL="0" indent="0">
-              <a:buNone/>
-            </a:pPr>
-            <a:r>
-              <a:rPr lang="en-US" dirty="0" smtClean="0"/>
-              <a:t>The </a:t>
+            <a:r>
+              <a:rPr lang="en-US" dirty="0" smtClean="0"/>
+              <a:t>Here </a:t>
+            </a:r>
+            <a:r>
+              <a:rPr lang="en-US" dirty="0" smtClean="0"/>
+              <a:t>you can edit your app </a:t>
+            </a:r>
+            <a:r>
+              <a:rPr lang="en-US" dirty="0" smtClean="0"/>
+              <a:t>display name, time to cache retrieved data, theme to use for Windows 8, privacy policy </a:t>
             </a:r>
             <a:r>
               <a:rPr lang="en-US" dirty="0" err="1" smtClean="0"/>
-              <a:t>ItemsShowcaseView</a:t>
+              <a:t>url</a:t>
+            </a:r>
+            <a:r>
+              <a:rPr lang="en-US" dirty="0" smtClean="0"/>
+              <a:t>, and more.  This is the single point of configuration to make the app your own!</a:t>
             </a:r>
             <a:endParaRPr lang="en-US" dirty="0"/>
           </a:p>
@@ -10962,7 +12443,7 @@
       </p:sp>
       <p:pic>
         <p:nvPicPr>
-          <p:cNvPr id="6" name="Picture 5"/>
+          <p:cNvPr id="4" name="Picture 3"/>
           <p:cNvPicPr>
             <a:picLocks noChangeAspect="1"/>
           </p:cNvPicPr>
@@ -10976,1329 +12457,18 @@
         </p:blipFill>
         <p:spPr>
           <a:xfrm>
-            <a:off x="1495454" y="1386945"/>
-            <a:ext cx="3855110" cy="2167441"/>
+            <a:off x="3178636" y="1890879"/>
+            <a:ext cx="6808296" cy="2892884"/>
           </a:xfrm>
           <a:prstGeom prst="rect">
             <a:avLst/>
           </a:prstGeom>
         </p:spPr>
       </p:pic>
-      <p:pic>
-        <p:nvPicPr>
-          <p:cNvPr id="7" name="Picture 6"/>
-          <p:cNvPicPr>
-            <a:picLocks noChangeAspect="1"/>
-          </p:cNvPicPr>
-          <p:nvPr/>
-        </p:nvPicPr>
-        <p:blipFill>
-          <a:blip r:embed="rId3"/>
-          <a:stretch>
-            <a:fillRect/>
-          </a:stretch>
-        </p:blipFill>
-        <p:spPr>
-          <a:xfrm>
-            <a:off x="5553342" y="1392381"/>
-            <a:ext cx="1297202" cy="2162005"/>
-          </a:xfrm>
-          <a:prstGeom prst="rect">
-            <a:avLst/>
-          </a:prstGeom>
-        </p:spPr>
-      </p:pic>
-      <p:pic>
-        <p:nvPicPr>
-          <p:cNvPr id="4" name="Picture 3"/>
-          <p:cNvPicPr>
-            <a:picLocks noChangeAspect="1"/>
-          </p:cNvPicPr>
-          <p:nvPr/>
-        </p:nvPicPr>
-        <p:blipFill>
-          <a:blip r:embed="rId4"/>
-          <a:stretch>
-            <a:fillRect/>
-          </a:stretch>
-        </p:blipFill>
-        <p:spPr>
-          <a:xfrm>
-            <a:off x="1495454" y="3734896"/>
-            <a:ext cx="3855110" cy="2167441"/>
-          </a:xfrm>
-          <a:prstGeom prst="rect">
-            <a:avLst/>
-          </a:prstGeom>
-        </p:spPr>
-      </p:pic>
-      <p:pic>
-        <p:nvPicPr>
-          <p:cNvPr id="5" name="Picture 4"/>
-          <p:cNvPicPr>
-            <a:picLocks noChangeAspect="1"/>
-          </p:cNvPicPr>
-          <p:nvPr/>
-        </p:nvPicPr>
-        <p:blipFill>
-          <a:blip r:embed="rId5"/>
-          <a:stretch>
-            <a:fillRect/>
-          </a:stretch>
-        </p:blipFill>
-        <p:spPr>
-          <a:xfrm>
-            <a:off x="5538276" y="3734896"/>
-            <a:ext cx="1327333" cy="2212222"/>
-          </a:xfrm>
-          <a:prstGeom prst="rect">
-            <a:avLst/>
-          </a:prstGeom>
-        </p:spPr>
-      </p:pic>
-      <p:sp>
-        <p:nvSpPr>
-          <p:cNvPr id="8" name="Content Placeholder 2"/>
-          <p:cNvSpPr txBox="1">
-            <a:spLocks/>
-          </p:cNvSpPr>
-          <p:nvPr/>
-        </p:nvSpPr>
-        <p:spPr>
-          <a:xfrm>
-            <a:off x="7053321" y="3891970"/>
-            <a:ext cx="4002606" cy="1898073"/>
-          </a:xfrm>
-          <a:prstGeom prst="rect">
-            <a:avLst/>
-          </a:prstGeom>
-        </p:spPr>
-        <p:txBody>
-          <a:bodyPr vert="horz" lIns="91440" tIns="45720" rIns="91440" bIns="45720" rtlCol="0" anchor="ctr">
-            <a:normAutofit/>
-          </a:bodyPr>
-          <a:lstStyle>
-            <a:lvl1pPr marL="285750" indent="-285750" algn="l" defTabSz="457200" rtl="0" eaLnBrk="1" latinLnBrk="0" hangingPunct="1">
-              <a:spcBef>
-                <a:spcPct val="20000"/>
-              </a:spcBef>
-              <a:spcAft>
-                <a:spcPts val="600"/>
-              </a:spcAft>
-              <a:buClr>
-                <a:schemeClr val="accent1">
-                  <a:lumMod val="75000"/>
-                </a:schemeClr>
-              </a:buClr>
-              <a:buSzPct val="145000"/>
-              <a:buFont typeface="Arial"/>
-              <a:buChar char="•"/>
-              <a:defRPr sz="2400" kern="1200" cap="none">
-                <a:solidFill>
-                  <a:schemeClr val="tx1"/>
-                </a:solidFill>
-                <a:effectLst/>
-                <a:latin typeface="+mn-lt"/>
-                <a:ea typeface="+mn-ea"/>
-                <a:cs typeface="+mn-cs"/>
-              </a:defRPr>
-            </a:lvl1pPr>
-            <a:lvl2pPr marL="742950" indent="-285750" algn="l" defTabSz="457200" rtl="0" eaLnBrk="1" latinLnBrk="0" hangingPunct="1">
-              <a:spcBef>
-                <a:spcPct val="20000"/>
-              </a:spcBef>
-              <a:spcAft>
-                <a:spcPts val="600"/>
-              </a:spcAft>
-              <a:buClr>
-                <a:schemeClr val="accent1">
-                  <a:lumMod val="75000"/>
-                </a:schemeClr>
-              </a:buClr>
-              <a:buSzPct val="145000"/>
-              <a:buFont typeface="Arial"/>
-              <a:buChar char="•"/>
-              <a:defRPr sz="2000" kern="1200" cap="none">
-                <a:solidFill>
-                  <a:schemeClr val="tx1"/>
-                </a:solidFill>
-                <a:effectLst/>
-                <a:latin typeface="+mn-lt"/>
-                <a:ea typeface="+mn-ea"/>
-                <a:cs typeface="+mn-cs"/>
-              </a:defRPr>
-            </a:lvl2pPr>
-            <a:lvl3pPr marL="1200150" indent="-285750" algn="l" defTabSz="457200" rtl="0" eaLnBrk="1" latinLnBrk="0" hangingPunct="1">
-              <a:spcBef>
-                <a:spcPct val="20000"/>
-              </a:spcBef>
-              <a:spcAft>
-                <a:spcPts val="600"/>
-              </a:spcAft>
-              <a:buClr>
-                <a:schemeClr val="accent1">
-                  <a:lumMod val="75000"/>
-                </a:schemeClr>
-              </a:buClr>
-              <a:buSzPct val="145000"/>
-              <a:buFont typeface="Arial"/>
-              <a:buChar char="•"/>
-              <a:defRPr sz="1800" kern="1200" cap="none">
-                <a:solidFill>
-                  <a:schemeClr val="tx1"/>
-                </a:solidFill>
-                <a:effectLst/>
-                <a:latin typeface="+mn-lt"/>
-                <a:ea typeface="+mn-ea"/>
-                <a:cs typeface="+mn-cs"/>
-              </a:defRPr>
-            </a:lvl3pPr>
-            <a:lvl4pPr marL="1543050" indent="-171450" algn="l" defTabSz="457200" rtl="0" eaLnBrk="1" latinLnBrk="0" hangingPunct="1">
-              <a:spcBef>
-                <a:spcPct val="20000"/>
-              </a:spcBef>
-              <a:spcAft>
-                <a:spcPts val="600"/>
-              </a:spcAft>
-              <a:buClr>
-                <a:schemeClr val="accent1">
-                  <a:lumMod val="75000"/>
-                </a:schemeClr>
-              </a:buClr>
-              <a:buSzPct val="145000"/>
-              <a:buFont typeface="Arial"/>
-              <a:buChar char="•"/>
-              <a:defRPr sz="1600" kern="1200" cap="none">
-                <a:solidFill>
-                  <a:schemeClr val="tx1"/>
-                </a:solidFill>
-                <a:effectLst/>
-                <a:latin typeface="+mn-lt"/>
-                <a:ea typeface="+mn-ea"/>
-                <a:cs typeface="+mn-cs"/>
-              </a:defRPr>
-            </a:lvl4pPr>
-            <a:lvl5pPr marL="2000250" indent="-171450" algn="l" defTabSz="457200" rtl="0" eaLnBrk="1" latinLnBrk="0" hangingPunct="1">
-              <a:spcBef>
-                <a:spcPct val="20000"/>
-              </a:spcBef>
-              <a:spcAft>
-                <a:spcPts val="600"/>
-              </a:spcAft>
-              <a:buClr>
-                <a:schemeClr val="accent1">
-                  <a:lumMod val="75000"/>
-                </a:schemeClr>
-              </a:buClr>
-              <a:buSzPct val="145000"/>
-              <a:buFont typeface="Arial"/>
-              <a:buChar char="•"/>
-              <a:defRPr sz="1400" kern="1200" cap="none">
-                <a:solidFill>
-                  <a:schemeClr val="tx1"/>
-                </a:solidFill>
-                <a:effectLst/>
-                <a:latin typeface="+mn-lt"/>
-                <a:ea typeface="+mn-ea"/>
-                <a:cs typeface="+mn-cs"/>
-              </a:defRPr>
-            </a:lvl5pPr>
-            <a:lvl6pPr marL="2514600" indent="-228600" algn="l" defTabSz="457200" rtl="0" eaLnBrk="1" latinLnBrk="0" hangingPunct="1">
-              <a:spcBef>
-                <a:spcPct val="20000"/>
-              </a:spcBef>
-              <a:spcAft>
-                <a:spcPts val="600"/>
-              </a:spcAft>
-              <a:buClr>
-                <a:schemeClr val="accent1">
-                  <a:lumMod val="75000"/>
-                </a:schemeClr>
-              </a:buClr>
-              <a:buSzPct val="145000"/>
-              <a:buFont typeface="Arial"/>
-              <a:buChar char="•"/>
-              <a:defRPr sz="1400" kern="1200" cap="none">
-                <a:solidFill>
-                  <a:schemeClr val="tx1"/>
-                </a:solidFill>
-                <a:effectLst/>
-                <a:latin typeface="+mn-lt"/>
-                <a:ea typeface="+mn-ea"/>
-                <a:cs typeface="+mn-cs"/>
-              </a:defRPr>
-            </a:lvl6pPr>
-            <a:lvl7pPr marL="2971800" indent="-228600" algn="l" defTabSz="457200" rtl="0" eaLnBrk="1" latinLnBrk="0" hangingPunct="1">
-              <a:spcBef>
-                <a:spcPct val="20000"/>
-              </a:spcBef>
-              <a:spcAft>
-                <a:spcPts val="600"/>
-              </a:spcAft>
-              <a:buClr>
-                <a:schemeClr val="accent1">
-                  <a:lumMod val="75000"/>
-                </a:schemeClr>
-              </a:buClr>
-              <a:buSzPct val="145000"/>
-              <a:buFont typeface="Arial"/>
-              <a:buChar char="•"/>
-              <a:defRPr sz="1400" kern="1200" cap="none">
-                <a:solidFill>
-                  <a:schemeClr val="tx1"/>
-                </a:solidFill>
-                <a:effectLst/>
-                <a:latin typeface="+mn-lt"/>
-                <a:ea typeface="+mn-ea"/>
-                <a:cs typeface="+mn-cs"/>
-              </a:defRPr>
-            </a:lvl7pPr>
-            <a:lvl8pPr marL="3429000" indent="-228600" algn="l" defTabSz="457200" rtl="0" eaLnBrk="1" latinLnBrk="0" hangingPunct="1">
-              <a:spcBef>
-                <a:spcPct val="20000"/>
-              </a:spcBef>
-              <a:spcAft>
-                <a:spcPts val="600"/>
-              </a:spcAft>
-              <a:buClr>
-                <a:schemeClr val="accent1">
-                  <a:lumMod val="75000"/>
-                </a:schemeClr>
-              </a:buClr>
-              <a:buSzPct val="145000"/>
-              <a:buFont typeface="Arial"/>
-              <a:buChar char="•"/>
-              <a:defRPr sz="1400" kern="1200" cap="none">
-                <a:solidFill>
-                  <a:schemeClr val="tx1"/>
-                </a:solidFill>
-                <a:effectLst/>
-                <a:latin typeface="+mn-lt"/>
-                <a:ea typeface="+mn-ea"/>
-                <a:cs typeface="+mn-cs"/>
-              </a:defRPr>
-            </a:lvl8pPr>
-            <a:lvl9pPr marL="3886200" indent="-228600" algn="l" defTabSz="457200" rtl="0" eaLnBrk="1" latinLnBrk="0" hangingPunct="1">
-              <a:spcBef>
-                <a:spcPct val="20000"/>
-              </a:spcBef>
-              <a:spcAft>
-                <a:spcPts val="600"/>
-              </a:spcAft>
-              <a:buClr>
-                <a:schemeClr val="accent1">
-                  <a:lumMod val="75000"/>
-                </a:schemeClr>
-              </a:buClr>
-              <a:buSzPct val="145000"/>
-              <a:buFont typeface="Arial"/>
-              <a:buChar char="•"/>
-              <a:defRPr sz="1400" kern="1200" cap="none">
-                <a:solidFill>
-                  <a:schemeClr val="tx1"/>
-                </a:solidFill>
-                <a:effectLst/>
-                <a:latin typeface="+mn-lt"/>
-                <a:ea typeface="+mn-ea"/>
-                <a:cs typeface="+mn-cs"/>
-              </a:defRPr>
-            </a:lvl9pPr>
-          </a:lstStyle>
-          <a:p>
-            <a:pPr marL="0" indent="0">
-              <a:buFont typeface="Arial"/>
-              <a:buNone/>
-            </a:pPr>
-            <a:r>
-              <a:rPr lang="en-US" smtClean="0"/>
-              <a:t>The ItemDescriptionView</a:t>
-            </a:r>
-            <a:endParaRPr lang="en-US" dirty="0"/>
-          </a:p>
-        </p:txBody>
-      </p:sp>
-      <p:sp>
-        <p:nvSpPr>
-          <p:cNvPr id="13" name="Rectangle 12"/>
-          <p:cNvSpPr/>
-          <p:nvPr/>
-        </p:nvSpPr>
-        <p:spPr>
-          <a:xfrm>
-            <a:off x="2909942" y="1290934"/>
-            <a:ext cx="2828915" cy="461665"/>
-          </a:xfrm>
-          <a:prstGeom prst="rect">
-            <a:avLst/>
-          </a:prstGeom>
-          <a:noFill/>
-        </p:spPr>
-        <p:txBody>
-          <a:bodyPr wrap="none" lIns="91440" tIns="45720" rIns="91440" bIns="45720">
-            <a:spAutoFit/>
-          </a:bodyPr>
-          <a:lstStyle/>
-          <a:p>
-            <a:pPr algn="ctr"/>
-            <a:r>
-              <a:rPr lang="en-US" sz="2400" b="1" cap="none" spc="0" dirty="0" smtClean="0">
-                <a:ln w="22225">
-                  <a:solidFill>
-                    <a:schemeClr val="accent2"/>
-                  </a:solidFill>
-                  <a:prstDash val="solid"/>
-                </a:ln>
-                <a:solidFill>
-                  <a:schemeClr val="accent2">
-                    <a:lumMod val="40000"/>
-                    <a:lumOff val="60000"/>
-                  </a:schemeClr>
-                </a:solidFill>
-                <a:effectLst/>
-              </a:rPr>
-              <a:t>&lt;- </a:t>
-            </a:r>
-            <a:r>
-              <a:rPr lang="en-US" sz="2400" b="1" cap="none" spc="0" dirty="0" err="1" smtClean="0">
-                <a:ln w="22225">
-                  <a:solidFill>
-                    <a:schemeClr val="accent2"/>
-                  </a:solidFill>
-                  <a:prstDash val="solid"/>
-                </a:ln>
-                <a:solidFill>
-                  <a:schemeClr val="accent2">
-                    <a:lumMod val="40000"/>
-                    <a:lumOff val="60000"/>
-                  </a:schemeClr>
-                </a:solidFill>
-                <a:effectLst/>
-              </a:rPr>
-              <a:t>ApplicationName</a:t>
-            </a:r>
-            <a:endParaRPr lang="en-US" sz="2400" b="1" cap="none" spc="0" dirty="0">
-              <a:ln w="22225">
-                <a:solidFill>
-                  <a:schemeClr val="accent2"/>
-                </a:solidFill>
-                <a:prstDash val="solid"/>
-              </a:ln>
-              <a:solidFill>
-                <a:schemeClr val="accent2">
-                  <a:lumMod val="40000"/>
-                  <a:lumOff val="60000"/>
-                </a:schemeClr>
-              </a:solidFill>
-              <a:effectLst/>
-            </a:endParaRPr>
-          </a:p>
-        </p:txBody>
-      </p:sp>
-      <p:sp>
-        <p:nvSpPr>
-          <p:cNvPr id="15" name="Rectangle 14"/>
-          <p:cNvSpPr/>
-          <p:nvPr/>
-        </p:nvSpPr>
-        <p:spPr>
-          <a:xfrm>
-            <a:off x="3000831" y="1597041"/>
-            <a:ext cx="1323568" cy="461665"/>
-          </a:xfrm>
-          <a:prstGeom prst="rect">
-            <a:avLst/>
-          </a:prstGeom>
-          <a:noFill/>
-        </p:spPr>
-        <p:txBody>
-          <a:bodyPr wrap="none" lIns="91440" tIns="45720" rIns="91440" bIns="45720">
-            <a:spAutoFit/>
-          </a:bodyPr>
-          <a:lstStyle/>
-          <a:p>
-            <a:pPr algn="ctr"/>
-            <a:r>
-              <a:rPr lang="en-US" sz="2400" b="1" cap="none" spc="0" dirty="0" smtClean="0">
-                <a:ln w="22225">
-                  <a:solidFill>
-                    <a:schemeClr val="accent2"/>
-                  </a:solidFill>
-                  <a:prstDash val="solid"/>
-                </a:ln>
-                <a:solidFill>
-                  <a:schemeClr val="accent2">
-                    <a:lumMod val="40000"/>
-                    <a:lumOff val="60000"/>
-                  </a:schemeClr>
-                </a:solidFill>
-                <a:effectLst/>
-              </a:rPr>
-              <a:t>&lt;- Group</a:t>
-            </a:r>
-            <a:endParaRPr lang="en-US" sz="2400" b="1" cap="none" spc="0" dirty="0">
-              <a:ln w="22225">
-                <a:solidFill>
-                  <a:schemeClr val="accent2"/>
-                </a:solidFill>
-                <a:prstDash val="solid"/>
-              </a:ln>
-              <a:solidFill>
-                <a:schemeClr val="accent2">
-                  <a:lumMod val="40000"/>
-                  <a:lumOff val="60000"/>
-                </a:schemeClr>
-              </a:solidFill>
-              <a:effectLst/>
-            </a:endParaRPr>
-          </a:p>
-        </p:txBody>
-      </p:sp>
-      <p:sp>
-        <p:nvSpPr>
-          <p:cNvPr id="16" name="Rectangle 15"/>
-          <p:cNvSpPr/>
-          <p:nvPr/>
-        </p:nvSpPr>
-        <p:spPr>
-          <a:xfrm>
-            <a:off x="2326426" y="2135165"/>
-            <a:ext cx="1096583" cy="461665"/>
-          </a:xfrm>
-          <a:prstGeom prst="rect">
-            <a:avLst/>
-          </a:prstGeom>
-          <a:noFill/>
-        </p:spPr>
-        <p:txBody>
-          <a:bodyPr wrap="none" lIns="91440" tIns="45720" rIns="91440" bIns="45720">
-            <a:spAutoFit/>
-          </a:bodyPr>
-          <a:lstStyle/>
-          <a:p>
-            <a:pPr algn="ctr"/>
-            <a:r>
-              <a:rPr lang="en-US" sz="2400" b="1" cap="none" spc="0" dirty="0" smtClean="0">
-                <a:ln w="22225">
-                  <a:solidFill>
-                    <a:schemeClr val="accent2"/>
-                  </a:solidFill>
-                  <a:prstDash val="solid"/>
-                </a:ln>
-                <a:solidFill>
-                  <a:schemeClr val="accent2">
-                    <a:lumMod val="40000"/>
-                    <a:lumOff val="60000"/>
-                  </a:schemeClr>
-                </a:solidFill>
-                <a:effectLst/>
-              </a:rPr>
-              <a:t>&lt;- Title</a:t>
-            </a:r>
-            <a:endParaRPr lang="en-US" sz="2400" b="1" cap="none" spc="0" dirty="0">
-              <a:ln w="22225">
-                <a:solidFill>
-                  <a:schemeClr val="accent2"/>
-                </a:solidFill>
-                <a:prstDash val="solid"/>
-              </a:ln>
-              <a:solidFill>
-                <a:schemeClr val="accent2">
-                  <a:lumMod val="40000"/>
-                  <a:lumOff val="60000"/>
-                </a:schemeClr>
-              </a:solidFill>
-              <a:effectLst/>
-            </a:endParaRPr>
-          </a:p>
-        </p:txBody>
-      </p:sp>
-      <p:sp>
-        <p:nvSpPr>
-          <p:cNvPr id="17" name="Rectangle 16"/>
-          <p:cNvSpPr/>
-          <p:nvPr/>
-        </p:nvSpPr>
-        <p:spPr>
-          <a:xfrm>
-            <a:off x="1982039" y="3092721"/>
-            <a:ext cx="1568571" cy="461665"/>
-          </a:xfrm>
-          <a:prstGeom prst="rect">
-            <a:avLst/>
-          </a:prstGeom>
-          <a:noFill/>
-        </p:spPr>
-        <p:txBody>
-          <a:bodyPr wrap="none" lIns="91440" tIns="45720" rIns="91440" bIns="45720">
-            <a:spAutoFit/>
-          </a:bodyPr>
-          <a:lstStyle/>
-          <a:p>
-            <a:pPr algn="ctr"/>
-            <a:r>
-              <a:rPr lang="en-US" sz="2400" b="1" cap="none" spc="0" dirty="0" smtClean="0">
-                <a:ln w="22225">
-                  <a:solidFill>
-                    <a:schemeClr val="accent2"/>
-                  </a:solidFill>
-                  <a:prstDash val="solid"/>
-                </a:ln>
-                <a:solidFill>
-                  <a:schemeClr val="accent2">
-                    <a:lumMod val="40000"/>
-                    <a:lumOff val="60000"/>
-                  </a:schemeClr>
-                </a:solidFill>
-                <a:effectLst/>
-              </a:rPr>
-              <a:t>&lt;- Subtitle</a:t>
-            </a:r>
-            <a:endParaRPr lang="en-US" sz="2400" b="1" cap="none" spc="0" dirty="0">
-              <a:ln w="22225">
-                <a:solidFill>
-                  <a:schemeClr val="accent2"/>
-                </a:solidFill>
-                <a:prstDash val="solid"/>
-              </a:ln>
-              <a:solidFill>
-                <a:schemeClr val="accent2">
-                  <a:lumMod val="40000"/>
-                  <a:lumOff val="60000"/>
-                </a:schemeClr>
-              </a:solidFill>
-              <a:effectLst/>
-            </a:endParaRPr>
-          </a:p>
-        </p:txBody>
-      </p:sp>
-      <p:sp>
-        <p:nvSpPr>
-          <p:cNvPr id="18" name="Rectangle 17"/>
-          <p:cNvSpPr/>
-          <p:nvPr/>
-        </p:nvSpPr>
-        <p:spPr>
-          <a:xfrm>
-            <a:off x="4425552" y="4343031"/>
-            <a:ext cx="2037737" cy="461665"/>
-          </a:xfrm>
-          <a:prstGeom prst="rect">
-            <a:avLst/>
-          </a:prstGeom>
-          <a:noFill/>
-        </p:spPr>
-        <p:txBody>
-          <a:bodyPr wrap="none" lIns="91440" tIns="45720" rIns="91440" bIns="45720">
-            <a:spAutoFit/>
-          </a:bodyPr>
-          <a:lstStyle/>
-          <a:p>
-            <a:pPr algn="ctr"/>
-            <a:r>
-              <a:rPr lang="en-US" sz="2400" b="1" cap="none" spc="0" dirty="0" smtClean="0">
-                <a:ln w="22225">
-                  <a:solidFill>
-                    <a:schemeClr val="accent2"/>
-                  </a:solidFill>
-                  <a:prstDash val="solid"/>
-                </a:ln>
-                <a:solidFill>
-                  <a:schemeClr val="accent2">
-                    <a:lumMod val="40000"/>
-                    <a:lumOff val="60000"/>
-                  </a:schemeClr>
-                </a:solidFill>
-                <a:effectLst/>
-              </a:rPr>
-              <a:t>&lt;- Description</a:t>
-            </a:r>
-            <a:endParaRPr lang="en-US" sz="2400" b="1" cap="none" spc="0" dirty="0">
-              <a:ln w="22225">
-                <a:solidFill>
-                  <a:schemeClr val="accent2"/>
-                </a:solidFill>
-                <a:prstDash val="solid"/>
-              </a:ln>
-              <a:solidFill>
-                <a:schemeClr val="accent2">
-                  <a:lumMod val="40000"/>
-                  <a:lumOff val="60000"/>
-                </a:schemeClr>
-              </a:solidFill>
-              <a:effectLst/>
-            </a:endParaRPr>
-          </a:p>
-        </p:txBody>
-      </p:sp>
-      <p:sp>
-        <p:nvSpPr>
-          <p:cNvPr id="19" name="Rectangle 18"/>
-          <p:cNvSpPr/>
-          <p:nvPr/>
-        </p:nvSpPr>
-        <p:spPr>
-          <a:xfrm>
-            <a:off x="2479967" y="3764482"/>
-            <a:ext cx="1038040" cy="369332"/>
-          </a:xfrm>
-          <a:prstGeom prst="rect">
-            <a:avLst/>
-          </a:prstGeom>
-        </p:spPr>
-        <p:txBody>
-          <a:bodyPr wrap="none">
-            <a:spAutoFit/>
-          </a:bodyPr>
-          <a:lstStyle/>
-          <a:p>
-            <a:pPr algn="ctr"/>
-            <a:r>
-              <a:rPr lang="en-US" b="1" dirty="0">
-                <a:ln w="22225">
-                  <a:solidFill>
-                    <a:schemeClr val="accent2"/>
-                  </a:solidFill>
-                  <a:prstDash val="solid"/>
-                </a:ln>
-                <a:solidFill>
-                  <a:schemeClr val="accent2">
-                    <a:lumMod val="40000"/>
-                    <a:lumOff val="60000"/>
-                  </a:schemeClr>
-                </a:solidFill>
-              </a:rPr>
-              <a:t>&lt;- Group</a:t>
-            </a:r>
-          </a:p>
-        </p:txBody>
-      </p:sp>
-      <p:sp>
-        <p:nvSpPr>
-          <p:cNvPr id="33" name="Rectangle 32"/>
-          <p:cNvSpPr/>
-          <p:nvPr/>
-        </p:nvSpPr>
-        <p:spPr>
-          <a:xfrm>
-            <a:off x="2361650" y="3918095"/>
-            <a:ext cx="1096583" cy="461665"/>
-          </a:xfrm>
-          <a:prstGeom prst="rect">
-            <a:avLst/>
-          </a:prstGeom>
-          <a:noFill/>
-        </p:spPr>
-        <p:txBody>
-          <a:bodyPr wrap="none" lIns="91440" tIns="45720" rIns="91440" bIns="45720">
-            <a:spAutoFit/>
-          </a:bodyPr>
-          <a:lstStyle/>
-          <a:p>
-            <a:pPr algn="ctr"/>
-            <a:r>
-              <a:rPr lang="en-US" sz="2400" b="1" cap="none" spc="0" dirty="0" smtClean="0">
-                <a:ln w="22225">
-                  <a:solidFill>
-                    <a:schemeClr val="accent2"/>
-                  </a:solidFill>
-                  <a:prstDash val="solid"/>
-                </a:ln>
-                <a:solidFill>
-                  <a:schemeClr val="accent2">
-                    <a:lumMod val="40000"/>
-                    <a:lumOff val="60000"/>
-                  </a:schemeClr>
-                </a:solidFill>
-                <a:effectLst/>
-              </a:rPr>
-              <a:t>&lt;- Title</a:t>
-            </a:r>
-            <a:endParaRPr lang="en-US" sz="2400" b="1" cap="none" spc="0" dirty="0">
-              <a:ln w="22225">
-                <a:solidFill>
-                  <a:schemeClr val="accent2"/>
-                </a:solidFill>
-                <a:prstDash val="solid"/>
-              </a:ln>
-              <a:solidFill>
-                <a:schemeClr val="accent2">
-                  <a:lumMod val="40000"/>
-                  <a:lumOff val="60000"/>
-                </a:schemeClr>
-              </a:solidFill>
-              <a:effectLst/>
-            </a:endParaRPr>
-          </a:p>
-        </p:txBody>
-      </p:sp>
-      <p:sp>
-        <p:nvSpPr>
-          <p:cNvPr id="34" name="Rectangle 33"/>
-          <p:cNvSpPr/>
-          <p:nvPr/>
-        </p:nvSpPr>
-        <p:spPr>
-          <a:xfrm>
-            <a:off x="1996830" y="4171077"/>
-            <a:ext cx="1568571" cy="461665"/>
-          </a:xfrm>
-          <a:prstGeom prst="rect">
-            <a:avLst/>
-          </a:prstGeom>
-          <a:noFill/>
-        </p:spPr>
-        <p:txBody>
-          <a:bodyPr wrap="none" lIns="91440" tIns="45720" rIns="91440" bIns="45720">
-            <a:spAutoFit/>
-          </a:bodyPr>
-          <a:lstStyle/>
-          <a:p>
-            <a:pPr algn="ctr"/>
-            <a:r>
-              <a:rPr lang="en-US" sz="2400" b="1" cap="none" spc="0" dirty="0" smtClean="0">
-                <a:ln w="22225">
-                  <a:solidFill>
-                    <a:schemeClr val="accent2"/>
-                  </a:solidFill>
-                  <a:prstDash val="solid"/>
-                </a:ln>
-                <a:solidFill>
-                  <a:schemeClr val="accent2">
-                    <a:lumMod val="40000"/>
-                    <a:lumOff val="60000"/>
-                  </a:schemeClr>
-                </a:solidFill>
-                <a:effectLst/>
-              </a:rPr>
-              <a:t>&lt;- Subtitle</a:t>
-            </a:r>
-            <a:endParaRPr lang="en-US" sz="2400" b="1" cap="none" spc="0" dirty="0">
-              <a:ln w="22225">
-                <a:solidFill>
-                  <a:schemeClr val="accent2"/>
-                </a:solidFill>
-                <a:prstDash val="solid"/>
-              </a:ln>
-              <a:solidFill>
-                <a:schemeClr val="accent2">
-                  <a:lumMod val="40000"/>
-                  <a:lumOff val="60000"/>
-                </a:schemeClr>
-              </a:solidFill>
-              <a:effectLst/>
-            </a:endParaRPr>
-          </a:p>
-        </p:txBody>
-      </p:sp>
-      <p:sp>
-        <p:nvSpPr>
-          <p:cNvPr id="36" name="Rectangle 35"/>
-          <p:cNvSpPr/>
-          <p:nvPr/>
-        </p:nvSpPr>
-        <p:spPr>
-          <a:xfrm>
-            <a:off x="5933139" y="3589515"/>
-            <a:ext cx="2828916" cy="461665"/>
-          </a:xfrm>
-          <a:prstGeom prst="rect">
-            <a:avLst/>
-          </a:prstGeom>
-          <a:noFill/>
-        </p:spPr>
-        <p:txBody>
-          <a:bodyPr wrap="none" lIns="91440" tIns="45720" rIns="91440" bIns="45720">
-            <a:spAutoFit/>
-          </a:bodyPr>
-          <a:lstStyle/>
-          <a:p>
-            <a:pPr algn="ctr"/>
-            <a:r>
-              <a:rPr lang="en-US" sz="2400" b="1" cap="none" spc="0" dirty="0" smtClean="0">
-                <a:ln w="22225">
-                  <a:solidFill>
-                    <a:schemeClr val="accent2"/>
-                  </a:solidFill>
-                  <a:prstDash val="solid"/>
-                </a:ln>
-                <a:solidFill>
-                  <a:schemeClr val="accent2">
-                    <a:lumMod val="40000"/>
-                    <a:lumOff val="60000"/>
-                  </a:schemeClr>
-                </a:solidFill>
-                <a:effectLst/>
-              </a:rPr>
-              <a:t>&lt;- </a:t>
-            </a:r>
-            <a:r>
-              <a:rPr lang="en-US" sz="2400" b="1" cap="none" spc="0" dirty="0" err="1" smtClean="0">
-                <a:ln w="22225">
-                  <a:solidFill>
-                    <a:schemeClr val="accent2"/>
-                  </a:solidFill>
-                  <a:prstDash val="solid"/>
-                </a:ln>
-                <a:solidFill>
-                  <a:schemeClr val="accent2">
-                    <a:lumMod val="40000"/>
-                    <a:lumOff val="60000"/>
-                  </a:schemeClr>
-                </a:solidFill>
-                <a:effectLst/>
-              </a:rPr>
-              <a:t>ApplicationName</a:t>
-            </a:r>
-            <a:endParaRPr lang="en-US" sz="2400" b="1" cap="none" spc="0" dirty="0">
-              <a:ln w="22225">
-                <a:solidFill>
-                  <a:schemeClr val="accent2"/>
-                </a:solidFill>
-                <a:prstDash val="solid"/>
-              </a:ln>
-              <a:solidFill>
-                <a:schemeClr val="accent2">
-                  <a:lumMod val="40000"/>
-                  <a:lumOff val="60000"/>
-                </a:schemeClr>
-              </a:solidFill>
-              <a:effectLst/>
-            </a:endParaRPr>
-          </a:p>
-        </p:txBody>
-      </p:sp>
-      <p:sp>
-        <p:nvSpPr>
-          <p:cNvPr id="37" name="Rectangle 36"/>
-          <p:cNvSpPr/>
-          <p:nvPr/>
-        </p:nvSpPr>
-        <p:spPr>
-          <a:xfrm>
-            <a:off x="6032524" y="1556968"/>
-            <a:ext cx="1323568" cy="461665"/>
-          </a:xfrm>
-          <a:prstGeom prst="rect">
-            <a:avLst/>
-          </a:prstGeom>
-          <a:noFill/>
-        </p:spPr>
-        <p:txBody>
-          <a:bodyPr wrap="none" lIns="91440" tIns="45720" rIns="91440" bIns="45720">
-            <a:spAutoFit/>
-          </a:bodyPr>
-          <a:lstStyle/>
-          <a:p>
-            <a:pPr algn="ctr"/>
-            <a:r>
-              <a:rPr lang="en-US" sz="2400" b="1" cap="none" spc="0" dirty="0" smtClean="0">
-                <a:ln w="22225">
-                  <a:solidFill>
-                    <a:schemeClr val="accent2"/>
-                  </a:solidFill>
-                  <a:prstDash val="solid"/>
-                </a:ln>
-                <a:solidFill>
-                  <a:schemeClr val="accent2">
-                    <a:lumMod val="40000"/>
-                    <a:lumOff val="60000"/>
-                  </a:schemeClr>
-                </a:solidFill>
-                <a:effectLst/>
-              </a:rPr>
-              <a:t>&lt;- Group</a:t>
-            </a:r>
-            <a:endParaRPr lang="en-US" sz="2400" b="1" cap="none" spc="0" dirty="0">
-              <a:ln w="22225">
-                <a:solidFill>
-                  <a:schemeClr val="accent2"/>
-                </a:solidFill>
-                <a:prstDash val="solid"/>
-              </a:ln>
-              <a:solidFill>
-                <a:schemeClr val="accent2">
-                  <a:lumMod val="40000"/>
-                  <a:lumOff val="60000"/>
-                </a:schemeClr>
-              </a:solidFill>
-              <a:effectLst/>
-            </a:endParaRPr>
-          </a:p>
-        </p:txBody>
-      </p:sp>
-      <p:sp>
-        <p:nvSpPr>
-          <p:cNvPr id="38" name="Rectangle 37"/>
-          <p:cNvSpPr/>
-          <p:nvPr/>
-        </p:nvSpPr>
-        <p:spPr>
-          <a:xfrm>
-            <a:off x="6335077" y="4073839"/>
-            <a:ext cx="1096583" cy="461665"/>
-          </a:xfrm>
-          <a:prstGeom prst="rect">
-            <a:avLst/>
-          </a:prstGeom>
-          <a:noFill/>
-        </p:spPr>
-        <p:txBody>
-          <a:bodyPr wrap="none" lIns="91440" tIns="45720" rIns="91440" bIns="45720">
-            <a:spAutoFit/>
-          </a:bodyPr>
-          <a:lstStyle/>
-          <a:p>
-            <a:pPr algn="ctr"/>
-            <a:r>
-              <a:rPr lang="en-US" sz="2400" b="1" cap="none" spc="0" dirty="0" smtClean="0">
-                <a:ln w="22225">
-                  <a:solidFill>
-                    <a:schemeClr val="accent2"/>
-                  </a:solidFill>
-                  <a:prstDash val="solid"/>
-                </a:ln>
-                <a:solidFill>
-                  <a:schemeClr val="accent2">
-                    <a:lumMod val="40000"/>
-                    <a:lumOff val="60000"/>
-                  </a:schemeClr>
-                </a:solidFill>
-                <a:effectLst/>
-              </a:rPr>
-              <a:t>&lt;- Title</a:t>
-            </a:r>
-            <a:endParaRPr lang="en-US" sz="2400" b="1" cap="none" spc="0" dirty="0">
-              <a:ln w="22225">
-                <a:solidFill>
-                  <a:schemeClr val="accent2"/>
-                </a:solidFill>
-                <a:prstDash val="solid"/>
-              </a:ln>
-              <a:solidFill>
-                <a:schemeClr val="accent2">
-                  <a:lumMod val="40000"/>
-                  <a:lumOff val="60000"/>
-                </a:schemeClr>
-              </a:solidFill>
-              <a:effectLst/>
-            </a:endParaRPr>
-          </a:p>
-        </p:txBody>
-      </p:sp>
-      <p:sp>
-        <p:nvSpPr>
-          <p:cNvPr id="39" name="Rectangle 38"/>
-          <p:cNvSpPr/>
-          <p:nvPr/>
-        </p:nvSpPr>
-        <p:spPr>
-          <a:xfrm>
-            <a:off x="6073099" y="2024648"/>
-            <a:ext cx="1096583" cy="461665"/>
-          </a:xfrm>
-          <a:prstGeom prst="rect">
-            <a:avLst/>
-          </a:prstGeom>
-          <a:noFill/>
-        </p:spPr>
-        <p:txBody>
-          <a:bodyPr wrap="none" lIns="91440" tIns="45720" rIns="91440" bIns="45720">
-            <a:spAutoFit/>
-          </a:bodyPr>
-          <a:lstStyle/>
-          <a:p>
-            <a:pPr algn="ctr"/>
-            <a:r>
-              <a:rPr lang="en-US" sz="2400" b="1" cap="none" spc="0" dirty="0" smtClean="0">
-                <a:ln w="22225">
-                  <a:solidFill>
-                    <a:schemeClr val="accent2"/>
-                  </a:solidFill>
-                  <a:prstDash val="solid"/>
-                </a:ln>
-                <a:solidFill>
-                  <a:schemeClr val="accent2">
-                    <a:lumMod val="40000"/>
-                    <a:lumOff val="60000"/>
-                  </a:schemeClr>
-                </a:solidFill>
-                <a:effectLst/>
-              </a:rPr>
-              <a:t>&lt;- Title</a:t>
-            </a:r>
-            <a:endParaRPr lang="en-US" sz="2400" b="1" cap="none" spc="0" dirty="0">
-              <a:ln w="22225">
-                <a:solidFill>
-                  <a:schemeClr val="accent2"/>
-                </a:solidFill>
-                <a:prstDash val="solid"/>
-              </a:ln>
-              <a:solidFill>
-                <a:schemeClr val="accent2">
-                  <a:lumMod val="40000"/>
-                  <a:lumOff val="60000"/>
-                </a:schemeClr>
-              </a:solidFill>
-              <a:effectLst/>
-            </a:endParaRPr>
-          </a:p>
-        </p:txBody>
-      </p:sp>
-      <p:sp>
-        <p:nvSpPr>
-          <p:cNvPr id="40" name="Rectangle 39"/>
-          <p:cNvSpPr/>
-          <p:nvPr/>
-        </p:nvSpPr>
-        <p:spPr>
-          <a:xfrm>
-            <a:off x="6032524" y="2191827"/>
-            <a:ext cx="1568571" cy="461665"/>
-          </a:xfrm>
-          <a:prstGeom prst="rect">
-            <a:avLst/>
-          </a:prstGeom>
-          <a:noFill/>
-        </p:spPr>
-        <p:txBody>
-          <a:bodyPr wrap="none" lIns="91440" tIns="45720" rIns="91440" bIns="45720">
-            <a:spAutoFit/>
-          </a:bodyPr>
-          <a:lstStyle/>
-          <a:p>
-            <a:pPr algn="ctr"/>
-            <a:r>
-              <a:rPr lang="en-US" sz="2400" b="1" cap="none" spc="0" dirty="0" smtClean="0">
-                <a:ln w="22225">
-                  <a:solidFill>
-                    <a:schemeClr val="accent2"/>
-                  </a:solidFill>
-                  <a:prstDash val="solid"/>
-                </a:ln>
-                <a:solidFill>
-                  <a:schemeClr val="accent2">
-                    <a:lumMod val="40000"/>
-                    <a:lumOff val="60000"/>
-                  </a:schemeClr>
-                </a:solidFill>
-                <a:effectLst/>
-              </a:rPr>
-              <a:t>&lt;- Subtitle</a:t>
-            </a:r>
-            <a:endParaRPr lang="en-US" sz="2400" b="1" cap="none" spc="0" dirty="0">
-              <a:ln w="22225">
-                <a:solidFill>
-                  <a:schemeClr val="accent2"/>
-                </a:solidFill>
-                <a:prstDash val="solid"/>
-              </a:ln>
-              <a:solidFill>
-                <a:schemeClr val="accent2">
-                  <a:lumMod val="40000"/>
-                  <a:lumOff val="60000"/>
-                </a:schemeClr>
-              </a:solidFill>
-              <a:effectLst/>
-            </a:endParaRPr>
-          </a:p>
-        </p:txBody>
-      </p:sp>
-      <p:sp>
-        <p:nvSpPr>
-          <p:cNvPr id="42" name="Rectangle 41"/>
-          <p:cNvSpPr/>
-          <p:nvPr/>
-        </p:nvSpPr>
-        <p:spPr>
-          <a:xfrm>
-            <a:off x="6463289" y="4962770"/>
-            <a:ext cx="2037737" cy="461665"/>
-          </a:xfrm>
-          <a:prstGeom prst="rect">
-            <a:avLst/>
-          </a:prstGeom>
-          <a:noFill/>
-        </p:spPr>
-        <p:txBody>
-          <a:bodyPr wrap="none" lIns="91440" tIns="45720" rIns="91440" bIns="45720">
-            <a:spAutoFit/>
-          </a:bodyPr>
-          <a:lstStyle/>
-          <a:p>
-            <a:pPr algn="ctr"/>
-            <a:r>
-              <a:rPr lang="en-US" sz="2400" b="1" cap="none" spc="0" dirty="0" smtClean="0">
-                <a:ln w="22225">
-                  <a:solidFill>
-                    <a:schemeClr val="accent2"/>
-                  </a:solidFill>
-                  <a:prstDash val="solid"/>
-                </a:ln>
-                <a:solidFill>
-                  <a:schemeClr val="accent2">
-                    <a:lumMod val="40000"/>
-                    <a:lumOff val="60000"/>
-                  </a:schemeClr>
-                </a:solidFill>
-                <a:effectLst/>
-              </a:rPr>
-              <a:t>&lt;- Description</a:t>
-            </a:r>
-            <a:endParaRPr lang="en-US" sz="2400" b="1" cap="none" spc="0" dirty="0">
-              <a:ln w="22225">
-                <a:solidFill>
-                  <a:schemeClr val="accent2"/>
-                </a:solidFill>
-                <a:prstDash val="solid"/>
-              </a:ln>
-              <a:solidFill>
-                <a:schemeClr val="accent2">
-                  <a:lumMod val="40000"/>
-                  <a:lumOff val="60000"/>
-                </a:schemeClr>
-              </a:solidFill>
-              <a:effectLst/>
-            </a:endParaRPr>
-          </a:p>
-        </p:txBody>
-      </p:sp>
-      <p:sp>
-        <p:nvSpPr>
-          <p:cNvPr id="43" name="Rectangle 42"/>
-          <p:cNvSpPr/>
-          <p:nvPr/>
-        </p:nvSpPr>
-        <p:spPr>
-          <a:xfrm>
-            <a:off x="6297681" y="3815862"/>
-            <a:ext cx="1323568" cy="461665"/>
-          </a:xfrm>
-          <a:prstGeom prst="rect">
-            <a:avLst/>
-          </a:prstGeom>
-          <a:noFill/>
-        </p:spPr>
-        <p:txBody>
-          <a:bodyPr wrap="none" lIns="91440" tIns="45720" rIns="91440" bIns="45720">
-            <a:spAutoFit/>
-          </a:bodyPr>
-          <a:lstStyle/>
-          <a:p>
-            <a:pPr algn="ctr"/>
-            <a:r>
-              <a:rPr lang="en-US" sz="2400" b="1" cap="none" spc="0" dirty="0" smtClean="0">
-                <a:ln w="22225">
-                  <a:solidFill>
-                    <a:schemeClr val="accent2"/>
-                  </a:solidFill>
-                  <a:prstDash val="solid"/>
-                </a:ln>
-                <a:solidFill>
-                  <a:schemeClr val="accent2">
-                    <a:lumMod val="40000"/>
-                    <a:lumOff val="60000"/>
-                  </a:schemeClr>
-                </a:solidFill>
-                <a:effectLst/>
-              </a:rPr>
-              <a:t>&lt;- Group</a:t>
-            </a:r>
-            <a:endParaRPr lang="en-US" sz="2400" b="1" cap="none" spc="0" dirty="0">
-              <a:ln w="22225">
-                <a:solidFill>
-                  <a:schemeClr val="accent2"/>
-                </a:solidFill>
-                <a:prstDash val="solid"/>
-              </a:ln>
-              <a:solidFill>
-                <a:schemeClr val="accent2">
-                  <a:lumMod val="40000"/>
-                  <a:lumOff val="60000"/>
-                </a:schemeClr>
-              </a:solidFill>
-              <a:effectLst/>
-            </a:endParaRPr>
-          </a:p>
-        </p:txBody>
-      </p:sp>
-      <p:sp>
-        <p:nvSpPr>
-          <p:cNvPr id="44" name="Rectangle 43"/>
-          <p:cNvSpPr/>
-          <p:nvPr/>
-        </p:nvSpPr>
-        <p:spPr>
-          <a:xfrm>
-            <a:off x="5930732" y="1276183"/>
-            <a:ext cx="2828916" cy="461665"/>
-          </a:xfrm>
-          <a:prstGeom prst="rect">
-            <a:avLst/>
-          </a:prstGeom>
-          <a:noFill/>
-        </p:spPr>
-        <p:txBody>
-          <a:bodyPr wrap="none" lIns="91440" tIns="45720" rIns="91440" bIns="45720">
-            <a:spAutoFit/>
-          </a:bodyPr>
-          <a:lstStyle/>
-          <a:p>
-            <a:pPr algn="ctr"/>
-            <a:r>
-              <a:rPr lang="en-US" sz="2400" b="1" dirty="0">
-                <a:ln w="22225">
-                  <a:solidFill>
-                    <a:schemeClr val="accent2"/>
-                  </a:solidFill>
-                  <a:prstDash val="solid"/>
-                </a:ln>
-                <a:solidFill>
-                  <a:schemeClr val="accent2">
-                    <a:lumMod val="40000"/>
-                    <a:lumOff val="60000"/>
-                  </a:schemeClr>
-                </a:solidFill>
-              </a:rPr>
-              <a:t>&lt;- </a:t>
-            </a:r>
-            <a:r>
-              <a:rPr lang="en-US" sz="2400" b="1" dirty="0" err="1" smtClean="0">
-                <a:ln w="22225">
-                  <a:solidFill>
-                    <a:schemeClr val="accent2"/>
-                  </a:solidFill>
-                  <a:prstDash val="solid"/>
-                </a:ln>
-                <a:solidFill>
-                  <a:schemeClr val="accent2">
-                    <a:lumMod val="40000"/>
-                    <a:lumOff val="60000"/>
-                  </a:schemeClr>
-                </a:solidFill>
-              </a:rPr>
-              <a:t>ApplicationName</a:t>
-            </a:r>
-            <a:endParaRPr lang="en-US" sz="2400" b="1" dirty="0">
-              <a:ln w="22225">
-                <a:solidFill>
-                  <a:schemeClr val="accent2"/>
-                </a:solidFill>
-                <a:prstDash val="solid"/>
-              </a:ln>
-              <a:solidFill>
-                <a:schemeClr val="accent2">
-                  <a:lumMod val="40000"/>
-                  <a:lumOff val="60000"/>
-                </a:schemeClr>
-              </a:solidFill>
-            </a:endParaRPr>
-          </a:p>
-        </p:txBody>
-      </p:sp>
     </p:spTree>
     <p:extLst>
       <p:ext uri="{BB962C8B-B14F-4D97-AF65-F5344CB8AC3E}">
-        <p14:creationId xmlns:p14="http://schemas.microsoft.com/office/powerpoint/2010/main" val="285096467"/>
+        <p14:creationId xmlns:p14="http://schemas.microsoft.com/office/powerpoint/2010/main" val="2967406635"/>
       </p:ext>
     </p:extLst>
   </p:cSld>
@@ -12347,11 +12517,7 @@
           <a:p>
             <a:r>
               <a:rPr lang="en-US" dirty="0" smtClean="0"/>
-              <a:t>Further Customization - Windows </a:t>
-            </a:r>
-            <a:r>
-              <a:rPr lang="en-US" dirty="0" smtClean="0"/>
-              <a:t>8</a:t>
+              <a:t>Further Customization - Windows 8</a:t>
             </a:r>
             <a:endParaRPr lang="en-US" dirty="0"/>
           </a:p>
@@ -12475,11 +12641,7 @@
           <a:p>
             <a:r>
               <a:rPr lang="en-US" dirty="0" smtClean="0"/>
-              <a:t>Further Customization – </a:t>
-            </a:r>
-            <a:r>
-              <a:rPr lang="en-US" dirty="0" smtClean="0"/>
-              <a:t>WP8</a:t>
+              <a:t>Further Customization – WP8</a:t>
             </a:r>
             <a:endParaRPr lang="en-US" dirty="0"/>
           </a:p>
@@ -12764,14 +12926,23 @@
             <p:ph type="title"/>
           </p:nvPr>
         </p:nvSpPr>
-        <p:spPr/>
+        <p:spPr>
+          <a:xfrm>
+            <a:off x="1535826" y="119051"/>
+            <a:ext cx="10018713" cy="1433847"/>
+          </a:xfrm>
+        </p:spPr>
         <p:txBody>
           <a:bodyPr/>
           <a:lstStyle/>
           <a:p>
             <a:r>
               <a:rPr lang="en-US" dirty="0" smtClean="0"/>
-              <a:t>Ready to Submit – WP8!</a:t>
+              <a:t>Capturing Screenshots – </a:t>
+            </a:r>
+            <a:r>
+              <a:rPr lang="en-US" dirty="0" smtClean="0"/>
+              <a:t>Windows 8</a:t>
             </a:r>
             <a:endParaRPr lang="en-US" dirty="0"/>
           </a:p>
@@ -12789,152 +12960,138 @@
         </p:nvSpPr>
         <p:spPr>
           <a:xfrm>
-            <a:off x="1339263" y="2632075"/>
-            <a:ext cx="10018713" cy="4117145"/>
-          </a:xfrm>
-        </p:spPr>
-        <p:txBody>
-          <a:bodyPr/>
+            <a:off x="1692562" y="1041042"/>
+            <a:ext cx="10018713" cy="4606344"/>
+          </a:xfrm>
+        </p:spPr>
+        <p:txBody>
+          <a:bodyPr>
+            <a:normAutofit lnSpcReduction="10000"/>
+          </a:bodyPr>
           <a:lstStyle/>
           <a:p>
             <a:pPr marL="0" indent="0">
               <a:buNone/>
             </a:pPr>
-            <a:r>
-              <a:rPr lang="en-US" dirty="0" smtClean="0"/>
-              <a:t>Take a look at the </a:t>
+            <a:endParaRPr lang="en-US" dirty="0" smtClean="0"/>
+          </a:p>
+          <a:p>
+            <a:pPr marL="0" indent="0">
+              <a:buNone/>
+            </a:pPr>
+            <a:r>
+              <a:rPr lang="en-US" dirty="0" smtClean="0"/>
+              <a:t>You may use the Print Screen button on your keyboard to capture screenshots (which must be saved as a .</a:t>
+            </a:r>
+            <a:r>
+              <a:rPr lang="en-US" dirty="0" err="1" smtClean="0"/>
+              <a:t>png</a:t>
+            </a:r>
+            <a:r>
+              <a:rPr lang="en-US" dirty="0" smtClean="0"/>
+              <a:t>) if and only if you are running in a resolution of 1366 x 768.</a:t>
+            </a:r>
+          </a:p>
+          <a:p>
+            <a:pPr marL="0" indent="0">
+              <a:buNone/>
+            </a:pPr>
+            <a:endParaRPr lang="en-US" dirty="0"/>
+          </a:p>
+          <a:p>
+            <a:pPr marL="0" indent="0">
+              <a:buNone/>
+            </a:pPr>
+            <a:r>
+              <a:rPr lang="en-US" dirty="0" smtClean="0"/>
+              <a:t>If not, you will want to deploy your app to the Simulator</a:t>
+            </a:r>
+          </a:p>
+          <a:p>
+            <a:pPr marL="0" indent="0">
+              <a:buNone/>
+            </a:pPr>
+            <a:endParaRPr lang="en-US" dirty="0" smtClean="0"/>
+          </a:p>
+          <a:p>
+            <a:pPr marL="0" indent="0">
+              <a:buNone/>
+            </a:pPr>
+            <a:endParaRPr lang="en-US" dirty="0" smtClean="0"/>
+          </a:p>
+          <a:p>
+            <a:pPr marL="0" indent="0">
+              <a:buNone/>
+            </a:pPr>
+            <a:endParaRPr lang="en-US" dirty="0"/>
+          </a:p>
+          <a:p>
+            <a:pPr marL="0" indent="0">
+              <a:buNone/>
+            </a:pPr>
+            <a:r>
+              <a:rPr lang="en-US" dirty="0" smtClean="0"/>
+              <a:t>Then </a:t>
+            </a:r>
+            <a:r>
+              <a:rPr lang="en-US" dirty="0" smtClean="0"/>
+              <a:t>follow the </a:t>
             </a:r>
             <a:r>
               <a:rPr lang="en-US" dirty="0" smtClean="0">
                 <a:hlinkClick r:id="rId2"/>
               </a:rPr>
-              <a:t>app submission requirements</a:t>
-            </a:r>
-            <a:r>
-              <a:rPr lang="en-US" dirty="0" smtClean="0"/>
-              <a:t>, and make sure you have everything required to submit.</a:t>
-            </a:r>
-          </a:p>
-          <a:p>
-            <a:pPr marL="0" indent="0">
-              <a:buNone/>
-            </a:pPr>
-            <a:r>
-              <a:rPr lang="en-US" dirty="0" smtClean="0"/>
-              <a:t>Next, log </a:t>
-            </a:r>
-            <a:r>
-              <a:rPr lang="en-US" dirty="0"/>
-              <a:t>in with your developer account at </a:t>
-            </a:r>
-            <a:r>
-              <a:rPr lang="en-US" dirty="0">
-                <a:hlinkClick r:id="rId3"/>
-              </a:rPr>
-              <a:t>https://dev.windowsphone.com/ </a:t>
-            </a:r>
-            <a:r>
-              <a:rPr lang="en-US" dirty="0"/>
-              <a:t>and click ‘Submit App’ then follow the steps online to submit your application</a:t>
-            </a:r>
-            <a:r>
-              <a:rPr lang="en-US" dirty="0" smtClean="0"/>
-              <a:t>.</a:t>
-            </a:r>
-          </a:p>
-          <a:p>
-            <a:pPr marL="0" indent="0">
-              <a:buNone/>
-            </a:pPr>
-            <a:r>
-              <a:rPr lang="en-US" dirty="0" smtClean="0"/>
-              <a:t>You will need your .</a:t>
-            </a:r>
-            <a:r>
-              <a:rPr lang="en-US" dirty="0" err="1" smtClean="0"/>
-              <a:t>xap</a:t>
-            </a:r>
-            <a:r>
-              <a:rPr lang="en-US" dirty="0" smtClean="0"/>
-              <a:t> file, at least one screenshot, and a 300x300 PNG for submission. </a:t>
-            </a:r>
-            <a:r>
-              <a:rPr lang="en-US" dirty="0"/>
-              <a:t>The .</a:t>
-            </a:r>
-            <a:r>
-              <a:rPr lang="en-US" dirty="0" err="1"/>
-              <a:t>xap</a:t>
-            </a:r>
-            <a:r>
-              <a:rPr lang="en-US" dirty="0"/>
-              <a:t> file is automatically created </a:t>
-            </a:r>
-            <a:r>
-              <a:rPr lang="en-US" dirty="0" smtClean="0"/>
-              <a:t>when your project </a:t>
-            </a:r>
-            <a:r>
-              <a:rPr lang="en-US" smtClean="0"/>
-              <a:t>is built and</a:t>
-            </a:r>
-            <a:r>
-              <a:rPr lang="en-US" dirty="0"/>
-              <a:t> can be found in your projects directory in the bin\Debug or bin\Release folders.</a:t>
-            </a:r>
-          </a:p>
-          <a:p>
-            <a:pPr marL="0" indent="0">
-              <a:buNone/>
-            </a:pPr>
-            <a:r>
-              <a:rPr lang="en-US" dirty="0" smtClean="0"/>
-              <a:t>.</a:t>
-            </a:r>
-            <a:endParaRPr lang="en-US" dirty="0"/>
-          </a:p>
-          <a:p>
-            <a:pPr marL="0" indent="0">
-              <a:buNone/>
-            </a:pPr>
+              <a:t>Guide to taking screenshots with Win8 Simulator</a:t>
+            </a:r>
             <a:endParaRPr lang="en-US" dirty="0"/>
           </a:p>
         </p:txBody>
       </p:sp>
       <p:pic>
         <p:nvPicPr>
-          <p:cNvPr id="4" name="Picture 3"/>
+          <p:cNvPr id="1026" name="Picture 2" descr="Running in the Simulator"/>
           <p:cNvPicPr>
-            <a:picLocks noChangeAspect="1"/>
+            <a:picLocks noChangeAspect="1" noChangeArrowheads="1"/>
           </p:cNvPicPr>
           <p:nvPr/>
         </p:nvPicPr>
         <p:blipFill>
-          <a:blip r:embed="rId4">
+          <a:blip r:embed="rId3">
             <a:extLst>
               <a:ext uri="{28A0092B-C50C-407E-A947-70E740481C1C}">
                 <a14:useLocalDpi xmlns:a14="http://schemas.microsoft.com/office/drawing/2010/main" val="0"/>
               </a:ext>
             </a:extLst>
           </a:blip>
+          <a:srcRect/>
           <a:stretch>
             <a:fillRect/>
           </a:stretch>
         </p:blipFill>
-        <p:spPr>
-          <a:xfrm>
-            <a:off x="9443451" y="588961"/>
-            <a:ext cx="1914525" cy="1946275"/>
+        <p:spPr bwMode="auto">
+          <a:xfrm>
+            <a:off x="2048769" y="3728099"/>
+            <a:ext cx="1800225" cy="1152526"/>
           </a:xfrm>
           <a:prstGeom prst="rect">
             <a:avLst/>
           </a:prstGeom>
+          <a:noFill/>
+          <a:extLst>
+            <a:ext uri="{909E8E84-426E-40DD-AFC4-6F175D3DCCD1}">
+              <a14:hiddenFill xmlns:a14="http://schemas.microsoft.com/office/drawing/2010/main">
+                <a:solidFill>
+                  <a:srgbClr val="FFFFFF"/>
+                </a:solidFill>
+              </a14:hiddenFill>
+            </a:ext>
+          </a:extLst>
         </p:spPr>
       </p:pic>
     </p:spTree>
     <p:extLst>
       <p:ext uri="{BB962C8B-B14F-4D97-AF65-F5344CB8AC3E}">
-        <p14:creationId xmlns:p14="http://schemas.microsoft.com/office/powerpoint/2010/main" val="3609341363"/>
+        <p14:creationId xmlns:p14="http://schemas.microsoft.com/office/powerpoint/2010/main" val="2099975694"/>
       </p:ext>
     </p:extLst>
   </p:cSld>
@@ -13142,6 +13299,459 @@
           <a:p>
             <a:r>
               <a:rPr lang="en-US" dirty="0" smtClean="0"/>
+              <a:t>Ready to Submit – WP8!</a:t>
+            </a:r>
+            <a:endParaRPr lang="en-US" dirty="0"/>
+          </a:p>
+        </p:txBody>
+      </p:sp>
+      <p:sp>
+        <p:nvSpPr>
+          <p:cNvPr id="3" name="Content Placeholder 2"/>
+          <p:cNvSpPr>
+            <a:spLocks noGrp="1"/>
+          </p:cNvSpPr>
+          <p:nvPr>
+            <p:ph idx="1"/>
+          </p:nvPr>
+        </p:nvSpPr>
+        <p:spPr>
+          <a:xfrm>
+            <a:off x="1339263" y="2632075"/>
+            <a:ext cx="10018713" cy="4117145"/>
+          </a:xfrm>
+        </p:spPr>
+        <p:txBody>
+          <a:bodyPr/>
+          <a:lstStyle/>
+          <a:p>
+            <a:pPr marL="0" indent="0">
+              <a:buNone/>
+            </a:pPr>
+            <a:r>
+              <a:rPr lang="en-US" dirty="0" smtClean="0"/>
+              <a:t>Take a look at the </a:t>
+            </a:r>
+            <a:r>
+              <a:rPr lang="en-US" dirty="0" smtClean="0">
+                <a:hlinkClick r:id="rId2"/>
+              </a:rPr>
+              <a:t>app submission requirements</a:t>
+            </a:r>
+            <a:r>
+              <a:rPr lang="en-US" dirty="0" smtClean="0"/>
+              <a:t>, and make sure you have everything required to submit.</a:t>
+            </a:r>
+          </a:p>
+          <a:p>
+            <a:pPr marL="0" indent="0">
+              <a:buNone/>
+            </a:pPr>
+            <a:r>
+              <a:rPr lang="en-US" dirty="0" smtClean="0"/>
+              <a:t>Next, log </a:t>
+            </a:r>
+            <a:r>
+              <a:rPr lang="en-US" dirty="0"/>
+              <a:t>in with your developer account at </a:t>
+            </a:r>
+            <a:r>
+              <a:rPr lang="en-US" dirty="0">
+                <a:hlinkClick r:id="rId3"/>
+              </a:rPr>
+              <a:t>https://dev.windowsphone.com/ </a:t>
+            </a:r>
+            <a:r>
+              <a:rPr lang="en-US" dirty="0"/>
+              <a:t>and click ‘Submit App’ then follow the steps online to submit your application</a:t>
+            </a:r>
+            <a:r>
+              <a:rPr lang="en-US" dirty="0" smtClean="0"/>
+              <a:t>.</a:t>
+            </a:r>
+          </a:p>
+          <a:p>
+            <a:pPr marL="0" indent="0">
+              <a:buNone/>
+            </a:pPr>
+            <a:r>
+              <a:rPr lang="en-US" dirty="0" smtClean="0"/>
+              <a:t>You will need your .</a:t>
+            </a:r>
+            <a:r>
+              <a:rPr lang="en-US" dirty="0" err="1" smtClean="0"/>
+              <a:t>xap</a:t>
+            </a:r>
+            <a:r>
+              <a:rPr lang="en-US" dirty="0" smtClean="0"/>
+              <a:t> file, at least one screenshot, and a 300x300 PNG for submission. </a:t>
+            </a:r>
+            <a:r>
+              <a:rPr lang="en-US" dirty="0"/>
+              <a:t>The .</a:t>
+            </a:r>
+            <a:r>
+              <a:rPr lang="en-US" dirty="0" err="1"/>
+              <a:t>xap</a:t>
+            </a:r>
+            <a:r>
+              <a:rPr lang="en-US" dirty="0"/>
+              <a:t> file is automatically created </a:t>
+            </a:r>
+            <a:r>
+              <a:rPr lang="en-US" dirty="0" smtClean="0"/>
+              <a:t>when your project </a:t>
+            </a:r>
+            <a:r>
+              <a:rPr lang="en-US" smtClean="0"/>
+              <a:t>is built and</a:t>
+            </a:r>
+            <a:r>
+              <a:rPr lang="en-US" dirty="0"/>
+              <a:t> can be found in your projects directory in the bin\Debug or bin\Release folders.</a:t>
+            </a:r>
+          </a:p>
+          <a:p>
+            <a:pPr marL="0" indent="0">
+              <a:buNone/>
+            </a:pPr>
+            <a:r>
+              <a:rPr lang="en-US" dirty="0" smtClean="0"/>
+              <a:t>.</a:t>
+            </a:r>
+            <a:endParaRPr lang="en-US" dirty="0"/>
+          </a:p>
+          <a:p>
+            <a:pPr marL="0" indent="0">
+              <a:buNone/>
+            </a:pPr>
+            <a:endParaRPr lang="en-US" dirty="0"/>
+          </a:p>
+        </p:txBody>
+      </p:sp>
+      <p:pic>
+        <p:nvPicPr>
+          <p:cNvPr id="4" name="Picture 3"/>
+          <p:cNvPicPr>
+            <a:picLocks noChangeAspect="1"/>
+          </p:cNvPicPr>
+          <p:nvPr/>
+        </p:nvPicPr>
+        <p:blipFill>
+          <a:blip r:embed="rId4">
+            <a:extLst>
+              <a:ext uri="{28A0092B-C50C-407E-A947-70E740481C1C}">
+                <a14:useLocalDpi xmlns:a14="http://schemas.microsoft.com/office/drawing/2010/main" val="0"/>
+              </a:ext>
+            </a:extLst>
+          </a:blip>
+          <a:stretch>
+            <a:fillRect/>
+          </a:stretch>
+        </p:blipFill>
+        <p:spPr>
+          <a:xfrm>
+            <a:off x="9443451" y="588961"/>
+            <a:ext cx="1914525" cy="1946275"/>
+          </a:xfrm>
+          <a:prstGeom prst="rect">
+            <a:avLst/>
+          </a:prstGeom>
+        </p:spPr>
+      </p:pic>
+    </p:spTree>
+    <p:extLst>
+      <p:ext uri="{BB962C8B-B14F-4D97-AF65-F5344CB8AC3E}">
+        <p14:creationId xmlns:p14="http://schemas.microsoft.com/office/powerpoint/2010/main" val="3609341363"/>
+      </p:ext>
+    </p:extLst>
+  </p:cSld>
+  <p:clrMapOvr>
+    <a:masterClrMapping/>
+  </p:clrMapOvr>
+  <p:timing>
+    <p:tnLst>
+      <p:par>
+        <p:cTn id="1" dur="indefinite" restart="never" nodeType="tmRoot"/>
+      </p:par>
+    </p:tnLst>
+  </p:timing>
+</p:sld>
+</file>
+
+<file path=ppt/slides/slide41.xml><?xml version="1.0" encoding="utf-8"?>
+<p:sld xmlns:a="http://schemas.openxmlformats.org/drawingml/2006/main" xmlns:r="http://schemas.openxmlformats.org/officeDocument/2006/relationships" xmlns:p="http://schemas.openxmlformats.org/presentationml/2006/main">
+  <p:cSld>
+    <p:spTree>
+      <p:nvGrpSpPr>
+        <p:cNvPr id="1" name=""/>
+        <p:cNvGrpSpPr/>
+        <p:nvPr/>
+      </p:nvGrpSpPr>
+      <p:grpSpPr>
+        <a:xfrm>
+          <a:off x="0" y="0"/>
+          <a:ext cx="0" cy="0"/>
+          <a:chOff x="0" y="0"/>
+          <a:chExt cx="0" cy="0"/>
+        </a:xfrm>
+      </p:grpSpPr>
+      <p:sp>
+        <p:nvSpPr>
+          <p:cNvPr id="2" name="Title 1"/>
+          <p:cNvSpPr>
+            <a:spLocks noGrp="1"/>
+          </p:cNvSpPr>
+          <p:nvPr>
+            <p:ph type="title"/>
+          </p:nvPr>
+        </p:nvSpPr>
+        <p:spPr>
+          <a:xfrm>
+            <a:off x="1033551" y="685798"/>
+            <a:ext cx="10018713" cy="1752599"/>
+          </a:xfrm>
+        </p:spPr>
+        <p:txBody>
+          <a:bodyPr/>
+          <a:lstStyle/>
+          <a:p>
+            <a:r>
+              <a:rPr lang="en-US" dirty="0" smtClean="0"/>
+              <a:t>Ready to Submit – </a:t>
+            </a:r>
+            <a:r>
+              <a:rPr lang="en-US" dirty="0" smtClean="0"/>
+              <a:t>Windows 8!</a:t>
+            </a:r>
+            <a:endParaRPr lang="en-US" dirty="0"/>
+          </a:p>
+        </p:txBody>
+      </p:sp>
+      <p:sp>
+        <p:nvSpPr>
+          <p:cNvPr id="3" name="Content Placeholder 2"/>
+          <p:cNvSpPr>
+            <a:spLocks noGrp="1"/>
+          </p:cNvSpPr>
+          <p:nvPr>
+            <p:ph idx="1"/>
+          </p:nvPr>
+        </p:nvSpPr>
+        <p:spPr>
+          <a:xfrm>
+            <a:off x="1339263" y="2632075"/>
+            <a:ext cx="10018713" cy="4117145"/>
+          </a:xfrm>
+        </p:spPr>
+        <p:txBody>
+          <a:bodyPr>
+            <a:normAutofit/>
+          </a:bodyPr>
+          <a:lstStyle/>
+          <a:p>
+            <a:pPr marL="0" indent="0">
+              <a:buNone/>
+            </a:pPr>
+            <a:r>
+              <a:rPr lang="en-US" dirty="0"/>
+              <a:t>After you have </a:t>
+            </a:r>
+            <a:r>
+              <a:rPr lang="en-US" dirty="0">
+                <a:hlinkClick r:id="rId2"/>
+              </a:rPr>
+              <a:t>reserved your app's name</a:t>
+            </a:r>
+            <a:r>
+              <a:rPr lang="en-US" dirty="0"/>
+              <a:t>, </a:t>
+            </a:r>
+            <a:r>
+              <a:rPr lang="en-US" dirty="0">
+                <a:hlinkClick r:id="rId3"/>
+              </a:rPr>
+              <a:t>set up your payout account</a:t>
+            </a:r>
+            <a:r>
+              <a:rPr lang="en-US" dirty="0"/>
+              <a:t>, </a:t>
+            </a:r>
+            <a:r>
+              <a:rPr lang="en-US" dirty="0">
+                <a:hlinkClick r:id="rId4"/>
+              </a:rPr>
+              <a:t>built your app's packages</a:t>
+            </a:r>
+            <a:r>
+              <a:rPr lang="en-US" dirty="0"/>
+              <a:t>, and </a:t>
+            </a:r>
+            <a:r>
+              <a:rPr lang="en-US" dirty="0">
+                <a:hlinkClick r:id="rId5"/>
+              </a:rPr>
+              <a:t>tested the app with the Windows App Certification Kit</a:t>
+            </a:r>
+            <a:r>
+              <a:rPr lang="en-US" dirty="0"/>
+              <a:t>, you're ready to begin the submission process</a:t>
+            </a:r>
+            <a:r>
+              <a:rPr lang="en-US" dirty="0" smtClean="0"/>
+              <a:t>.</a:t>
+            </a:r>
+            <a:r>
+              <a:rPr lang="en-US" dirty="0" smtClean="0"/>
+              <a:t> </a:t>
+            </a:r>
+          </a:p>
+          <a:p>
+            <a:pPr marL="0" indent="0">
+              <a:buNone/>
+            </a:pPr>
+            <a:r>
+              <a:rPr lang="en-US" dirty="0" smtClean="0"/>
+              <a:t>To </a:t>
+            </a:r>
+            <a:r>
+              <a:rPr lang="en-US" dirty="0"/>
+              <a:t>submit an app, you'll need to sign in to your Windows Store Dashboard. (You can get there by clicking the "Dashboard" link near the top of any page in the </a:t>
+            </a:r>
+            <a:r>
+              <a:rPr lang="en-US" dirty="0">
+                <a:hlinkClick r:id="rId6"/>
+              </a:rPr>
+              <a:t>Windows Store apps Developer Center</a:t>
+            </a:r>
+            <a:r>
+              <a:rPr lang="en-US" dirty="0"/>
+              <a:t>.)</a:t>
+            </a:r>
+            <a:endParaRPr lang="en-US" dirty="0" smtClean="0"/>
+          </a:p>
+          <a:p>
+            <a:pPr marL="0" indent="0">
+              <a:buNone/>
+            </a:pPr>
+            <a:r>
+              <a:rPr lang="en-US" dirty="0" smtClean="0"/>
+              <a:t>If you need ste</a:t>
+            </a:r>
+            <a:r>
+              <a:rPr lang="en-US" dirty="0" smtClean="0"/>
+              <a:t>p-by-step instructions, you can follow this </a:t>
+            </a:r>
+            <a:r>
+              <a:rPr lang="en-US" dirty="0" smtClean="0">
+                <a:hlinkClick r:id="rId7"/>
+              </a:rPr>
+              <a:t>guide to submitting Windows 8 application to the Windows Store.</a:t>
+            </a:r>
+            <a:endParaRPr lang="en-US" dirty="0" smtClean="0"/>
+          </a:p>
+          <a:p>
+            <a:pPr marL="0" indent="0">
+              <a:buNone/>
+            </a:pPr>
+            <a:r>
+              <a:rPr lang="en-US" dirty="0" smtClean="0"/>
+              <a:t>.</a:t>
+            </a:r>
+            <a:endParaRPr lang="en-US" dirty="0"/>
+          </a:p>
+          <a:p>
+            <a:pPr marL="0" indent="0">
+              <a:buNone/>
+            </a:pPr>
+            <a:endParaRPr lang="en-US" dirty="0"/>
+          </a:p>
+        </p:txBody>
+      </p:sp>
+      <p:pic>
+        <p:nvPicPr>
+          <p:cNvPr id="4" name="Picture 3"/>
+          <p:cNvPicPr>
+            <a:picLocks noChangeAspect="1"/>
+          </p:cNvPicPr>
+          <p:nvPr/>
+        </p:nvPicPr>
+        <p:blipFill>
+          <a:blip r:embed="rId8">
+            <a:extLst>
+              <a:ext uri="{28A0092B-C50C-407E-A947-70E740481C1C}">
+                <a14:useLocalDpi xmlns:a14="http://schemas.microsoft.com/office/drawing/2010/main" val="0"/>
+              </a:ext>
+            </a:extLst>
+          </a:blip>
+          <a:stretch>
+            <a:fillRect/>
+          </a:stretch>
+        </p:blipFill>
+        <p:spPr>
+          <a:xfrm>
+            <a:off x="9443451" y="588961"/>
+            <a:ext cx="1914525" cy="1946275"/>
+          </a:xfrm>
+          <a:prstGeom prst="rect">
+            <a:avLst/>
+          </a:prstGeom>
+        </p:spPr>
+      </p:pic>
+    </p:spTree>
+    <p:extLst>
+      <p:ext uri="{BB962C8B-B14F-4D97-AF65-F5344CB8AC3E}">
+        <p14:creationId xmlns:p14="http://schemas.microsoft.com/office/powerpoint/2010/main" val="2789014429"/>
+      </p:ext>
+    </p:extLst>
+  </p:cSld>
+  <p:clrMapOvr>
+    <a:masterClrMapping/>
+  </p:clrMapOvr>
+  <p:timing>
+    <p:tnLst>
+      <p:par>
+        <p:cTn id="1" dur="indefinite" restart="never" nodeType="tmRoot"/>
+      </p:par>
+    </p:tnLst>
+  </p:timing>
+</p:sld>
+</file>
+
+<file path=ppt/slides/slide42.xml><?xml version="1.0" encoding="utf-8"?>
+<p:sld xmlns:a="http://schemas.openxmlformats.org/drawingml/2006/main" xmlns:r="http://schemas.openxmlformats.org/officeDocument/2006/relationships" xmlns:p="http://schemas.openxmlformats.org/presentationml/2006/main">
+  <p:cSld>
+    <p:spTree>
+      <p:nvGrpSpPr>
+        <p:cNvPr id="1" name=""/>
+        <p:cNvGrpSpPr/>
+        <p:nvPr/>
+      </p:nvGrpSpPr>
+      <p:grpSpPr>
+        <a:xfrm>
+          <a:off x="0" y="0"/>
+          <a:ext cx="0" cy="0"/>
+          <a:chOff x="0" y="0"/>
+          <a:chExt cx="0" cy="0"/>
+        </a:xfrm>
+      </p:grpSpPr>
+      <p:sp>
+        <p:nvSpPr>
+          <p:cNvPr id="2" name="Title 1"/>
+          <p:cNvSpPr>
+            <a:spLocks noGrp="1"/>
+          </p:cNvSpPr>
+          <p:nvPr>
+            <p:ph type="title"/>
+          </p:nvPr>
+        </p:nvSpPr>
+        <p:spPr/>
+        <p:txBody>
+          <a:bodyPr/>
+          <a:lstStyle/>
+          <a:p>
+            <a:r>
+              <a:rPr lang="en-US" dirty="0" smtClean="0"/>
               <a:t>Reward yourself, you earned it!</a:t>
             </a:r>
             <a:endParaRPr lang="en-US" dirty="0"/>
@@ -13260,7 +13870,7 @@
 </p:sld>
 </file>
 
-<file path=ppt/slides/slide41.xml><?xml version="1.0" encoding="utf-8"?>
+<file path=ppt/slides/slide43.xml><?xml version="1.0" encoding="utf-8"?>
 <p:sld xmlns:a="http://schemas.openxmlformats.org/drawingml/2006/main" xmlns:r="http://schemas.openxmlformats.org/officeDocument/2006/relationships" xmlns:p="http://schemas.openxmlformats.org/presentationml/2006/main">
   <p:cSld>
     <p:spTree>

--- a/XPlatformCloudkit.pptx
+++ b/XPlatformCloudkit.pptx
@@ -8077,17 +8077,8 @@
             </a:pPr>
             <a:r>
               <a:rPr lang="en-US" dirty="0" smtClean="0"/>
-              <a:t>With your mobile service selected, click “</a:t>
-            </a:r>
-            <a:r>
-              <a:rPr lang="en-US" dirty="0" smtClean="0"/>
-              <a:t>Data</a:t>
-            </a:r>
-            <a:r>
-              <a:rPr lang="en-US" dirty="0" smtClean="0"/>
-              <a:t>” then select “Add a Table”</a:t>
-            </a:r>
-            <a:endParaRPr lang="en-US" dirty="0" smtClean="0"/>
+              <a:t>With your mobile service selected, click “Data” then select “Add a Table”</a:t>
+            </a:r>
           </a:p>
         </p:txBody>
       </p:sp>
@@ -10442,8 +10433,8 @@
         </p:nvSpPr>
         <p:spPr>
           <a:xfrm>
-            <a:off x="1886092" y="3941617"/>
-            <a:ext cx="10018713" cy="3124201"/>
+            <a:off x="2277504" y="4502034"/>
+            <a:ext cx="8905536" cy="2459182"/>
           </a:xfrm>
         </p:spPr>
         <p:txBody>
@@ -10455,7 +10446,23 @@
             </a:pPr>
             <a:r>
               <a:rPr lang="en-US" dirty="0" smtClean="0"/>
-              <a:t>If everything went right and you have followed all instruction up until this point, go ahead and build your Windows Phone and Windows 8 applications, you should see your data come back from Azure!</a:t>
+              <a:t>If everything went right and you have followed all instruction up until this point, go ahead and build your Windows Phone and Windows 8 applications, you should see your data come back from Azure</a:t>
+            </a:r>
+            <a:r>
+              <a:rPr lang="en-US" dirty="0" smtClean="0"/>
+              <a:t>! (Note: To ensure that data is not </a:t>
+            </a:r>
+            <a:r>
+              <a:rPr lang="en-US" smtClean="0"/>
+              <a:t>cached - bring </a:t>
+            </a:r>
+            <a:r>
+              <a:rPr lang="en-US" dirty="0" smtClean="0"/>
+              <a:t>up the app bar (right-click or swipe up from bottom in windows 8 or press the ‘…’ in bottom righ</a:t>
+            </a:r>
+            <a:r>
+              <a:rPr lang="en-US" dirty="0" smtClean="0"/>
+              <a:t>t for Windows phone) and click the “Refresh” button.)</a:t>
             </a:r>
             <a:endParaRPr lang="en-US" dirty="0"/>
           </a:p>
@@ -12364,11 +12371,7 @@
           <a:p>
             <a:r>
               <a:rPr lang="en-US" dirty="0" smtClean="0"/>
-              <a:t>Further Customization </a:t>
-            </a:r>
-            <a:r>
-              <a:rPr lang="en-US" dirty="0" smtClean="0"/>
-              <a:t>– </a:t>
+              <a:t>Further Customization – </a:t>
             </a:r>
             <a:r>
               <a:rPr lang="en-US" dirty="0" err="1" smtClean="0"/>
@@ -12419,15 +12422,7 @@
           <a:p>
             <a:r>
               <a:rPr lang="en-US" dirty="0" smtClean="0"/>
-              <a:t>Here </a:t>
-            </a:r>
-            <a:r>
-              <a:rPr lang="en-US" dirty="0" smtClean="0"/>
-              <a:t>you can edit your app </a:t>
-            </a:r>
-            <a:r>
-              <a:rPr lang="en-US" dirty="0" smtClean="0"/>
-              <a:t>display name, time to cache retrieved data, theme to use for Windows 8, privacy policy </a:t>
+              <a:t>Here you can edit your app display name, time to cache retrieved data, theme to use for Windows 8, privacy policy </a:t>
             </a:r>
             <a:r>
               <a:rPr lang="en-US" dirty="0" err="1" smtClean="0"/>
@@ -12938,11 +12933,7 @@
           <a:p>
             <a:r>
               <a:rPr lang="en-US" dirty="0" smtClean="0"/>
-              <a:t>Capturing Screenshots – </a:t>
-            </a:r>
-            <a:r>
-              <a:rPr lang="en-US" dirty="0" smtClean="0"/>
-              <a:t>Windows 8</a:t>
+              <a:t>Capturing Screenshots – Windows 8</a:t>
             </a:r>
             <a:endParaRPr lang="en-US" dirty="0"/>
           </a:p>
@@ -13031,11 +13022,7 @@
             </a:pPr>
             <a:r>
               <a:rPr lang="en-US" dirty="0" smtClean="0"/>
-              <a:t>Then </a:t>
-            </a:r>
-            <a:r>
-              <a:rPr lang="en-US" dirty="0" smtClean="0"/>
-              <a:t>follow the </a:t>
+              <a:t>Then follow the </a:t>
             </a:r>
             <a:r>
               <a:rPr lang="en-US" dirty="0" smtClean="0">
@@ -13518,11 +13505,7 @@
           <a:p>
             <a:r>
               <a:rPr lang="en-US" dirty="0" smtClean="0"/>
-              <a:t>Ready to Submit – </a:t>
-            </a:r>
-            <a:r>
-              <a:rPr lang="en-US" dirty="0" smtClean="0"/>
-              <a:t>Windows 8!</a:t>
+              <a:t>Ready to Submit – Windows 8!</a:t>
             </a:r>
             <a:endParaRPr lang="en-US" dirty="0"/>
           </a:p>
@@ -13599,11 +13582,7 @@
             </a:r>
             <a:r>
               <a:rPr lang="en-US" dirty="0" smtClean="0"/>
-              <a:t>.</a:t>
-            </a:r>
-            <a:r>
-              <a:rPr lang="en-US" dirty="0" smtClean="0"/>
-              <a:t> </a:t>
+              <a:t>. </a:t>
             </a:r>
           </a:p>
           <a:p>
@@ -13636,11 +13615,7 @@
             </a:pPr>
             <a:r>
               <a:rPr lang="en-US" dirty="0" smtClean="0"/>
-              <a:t>If you need ste</a:t>
-            </a:r>
-            <a:r>
-              <a:rPr lang="en-US" dirty="0" smtClean="0"/>
-              <a:t>p-by-step instructions, you can follow this </a:t>
+              <a:t>If you need step-by-step instructions, you can follow this </a:t>
             </a:r>
             <a:r>
               <a:rPr lang="en-US" dirty="0" smtClean="0">

--- a/XPlatformCloudkit.pptx
+++ b/XPlatformCloudkit.pptx
@@ -8059,7 +8059,7 @@
         <p:spPr>
           <a:xfrm>
             <a:off x="7506083" y="3159616"/>
-            <a:ext cx="4649273" cy="646331"/>
+            <a:ext cx="4649273" cy="1477328"/>
           </a:xfrm>
           <a:prstGeom prst="rect">
             <a:avLst/>
@@ -8077,8 +8077,30 @@
             </a:pPr>
             <a:r>
               <a:rPr lang="en-US" dirty="0" smtClean="0"/>
-              <a:t>With your mobile service selected, click “Data” then select “Add a Table”</a:t>
-            </a:r>
+              <a:t>With your mobile service selected, click “Data</a:t>
+            </a:r>
+            <a:r>
+              <a:rPr lang="en-US" dirty="0" smtClean="0"/>
+              <a:t>”</a:t>
+            </a:r>
+          </a:p>
+          <a:p>
+            <a:pPr marL="342900" indent="-342900">
+              <a:buAutoNum type="arabicPeriod"/>
+            </a:pPr>
+            <a:r>
+              <a:rPr lang="en-US" dirty="0"/>
+              <a:t> </a:t>
+            </a:r>
+            <a:r>
+              <a:rPr lang="en-US" dirty="0" smtClean="0"/>
+              <a:t>Next, click “Create” at the bottom and follow the instructions on the next slide to create a </a:t>
+            </a:r>
+            <a:r>
+              <a:rPr lang="en-US" smtClean="0"/>
+              <a:t>new table</a:t>
+            </a:r>
+            <a:endParaRPr lang="en-US" dirty="0" smtClean="0"/>
           </a:p>
         </p:txBody>
       </p:sp>
@@ -8120,6 +8142,74 @@
                 </a:effectLst>
               </a:rPr>
               <a:t>1.</a:t>
+            </a:r>
+            <a:endParaRPr lang="en-US" sz="5400" b="0" cap="none" spc="0" dirty="0">
+              <a:ln w="0"/>
+              <a:solidFill>
+                <a:schemeClr val="tx1"/>
+              </a:solidFill>
+              <a:effectLst>
+                <a:outerShdw blurRad="38100" dist="19050" dir="2700000" algn="tl" rotWithShape="0">
+                  <a:schemeClr val="dk1">
+                    <a:alpha val="40000"/>
+                  </a:schemeClr>
+                </a:outerShdw>
+              </a:effectLst>
+            </a:endParaRPr>
+          </a:p>
+        </p:txBody>
+      </p:sp>
+      <p:sp>
+        <p:nvSpPr>
+          <p:cNvPr id="7" name="Rectangle 6"/>
+          <p:cNvSpPr/>
+          <p:nvPr/>
+        </p:nvSpPr>
+        <p:spPr>
+          <a:xfrm>
+            <a:off x="3157243" y="4946453"/>
+            <a:ext cx="721672" cy="923330"/>
+          </a:xfrm>
+          <a:prstGeom prst="rect">
+            <a:avLst/>
+          </a:prstGeom>
+          <a:noFill/>
+        </p:spPr>
+        <p:txBody>
+          <a:bodyPr wrap="none" lIns="91440" tIns="45720" rIns="91440" bIns="45720">
+            <a:spAutoFit/>
+          </a:bodyPr>
+          <a:lstStyle/>
+          <a:p>
+            <a:pPr algn="ctr"/>
+            <a:r>
+              <a:rPr lang="en-US" sz="5400" dirty="0">
+                <a:ln w="0"/>
+                <a:effectLst>
+                  <a:outerShdw blurRad="38100" dist="19050" dir="2700000" algn="tl" rotWithShape="0">
+                    <a:schemeClr val="dk1">
+                      <a:alpha val="40000"/>
+                    </a:schemeClr>
+                  </a:outerShdw>
+                </a:effectLst>
+              </a:rPr>
+              <a:t>2</a:t>
+            </a:r>
+            <a:r>
+              <a:rPr lang="en-US" sz="5400" b="0" cap="none" spc="0" dirty="0" smtClean="0">
+                <a:ln w="0"/>
+                <a:solidFill>
+                  <a:schemeClr val="tx1"/>
+                </a:solidFill>
+                <a:effectLst>
+                  <a:outerShdw blurRad="38100" dist="19050" dir="2700000" algn="tl" rotWithShape="0">
+                    <a:schemeClr val="dk1">
+                      <a:alpha val="40000"/>
+                    </a:schemeClr>
+                  </a:outerShdw>
+                </a:effectLst>
+              </a:rPr>
+              <a:t>.</a:t>
             </a:r>
             <a:endParaRPr lang="en-US" sz="5400" b="0" cap="none" spc="0" dirty="0">
               <a:ln w="0"/>
@@ -10450,15 +10540,7 @@
             </a:r>
             <a:r>
               <a:rPr lang="en-US" dirty="0" smtClean="0"/>
-              <a:t>! (Note: To ensure that data is not </a:t>
-            </a:r>
-            <a:r>
-              <a:rPr lang="en-US" smtClean="0"/>
-              <a:t>cached - bring </a:t>
-            </a:r>
-            <a:r>
-              <a:rPr lang="en-US" dirty="0" smtClean="0"/>
-              <a:t>up the app bar (right-click or swipe up from bottom in windows 8 or press the ‘…’ in bottom righ</a:t>
+              <a:t>! (Note: To ensure that data is not cached - bring up the app bar (right-click or swipe up from bottom in windows 8 or press the ‘…’ in bottom righ</a:t>
             </a:r>
             <a:r>
               <a:rPr lang="en-US" dirty="0" smtClean="0"/>

--- a/XPlatformCloudkit.pptx
+++ b/XPlatformCloudkit.pptx
@@ -19,35 +19,36 @@
     <p:sldId id="265" r:id="rId13"/>
     <p:sldId id="266" r:id="rId14"/>
     <p:sldId id="268" r:id="rId15"/>
-    <p:sldId id="269" r:id="rId16"/>
-    <p:sldId id="272" r:id="rId17"/>
-    <p:sldId id="273" r:id="rId18"/>
-    <p:sldId id="275" r:id="rId19"/>
-    <p:sldId id="278" r:id="rId20"/>
-    <p:sldId id="277" r:id="rId21"/>
-    <p:sldId id="280" r:id="rId22"/>
-    <p:sldId id="281" r:id="rId23"/>
-    <p:sldId id="282" r:id="rId24"/>
-    <p:sldId id="284" r:id="rId25"/>
-    <p:sldId id="285" r:id="rId26"/>
-    <p:sldId id="274" r:id="rId27"/>
-    <p:sldId id="279" r:id="rId28"/>
-    <p:sldId id="286" r:id="rId29"/>
-    <p:sldId id="287" r:id="rId30"/>
-    <p:sldId id="288" r:id="rId31"/>
-    <p:sldId id="289" r:id="rId32"/>
-    <p:sldId id="290" r:id="rId33"/>
-    <p:sldId id="291" r:id="rId34"/>
-    <p:sldId id="296" r:id="rId35"/>
-    <p:sldId id="302" r:id="rId36"/>
-    <p:sldId id="294" r:id="rId37"/>
-    <p:sldId id="297" r:id="rId38"/>
-    <p:sldId id="298" r:id="rId39"/>
-    <p:sldId id="304" r:id="rId40"/>
-    <p:sldId id="299" r:id="rId41"/>
-    <p:sldId id="303" r:id="rId42"/>
-    <p:sldId id="300" r:id="rId43"/>
-    <p:sldId id="301" r:id="rId44"/>
+    <p:sldId id="305" r:id="rId16"/>
+    <p:sldId id="269" r:id="rId17"/>
+    <p:sldId id="272" r:id="rId18"/>
+    <p:sldId id="273" r:id="rId19"/>
+    <p:sldId id="275" r:id="rId20"/>
+    <p:sldId id="278" r:id="rId21"/>
+    <p:sldId id="277" r:id="rId22"/>
+    <p:sldId id="280" r:id="rId23"/>
+    <p:sldId id="281" r:id="rId24"/>
+    <p:sldId id="282" r:id="rId25"/>
+    <p:sldId id="284" r:id="rId26"/>
+    <p:sldId id="285" r:id="rId27"/>
+    <p:sldId id="274" r:id="rId28"/>
+    <p:sldId id="279" r:id="rId29"/>
+    <p:sldId id="286" r:id="rId30"/>
+    <p:sldId id="287" r:id="rId31"/>
+    <p:sldId id="288" r:id="rId32"/>
+    <p:sldId id="289" r:id="rId33"/>
+    <p:sldId id="290" r:id="rId34"/>
+    <p:sldId id="291" r:id="rId35"/>
+    <p:sldId id="296" r:id="rId36"/>
+    <p:sldId id="302" r:id="rId37"/>
+    <p:sldId id="294" r:id="rId38"/>
+    <p:sldId id="297" r:id="rId39"/>
+    <p:sldId id="298" r:id="rId40"/>
+    <p:sldId id="304" r:id="rId41"/>
+    <p:sldId id="299" r:id="rId42"/>
+    <p:sldId id="303" r:id="rId43"/>
+    <p:sldId id="300" r:id="rId44"/>
+    <p:sldId id="301" r:id="rId45"/>
   </p:sldIdLst>
   <p:sldSz cx="12192000" cy="6858000"/>
   <p:notesSz cx="6858000" cy="9144000"/>
@@ -7560,14 +7561,31 @@
             <p:ph type="title"/>
           </p:nvPr>
         </p:nvSpPr>
-        <p:spPr/>
+        <p:spPr>
+          <a:xfrm>
+            <a:off x="1262131" y="515156"/>
+            <a:ext cx="10240894" cy="1923244"/>
+          </a:xfrm>
+        </p:spPr>
         <p:txBody>
           <a:bodyPr/>
           <a:lstStyle/>
           <a:p>
             <a:r>
               <a:rPr lang="en-US" dirty="0" smtClean="0"/>
-              <a:t>Let’s look at the PCL</a:t>
+              <a:t>Let’s look at the </a:t>
+            </a:r>
+            <a:r>
+              <a:rPr lang="en-US" dirty="0" err="1" smtClean="0"/>
+              <a:t>XPlatformCloudKit.</a:t>
+            </a:r>
+            <a:r>
+              <a:rPr lang="en-US" dirty="0" err="1" smtClean="0"/>
+              <a:t>PCL</a:t>
+            </a:r>
+            <a:r>
+              <a:rPr lang="en-US" dirty="0" smtClean="0"/>
+              <a:t> Project</a:t>
             </a:r>
             <a:endParaRPr lang="en-US" dirty="0"/>
           </a:p>
@@ -7658,6 +7676,102 @@
           <a:p>
             <a:r>
               <a:rPr lang="en-US" dirty="0" smtClean="0"/>
+              <a:t>One file to configure All Projects</a:t>
+            </a:r>
+            <a:endParaRPr lang="en-US" dirty="0"/>
+          </a:p>
+        </p:txBody>
+      </p:sp>
+      <p:sp>
+        <p:nvSpPr>
+          <p:cNvPr id="3" name="Content Placeholder 2"/>
+          <p:cNvSpPr>
+            <a:spLocks noGrp="1"/>
+          </p:cNvSpPr>
+          <p:nvPr>
+            <p:ph idx="1"/>
+          </p:nvPr>
+        </p:nvSpPr>
+        <p:spPr>
+          <a:xfrm>
+            <a:off x="1729010" y="1729524"/>
+            <a:ext cx="10018713" cy="3124201"/>
+          </a:xfrm>
+        </p:spPr>
+        <p:txBody>
+          <a:bodyPr/>
+          <a:lstStyle/>
+          <a:p>
+            <a:r>
+              <a:rPr lang="en-US" dirty="0" smtClean="0"/>
+              <a:t>It is important to note that going forward, the only file you will need to edit in this template will be the </a:t>
+            </a:r>
+            <a:r>
+              <a:rPr lang="en-US" dirty="0" err="1" smtClean="0"/>
+              <a:t>AppSettings.cs</a:t>
+            </a:r>
+            <a:r>
+              <a:rPr lang="en-US" dirty="0" smtClean="0"/>
+              <a:t> file located in the </a:t>
+            </a:r>
+            <a:r>
+              <a:rPr lang="en-US" dirty="0" err="1" smtClean="0"/>
+              <a:t>XPlatformCloudKit.PCL</a:t>
+            </a:r>
+            <a:r>
+              <a:rPr lang="en-US" dirty="0" smtClean="0"/>
+              <a:t> project.  All changes to it will be accessible to all of the included projects which consume it.  Therefore, we can make high reuse of code by incorporating our application logic and configuration logic in a PCL.  This is the primary benefit of Portable Class Libraries.</a:t>
+            </a:r>
+          </a:p>
+        </p:txBody>
+      </p:sp>
+    </p:spTree>
+    <p:extLst>
+      <p:ext uri="{BB962C8B-B14F-4D97-AF65-F5344CB8AC3E}">
+        <p14:creationId xmlns:p14="http://schemas.microsoft.com/office/powerpoint/2010/main" val="3025452232"/>
+      </p:ext>
+    </p:extLst>
+  </p:cSld>
+  <p:clrMapOvr>
+    <a:masterClrMapping/>
+  </p:clrMapOvr>
+</p:sld>
+</file>
+
+<file path=ppt/slides/slide16.xml><?xml version="1.0" encoding="utf-8"?>
+<p:sld xmlns:a="http://schemas.openxmlformats.org/drawingml/2006/main" xmlns:r="http://schemas.openxmlformats.org/officeDocument/2006/relationships" xmlns:p="http://schemas.openxmlformats.org/presentationml/2006/main">
+  <p:cSld>
+    <p:spTree>
+      <p:nvGrpSpPr>
+        <p:cNvPr id="1" name=""/>
+        <p:cNvGrpSpPr/>
+        <p:nvPr/>
+      </p:nvGrpSpPr>
+      <p:grpSpPr>
+        <a:xfrm>
+          <a:off x="0" y="0"/>
+          <a:ext cx="0" cy="0"/>
+          <a:chOff x="0" y="0"/>
+          <a:chExt cx="0" cy="0"/>
+        </a:xfrm>
+      </p:grpSpPr>
+      <p:sp>
+        <p:nvSpPr>
+          <p:cNvPr id="2" name="Title 1"/>
+          <p:cNvSpPr>
+            <a:spLocks noGrp="1"/>
+          </p:cNvSpPr>
+          <p:nvPr>
+            <p:ph type="title"/>
+          </p:nvPr>
+        </p:nvSpPr>
+        <p:spPr/>
+        <p:txBody>
+          <a:bodyPr/>
+          <a:lstStyle/>
+          <a:p>
+            <a:r>
+              <a:rPr lang="en-US" dirty="0" smtClean="0"/>
               <a:t>Let’s configure the PCL to use our Azure Mobile Service</a:t>
             </a:r>
             <a:endParaRPr lang="en-US" dirty="0"/>
@@ -7986,7 +8100,7 @@
 </p:sld>
 </file>
 
-<file path=ppt/slides/slide16.xml><?xml version="1.0" encoding="utf-8"?>
+<file path=ppt/slides/slide17.xml><?xml version="1.0" encoding="utf-8"?>
 <p:sld xmlns:a="http://schemas.openxmlformats.org/drawingml/2006/main" xmlns:r="http://schemas.openxmlformats.org/officeDocument/2006/relationships" xmlns:p="http://schemas.openxmlformats.org/presentationml/2006/main">
   <p:cSld>
     <p:spTree>
@@ -8094,11 +8208,7 @@
             </a:r>
             <a:r>
               <a:rPr lang="en-US" dirty="0" smtClean="0"/>
-              <a:t>Next, click “Create” at the bottom and follow the instructions on the next slide to create a </a:t>
-            </a:r>
-            <a:r>
-              <a:rPr lang="en-US" smtClean="0"/>
-              <a:t>new table</a:t>
+              <a:t>Next, click “Create” at the bottom and follow the instructions on the next slide to create a new table</a:t>
             </a:r>
             <a:endParaRPr lang="en-US" dirty="0" smtClean="0"/>
           </a:p>
@@ -8240,7 +8350,7 @@
 </p:sld>
 </file>
 
-<file path=ppt/slides/slide17.xml><?xml version="1.0" encoding="utf-8"?>
+<file path=ppt/slides/slide18.xml><?xml version="1.0" encoding="utf-8"?>
 <p:sld xmlns:a="http://schemas.openxmlformats.org/drawingml/2006/main" xmlns:r="http://schemas.openxmlformats.org/officeDocument/2006/relationships" xmlns:p="http://schemas.openxmlformats.org/presentationml/2006/main">
   <p:cSld>
     <p:spTree>
@@ -8465,7 +8575,7 @@
 </p:sld>
 </file>
 
-<file path=ppt/slides/slide18.xml><?xml version="1.0" encoding="utf-8"?>
+<file path=ppt/slides/slide19.xml><?xml version="1.0" encoding="utf-8"?>
 <p:sld xmlns:a="http://schemas.openxmlformats.org/drawingml/2006/main" xmlns:r="http://schemas.openxmlformats.org/officeDocument/2006/relationships" xmlns:p="http://schemas.openxmlformats.org/presentationml/2006/main">
   <p:cSld>
     <p:spTree>
@@ -8676,170 +8786,6 @@
     <p:extLst>
       <p:ext uri="{BB962C8B-B14F-4D97-AF65-F5344CB8AC3E}">
         <p14:creationId xmlns:p14="http://schemas.microsoft.com/office/powerpoint/2010/main" val="1686715032"/>
-      </p:ext>
-    </p:extLst>
-  </p:cSld>
-  <p:clrMapOvr>
-    <a:masterClrMapping/>
-  </p:clrMapOvr>
-</p:sld>
-</file>
-
-<file path=ppt/slides/slide19.xml><?xml version="1.0" encoding="utf-8"?>
-<p:sld xmlns:a="http://schemas.openxmlformats.org/drawingml/2006/main" xmlns:r="http://schemas.openxmlformats.org/officeDocument/2006/relationships" xmlns:p="http://schemas.openxmlformats.org/presentationml/2006/main">
-  <p:cSld>
-    <p:spTree>
-      <p:nvGrpSpPr>
-        <p:cNvPr id="1" name=""/>
-        <p:cNvGrpSpPr/>
-        <p:nvPr/>
-      </p:nvGrpSpPr>
-      <p:grpSpPr>
-        <a:xfrm>
-          <a:off x="0" y="0"/>
-          <a:ext cx="0" cy="0"/>
-          <a:chOff x="0" y="0"/>
-          <a:chExt cx="0" cy="0"/>
-        </a:xfrm>
-      </p:grpSpPr>
-      <p:pic>
-        <p:nvPicPr>
-          <p:cNvPr id="3" name="Picture 2"/>
-          <p:cNvPicPr>
-            <a:picLocks noChangeAspect="1"/>
-          </p:cNvPicPr>
-          <p:nvPr/>
-        </p:nvPicPr>
-        <p:blipFill>
-          <a:blip r:embed="rId2"/>
-          <a:stretch>
-            <a:fillRect/>
-          </a:stretch>
-        </p:blipFill>
-        <p:spPr>
-          <a:xfrm>
-            <a:off x="1522258" y="2438399"/>
-            <a:ext cx="5857338" cy="3293145"/>
-          </a:xfrm>
-          <a:prstGeom prst="rect">
-            <a:avLst/>
-          </a:prstGeom>
-        </p:spPr>
-      </p:pic>
-      <p:sp>
-        <p:nvSpPr>
-          <p:cNvPr id="2" name="Title 1"/>
-          <p:cNvSpPr>
-            <a:spLocks noGrp="1"/>
-          </p:cNvSpPr>
-          <p:nvPr>
-            <p:ph type="title"/>
-          </p:nvPr>
-        </p:nvSpPr>
-        <p:spPr/>
-        <p:txBody>
-          <a:bodyPr/>
-          <a:lstStyle/>
-          <a:p>
-            <a:r>
-              <a:rPr lang="en-US" dirty="0" smtClean="0"/>
-              <a:t>Generate the “Item” table schema continued…</a:t>
-            </a:r>
-            <a:endParaRPr lang="en-US" dirty="0"/>
-          </a:p>
-        </p:txBody>
-      </p:sp>
-      <p:sp>
-        <p:nvSpPr>
-          <p:cNvPr id="4" name="TextBox 3"/>
-          <p:cNvSpPr txBox="1"/>
-          <p:nvPr/>
-        </p:nvSpPr>
-        <p:spPr>
-          <a:xfrm>
-            <a:off x="7379596" y="2987899"/>
-            <a:ext cx="4584877" cy="1200329"/>
-          </a:xfrm>
-          <a:prstGeom prst="rect">
-            <a:avLst/>
-          </a:prstGeom>
-          <a:noFill/>
-        </p:spPr>
-        <p:txBody>
-          <a:bodyPr wrap="square" rtlCol="0">
-            <a:spAutoFit/>
-          </a:bodyPr>
-          <a:lstStyle/>
-          <a:p>
-            <a:pPr marL="342900" indent="-342900">
-              <a:buAutoNum type="arabicPeriod"/>
-            </a:pPr>
-            <a:r>
-              <a:rPr lang="en-US" dirty="0" smtClean="0"/>
-              <a:t>Build and deploy the XPlatformCloudKit.Win8 project (The .Phone8 project should work too, but we will use the Win8 project in the slide deck)</a:t>
-            </a:r>
-          </a:p>
-        </p:txBody>
-      </p:sp>
-      <p:sp>
-        <p:nvSpPr>
-          <p:cNvPr id="6" name="Rectangle 5"/>
-          <p:cNvSpPr/>
-          <p:nvPr/>
-        </p:nvSpPr>
-        <p:spPr>
-          <a:xfrm>
-            <a:off x="3278137" y="4457017"/>
-            <a:ext cx="678392" cy="923330"/>
-          </a:xfrm>
-          <a:prstGeom prst="rect">
-            <a:avLst/>
-          </a:prstGeom>
-          <a:noFill/>
-        </p:spPr>
-        <p:txBody>
-          <a:bodyPr wrap="none" lIns="91440" tIns="45720" rIns="91440" bIns="45720">
-            <a:spAutoFit/>
-          </a:bodyPr>
-          <a:lstStyle/>
-          <a:p>
-            <a:pPr algn="ctr"/>
-            <a:r>
-              <a:rPr lang="en-US" sz="5400" b="0" cap="none" spc="0" dirty="0" smtClean="0">
-                <a:ln w="0"/>
-                <a:solidFill>
-                  <a:schemeClr val="tx1"/>
-                </a:solidFill>
-                <a:effectLst>
-                  <a:outerShdw blurRad="38100" dist="19050" dir="2700000" algn="tl" rotWithShape="0">
-                    <a:schemeClr val="dk1">
-                      <a:alpha val="40000"/>
-                    </a:schemeClr>
-                  </a:outerShdw>
-                </a:effectLst>
-              </a:rPr>
-              <a:t>1.</a:t>
-            </a:r>
-            <a:endParaRPr lang="en-US" sz="5400" b="0" cap="none" spc="0" dirty="0">
-              <a:ln w="0"/>
-              <a:solidFill>
-                <a:schemeClr val="tx1"/>
-              </a:solidFill>
-              <a:effectLst>
-                <a:outerShdw blurRad="38100" dist="19050" dir="2700000" algn="tl" rotWithShape="0">
-                  <a:schemeClr val="dk1">
-                    <a:alpha val="40000"/>
-                  </a:schemeClr>
-                </a:outerShdw>
-              </a:effectLst>
-            </a:endParaRPr>
-          </a:p>
-        </p:txBody>
-      </p:sp>
-    </p:spTree>
-    <p:extLst>
-      <p:ext uri="{BB962C8B-B14F-4D97-AF65-F5344CB8AC3E}">
-        <p14:creationId xmlns:p14="http://schemas.microsoft.com/office/powerpoint/2010/main" val="2887236922"/>
       </p:ext>
     </p:extLst>
   </p:cSld>
@@ -9042,8 +8988,8 @@
         </p:blipFill>
         <p:spPr>
           <a:xfrm>
-            <a:off x="1800079" y="2593174"/>
-            <a:ext cx="5090118" cy="2861794"/>
+            <a:off x="1522258" y="2438399"/>
+            <a:ext cx="5857338" cy="3293145"/>
           </a:xfrm>
           <a:prstGeom prst="rect">
             <a:avLst/>
@@ -9081,8 +9027,8 @@
         </p:nvSpPr>
         <p:spPr>
           <a:xfrm>
-            <a:off x="7096259" y="3114608"/>
-            <a:ext cx="4997002" cy="1477328"/>
+            <a:off x="7379596" y="2987899"/>
+            <a:ext cx="4584877" cy="1200329"/>
           </a:xfrm>
           <a:prstGeom prst="rect">
             <a:avLst/>
@@ -9095,47 +9041,75 @@
           </a:bodyPr>
           <a:lstStyle/>
           <a:p>
-            <a:r>
-              <a:rPr lang="en-US" dirty="0" smtClean="0"/>
-              <a:t>Upon deploy of the Windows 8 application you should see the following message.  Make note and</a:t>
-            </a:r>
-          </a:p>
-          <a:p>
-            <a:r>
-              <a:rPr lang="en-US" dirty="0" smtClean="0"/>
-              <a:t>be sure to set </a:t>
-            </a:r>
-            <a:r>
-              <a:rPr lang="en-US" dirty="0"/>
-              <a:t>“</a:t>
-            </a:r>
-            <a:r>
-              <a:rPr lang="en-US" dirty="0" err="1"/>
-              <a:t>CreateInitialSchemaForAzureMobileService</a:t>
-            </a:r>
-            <a:r>
-              <a:rPr lang="en-US" dirty="0"/>
-              <a:t>” (line 32 of </a:t>
-            </a:r>
-            <a:r>
-              <a:rPr lang="en-US" dirty="0" err="1"/>
-              <a:t>AppSettings.cs</a:t>
-            </a:r>
-            <a:r>
-              <a:rPr lang="en-US" dirty="0"/>
-              <a:t>) </a:t>
-            </a:r>
-            <a:r>
-              <a:rPr lang="en-US" dirty="0" smtClean="0"/>
-              <a:t>back to “false”.</a:t>
-            </a:r>
+            <a:pPr marL="342900" indent="-342900">
+              <a:buAutoNum type="arabicPeriod"/>
+            </a:pPr>
+            <a:r>
+              <a:rPr lang="en-US" dirty="0" smtClean="0"/>
+              <a:t>Build and deploy the XPlatformCloudKit.Win8 project (The .Phone8 project should work too, but we will use the Win8 project in the slide deck)</a:t>
+            </a:r>
+          </a:p>
+        </p:txBody>
+      </p:sp>
+      <p:sp>
+        <p:nvSpPr>
+          <p:cNvPr id="6" name="Rectangle 5"/>
+          <p:cNvSpPr/>
+          <p:nvPr/>
+        </p:nvSpPr>
+        <p:spPr>
+          <a:xfrm>
+            <a:off x="3278137" y="4457017"/>
+            <a:ext cx="678392" cy="923330"/>
+          </a:xfrm>
+          <a:prstGeom prst="rect">
+            <a:avLst/>
+          </a:prstGeom>
+          <a:noFill/>
+        </p:spPr>
+        <p:txBody>
+          <a:bodyPr wrap="none" lIns="91440" tIns="45720" rIns="91440" bIns="45720">
+            <a:spAutoFit/>
+          </a:bodyPr>
+          <a:lstStyle/>
+          <a:p>
+            <a:pPr algn="ctr"/>
+            <a:r>
+              <a:rPr lang="en-US" sz="5400" b="0" cap="none" spc="0" dirty="0" smtClean="0">
+                <a:ln w="0"/>
+                <a:solidFill>
+                  <a:schemeClr val="tx1"/>
+                </a:solidFill>
+                <a:effectLst>
+                  <a:outerShdw blurRad="38100" dist="19050" dir="2700000" algn="tl" rotWithShape="0">
+                    <a:schemeClr val="dk1">
+                      <a:alpha val="40000"/>
+                    </a:schemeClr>
+                  </a:outerShdw>
+                </a:effectLst>
+              </a:rPr>
+              <a:t>1.</a:t>
+            </a:r>
+            <a:endParaRPr lang="en-US" sz="5400" b="0" cap="none" spc="0" dirty="0">
+              <a:ln w="0"/>
+              <a:solidFill>
+                <a:schemeClr val="tx1"/>
+              </a:solidFill>
+              <a:effectLst>
+                <a:outerShdw blurRad="38100" dist="19050" dir="2700000" algn="tl" rotWithShape="0">
+                  <a:schemeClr val="dk1">
+                    <a:alpha val="40000"/>
+                  </a:schemeClr>
+                </a:outerShdw>
+              </a:effectLst>
+            </a:endParaRPr>
           </a:p>
         </p:txBody>
       </p:sp>
     </p:spTree>
     <p:extLst>
       <p:ext uri="{BB962C8B-B14F-4D97-AF65-F5344CB8AC3E}">
-        <p14:creationId xmlns:p14="http://schemas.microsoft.com/office/powerpoint/2010/main" val="4023835916"/>
+        <p14:creationId xmlns:p14="http://schemas.microsoft.com/office/powerpoint/2010/main" val="2887236922"/>
       </p:ext>
     </p:extLst>
   </p:cSld>
@@ -9162,61 +9136,9 @@
           <a:chExt cx="0" cy="0"/>
         </a:xfrm>
       </p:grpSpPr>
-      <p:sp>
-        <p:nvSpPr>
-          <p:cNvPr id="2" name="Title 1"/>
-          <p:cNvSpPr>
-            <a:spLocks noGrp="1"/>
-          </p:cNvSpPr>
-          <p:nvPr>
-            <p:ph type="title"/>
-          </p:nvPr>
-        </p:nvSpPr>
-        <p:spPr/>
-        <p:txBody>
-          <a:bodyPr/>
-          <a:lstStyle/>
-          <a:p>
-            <a:r>
-              <a:rPr lang="en-US" dirty="0" smtClean="0"/>
-              <a:t>Verify the Schema was generated</a:t>
-            </a:r>
-            <a:endParaRPr lang="en-US" dirty="0"/>
-          </a:p>
-        </p:txBody>
-      </p:sp>
-      <p:sp>
-        <p:nvSpPr>
-          <p:cNvPr id="4" name="TextBox 3"/>
-          <p:cNvSpPr txBox="1"/>
-          <p:nvPr/>
-        </p:nvSpPr>
-        <p:spPr>
-          <a:xfrm>
-            <a:off x="2382593" y="5064005"/>
-            <a:ext cx="5434884" cy="646331"/>
-          </a:xfrm>
-          <a:prstGeom prst="rect">
-            <a:avLst/>
-          </a:prstGeom>
-          <a:noFill/>
-        </p:spPr>
-        <p:txBody>
-          <a:bodyPr wrap="square" rtlCol="0">
-            <a:spAutoFit/>
-          </a:bodyPr>
-          <a:lstStyle/>
-          <a:p>
-            <a:r>
-              <a:rPr lang="en-US" dirty="0" smtClean="0"/>
-              <a:t>In your Azure portal, click “SQL DATABASES” and select the database you assigned your Mobile Service to </a:t>
-            </a:r>
-          </a:p>
-        </p:txBody>
-      </p:sp>
       <p:pic>
         <p:nvPicPr>
-          <p:cNvPr id="6" name="Picture 5"/>
+          <p:cNvPr id="3" name="Picture 2"/>
           <p:cNvPicPr>
             <a:picLocks noChangeAspect="1"/>
           </p:cNvPicPr>
@@ -9230,18 +9152,100 @@
         </p:blipFill>
         <p:spPr>
           <a:xfrm>
-            <a:off x="1484311" y="2189408"/>
-            <a:ext cx="9504218" cy="2501110"/>
+            <a:off x="1800079" y="2593174"/>
+            <a:ext cx="5090118" cy="2861794"/>
           </a:xfrm>
           <a:prstGeom prst="rect">
             <a:avLst/>
           </a:prstGeom>
         </p:spPr>
       </p:pic>
+      <p:sp>
+        <p:nvSpPr>
+          <p:cNvPr id="2" name="Title 1"/>
+          <p:cNvSpPr>
+            <a:spLocks noGrp="1"/>
+          </p:cNvSpPr>
+          <p:nvPr>
+            <p:ph type="title"/>
+          </p:nvPr>
+        </p:nvSpPr>
+        <p:spPr/>
+        <p:txBody>
+          <a:bodyPr/>
+          <a:lstStyle/>
+          <a:p>
+            <a:r>
+              <a:rPr lang="en-US" dirty="0" smtClean="0"/>
+              <a:t>Generate the “Item” table schema continued…</a:t>
+            </a:r>
+            <a:endParaRPr lang="en-US" dirty="0"/>
+          </a:p>
+        </p:txBody>
+      </p:sp>
+      <p:sp>
+        <p:nvSpPr>
+          <p:cNvPr id="4" name="TextBox 3"/>
+          <p:cNvSpPr txBox="1"/>
+          <p:nvPr/>
+        </p:nvSpPr>
+        <p:spPr>
+          <a:xfrm>
+            <a:off x="7096259" y="3114608"/>
+            <a:ext cx="4997002" cy="1477328"/>
+          </a:xfrm>
+          <a:prstGeom prst="rect">
+            <a:avLst/>
+          </a:prstGeom>
+          <a:noFill/>
+        </p:spPr>
+        <p:txBody>
+          <a:bodyPr wrap="square" rtlCol="0">
+            <a:spAutoFit/>
+          </a:bodyPr>
+          <a:lstStyle/>
+          <a:p>
+            <a:r>
+              <a:rPr lang="en-US" dirty="0" smtClean="0"/>
+              <a:t>Upon deploy of the Windows 8 application you should see the following message.  Make note and</a:t>
+            </a:r>
+          </a:p>
+          <a:p>
+            <a:r>
+              <a:rPr lang="en-US" dirty="0" smtClean="0"/>
+              <a:t>be sure to set </a:t>
+            </a:r>
+            <a:r>
+              <a:rPr lang="en-US" dirty="0"/>
+              <a:t>“</a:t>
+            </a:r>
+            <a:r>
+              <a:rPr lang="en-US" dirty="0" err="1"/>
+              <a:t>CreateInitialSchemaForAzureMobileService</a:t>
+            </a:r>
+            <a:r>
+              <a:rPr lang="en-US" dirty="0"/>
+              <a:t>” (line 32 of </a:t>
+            </a:r>
+            <a:r>
+              <a:rPr lang="en-US" dirty="0" err="1"/>
+              <a:t>AppSettings.cs</a:t>
+            </a:r>
+            <a:r>
+              <a:rPr lang="en-US" dirty="0"/>
+              <a:t>) </a:t>
+            </a:r>
+            <a:r>
+              <a:rPr lang="en-US" dirty="0" smtClean="0"/>
+              <a:t>back to “false”.</a:t>
+            </a:r>
+          </a:p>
+        </p:txBody>
+      </p:sp>
     </p:spTree>
     <p:extLst>
       <p:ext uri="{BB962C8B-B14F-4D97-AF65-F5344CB8AC3E}">
-        <p14:creationId xmlns:p14="http://schemas.microsoft.com/office/powerpoint/2010/main" val="2849293015"/>
+        <p14:creationId xmlns:p14="http://schemas.microsoft.com/office/powerpoint/2010/main" val="4023835916"/>
       </p:ext>
     </p:extLst>
   </p:cSld>
@@ -9285,7 +9289,7 @@
           <a:p>
             <a:r>
               <a:rPr lang="en-US" dirty="0" smtClean="0"/>
-              <a:t>Verify the Schema was generated continued…</a:t>
+              <a:t>Verify the Schema was generated</a:t>
             </a:r>
             <a:endParaRPr lang="en-US" dirty="0"/>
           </a:p>
@@ -9299,8 +9303,8 @@
         </p:nvSpPr>
         <p:spPr>
           <a:xfrm>
-            <a:off x="3382363" y="5657671"/>
-            <a:ext cx="5434884" cy="1200329"/>
+            <a:off x="2382593" y="5064005"/>
+            <a:ext cx="5434884" cy="646331"/>
           </a:xfrm>
           <a:prstGeom prst="rect">
             <a:avLst/>
@@ -9315,31 +9319,14 @@
           <a:p>
             <a:r>
               <a:rPr lang="en-US" dirty="0" smtClean="0"/>
-              <a:t>On the resulting screen, select “Design your SQL database:” underneath “Connect to your database”</a:t>
-            </a:r>
-          </a:p>
-          <a:p>
-            <a:endParaRPr lang="en-US" dirty="0"/>
-          </a:p>
-          <a:p>
-            <a:r>
-              <a:rPr lang="en-US" dirty="0" smtClean="0"/>
-              <a:t>If prompted to add your </a:t>
-            </a:r>
-            <a:r>
-              <a:rPr lang="en-US" dirty="0" err="1" smtClean="0"/>
-              <a:t>ip</a:t>
-            </a:r>
-            <a:r>
-              <a:rPr lang="en-US" dirty="0" smtClean="0"/>
-              <a:t> to firewall rules, click “Yes”</a:t>
+              <a:t>In your Azure portal, click “SQL DATABASES” and select the database you assigned your Mobile Service to </a:t>
             </a:r>
           </a:p>
         </p:txBody>
       </p:sp>
       <p:pic>
         <p:nvPicPr>
-          <p:cNvPr id="3" name="Picture 2"/>
+          <p:cNvPr id="6" name="Picture 5"/>
           <p:cNvPicPr>
             <a:picLocks noChangeAspect="1"/>
           </p:cNvPicPr>
@@ -9353,8 +9340,8 @@
         </p:blipFill>
         <p:spPr>
           <a:xfrm>
-            <a:off x="2630608" y="2149713"/>
-            <a:ext cx="6938395" cy="3383943"/>
+            <a:off x="1484311" y="2189408"/>
+            <a:ext cx="9504218" cy="2501110"/>
           </a:xfrm>
           <a:prstGeom prst="rect">
             <a:avLst/>
@@ -9364,7 +9351,7 @@
     </p:spTree>
     <p:extLst>
       <p:ext uri="{BB962C8B-B14F-4D97-AF65-F5344CB8AC3E}">
-        <p14:creationId xmlns:p14="http://schemas.microsoft.com/office/powerpoint/2010/main" val="880993464"/>
+        <p14:creationId xmlns:p14="http://schemas.microsoft.com/office/powerpoint/2010/main" val="2849293015"/>
       </p:ext>
     </p:extLst>
   </p:cSld>
@@ -9422,8 +9409,8 @@
         </p:nvSpPr>
         <p:spPr>
           <a:xfrm>
-            <a:off x="4327349" y="5934670"/>
-            <a:ext cx="3544910" cy="923330"/>
+            <a:off x="3382363" y="5657671"/>
+            <a:ext cx="5434884" cy="1200329"/>
           </a:xfrm>
           <a:prstGeom prst="rect">
             <a:avLst/>
@@ -9438,17 +9425,31 @@
           <a:p>
             <a:r>
               <a:rPr lang="en-US" dirty="0" smtClean="0"/>
-              <a:t>On the resulting screen, log in using your credentials that you set earlier</a:t>
-            </a:r>
-          </a:p>
-          <a:p>
-            <a:endParaRPr lang="en-US" dirty="0"/>
+              <a:t>On the resulting screen, select “Design your SQL database:” underneath “Connect to your database”</a:t>
+            </a:r>
+          </a:p>
+          <a:p>
+            <a:endParaRPr lang="en-US" dirty="0"/>
+          </a:p>
+          <a:p>
+            <a:r>
+              <a:rPr lang="en-US" dirty="0" smtClean="0"/>
+              <a:t>If prompted to add your </a:t>
+            </a:r>
+            <a:r>
+              <a:rPr lang="en-US" dirty="0" err="1" smtClean="0"/>
+              <a:t>ip</a:t>
+            </a:r>
+            <a:r>
+              <a:rPr lang="en-US" dirty="0" smtClean="0"/>
+              <a:t> to firewall rules, click “Yes”</a:t>
+            </a:r>
           </a:p>
         </p:txBody>
       </p:sp>
       <p:pic>
         <p:nvPicPr>
-          <p:cNvPr id="5" name="Picture 4"/>
+          <p:cNvPr id="3" name="Picture 2"/>
           <p:cNvPicPr>
             <a:picLocks noChangeAspect="1"/>
           </p:cNvPicPr>
@@ -9462,8 +9463,8 @@
         </p:blipFill>
         <p:spPr>
           <a:xfrm>
-            <a:off x="4513033" y="2046398"/>
-            <a:ext cx="3173543" cy="3611273"/>
+            <a:off x="2630608" y="2149713"/>
+            <a:ext cx="6938395" cy="3383943"/>
           </a:xfrm>
           <a:prstGeom prst="rect">
             <a:avLst/>
@@ -9473,7 +9474,7 @@
     </p:spTree>
     <p:extLst>
       <p:ext uri="{BB962C8B-B14F-4D97-AF65-F5344CB8AC3E}">
-        <p14:creationId xmlns:p14="http://schemas.microsoft.com/office/powerpoint/2010/main" val="3201014449"/>
+        <p14:creationId xmlns:p14="http://schemas.microsoft.com/office/powerpoint/2010/main" val="880993464"/>
       </p:ext>
     </p:extLst>
   </p:cSld>
@@ -9531,8 +9532,8 @@
         </p:nvSpPr>
         <p:spPr>
           <a:xfrm>
-            <a:off x="4721211" y="5311216"/>
-            <a:ext cx="3544910" cy="646331"/>
+            <a:off x="4327349" y="5934670"/>
+            <a:ext cx="3544910" cy="923330"/>
           </a:xfrm>
           <a:prstGeom prst="rect">
             <a:avLst/>
@@ -9547,7 +9548,7 @@
           <a:p>
             <a:r>
               <a:rPr lang="en-US" dirty="0" smtClean="0"/>
-              <a:t>Locate your table and select “Edit”</a:t>
+              <a:t>On the resulting screen, log in using your credentials that you set earlier</a:t>
             </a:r>
           </a:p>
           <a:p>
@@ -9557,7 +9558,7 @@
       </p:sp>
       <p:pic>
         <p:nvPicPr>
-          <p:cNvPr id="3" name="Picture 2"/>
+          <p:cNvPr id="5" name="Picture 4"/>
           <p:cNvPicPr>
             <a:picLocks noChangeAspect="1"/>
           </p:cNvPicPr>
@@ -9571,8 +9572,8 @@
         </p:blipFill>
         <p:spPr>
           <a:xfrm>
-            <a:off x="3469479" y="2438399"/>
-            <a:ext cx="6048375" cy="2628900"/>
+            <a:off x="4513033" y="2046398"/>
+            <a:ext cx="3173543" cy="3611273"/>
           </a:xfrm>
           <a:prstGeom prst="rect">
             <a:avLst/>
@@ -9582,7 +9583,7 @@
     </p:spTree>
     <p:extLst>
       <p:ext uri="{BB962C8B-B14F-4D97-AF65-F5344CB8AC3E}">
-        <p14:creationId xmlns:p14="http://schemas.microsoft.com/office/powerpoint/2010/main" val="1436149357"/>
+        <p14:creationId xmlns:p14="http://schemas.microsoft.com/office/powerpoint/2010/main" val="3201014449"/>
       </p:ext>
     </p:extLst>
   </p:cSld>
@@ -9640,8 +9641,8 @@
         </p:nvSpPr>
         <p:spPr>
           <a:xfrm>
-            <a:off x="4600927" y="5574453"/>
-            <a:ext cx="3785480" cy="923330"/>
+            <a:off x="4721211" y="5311216"/>
+            <a:ext cx="3544910" cy="646331"/>
           </a:xfrm>
           <a:prstGeom prst="rect">
             <a:avLst/>
@@ -9656,13 +9657,7 @@
           <a:p>
             <a:r>
               <a:rPr lang="en-US" dirty="0" smtClean="0"/>
-              <a:t>Verify your table is named “Item”</a:t>
-            </a:r>
-          </a:p>
-          <a:p>
-            <a:r>
-              <a:rPr lang="en-US" dirty="0" smtClean="0"/>
-              <a:t>and that your schema looks like above</a:t>
+              <a:t>Locate your table and select “Edit”</a:t>
             </a:r>
           </a:p>
           <a:p>
@@ -9672,7 +9667,7 @@
       </p:sp>
       <p:pic>
         <p:nvPicPr>
-          <p:cNvPr id="5" name="Picture 4"/>
+          <p:cNvPr id="3" name="Picture 2"/>
           <p:cNvPicPr>
             <a:picLocks noChangeAspect="1"/>
           </p:cNvPicPr>
@@ -9686,8 +9681,8 @@
         </p:blipFill>
         <p:spPr>
           <a:xfrm>
-            <a:off x="3522949" y="2047093"/>
-            <a:ext cx="5941436" cy="3416523"/>
+            <a:off x="3469479" y="2438399"/>
+            <a:ext cx="6048375" cy="2628900"/>
           </a:xfrm>
           <a:prstGeom prst="rect">
             <a:avLst/>
@@ -9697,7 +9692,7 @@
     </p:spTree>
     <p:extLst>
       <p:ext uri="{BB962C8B-B14F-4D97-AF65-F5344CB8AC3E}">
-        <p14:creationId xmlns:p14="http://schemas.microsoft.com/office/powerpoint/2010/main" val="64378281"/>
+        <p14:creationId xmlns:p14="http://schemas.microsoft.com/office/powerpoint/2010/main" val="1436149357"/>
       </p:ext>
     </p:extLst>
   </p:cSld>
@@ -9740,90 +9735,79 @@
           <a:lstStyle/>
           <a:p>
             <a:r>
-              <a:rPr lang="en-US" dirty="0" err="1" smtClean="0"/>
-              <a:t>Whoah</a:t>
-            </a:r>
-            <a:r>
-              <a:rPr lang="en-US" dirty="0" smtClean="0"/>
-              <a:t>, we just auto-generated a table schema, how the heck did that happen?</a:t>
-            </a:r>
-            <a:endParaRPr lang="en-US" dirty="0"/>
-          </a:p>
-        </p:txBody>
-      </p:sp>
-      <p:sp>
-        <p:nvSpPr>
-          <p:cNvPr id="3" name="Content Placeholder 2"/>
-          <p:cNvSpPr>
-            <a:spLocks noGrp="1"/>
-          </p:cNvSpPr>
-          <p:nvPr>
-            <p:ph idx="1"/>
-          </p:nvPr>
-        </p:nvSpPr>
-        <p:spPr/>
-        <p:txBody>
-          <a:bodyPr/>
-          <a:lstStyle/>
-          <a:p>
-            <a:pPr marL="0" indent="0">
-              <a:buNone/>
-            </a:pPr>
-            <a:r>
-              <a:rPr lang="en-US" dirty="0" smtClean="0"/>
-              <a:t>Azure Mobile services allows us to auto-generate a table schema when a new item is inserted into a brand new table that does not contain any items.  When </a:t>
-            </a:r>
-            <a:r>
-              <a:rPr lang="en-US" dirty="0"/>
-              <a:t>“</a:t>
-            </a:r>
-            <a:r>
-              <a:rPr lang="en-US" dirty="0" err="1"/>
-              <a:t>CreateInitialSchemaForAzureMobileService</a:t>
-            </a:r>
-            <a:r>
-              <a:rPr lang="en-US" dirty="0"/>
-              <a:t>” </a:t>
-            </a:r>
-            <a:r>
-              <a:rPr lang="en-US" dirty="0" smtClean="0"/>
-              <a:t>is set to true, we insert and then immediately delete an object of type “Item” which sets up the schema to support the properties of the “Item” Class.  See “</a:t>
-            </a:r>
-            <a:r>
-              <a:rPr lang="en-US" dirty="0" err="1" smtClean="0"/>
-              <a:t>Item.cs</a:t>
-            </a:r>
-            <a:r>
-              <a:rPr lang="en-US" dirty="0" smtClean="0"/>
-              <a:t>” in the “Models” folder of </a:t>
-            </a:r>
-            <a:r>
-              <a:rPr lang="en-US" dirty="0" err="1" smtClean="0"/>
-              <a:t>XPlatformCloudKit.PCL</a:t>
-            </a:r>
-            <a:r>
-              <a:rPr lang="en-US" dirty="0" smtClean="0"/>
-              <a:t>, note that it has a “Title”, “Subtitle”, “Description”, “Image”, and “Group” property</a:t>
-            </a:r>
-          </a:p>
-          <a:p>
-            <a:pPr marL="0" indent="0">
-              <a:buNone/>
-            </a:pPr>
-            <a:endParaRPr lang="en-US" dirty="0"/>
-          </a:p>
-          <a:p>
-            <a:pPr marL="0" indent="0">
-              <a:buNone/>
-            </a:pPr>
-            <a:endParaRPr lang="en-US" dirty="0"/>
-          </a:p>
-        </p:txBody>
-      </p:sp>
+              <a:rPr lang="en-US" dirty="0" smtClean="0"/>
+              <a:t>Verify the Schema was generated continued…</a:t>
+            </a:r>
+            <a:endParaRPr lang="en-US" dirty="0"/>
+          </a:p>
+        </p:txBody>
+      </p:sp>
+      <p:sp>
+        <p:nvSpPr>
+          <p:cNvPr id="4" name="TextBox 3"/>
+          <p:cNvSpPr txBox="1"/>
+          <p:nvPr/>
+        </p:nvSpPr>
+        <p:spPr>
+          <a:xfrm>
+            <a:off x="4600927" y="5574453"/>
+            <a:ext cx="3785480" cy="923330"/>
+          </a:xfrm>
+          <a:prstGeom prst="rect">
+            <a:avLst/>
+          </a:prstGeom>
+          <a:noFill/>
+        </p:spPr>
+        <p:txBody>
+          <a:bodyPr wrap="square" rtlCol="0">
+            <a:spAutoFit/>
+          </a:bodyPr>
+          <a:lstStyle/>
+          <a:p>
+            <a:r>
+              <a:rPr lang="en-US" dirty="0" smtClean="0"/>
+              <a:t>Verify your table is named “Item”</a:t>
+            </a:r>
+          </a:p>
+          <a:p>
+            <a:r>
+              <a:rPr lang="en-US" dirty="0" smtClean="0"/>
+              <a:t>and that your schema looks like above</a:t>
+            </a:r>
+          </a:p>
+          <a:p>
+            <a:endParaRPr lang="en-US" dirty="0"/>
+          </a:p>
+        </p:txBody>
+      </p:sp>
+      <p:pic>
+        <p:nvPicPr>
+          <p:cNvPr id="5" name="Picture 4"/>
+          <p:cNvPicPr>
+            <a:picLocks noChangeAspect="1"/>
+          </p:cNvPicPr>
+          <p:nvPr/>
+        </p:nvPicPr>
+        <p:blipFill>
+          <a:blip r:embed="rId2"/>
+          <a:stretch>
+            <a:fillRect/>
+          </a:stretch>
+        </p:blipFill>
+        <p:spPr>
+          <a:xfrm>
+            <a:off x="3522949" y="2047093"/>
+            <a:ext cx="5941436" cy="3416523"/>
+          </a:xfrm>
+          <a:prstGeom prst="rect">
+            <a:avLst/>
+          </a:prstGeom>
+        </p:spPr>
+      </p:pic>
     </p:spTree>
     <p:extLst>
       <p:ext uri="{BB962C8B-B14F-4D97-AF65-F5344CB8AC3E}">
-        <p14:creationId xmlns:p14="http://schemas.microsoft.com/office/powerpoint/2010/main" val="2435757149"/>
+        <p14:creationId xmlns:p14="http://schemas.microsoft.com/office/powerpoint/2010/main" val="64378281"/>
       </p:ext>
     </p:extLst>
   </p:cSld>
@@ -9866,41 +9850,90 @@
           <a:lstStyle/>
           <a:p>
             <a:r>
-              <a:rPr lang="en-US" dirty="0" smtClean="0"/>
-              <a:t>The code for creating the initial schema</a:t>
-            </a:r>
-            <a:endParaRPr lang="en-US" dirty="0"/>
-          </a:p>
-        </p:txBody>
-      </p:sp>
-      <p:pic>
-        <p:nvPicPr>
-          <p:cNvPr id="4" name="Picture 3"/>
-          <p:cNvPicPr>
-            <a:picLocks noChangeAspect="1"/>
-          </p:cNvPicPr>
-          <p:nvPr/>
-        </p:nvPicPr>
-        <p:blipFill>
-          <a:blip r:embed="rId2"/>
-          <a:stretch>
-            <a:fillRect/>
-          </a:stretch>
-        </p:blipFill>
-        <p:spPr>
-          <a:xfrm>
-            <a:off x="2395469" y="2213039"/>
-            <a:ext cx="8240029" cy="4243368"/>
-          </a:xfrm>
-          <a:prstGeom prst="rect">
-            <a:avLst/>
-          </a:prstGeom>
-        </p:spPr>
-      </p:pic>
+              <a:rPr lang="en-US" dirty="0" err="1" smtClean="0"/>
+              <a:t>Whoah</a:t>
+            </a:r>
+            <a:r>
+              <a:rPr lang="en-US" dirty="0" smtClean="0"/>
+              <a:t>, we just auto-generated a table schema, how the heck did that happen?</a:t>
+            </a:r>
+            <a:endParaRPr lang="en-US" dirty="0"/>
+          </a:p>
+        </p:txBody>
+      </p:sp>
+      <p:sp>
+        <p:nvSpPr>
+          <p:cNvPr id="3" name="Content Placeholder 2"/>
+          <p:cNvSpPr>
+            <a:spLocks noGrp="1"/>
+          </p:cNvSpPr>
+          <p:nvPr>
+            <p:ph idx="1"/>
+          </p:nvPr>
+        </p:nvSpPr>
+        <p:spPr/>
+        <p:txBody>
+          <a:bodyPr/>
+          <a:lstStyle/>
+          <a:p>
+            <a:pPr marL="0" indent="0">
+              <a:buNone/>
+            </a:pPr>
+            <a:r>
+              <a:rPr lang="en-US" dirty="0" smtClean="0"/>
+              <a:t>Azure Mobile services allows us to auto-generate a table schema when a new item is inserted into a brand new table that does not contain any items.  When </a:t>
+            </a:r>
+            <a:r>
+              <a:rPr lang="en-US" dirty="0"/>
+              <a:t>“</a:t>
+            </a:r>
+            <a:r>
+              <a:rPr lang="en-US" dirty="0" err="1"/>
+              <a:t>CreateInitialSchemaForAzureMobileService</a:t>
+            </a:r>
+            <a:r>
+              <a:rPr lang="en-US" dirty="0"/>
+              <a:t>” </a:t>
+            </a:r>
+            <a:r>
+              <a:rPr lang="en-US" dirty="0" smtClean="0"/>
+              <a:t>is set to true, we insert and then immediately delete an object of type “Item” which sets up the schema to support the properties of the “Item” Class.  See “</a:t>
+            </a:r>
+            <a:r>
+              <a:rPr lang="en-US" dirty="0" err="1" smtClean="0"/>
+              <a:t>Item.cs</a:t>
+            </a:r>
+            <a:r>
+              <a:rPr lang="en-US" dirty="0" smtClean="0"/>
+              <a:t>” in the “Models” folder of </a:t>
+            </a:r>
+            <a:r>
+              <a:rPr lang="en-US" dirty="0" err="1" smtClean="0"/>
+              <a:t>XPlatformCloudKit.PCL</a:t>
+            </a:r>
+            <a:r>
+              <a:rPr lang="en-US" dirty="0" smtClean="0"/>
+              <a:t>, note that it has a “Title”, “Subtitle”, “Description”, “Image”, and “Group” property</a:t>
+            </a:r>
+          </a:p>
+          <a:p>
+            <a:pPr marL="0" indent="0">
+              <a:buNone/>
+            </a:pPr>
+            <a:endParaRPr lang="en-US" dirty="0"/>
+          </a:p>
+          <a:p>
+            <a:pPr marL="0" indent="0">
+              <a:buNone/>
+            </a:pPr>
+            <a:endParaRPr lang="en-US" dirty="0"/>
+          </a:p>
+        </p:txBody>
+      </p:sp>
     </p:spTree>
     <p:extLst>
       <p:ext uri="{BB962C8B-B14F-4D97-AF65-F5344CB8AC3E}">
-        <p14:creationId xmlns:p14="http://schemas.microsoft.com/office/powerpoint/2010/main" val="97225058"/>
+        <p14:creationId xmlns:p14="http://schemas.microsoft.com/office/powerpoint/2010/main" val="2435757149"/>
       </p:ext>
     </p:extLst>
   </p:cSld>
@@ -9944,47 +9977,15 @@
           <a:p>
             <a:r>
               <a:rPr lang="en-US" dirty="0" smtClean="0"/>
-              <a:t>Adding data to the “Item” table</a:t>
-            </a:r>
-            <a:endParaRPr lang="en-US" dirty="0"/>
-          </a:p>
-        </p:txBody>
-      </p:sp>
-      <p:sp>
-        <p:nvSpPr>
-          <p:cNvPr id="4" name="TextBox 3"/>
-          <p:cNvSpPr txBox="1"/>
-          <p:nvPr/>
-        </p:nvSpPr>
-        <p:spPr>
-          <a:xfrm>
-            <a:off x="4600927" y="5574453"/>
-            <a:ext cx="3785480" cy="646331"/>
-          </a:xfrm>
-          <a:prstGeom prst="rect">
-            <a:avLst/>
-          </a:prstGeom>
-          <a:noFill/>
-        </p:spPr>
-        <p:txBody>
-          <a:bodyPr wrap="square" rtlCol="0">
-            <a:spAutoFit/>
-          </a:bodyPr>
-          <a:lstStyle/>
-          <a:p>
-            <a:r>
-              <a:rPr lang="en-US" dirty="0" smtClean="0"/>
-              <a:t>In the table-edit screen, click “Data”</a:t>
-            </a:r>
-          </a:p>
-          <a:p>
+              <a:t>The code for creating the initial schema</a:t>
+            </a:r>
             <a:endParaRPr lang="en-US" dirty="0"/>
           </a:p>
         </p:txBody>
       </p:sp>
       <p:pic>
         <p:nvPicPr>
-          <p:cNvPr id="5" name="Picture 4"/>
+          <p:cNvPr id="4" name="Picture 3"/>
           <p:cNvPicPr>
             <a:picLocks noChangeAspect="1"/>
           </p:cNvPicPr>
@@ -9998,8 +9999,8 @@
         </p:blipFill>
         <p:spPr>
           <a:xfrm>
-            <a:off x="3522949" y="2047093"/>
-            <a:ext cx="5941436" cy="3416523"/>
+            <a:off x="2395469" y="2213039"/>
+            <a:ext cx="8240029" cy="4243368"/>
           </a:xfrm>
           <a:prstGeom prst="rect">
             <a:avLst/>
@@ -10009,7 +10010,7 @@
     </p:spTree>
     <p:extLst>
       <p:ext uri="{BB962C8B-B14F-4D97-AF65-F5344CB8AC3E}">
-        <p14:creationId xmlns:p14="http://schemas.microsoft.com/office/powerpoint/2010/main" val="2019552621"/>
+        <p14:creationId xmlns:p14="http://schemas.microsoft.com/office/powerpoint/2010/main" val="97225058"/>
       </p:ext>
     </p:extLst>
   </p:cSld>
@@ -10053,7 +10054,7 @@
           <a:p>
             <a:r>
               <a:rPr lang="en-US" dirty="0" smtClean="0"/>
-              <a:t>Adding data to the “Item” table continued…</a:t>
+              <a:t>Adding data to the “Item” table</a:t>
             </a:r>
             <a:endParaRPr lang="en-US" dirty="0"/>
           </a:p>
@@ -10067,8 +10068,8 @@
         </p:nvSpPr>
         <p:spPr>
           <a:xfrm>
-            <a:off x="2052636" y="4549216"/>
-            <a:ext cx="8864746" cy="646331"/>
+            <a:off x="4600927" y="5574453"/>
+            <a:ext cx="3785480" cy="646331"/>
           </a:xfrm>
           <a:prstGeom prst="rect">
             <a:avLst/>
@@ -10083,63 +10084,17 @@
           <a:p>
             <a:r>
               <a:rPr lang="en-US" dirty="0" smtClean="0"/>
-              <a:t>Click “Add row” and begin filling in some data!  Make sure to click “Save” when you are done!</a:t>
-            </a:r>
-          </a:p>
-          <a:p>
-            <a:endParaRPr lang="en-US" dirty="0"/>
-          </a:p>
-        </p:txBody>
-      </p:sp>
-      <p:sp>
-        <p:nvSpPr>
-          <p:cNvPr id="6" name="TextBox 5"/>
-          <p:cNvSpPr txBox="1"/>
-          <p:nvPr/>
-        </p:nvSpPr>
-        <p:spPr>
-          <a:xfrm>
-            <a:off x="2052636" y="5024514"/>
-            <a:ext cx="8086726" cy="1477328"/>
-          </a:xfrm>
-          <a:prstGeom prst="rect">
-            <a:avLst/>
-          </a:prstGeom>
-          <a:noFill/>
-        </p:spPr>
-        <p:txBody>
-          <a:bodyPr wrap="square" rtlCol="0">
-            <a:spAutoFit/>
-          </a:bodyPr>
-          <a:lstStyle/>
-          <a:p>
-            <a:r>
-              <a:rPr lang="en-US" dirty="0" smtClean="0"/>
-              <a:t>NOTE: All columns accept string values.  For image, you will want to use a </a:t>
-            </a:r>
-            <a:r>
-              <a:rPr lang="en-US" dirty="0" err="1" smtClean="0"/>
-              <a:t>url</a:t>
-            </a:r>
-            <a:r>
-              <a:rPr lang="en-US" dirty="0" smtClean="0"/>
-              <a:t> to a remote hosted image.  The description field offers the ability to render html, thus if you paste html into this field it will properly render in the Win8 and </a:t>
-            </a:r>
-            <a:r>
-              <a:rPr lang="en-US" dirty="0" err="1" smtClean="0"/>
-              <a:t>WinPhone</a:t>
-            </a:r>
-            <a:r>
-              <a:rPr lang="en-US" dirty="0" smtClean="0"/>
-              <a:t> applications.  This can allow for some custom modifications to the way description is presented in your apps.</a:t>
-            </a:r>
+              <a:t>In the table-edit screen, click “Data”</a:t>
+            </a:r>
+          </a:p>
+          <a:p>
             <a:endParaRPr lang="en-US" dirty="0"/>
           </a:p>
         </p:txBody>
       </p:sp>
       <p:pic>
         <p:nvPicPr>
-          <p:cNvPr id="7" name="Picture 6"/>
+          <p:cNvPr id="5" name="Picture 4"/>
           <p:cNvPicPr>
             <a:picLocks noChangeAspect="1"/>
           </p:cNvPicPr>
@@ -10153,8 +10108,8 @@
         </p:blipFill>
         <p:spPr>
           <a:xfrm>
-            <a:off x="2052636" y="1965035"/>
-            <a:ext cx="7839509" cy="2555771"/>
+            <a:off x="3522949" y="2047093"/>
+            <a:ext cx="5941436" cy="3416523"/>
           </a:xfrm>
           <a:prstGeom prst="rect">
             <a:avLst/>
@@ -10164,7 +10119,7 @@
     </p:spTree>
     <p:extLst>
       <p:ext uri="{BB962C8B-B14F-4D97-AF65-F5344CB8AC3E}">
-        <p14:creationId xmlns:p14="http://schemas.microsoft.com/office/powerpoint/2010/main" val="340092270"/>
+        <p14:creationId xmlns:p14="http://schemas.microsoft.com/office/powerpoint/2010/main" val="2019552621"/>
       </p:ext>
     </p:extLst>
   </p:cSld>
@@ -10396,7 +10351,7 @@
           <a:p>
             <a:r>
               <a:rPr lang="en-US" dirty="0" smtClean="0"/>
-              <a:t>Example table</a:t>
+              <a:t>Adding data to the “Item” table continued…</a:t>
             </a:r>
             <a:endParaRPr lang="en-US" dirty="0"/>
           </a:p>
@@ -10410,8 +10365,8 @@
         </p:nvSpPr>
         <p:spPr>
           <a:xfrm>
-            <a:off x="2052635" y="4549216"/>
-            <a:ext cx="8993981" cy="646331"/>
+            <a:off x="2052636" y="4549216"/>
+            <a:ext cx="8864746" cy="646331"/>
           </a:xfrm>
           <a:prstGeom prst="rect">
             <a:avLst/>
@@ -10426,17 +10381,63 @@
           <a:p>
             <a:r>
               <a:rPr lang="en-US" dirty="0" smtClean="0"/>
-              <a:t>Here is an example of a table with some Marvel Comics Super Heroes entered </a:t>
-            </a:r>
-          </a:p>
-          <a:p>
+              <a:t>Click “Add row” and begin filling in some data!  Make sure to click “Save” when you are done!</a:t>
+            </a:r>
+          </a:p>
+          <a:p>
+            <a:endParaRPr lang="en-US" dirty="0"/>
+          </a:p>
+        </p:txBody>
+      </p:sp>
+      <p:sp>
+        <p:nvSpPr>
+          <p:cNvPr id="6" name="TextBox 5"/>
+          <p:cNvSpPr txBox="1"/>
+          <p:nvPr/>
+        </p:nvSpPr>
+        <p:spPr>
+          <a:xfrm>
+            <a:off x="2052636" y="5024514"/>
+            <a:ext cx="8086726" cy="1477328"/>
+          </a:xfrm>
+          <a:prstGeom prst="rect">
+            <a:avLst/>
+          </a:prstGeom>
+          <a:noFill/>
+        </p:spPr>
+        <p:txBody>
+          <a:bodyPr wrap="square" rtlCol="0">
+            <a:spAutoFit/>
+          </a:bodyPr>
+          <a:lstStyle/>
+          <a:p>
+            <a:r>
+              <a:rPr lang="en-US" dirty="0" smtClean="0"/>
+              <a:t>NOTE: All columns accept string values.  For image, you will want to use a </a:t>
+            </a:r>
+            <a:r>
+              <a:rPr lang="en-US" dirty="0" err="1" smtClean="0"/>
+              <a:t>url</a:t>
+            </a:r>
+            <a:r>
+              <a:rPr lang="en-US" dirty="0" smtClean="0"/>
+              <a:t> to a remote hosted image.  The description field offers the ability to render html, thus if you paste html into this field it will properly render in the Win8 and </a:t>
+            </a:r>
+            <a:r>
+              <a:rPr lang="en-US" dirty="0" err="1" smtClean="0"/>
+              <a:t>WinPhone</a:t>
+            </a:r>
+            <a:r>
+              <a:rPr lang="en-US" dirty="0" smtClean="0"/>
+              <a:t> applications.  This can allow for some custom modifications to the way description is presented in your apps.</a:t>
+            </a:r>
             <a:endParaRPr lang="en-US" dirty="0"/>
           </a:p>
         </p:txBody>
       </p:sp>
       <p:pic>
         <p:nvPicPr>
-          <p:cNvPr id="5" name="Picture 4"/>
+          <p:cNvPr id="7" name="Picture 6"/>
           <p:cNvPicPr>
             <a:picLocks noChangeAspect="1"/>
           </p:cNvPicPr>
@@ -10450,8 +10451,8 @@
         </p:blipFill>
         <p:spPr>
           <a:xfrm>
-            <a:off x="1940717" y="2006041"/>
-            <a:ext cx="9105900" cy="2543175"/>
+            <a:off x="2052636" y="1965035"/>
+            <a:ext cx="7839509" cy="2555771"/>
           </a:xfrm>
           <a:prstGeom prst="rect">
             <a:avLst/>
@@ -10461,7 +10462,7 @@
     </p:spTree>
     <p:extLst>
       <p:ext uri="{BB962C8B-B14F-4D97-AF65-F5344CB8AC3E}">
-        <p14:creationId xmlns:p14="http://schemas.microsoft.com/office/powerpoint/2010/main" val="2923302112"/>
+        <p14:creationId xmlns:p14="http://schemas.microsoft.com/office/powerpoint/2010/main" val="340092270"/>
       </p:ext>
     </p:extLst>
   </p:cSld>
@@ -10505,54 +10506,47 @@
           <a:p>
             <a:r>
               <a:rPr lang="en-US" dirty="0" smtClean="0"/>
-              <a:t>Show me the data!</a:t>
-            </a:r>
-            <a:endParaRPr lang="en-US" dirty="0"/>
-          </a:p>
-        </p:txBody>
-      </p:sp>
-      <p:sp>
-        <p:nvSpPr>
-          <p:cNvPr id="3" name="Content Placeholder 2"/>
-          <p:cNvSpPr>
-            <a:spLocks noGrp="1"/>
-          </p:cNvSpPr>
-          <p:nvPr>
-            <p:ph idx="1"/>
-          </p:nvPr>
-        </p:nvSpPr>
-        <p:spPr>
-          <a:xfrm>
-            <a:off x="2277504" y="4502034"/>
-            <a:ext cx="8905536" cy="2459182"/>
-          </a:xfrm>
-        </p:spPr>
-        <p:txBody>
-          <a:bodyPr/>
-          <a:lstStyle/>
-          <a:p>
-            <a:pPr marL="0" indent="0">
-              <a:buNone/>
-            </a:pPr>
-            <a:r>
-              <a:rPr lang="en-US" dirty="0" smtClean="0"/>
-              <a:t>If everything went right and you have followed all instruction up until this point, go ahead and build your Windows Phone and Windows 8 applications, you should see your data come back from Azure</a:t>
-            </a:r>
-            <a:r>
-              <a:rPr lang="en-US" dirty="0" smtClean="0"/>
-              <a:t>! (Note: To ensure that data is not cached - bring up the app bar (right-click or swipe up from bottom in windows 8 or press the ‘…’ in bottom righ</a:t>
-            </a:r>
-            <a:r>
-              <a:rPr lang="en-US" dirty="0" smtClean="0"/>
-              <a:t>t for Windows phone) and click the “Refresh” button.)</a:t>
-            </a:r>
+              <a:t>Example table</a:t>
+            </a:r>
+            <a:endParaRPr lang="en-US" dirty="0"/>
+          </a:p>
+        </p:txBody>
+      </p:sp>
+      <p:sp>
+        <p:nvSpPr>
+          <p:cNvPr id="4" name="TextBox 3"/>
+          <p:cNvSpPr txBox="1"/>
+          <p:nvPr/>
+        </p:nvSpPr>
+        <p:spPr>
+          <a:xfrm>
+            <a:off x="2052635" y="4549216"/>
+            <a:ext cx="8993981" cy="646331"/>
+          </a:xfrm>
+          <a:prstGeom prst="rect">
+            <a:avLst/>
+          </a:prstGeom>
+          <a:noFill/>
+        </p:spPr>
+        <p:txBody>
+          <a:bodyPr wrap="square" rtlCol="0">
+            <a:spAutoFit/>
+          </a:bodyPr>
+          <a:lstStyle/>
+          <a:p>
+            <a:r>
+              <a:rPr lang="en-US" dirty="0" smtClean="0"/>
+              <a:t>Here is an example of a table with some Marvel Comics Super Heroes entered </a:t>
+            </a:r>
+          </a:p>
+          <a:p>
             <a:endParaRPr lang="en-US" dirty="0"/>
           </a:p>
         </p:txBody>
       </p:sp>
       <p:pic>
         <p:nvPicPr>
-          <p:cNvPr id="4" name="Picture 3"/>
+          <p:cNvPr id="5" name="Picture 4"/>
           <p:cNvPicPr>
             <a:picLocks noChangeAspect="1"/>
           </p:cNvPicPr>
@@ -10566,32 +10560,8 @@
         </p:blipFill>
         <p:spPr>
           <a:xfrm>
-            <a:off x="2150479" y="2031760"/>
-            <a:ext cx="4579793" cy="2574876"/>
-          </a:xfrm>
-          <a:prstGeom prst="rect">
-            <a:avLst/>
-          </a:prstGeom>
-        </p:spPr>
-      </p:pic>
-      <p:pic>
-        <p:nvPicPr>
-          <p:cNvPr id="5" name="Picture 4"/>
-          <p:cNvPicPr>
-            <a:picLocks noChangeAspect="1"/>
-          </p:cNvPicPr>
-          <p:nvPr/>
-        </p:nvPicPr>
-        <p:blipFill>
-          <a:blip r:embed="rId3"/>
-          <a:stretch>
-            <a:fillRect/>
-          </a:stretch>
-        </p:blipFill>
-        <p:spPr>
-          <a:xfrm>
-            <a:off x="8269168" y="2031760"/>
-            <a:ext cx="1544925" cy="2574876"/>
+            <a:off x="1940717" y="2006041"/>
+            <a:ext cx="9105900" cy="2543175"/>
           </a:xfrm>
           <a:prstGeom prst="rect">
             <a:avLst/>
@@ -10601,7 +10571,7 @@
     </p:spTree>
     <p:extLst>
       <p:ext uri="{BB962C8B-B14F-4D97-AF65-F5344CB8AC3E}">
-        <p14:creationId xmlns:p14="http://schemas.microsoft.com/office/powerpoint/2010/main" val="560297710"/>
+        <p14:creationId xmlns:p14="http://schemas.microsoft.com/office/powerpoint/2010/main" val="2923302112"/>
       </p:ext>
     </p:extLst>
   </p:cSld>
@@ -10645,15 +10615,7 @@
           <a:p>
             <a:r>
               <a:rPr lang="en-US" dirty="0" smtClean="0"/>
-              <a:t>Using the RSS </a:t>
-            </a:r>
-            <a:r>
-              <a:rPr lang="en-US" dirty="0" err="1" smtClean="0"/>
-              <a:t>DataServices</a:t>
-            </a:r>
-            <a:r>
-              <a:rPr lang="en-US" dirty="0" smtClean="0"/>
-              <a:t> in your apps</a:t>
+              <a:t>Show me the data!</a:t>
             </a:r>
             <a:endParaRPr lang="en-US" dirty="0"/>
           </a:p>
@@ -10671,14 +10633,12 @@
         </p:nvSpPr>
         <p:spPr>
           <a:xfrm>
-            <a:off x="1884219" y="2590799"/>
-            <a:ext cx="10016836" cy="4066307"/>
-          </a:xfrm>
-        </p:spPr>
-        <p:txBody>
-          <a:bodyPr>
-            <a:normAutofit fontScale="92500" lnSpcReduction="20000"/>
-          </a:bodyPr>
+            <a:off x="2277504" y="4502034"/>
+            <a:ext cx="8905536" cy="2459182"/>
+          </a:xfrm>
+        </p:spPr>
+        <p:txBody>
+          <a:bodyPr/>
           <a:lstStyle/>
           <a:p>
             <a:pPr marL="0" indent="0">
@@ -10686,144 +10646,96 @@
             </a:pPr>
             <a:r>
               <a:rPr lang="en-US" dirty="0" smtClean="0"/>
-              <a:t>To enable use of RSS feeds in your application, simply set </a:t>
-            </a:r>
-            <a:r>
-              <a:rPr lang="en-US" dirty="0" err="1" smtClean="0"/>
-              <a:t>CurrentDataService</a:t>
-            </a:r>
-            <a:r>
-              <a:rPr lang="en-US" dirty="0" smtClean="0"/>
-              <a:t>        </a:t>
-            </a:r>
-          </a:p>
-          <a:p>
-            <a:pPr marL="0" indent="0">
-              <a:buNone/>
-            </a:pPr>
-            <a:r>
-              <a:rPr lang="en-US" dirty="0" smtClean="0"/>
-              <a:t>  (line 27 of </a:t>
-            </a:r>
-            <a:r>
-              <a:rPr lang="en-US" dirty="0" err="1" smtClean="0"/>
-              <a:t>AppSettings.cs</a:t>
-            </a:r>
-            <a:r>
-              <a:rPr lang="en-US" dirty="0" smtClean="0"/>
-              <a:t> in </a:t>
-            </a:r>
-            <a:r>
-              <a:rPr lang="en-US" dirty="0" err="1" smtClean="0"/>
-              <a:t>XPlatformCloudKit.PCL</a:t>
-            </a:r>
-            <a:r>
-              <a:rPr lang="en-US" dirty="0" smtClean="0"/>
-              <a:t>) to :</a:t>
-            </a:r>
-          </a:p>
-          <a:p>
-            <a:pPr marL="0" indent="0">
-              <a:buNone/>
-            </a:pPr>
-            <a:endParaRPr lang="en-US" dirty="0" smtClean="0"/>
-          </a:p>
-          <a:p>
-            <a:pPr marL="0" indent="0">
-              <a:buNone/>
-            </a:pPr>
-            <a:r>
-              <a:rPr lang="en-US" dirty="0" err="1" smtClean="0"/>
-              <a:t>DataService.RSSAzureHybrid</a:t>
-            </a:r>
-            <a:r>
-              <a:rPr lang="en-US" dirty="0" smtClean="0"/>
-              <a:t> (for both Azure and RSS data) </a:t>
-            </a:r>
-          </a:p>
-          <a:p>
-            <a:pPr marL="0" indent="0">
-              <a:buNone/>
-            </a:pPr>
-            <a:r>
-              <a:rPr lang="en-US" dirty="0" smtClean="0"/>
-              <a:t>Or</a:t>
-            </a:r>
-          </a:p>
-          <a:p>
-            <a:pPr marL="0" indent="0">
-              <a:buNone/>
-            </a:pPr>
-            <a:r>
-              <a:rPr lang="en-US" dirty="0" smtClean="0"/>
-              <a:t> </a:t>
-            </a:r>
-            <a:r>
-              <a:rPr lang="en-US" dirty="0" err="1" smtClean="0"/>
-              <a:t>DataService.RSSService</a:t>
-            </a:r>
-            <a:r>
-              <a:rPr lang="en-US" dirty="0" smtClean="0"/>
-              <a:t> (for RSS data only)</a:t>
-            </a:r>
-          </a:p>
-          <a:p>
-            <a:pPr marL="0" indent="0">
-              <a:buNone/>
-            </a:pPr>
-            <a:endParaRPr lang="en-US" dirty="0"/>
-          </a:p>
-          <a:p>
-            <a:pPr marL="0" indent="0">
-              <a:buNone/>
-            </a:pPr>
-            <a:r>
-              <a:rPr lang="en-US" dirty="0" smtClean="0"/>
-              <a:t>Then configure the RSS sources and name to use for the source by adding to the </a:t>
-            </a:r>
-            <a:r>
-              <a:rPr lang="en-US" dirty="0" err="1" smtClean="0"/>
-              <a:t>RssAddressCollection</a:t>
-            </a:r>
-            <a:r>
-              <a:rPr lang="en-US" dirty="0" smtClean="0"/>
-              <a:t> array on line 48 of </a:t>
-            </a:r>
-            <a:r>
-              <a:rPr lang="en-US" dirty="0" err="1" smtClean="0"/>
-              <a:t>AppSettings.cs</a:t>
-            </a:r>
-            <a:r>
-              <a:rPr lang="en-US" dirty="0" smtClean="0"/>
-              <a:t> in </a:t>
-            </a:r>
-            <a:r>
-              <a:rPr lang="en-US" dirty="0" err="1" smtClean="0"/>
-              <a:t>XPlatformCloudKit.PCL</a:t>
-            </a:r>
-            <a:r>
-              <a:rPr lang="en-US" dirty="0" smtClean="0"/>
-              <a:t>, a few example should already exist.</a:t>
-            </a:r>
-          </a:p>
-          <a:p>
-            <a:pPr marL="0" indent="0">
-              <a:buNone/>
-            </a:pPr>
-            <a:endParaRPr lang="en-US" dirty="0"/>
-          </a:p>
-          <a:p>
-            <a:pPr marL="0" indent="0">
-              <a:buNone/>
-            </a:pPr>
-            <a:endParaRPr lang="en-US" dirty="0"/>
-          </a:p>
-        </p:txBody>
-      </p:sp>
+              <a:t>If everything went right and you have followed all </a:t>
+            </a:r>
+            <a:r>
+              <a:rPr lang="en-US" dirty="0" smtClean="0"/>
+              <a:t>instructions </a:t>
+            </a:r>
+            <a:r>
+              <a:rPr lang="en-US" dirty="0" smtClean="0"/>
+              <a:t>up </a:t>
+            </a:r>
+            <a:r>
+              <a:rPr lang="en-US" dirty="0" smtClean="0"/>
+              <a:t>to this </a:t>
+            </a:r>
+            <a:r>
+              <a:rPr lang="en-US" dirty="0" smtClean="0"/>
+              <a:t>point, go ahead and build your Windows Phone and Windows 8 applications, </a:t>
+            </a:r>
+            <a:r>
+              <a:rPr lang="en-US" dirty="0" smtClean="0"/>
+              <a:t>and you </a:t>
+            </a:r>
+            <a:r>
+              <a:rPr lang="en-US" dirty="0" smtClean="0"/>
+              <a:t>should see your data come back from Azure</a:t>
+            </a:r>
+            <a:r>
+              <a:rPr lang="en-US" dirty="0" smtClean="0"/>
+              <a:t>! (Note: To ensure that data is not cached - bring up the app bar (right-click or swipe up from bottom in windows 8 or press the ‘…’ in bottom righ</a:t>
+            </a:r>
+            <a:r>
+              <a:rPr lang="en-US" dirty="0" smtClean="0"/>
+              <a:t>t for Windows phone) and click the “Refresh” button.)</a:t>
+            </a:r>
+            <a:endParaRPr lang="en-US" dirty="0"/>
+          </a:p>
+        </p:txBody>
+      </p:sp>
+      <p:pic>
+        <p:nvPicPr>
+          <p:cNvPr id="4" name="Picture 3"/>
+          <p:cNvPicPr>
+            <a:picLocks noChangeAspect="1"/>
+          </p:cNvPicPr>
+          <p:nvPr/>
+        </p:nvPicPr>
+        <p:blipFill>
+          <a:blip r:embed="rId2"/>
+          <a:stretch>
+            <a:fillRect/>
+          </a:stretch>
+        </p:blipFill>
+        <p:spPr>
+          <a:xfrm>
+            <a:off x="2150479" y="2031760"/>
+            <a:ext cx="4579793" cy="2574876"/>
+          </a:xfrm>
+          <a:prstGeom prst="rect">
+            <a:avLst/>
+          </a:prstGeom>
+        </p:spPr>
+      </p:pic>
+      <p:pic>
+        <p:nvPicPr>
+          <p:cNvPr id="5" name="Picture 4"/>
+          <p:cNvPicPr>
+            <a:picLocks noChangeAspect="1"/>
+          </p:cNvPicPr>
+          <p:nvPr/>
+        </p:nvPicPr>
+        <p:blipFill>
+          <a:blip r:embed="rId3"/>
+          <a:stretch>
+            <a:fillRect/>
+          </a:stretch>
+        </p:blipFill>
+        <p:spPr>
+          <a:xfrm>
+            <a:off x="8269168" y="2031760"/>
+            <a:ext cx="1544925" cy="2574876"/>
+          </a:xfrm>
+          <a:prstGeom prst="rect">
+            <a:avLst/>
+          </a:prstGeom>
+        </p:spPr>
+      </p:pic>
     </p:spTree>
     <p:extLst>
       <p:ext uri="{BB962C8B-B14F-4D97-AF65-F5344CB8AC3E}">
-        <p14:creationId xmlns:p14="http://schemas.microsoft.com/office/powerpoint/2010/main" val="645691410"/>
+        <p14:creationId xmlns:p14="http://schemas.microsoft.com/office/powerpoint/2010/main" val="560297710"/>
       </p:ext>
     </p:extLst>
   </p:cSld>
@@ -10867,115 +10779,193 @@
           <a:p>
             <a:r>
               <a:rPr lang="en-US" dirty="0" smtClean="0"/>
-              <a:t>Example using </a:t>
+              <a:t>Using the RSS </a:t>
             </a:r>
             <a:r>
               <a:rPr lang="en-US" dirty="0" err="1" smtClean="0"/>
-              <a:t>RSSAzureHybrid</a:t>
-            </a:r>
+              <a:t>DataServices</a:t>
+            </a:r>
+            <a:r>
+              <a:rPr lang="en-US" dirty="0" smtClean="0"/>
+              <a:t> in your apps</a:t>
+            </a:r>
+            <a:endParaRPr lang="en-US" dirty="0"/>
+          </a:p>
+        </p:txBody>
+      </p:sp>
+      <p:sp>
+        <p:nvSpPr>
+          <p:cNvPr id="3" name="Content Placeholder 2"/>
+          <p:cNvSpPr>
+            <a:spLocks noGrp="1"/>
+          </p:cNvSpPr>
+          <p:nvPr>
+            <p:ph idx="1"/>
+          </p:nvPr>
+        </p:nvSpPr>
+        <p:spPr>
+          <a:xfrm>
+            <a:off x="1884219" y="2590799"/>
+            <a:ext cx="10016836" cy="4066307"/>
+          </a:xfrm>
+        </p:spPr>
+        <p:txBody>
+          <a:bodyPr>
+            <a:normAutofit fontScale="92500" lnSpcReduction="20000"/>
+          </a:bodyPr>
+          <a:lstStyle/>
+          <a:p>
+            <a:pPr marL="0" indent="0">
+              <a:buNone/>
+            </a:pPr>
+            <a:r>
+              <a:rPr lang="en-US" dirty="0" smtClean="0"/>
+              <a:t>To enable use of RSS feeds in your application, simply set </a:t>
+            </a:r>
+            <a:r>
+              <a:rPr lang="en-US" dirty="0" err="1" smtClean="0"/>
+              <a:t>CurrentDataService</a:t>
+            </a:r>
+            <a:r>
+              <a:rPr lang="en-US" dirty="0" smtClean="0"/>
+              <a:t>        </a:t>
+            </a:r>
+          </a:p>
+          <a:p>
+            <a:pPr marL="0" indent="0">
+              <a:buNone/>
+            </a:pPr>
+            <a:r>
+              <a:rPr lang="en-US" dirty="0" smtClean="0"/>
+              <a:t>  (line 27 of </a:t>
+            </a:r>
+            <a:r>
+              <a:rPr lang="en-US" dirty="0" err="1" smtClean="0"/>
+              <a:t>AppSettings.cs</a:t>
+            </a:r>
+            <a:r>
+              <a:rPr lang="en-US" dirty="0" smtClean="0"/>
+              <a:t> in </a:t>
+            </a:r>
+            <a:r>
+              <a:rPr lang="en-US" dirty="0" err="1" smtClean="0"/>
+              <a:t>XPlatformCloudKit.PCL</a:t>
+            </a:r>
+            <a:r>
+              <a:rPr lang="en-US" dirty="0" smtClean="0"/>
+              <a:t>) to :</a:t>
+            </a:r>
+          </a:p>
+          <a:p>
+            <a:pPr marL="0" indent="0">
+              <a:buNone/>
+            </a:pPr>
+            <a:endParaRPr lang="en-US" dirty="0" smtClean="0"/>
+          </a:p>
+          <a:p>
+            <a:pPr marL="0" indent="0">
+              <a:buNone/>
+            </a:pPr>
+            <a:r>
+              <a:rPr lang="en-US" dirty="0" err="1" smtClean="0"/>
+              <a:t>DataService.RSSAzureHybrid</a:t>
+            </a:r>
+            <a:r>
+              <a:rPr lang="en-US" dirty="0" smtClean="0"/>
+              <a:t> (for both Azure and RSS data) </a:t>
+            </a:r>
+          </a:p>
+          <a:p>
+            <a:pPr marL="0" indent="0">
+              <a:buNone/>
+            </a:pPr>
+            <a:r>
+              <a:rPr lang="en-US" dirty="0" smtClean="0"/>
+              <a:t>Or</a:t>
+            </a:r>
+          </a:p>
+          <a:p>
+            <a:pPr marL="0" indent="0">
+              <a:buNone/>
+            </a:pPr>
             <a:r>
               <a:rPr lang="en-US" dirty="0" smtClean="0"/>
               <a:t> </a:t>
             </a:r>
             <a:r>
               <a:rPr lang="en-US" dirty="0" err="1" smtClean="0"/>
-              <a:t>DataService</a:t>
-            </a:r>
-            <a:endParaRPr lang="en-US" dirty="0"/>
-          </a:p>
-        </p:txBody>
-      </p:sp>
-      <p:sp>
-        <p:nvSpPr>
-          <p:cNvPr id="3" name="Content Placeholder 2"/>
-          <p:cNvSpPr>
-            <a:spLocks noGrp="1"/>
-          </p:cNvSpPr>
-          <p:nvPr>
-            <p:ph idx="1"/>
-          </p:nvPr>
-        </p:nvSpPr>
-        <p:spPr>
-          <a:xfrm>
-            <a:off x="3132063" y="4606636"/>
-            <a:ext cx="7257908" cy="1898073"/>
-          </a:xfrm>
-        </p:spPr>
-        <p:txBody>
-          <a:bodyPr/>
-          <a:lstStyle/>
+              <a:t>DataService.RSSService</a:t>
+            </a:r>
+            <a:r>
+              <a:rPr lang="en-US" dirty="0" smtClean="0"/>
+              <a:t> (for RSS data only)</a:t>
+            </a:r>
+          </a:p>
           <a:p>
             <a:pPr marL="0" indent="0">
               <a:buNone/>
             </a:pPr>
-            <a:r>
-              <a:rPr lang="en-US" dirty="0" smtClean="0"/>
-              <a:t>Note that Avengers are coming from Azure and Microsoft data is coming from Bing </a:t>
+            <a:endParaRPr lang="en-US" dirty="0"/>
+          </a:p>
+          <a:p>
+            <a:pPr marL="0" indent="0">
+              <a:buNone/>
+            </a:pPr>
+            <a:r>
+              <a:rPr lang="en-US" dirty="0" smtClean="0"/>
+              <a:t>Then configure the RSS sources and name to use for the source by adding to the </a:t>
             </a:r>
             <a:r>
               <a:rPr lang="en-US" dirty="0" err="1" smtClean="0"/>
-              <a:t>Rss</a:t>
-            </a:r>
-            <a:r>
-              <a:rPr lang="en-US" dirty="0" smtClean="0"/>
-              <a:t> feed!</a:t>
-            </a:r>
-            <a:endParaRPr lang="en-US" dirty="0"/>
-          </a:p>
-        </p:txBody>
-      </p:sp>
-      <p:pic>
-        <p:nvPicPr>
-          <p:cNvPr id="6" name="Picture 5"/>
-          <p:cNvPicPr>
-            <a:picLocks noChangeAspect="1"/>
-          </p:cNvPicPr>
-          <p:nvPr/>
-        </p:nvPicPr>
-        <p:blipFill>
-          <a:blip r:embed="rId2"/>
-          <a:stretch>
-            <a:fillRect/>
-          </a:stretch>
-        </p:blipFill>
-        <p:spPr>
-          <a:xfrm>
-            <a:off x="2261670" y="2105194"/>
-            <a:ext cx="4499347" cy="2529648"/>
-          </a:xfrm>
-          <a:prstGeom prst="rect">
-            <a:avLst/>
-          </a:prstGeom>
-        </p:spPr>
-      </p:pic>
-      <p:pic>
-        <p:nvPicPr>
-          <p:cNvPr id="7" name="Picture 6"/>
-          <p:cNvPicPr>
-            <a:picLocks noChangeAspect="1"/>
-          </p:cNvPicPr>
-          <p:nvPr/>
-        </p:nvPicPr>
-        <p:blipFill>
-          <a:blip r:embed="rId3"/>
-          <a:stretch>
-            <a:fillRect/>
-          </a:stretch>
-        </p:blipFill>
-        <p:spPr>
-          <a:xfrm>
-            <a:off x="8411214" y="2105194"/>
-            <a:ext cx="1517788" cy="2529648"/>
-          </a:xfrm>
-          <a:prstGeom prst="rect">
-            <a:avLst/>
-          </a:prstGeom>
-        </p:spPr>
-      </p:pic>
+              <a:t>RssAddressCollection</a:t>
+            </a:r>
+            <a:r>
+              <a:rPr lang="en-US" dirty="0" smtClean="0"/>
+              <a:t> array on line 48 of </a:t>
+            </a:r>
+            <a:r>
+              <a:rPr lang="en-US" dirty="0" err="1" smtClean="0"/>
+              <a:t>AppSettings.cs</a:t>
+            </a:r>
+            <a:r>
+              <a:rPr lang="en-US" dirty="0" smtClean="0"/>
+              <a:t> in </a:t>
+            </a:r>
+            <a:r>
+              <a:rPr lang="en-US" dirty="0" err="1" smtClean="0"/>
+              <a:t>XPlatformCloudKit.PCL</a:t>
+            </a:r>
+            <a:r>
+              <a:rPr lang="en-US" dirty="0" smtClean="0"/>
+              <a:t>, a few </a:t>
+            </a:r>
+            <a:r>
+              <a:rPr lang="en-US" dirty="0" smtClean="0"/>
+              <a:t>examples </a:t>
+            </a:r>
+            <a:r>
+              <a:rPr lang="en-US" dirty="0" smtClean="0"/>
+              <a:t>should already exist.</a:t>
+            </a:r>
+          </a:p>
+          <a:p>
+            <a:pPr marL="0" indent="0">
+              <a:buNone/>
+            </a:pPr>
+            <a:endParaRPr lang="en-US" dirty="0"/>
+          </a:p>
+          <a:p>
+            <a:pPr marL="0" indent="0">
+              <a:buNone/>
+            </a:pPr>
+            <a:endParaRPr lang="en-US" dirty="0"/>
+          </a:p>
+        </p:txBody>
+      </p:sp>
     </p:spTree>
     <p:extLst>
       <p:ext uri="{BB962C8B-B14F-4D97-AF65-F5344CB8AC3E}">
-        <p14:creationId xmlns:p14="http://schemas.microsoft.com/office/powerpoint/2010/main" val="1308519537"/>
+        <p14:creationId xmlns:p14="http://schemas.microsoft.com/office/powerpoint/2010/main" val="645691410"/>
       </p:ext>
     </p:extLst>
   </p:cSld>
@@ -11012,20 +11002,26 @@
             <p:ph type="title"/>
           </p:nvPr>
         </p:nvSpPr>
-        <p:spPr>
-          <a:xfrm>
-            <a:off x="1470456" y="0"/>
-            <a:ext cx="10018713" cy="1752599"/>
-          </a:xfrm>
-        </p:spPr>
+        <p:spPr/>
         <p:txBody>
           <a:bodyPr/>
           <a:lstStyle/>
           <a:p>
-            <a:pPr algn="l"/>
-            <a:r>
-              <a:rPr lang="en-US" dirty="0" smtClean="0"/>
-              <a:t>The two view states of our app</a:t>
+            <a:r>
+              <a:rPr lang="en-US" dirty="0" smtClean="0"/>
+              <a:t>Example using </a:t>
+            </a:r>
+            <a:r>
+              <a:rPr lang="en-US" dirty="0" err="1" smtClean="0"/>
+              <a:t>RSSAzureHybrid</a:t>
+            </a:r>
+            <a:r>
+              <a:rPr lang="en-US" dirty="0" smtClean="0"/>
+              <a:t> </a:t>
+            </a:r>
+            <a:r>
+              <a:rPr lang="en-US" dirty="0" err="1" smtClean="0"/>
+              <a:t>DataService</a:t>
             </a:r>
             <a:endParaRPr lang="en-US" dirty="0"/>
           </a:p>
@@ -11043,8 +11039,8 @@
         </p:nvSpPr>
         <p:spPr>
           <a:xfrm>
-            <a:off x="7053322" y="1521628"/>
-            <a:ext cx="3586969" cy="1898073"/>
+            <a:off x="3132063" y="4606636"/>
+            <a:ext cx="7257908" cy="1898073"/>
           </a:xfrm>
         </p:spPr>
         <p:txBody>
@@ -11056,11 +11052,15 @@
             </a:pPr>
             <a:r>
               <a:rPr lang="en-US" dirty="0" smtClean="0"/>
-              <a:t>The </a:t>
+              <a:t>Note that Avengers are coming from Azure and Microsoft data is coming from Bing </a:t>
             </a:r>
             <a:r>
               <a:rPr lang="en-US" dirty="0" err="1" smtClean="0"/>
-              <a:t>ItemsShowcaseView</a:t>
+              <a:t>Rss</a:t>
+            </a:r>
+            <a:r>
+              <a:rPr lang="en-US" dirty="0" smtClean="0"/>
+              <a:t> feed!</a:t>
             </a:r>
             <a:endParaRPr lang="en-US" dirty="0"/>
           </a:p>
@@ -11082,8 +11082,8 @@
         </p:blipFill>
         <p:spPr>
           <a:xfrm>
-            <a:off x="1495454" y="1386945"/>
-            <a:ext cx="3855110" cy="2167441"/>
+            <a:off x="2261670" y="2105194"/>
+            <a:ext cx="4499347" cy="2529648"/>
           </a:xfrm>
           <a:prstGeom prst="rect">
             <a:avLst/>
@@ -11106,1305 +11106,18 @@
         </p:blipFill>
         <p:spPr>
           <a:xfrm>
-            <a:off x="5553342" y="1392381"/>
-            <a:ext cx="1297202" cy="2162005"/>
+            <a:off x="8411214" y="2105194"/>
+            <a:ext cx="1517788" cy="2529648"/>
           </a:xfrm>
           <a:prstGeom prst="rect">
             <a:avLst/>
           </a:prstGeom>
         </p:spPr>
       </p:pic>
-      <p:pic>
-        <p:nvPicPr>
-          <p:cNvPr id="4" name="Picture 3"/>
-          <p:cNvPicPr>
-            <a:picLocks noChangeAspect="1"/>
-          </p:cNvPicPr>
-          <p:nvPr/>
-        </p:nvPicPr>
-        <p:blipFill>
-          <a:blip r:embed="rId4"/>
-          <a:stretch>
-            <a:fillRect/>
-          </a:stretch>
-        </p:blipFill>
-        <p:spPr>
-          <a:xfrm>
-            <a:off x="1495454" y="3734896"/>
-            <a:ext cx="3855110" cy="2167441"/>
-          </a:xfrm>
-          <a:prstGeom prst="rect">
-            <a:avLst/>
-          </a:prstGeom>
-        </p:spPr>
-      </p:pic>
-      <p:pic>
-        <p:nvPicPr>
-          <p:cNvPr id="5" name="Picture 4"/>
-          <p:cNvPicPr>
-            <a:picLocks noChangeAspect="1"/>
-          </p:cNvPicPr>
-          <p:nvPr/>
-        </p:nvPicPr>
-        <p:blipFill>
-          <a:blip r:embed="rId5"/>
-          <a:stretch>
-            <a:fillRect/>
-          </a:stretch>
-        </p:blipFill>
-        <p:spPr>
-          <a:xfrm>
-            <a:off x="5538276" y="3734896"/>
-            <a:ext cx="1327333" cy="2212222"/>
-          </a:xfrm>
-          <a:prstGeom prst="rect">
-            <a:avLst/>
-          </a:prstGeom>
-        </p:spPr>
-      </p:pic>
-      <p:sp>
-        <p:nvSpPr>
-          <p:cNvPr id="8" name="Content Placeholder 2"/>
-          <p:cNvSpPr txBox="1">
-            <a:spLocks/>
-          </p:cNvSpPr>
-          <p:nvPr/>
-        </p:nvSpPr>
-        <p:spPr>
-          <a:xfrm>
-            <a:off x="7053321" y="3891970"/>
-            <a:ext cx="4002606" cy="1898073"/>
-          </a:xfrm>
-          <a:prstGeom prst="rect">
-            <a:avLst/>
-          </a:prstGeom>
-        </p:spPr>
-        <p:txBody>
-          <a:bodyPr vert="horz" lIns="91440" tIns="45720" rIns="91440" bIns="45720" rtlCol="0" anchor="ctr">
-            <a:normAutofit/>
-          </a:bodyPr>
-          <a:lstStyle>
-            <a:lvl1pPr marL="285750" indent="-285750" algn="l" defTabSz="457200" rtl="0" eaLnBrk="1" latinLnBrk="0" hangingPunct="1">
-              <a:spcBef>
-                <a:spcPct val="20000"/>
-              </a:spcBef>
-              <a:spcAft>
-                <a:spcPts val="600"/>
-              </a:spcAft>
-              <a:buClr>
-                <a:schemeClr val="accent1">
-                  <a:lumMod val="75000"/>
-                </a:schemeClr>
-              </a:buClr>
-              <a:buSzPct val="145000"/>
-              <a:buFont typeface="Arial"/>
-              <a:buChar char="•"/>
-              <a:defRPr sz="2400" kern="1200" cap="none">
-                <a:solidFill>
-                  <a:schemeClr val="tx1"/>
-                </a:solidFill>
-                <a:effectLst/>
-                <a:latin typeface="+mn-lt"/>
-                <a:ea typeface="+mn-ea"/>
-                <a:cs typeface="+mn-cs"/>
-              </a:defRPr>
-            </a:lvl1pPr>
-            <a:lvl2pPr marL="742950" indent="-285750" algn="l" defTabSz="457200" rtl="0" eaLnBrk="1" latinLnBrk="0" hangingPunct="1">
-              <a:spcBef>
-                <a:spcPct val="20000"/>
-              </a:spcBef>
-              <a:spcAft>
-                <a:spcPts val="600"/>
-              </a:spcAft>
-              <a:buClr>
-                <a:schemeClr val="accent1">
-                  <a:lumMod val="75000"/>
-                </a:schemeClr>
-              </a:buClr>
-              <a:buSzPct val="145000"/>
-              <a:buFont typeface="Arial"/>
-              <a:buChar char="•"/>
-              <a:defRPr sz="2000" kern="1200" cap="none">
-                <a:solidFill>
-                  <a:schemeClr val="tx1"/>
-                </a:solidFill>
-                <a:effectLst/>
-                <a:latin typeface="+mn-lt"/>
-                <a:ea typeface="+mn-ea"/>
-                <a:cs typeface="+mn-cs"/>
-              </a:defRPr>
-            </a:lvl2pPr>
-            <a:lvl3pPr marL="1200150" indent="-285750" algn="l" defTabSz="457200" rtl="0" eaLnBrk="1" latinLnBrk="0" hangingPunct="1">
-              <a:spcBef>
-                <a:spcPct val="20000"/>
-              </a:spcBef>
-              <a:spcAft>
-                <a:spcPts val="600"/>
-              </a:spcAft>
-              <a:buClr>
-                <a:schemeClr val="accent1">
-                  <a:lumMod val="75000"/>
-                </a:schemeClr>
-              </a:buClr>
-              <a:buSzPct val="145000"/>
-              <a:buFont typeface="Arial"/>
-              <a:buChar char="•"/>
-              <a:defRPr sz="1800" kern="1200" cap="none">
-                <a:solidFill>
-                  <a:schemeClr val="tx1"/>
-                </a:solidFill>
-                <a:effectLst/>
-                <a:latin typeface="+mn-lt"/>
-                <a:ea typeface="+mn-ea"/>
-                <a:cs typeface="+mn-cs"/>
-              </a:defRPr>
-            </a:lvl3pPr>
-            <a:lvl4pPr marL="1543050" indent="-171450" algn="l" defTabSz="457200" rtl="0" eaLnBrk="1" latinLnBrk="0" hangingPunct="1">
-              <a:spcBef>
-                <a:spcPct val="20000"/>
-              </a:spcBef>
-              <a:spcAft>
-                <a:spcPts val="600"/>
-              </a:spcAft>
-              <a:buClr>
-                <a:schemeClr val="accent1">
-                  <a:lumMod val="75000"/>
-                </a:schemeClr>
-              </a:buClr>
-              <a:buSzPct val="145000"/>
-              <a:buFont typeface="Arial"/>
-              <a:buChar char="•"/>
-              <a:defRPr sz="1600" kern="1200" cap="none">
-                <a:solidFill>
-                  <a:schemeClr val="tx1"/>
-                </a:solidFill>
-                <a:effectLst/>
-                <a:latin typeface="+mn-lt"/>
-                <a:ea typeface="+mn-ea"/>
-                <a:cs typeface="+mn-cs"/>
-              </a:defRPr>
-            </a:lvl4pPr>
-            <a:lvl5pPr marL="2000250" indent="-171450" algn="l" defTabSz="457200" rtl="0" eaLnBrk="1" latinLnBrk="0" hangingPunct="1">
-              <a:spcBef>
-                <a:spcPct val="20000"/>
-              </a:spcBef>
-              <a:spcAft>
-                <a:spcPts val="600"/>
-              </a:spcAft>
-              <a:buClr>
-                <a:schemeClr val="accent1">
-                  <a:lumMod val="75000"/>
-                </a:schemeClr>
-              </a:buClr>
-              <a:buSzPct val="145000"/>
-              <a:buFont typeface="Arial"/>
-              <a:buChar char="•"/>
-              <a:defRPr sz="1400" kern="1200" cap="none">
-                <a:solidFill>
-                  <a:schemeClr val="tx1"/>
-                </a:solidFill>
-                <a:effectLst/>
-                <a:latin typeface="+mn-lt"/>
-                <a:ea typeface="+mn-ea"/>
-                <a:cs typeface="+mn-cs"/>
-              </a:defRPr>
-            </a:lvl5pPr>
-            <a:lvl6pPr marL="2514600" indent="-228600" algn="l" defTabSz="457200" rtl="0" eaLnBrk="1" latinLnBrk="0" hangingPunct="1">
-              <a:spcBef>
-                <a:spcPct val="20000"/>
-              </a:spcBef>
-              <a:spcAft>
-                <a:spcPts val="600"/>
-              </a:spcAft>
-              <a:buClr>
-                <a:schemeClr val="accent1">
-                  <a:lumMod val="75000"/>
-                </a:schemeClr>
-              </a:buClr>
-              <a:buSzPct val="145000"/>
-              <a:buFont typeface="Arial"/>
-              <a:buChar char="•"/>
-              <a:defRPr sz="1400" kern="1200" cap="none">
-                <a:solidFill>
-                  <a:schemeClr val="tx1"/>
-                </a:solidFill>
-                <a:effectLst/>
-                <a:latin typeface="+mn-lt"/>
-                <a:ea typeface="+mn-ea"/>
-                <a:cs typeface="+mn-cs"/>
-              </a:defRPr>
-            </a:lvl6pPr>
-            <a:lvl7pPr marL="2971800" indent="-228600" algn="l" defTabSz="457200" rtl="0" eaLnBrk="1" latinLnBrk="0" hangingPunct="1">
-              <a:spcBef>
-                <a:spcPct val="20000"/>
-              </a:spcBef>
-              <a:spcAft>
-                <a:spcPts val="600"/>
-              </a:spcAft>
-              <a:buClr>
-                <a:schemeClr val="accent1">
-                  <a:lumMod val="75000"/>
-                </a:schemeClr>
-              </a:buClr>
-              <a:buSzPct val="145000"/>
-              <a:buFont typeface="Arial"/>
-              <a:buChar char="•"/>
-              <a:defRPr sz="1400" kern="1200" cap="none">
-                <a:solidFill>
-                  <a:schemeClr val="tx1"/>
-                </a:solidFill>
-                <a:effectLst/>
-                <a:latin typeface="+mn-lt"/>
-                <a:ea typeface="+mn-ea"/>
-                <a:cs typeface="+mn-cs"/>
-              </a:defRPr>
-            </a:lvl7pPr>
-            <a:lvl8pPr marL="3429000" indent="-228600" algn="l" defTabSz="457200" rtl="0" eaLnBrk="1" latinLnBrk="0" hangingPunct="1">
-              <a:spcBef>
-                <a:spcPct val="20000"/>
-              </a:spcBef>
-              <a:spcAft>
-                <a:spcPts val="600"/>
-              </a:spcAft>
-              <a:buClr>
-                <a:schemeClr val="accent1">
-                  <a:lumMod val="75000"/>
-                </a:schemeClr>
-              </a:buClr>
-              <a:buSzPct val="145000"/>
-              <a:buFont typeface="Arial"/>
-              <a:buChar char="•"/>
-              <a:defRPr sz="1400" kern="1200" cap="none">
-                <a:solidFill>
-                  <a:schemeClr val="tx1"/>
-                </a:solidFill>
-                <a:effectLst/>
-                <a:latin typeface="+mn-lt"/>
-                <a:ea typeface="+mn-ea"/>
-                <a:cs typeface="+mn-cs"/>
-              </a:defRPr>
-            </a:lvl8pPr>
-            <a:lvl9pPr marL="3886200" indent="-228600" algn="l" defTabSz="457200" rtl="0" eaLnBrk="1" latinLnBrk="0" hangingPunct="1">
-              <a:spcBef>
-                <a:spcPct val="20000"/>
-              </a:spcBef>
-              <a:spcAft>
-                <a:spcPts val="600"/>
-              </a:spcAft>
-              <a:buClr>
-                <a:schemeClr val="accent1">
-                  <a:lumMod val="75000"/>
-                </a:schemeClr>
-              </a:buClr>
-              <a:buSzPct val="145000"/>
-              <a:buFont typeface="Arial"/>
-              <a:buChar char="•"/>
-              <a:defRPr sz="1400" kern="1200" cap="none">
-                <a:solidFill>
-                  <a:schemeClr val="tx1"/>
-                </a:solidFill>
-                <a:effectLst/>
-                <a:latin typeface="+mn-lt"/>
-                <a:ea typeface="+mn-ea"/>
-                <a:cs typeface="+mn-cs"/>
-              </a:defRPr>
-            </a:lvl9pPr>
-          </a:lstStyle>
-          <a:p>
-            <a:pPr marL="0" indent="0">
-              <a:buFont typeface="Arial"/>
-              <a:buNone/>
-            </a:pPr>
-            <a:r>
-              <a:rPr lang="en-US" smtClean="0"/>
-              <a:t>The ItemDescriptionView</a:t>
-            </a:r>
-            <a:endParaRPr lang="en-US" dirty="0"/>
-          </a:p>
-        </p:txBody>
-      </p:sp>
-      <p:sp>
-        <p:nvSpPr>
-          <p:cNvPr id="13" name="Rectangle 12"/>
-          <p:cNvSpPr/>
-          <p:nvPr/>
-        </p:nvSpPr>
-        <p:spPr>
-          <a:xfrm>
-            <a:off x="2909942" y="1290934"/>
-            <a:ext cx="2828915" cy="461665"/>
-          </a:xfrm>
-          <a:prstGeom prst="rect">
-            <a:avLst/>
-          </a:prstGeom>
-          <a:noFill/>
-        </p:spPr>
-        <p:txBody>
-          <a:bodyPr wrap="none" lIns="91440" tIns="45720" rIns="91440" bIns="45720">
-            <a:spAutoFit/>
-          </a:bodyPr>
-          <a:lstStyle/>
-          <a:p>
-            <a:pPr algn="ctr"/>
-            <a:r>
-              <a:rPr lang="en-US" sz="2400" b="1" cap="none" spc="0" dirty="0" smtClean="0">
-                <a:ln w="22225">
-                  <a:solidFill>
-                    <a:schemeClr val="accent2"/>
-                  </a:solidFill>
-                  <a:prstDash val="solid"/>
-                </a:ln>
-                <a:solidFill>
-                  <a:schemeClr val="accent2">
-                    <a:lumMod val="40000"/>
-                    <a:lumOff val="60000"/>
-                  </a:schemeClr>
-                </a:solidFill>
-                <a:effectLst/>
-              </a:rPr>
-              <a:t>&lt;- </a:t>
-            </a:r>
-            <a:r>
-              <a:rPr lang="en-US" sz="2400" b="1" cap="none" spc="0" dirty="0" err="1" smtClean="0">
-                <a:ln w="22225">
-                  <a:solidFill>
-                    <a:schemeClr val="accent2"/>
-                  </a:solidFill>
-                  <a:prstDash val="solid"/>
-                </a:ln>
-                <a:solidFill>
-                  <a:schemeClr val="accent2">
-                    <a:lumMod val="40000"/>
-                    <a:lumOff val="60000"/>
-                  </a:schemeClr>
-                </a:solidFill>
-                <a:effectLst/>
-              </a:rPr>
-              <a:t>ApplicationName</a:t>
-            </a:r>
-            <a:endParaRPr lang="en-US" sz="2400" b="1" cap="none" spc="0" dirty="0">
-              <a:ln w="22225">
-                <a:solidFill>
-                  <a:schemeClr val="accent2"/>
-                </a:solidFill>
-                <a:prstDash val="solid"/>
-              </a:ln>
-              <a:solidFill>
-                <a:schemeClr val="accent2">
-                  <a:lumMod val="40000"/>
-                  <a:lumOff val="60000"/>
-                </a:schemeClr>
-              </a:solidFill>
-              <a:effectLst/>
-            </a:endParaRPr>
-          </a:p>
-        </p:txBody>
-      </p:sp>
-      <p:sp>
-        <p:nvSpPr>
-          <p:cNvPr id="15" name="Rectangle 14"/>
-          <p:cNvSpPr/>
-          <p:nvPr/>
-        </p:nvSpPr>
-        <p:spPr>
-          <a:xfrm>
-            <a:off x="3000831" y="1597041"/>
-            <a:ext cx="1323568" cy="461665"/>
-          </a:xfrm>
-          <a:prstGeom prst="rect">
-            <a:avLst/>
-          </a:prstGeom>
-          <a:noFill/>
-        </p:spPr>
-        <p:txBody>
-          <a:bodyPr wrap="none" lIns="91440" tIns="45720" rIns="91440" bIns="45720">
-            <a:spAutoFit/>
-          </a:bodyPr>
-          <a:lstStyle/>
-          <a:p>
-            <a:pPr algn="ctr"/>
-            <a:r>
-              <a:rPr lang="en-US" sz="2400" b="1" cap="none" spc="0" dirty="0" smtClean="0">
-                <a:ln w="22225">
-                  <a:solidFill>
-                    <a:schemeClr val="accent2"/>
-                  </a:solidFill>
-                  <a:prstDash val="solid"/>
-                </a:ln>
-                <a:solidFill>
-                  <a:schemeClr val="accent2">
-                    <a:lumMod val="40000"/>
-                    <a:lumOff val="60000"/>
-                  </a:schemeClr>
-                </a:solidFill>
-                <a:effectLst/>
-              </a:rPr>
-              <a:t>&lt;- Group</a:t>
-            </a:r>
-            <a:endParaRPr lang="en-US" sz="2400" b="1" cap="none" spc="0" dirty="0">
-              <a:ln w="22225">
-                <a:solidFill>
-                  <a:schemeClr val="accent2"/>
-                </a:solidFill>
-                <a:prstDash val="solid"/>
-              </a:ln>
-              <a:solidFill>
-                <a:schemeClr val="accent2">
-                  <a:lumMod val="40000"/>
-                  <a:lumOff val="60000"/>
-                </a:schemeClr>
-              </a:solidFill>
-              <a:effectLst/>
-            </a:endParaRPr>
-          </a:p>
-        </p:txBody>
-      </p:sp>
-      <p:sp>
-        <p:nvSpPr>
-          <p:cNvPr id="16" name="Rectangle 15"/>
-          <p:cNvSpPr/>
-          <p:nvPr/>
-        </p:nvSpPr>
-        <p:spPr>
-          <a:xfrm>
-            <a:off x="2326426" y="2135165"/>
-            <a:ext cx="1096583" cy="461665"/>
-          </a:xfrm>
-          <a:prstGeom prst="rect">
-            <a:avLst/>
-          </a:prstGeom>
-          <a:noFill/>
-        </p:spPr>
-        <p:txBody>
-          <a:bodyPr wrap="none" lIns="91440" tIns="45720" rIns="91440" bIns="45720">
-            <a:spAutoFit/>
-          </a:bodyPr>
-          <a:lstStyle/>
-          <a:p>
-            <a:pPr algn="ctr"/>
-            <a:r>
-              <a:rPr lang="en-US" sz="2400" b="1" cap="none" spc="0" dirty="0" smtClean="0">
-                <a:ln w="22225">
-                  <a:solidFill>
-                    <a:schemeClr val="accent2"/>
-                  </a:solidFill>
-                  <a:prstDash val="solid"/>
-                </a:ln>
-                <a:solidFill>
-                  <a:schemeClr val="accent2">
-                    <a:lumMod val="40000"/>
-                    <a:lumOff val="60000"/>
-                  </a:schemeClr>
-                </a:solidFill>
-                <a:effectLst/>
-              </a:rPr>
-              <a:t>&lt;- Title</a:t>
-            </a:r>
-            <a:endParaRPr lang="en-US" sz="2400" b="1" cap="none" spc="0" dirty="0">
-              <a:ln w="22225">
-                <a:solidFill>
-                  <a:schemeClr val="accent2"/>
-                </a:solidFill>
-                <a:prstDash val="solid"/>
-              </a:ln>
-              <a:solidFill>
-                <a:schemeClr val="accent2">
-                  <a:lumMod val="40000"/>
-                  <a:lumOff val="60000"/>
-                </a:schemeClr>
-              </a:solidFill>
-              <a:effectLst/>
-            </a:endParaRPr>
-          </a:p>
-        </p:txBody>
-      </p:sp>
-      <p:sp>
-        <p:nvSpPr>
-          <p:cNvPr id="17" name="Rectangle 16"/>
-          <p:cNvSpPr/>
-          <p:nvPr/>
-        </p:nvSpPr>
-        <p:spPr>
-          <a:xfrm>
-            <a:off x="1982039" y="3092721"/>
-            <a:ext cx="1568571" cy="461665"/>
-          </a:xfrm>
-          <a:prstGeom prst="rect">
-            <a:avLst/>
-          </a:prstGeom>
-          <a:noFill/>
-        </p:spPr>
-        <p:txBody>
-          <a:bodyPr wrap="none" lIns="91440" tIns="45720" rIns="91440" bIns="45720">
-            <a:spAutoFit/>
-          </a:bodyPr>
-          <a:lstStyle/>
-          <a:p>
-            <a:pPr algn="ctr"/>
-            <a:r>
-              <a:rPr lang="en-US" sz="2400" b="1" cap="none" spc="0" dirty="0" smtClean="0">
-                <a:ln w="22225">
-                  <a:solidFill>
-                    <a:schemeClr val="accent2"/>
-                  </a:solidFill>
-                  <a:prstDash val="solid"/>
-                </a:ln>
-                <a:solidFill>
-                  <a:schemeClr val="accent2">
-                    <a:lumMod val="40000"/>
-                    <a:lumOff val="60000"/>
-                  </a:schemeClr>
-                </a:solidFill>
-                <a:effectLst/>
-              </a:rPr>
-              <a:t>&lt;- Subtitle</a:t>
-            </a:r>
-            <a:endParaRPr lang="en-US" sz="2400" b="1" cap="none" spc="0" dirty="0">
-              <a:ln w="22225">
-                <a:solidFill>
-                  <a:schemeClr val="accent2"/>
-                </a:solidFill>
-                <a:prstDash val="solid"/>
-              </a:ln>
-              <a:solidFill>
-                <a:schemeClr val="accent2">
-                  <a:lumMod val="40000"/>
-                  <a:lumOff val="60000"/>
-                </a:schemeClr>
-              </a:solidFill>
-              <a:effectLst/>
-            </a:endParaRPr>
-          </a:p>
-        </p:txBody>
-      </p:sp>
-      <p:sp>
-        <p:nvSpPr>
-          <p:cNvPr id="18" name="Rectangle 17"/>
-          <p:cNvSpPr/>
-          <p:nvPr/>
-        </p:nvSpPr>
-        <p:spPr>
-          <a:xfrm>
-            <a:off x="4425552" y="4343031"/>
-            <a:ext cx="2037737" cy="461665"/>
-          </a:xfrm>
-          <a:prstGeom prst="rect">
-            <a:avLst/>
-          </a:prstGeom>
-          <a:noFill/>
-        </p:spPr>
-        <p:txBody>
-          <a:bodyPr wrap="none" lIns="91440" tIns="45720" rIns="91440" bIns="45720">
-            <a:spAutoFit/>
-          </a:bodyPr>
-          <a:lstStyle/>
-          <a:p>
-            <a:pPr algn="ctr"/>
-            <a:r>
-              <a:rPr lang="en-US" sz="2400" b="1" cap="none" spc="0" dirty="0" smtClean="0">
-                <a:ln w="22225">
-                  <a:solidFill>
-                    <a:schemeClr val="accent2"/>
-                  </a:solidFill>
-                  <a:prstDash val="solid"/>
-                </a:ln>
-                <a:solidFill>
-                  <a:schemeClr val="accent2">
-                    <a:lumMod val="40000"/>
-                    <a:lumOff val="60000"/>
-                  </a:schemeClr>
-                </a:solidFill>
-                <a:effectLst/>
-              </a:rPr>
-              <a:t>&lt;- Description</a:t>
-            </a:r>
-            <a:endParaRPr lang="en-US" sz="2400" b="1" cap="none" spc="0" dirty="0">
-              <a:ln w="22225">
-                <a:solidFill>
-                  <a:schemeClr val="accent2"/>
-                </a:solidFill>
-                <a:prstDash val="solid"/>
-              </a:ln>
-              <a:solidFill>
-                <a:schemeClr val="accent2">
-                  <a:lumMod val="40000"/>
-                  <a:lumOff val="60000"/>
-                </a:schemeClr>
-              </a:solidFill>
-              <a:effectLst/>
-            </a:endParaRPr>
-          </a:p>
-        </p:txBody>
-      </p:sp>
-      <p:sp>
-        <p:nvSpPr>
-          <p:cNvPr id="19" name="Rectangle 18"/>
-          <p:cNvSpPr/>
-          <p:nvPr/>
-        </p:nvSpPr>
-        <p:spPr>
-          <a:xfrm>
-            <a:off x="2479967" y="3764482"/>
-            <a:ext cx="1038040" cy="369332"/>
-          </a:xfrm>
-          <a:prstGeom prst="rect">
-            <a:avLst/>
-          </a:prstGeom>
-        </p:spPr>
-        <p:txBody>
-          <a:bodyPr wrap="none">
-            <a:spAutoFit/>
-          </a:bodyPr>
-          <a:lstStyle/>
-          <a:p>
-            <a:pPr algn="ctr"/>
-            <a:r>
-              <a:rPr lang="en-US" b="1" dirty="0">
-                <a:ln w="22225">
-                  <a:solidFill>
-                    <a:schemeClr val="accent2"/>
-                  </a:solidFill>
-                  <a:prstDash val="solid"/>
-                </a:ln>
-                <a:solidFill>
-                  <a:schemeClr val="accent2">
-                    <a:lumMod val="40000"/>
-                    <a:lumOff val="60000"/>
-                  </a:schemeClr>
-                </a:solidFill>
-              </a:rPr>
-              <a:t>&lt;- Group</a:t>
-            </a:r>
-          </a:p>
-        </p:txBody>
-      </p:sp>
-      <p:sp>
-        <p:nvSpPr>
-          <p:cNvPr id="33" name="Rectangle 32"/>
-          <p:cNvSpPr/>
-          <p:nvPr/>
-        </p:nvSpPr>
-        <p:spPr>
-          <a:xfrm>
-            <a:off x="2361650" y="3918095"/>
-            <a:ext cx="1096583" cy="461665"/>
-          </a:xfrm>
-          <a:prstGeom prst="rect">
-            <a:avLst/>
-          </a:prstGeom>
-          <a:noFill/>
-        </p:spPr>
-        <p:txBody>
-          <a:bodyPr wrap="none" lIns="91440" tIns="45720" rIns="91440" bIns="45720">
-            <a:spAutoFit/>
-          </a:bodyPr>
-          <a:lstStyle/>
-          <a:p>
-            <a:pPr algn="ctr"/>
-            <a:r>
-              <a:rPr lang="en-US" sz="2400" b="1" cap="none" spc="0" dirty="0" smtClean="0">
-                <a:ln w="22225">
-                  <a:solidFill>
-                    <a:schemeClr val="accent2"/>
-                  </a:solidFill>
-                  <a:prstDash val="solid"/>
-                </a:ln>
-                <a:solidFill>
-                  <a:schemeClr val="accent2">
-                    <a:lumMod val="40000"/>
-                    <a:lumOff val="60000"/>
-                  </a:schemeClr>
-                </a:solidFill>
-                <a:effectLst/>
-              </a:rPr>
-              <a:t>&lt;- Title</a:t>
-            </a:r>
-            <a:endParaRPr lang="en-US" sz="2400" b="1" cap="none" spc="0" dirty="0">
-              <a:ln w="22225">
-                <a:solidFill>
-                  <a:schemeClr val="accent2"/>
-                </a:solidFill>
-                <a:prstDash val="solid"/>
-              </a:ln>
-              <a:solidFill>
-                <a:schemeClr val="accent2">
-                  <a:lumMod val="40000"/>
-                  <a:lumOff val="60000"/>
-                </a:schemeClr>
-              </a:solidFill>
-              <a:effectLst/>
-            </a:endParaRPr>
-          </a:p>
-        </p:txBody>
-      </p:sp>
-      <p:sp>
-        <p:nvSpPr>
-          <p:cNvPr id="34" name="Rectangle 33"/>
-          <p:cNvSpPr/>
-          <p:nvPr/>
-        </p:nvSpPr>
-        <p:spPr>
-          <a:xfrm>
-            <a:off x="1996830" y="4171077"/>
-            <a:ext cx="1568571" cy="461665"/>
-          </a:xfrm>
-          <a:prstGeom prst="rect">
-            <a:avLst/>
-          </a:prstGeom>
-          <a:noFill/>
-        </p:spPr>
-        <p:txBody>
-          <a:bodyPr wrap="none" lIns="91440" tIns="45720" rIns="91440" bIns="45720">
-            <a:spAutoFit/>
-          </a:bodyPr>
-          <a:lstStyle/>
-          <a:p>
-            <a:pPr algn="ctr"/>
-            <a:r>
-              <a:rPr lang="en-US" sz="2400" b="1" cap="none" spc="0" dirty="0" smtClean="0">
-                <a:ln w="22225">
-                  <a:solidFill>
-                    <a:schemeClr val="accent2"/>
-                  </a:solidFill>
-                  <a:prstDash val="solid"/>
-                </a:ln>
-                <a:solidFill>
-                  <a:schemeClr val="accent2">
-                    <a:lumMod val="40000"/>
-                    <a:lumOff val="60000"/>
-                  </a:schemeClr>
-                </a:solidFill>
-                <a:effectLst/>
-              </a:rPr>
-              <a:t>&lt;- Subtitle</a:t>
-            </a:r>
-            <a:endParaRPr lang="en-US" sz="2400" b="1" cap="none" spc="0" dirty="0">
-              <a:ln w="22225">
-                <a:solidFill>
-                  <a:schemeClr val="accent2"/>
-                </a:solidFill>
-                <a:prstDash val="solid"/>
-              </a:ln>
-              <a:solidFill>
-                <a:schemeClr val="accent2">
-                  <a:lumMod val="40000"/>
-                  <a:lumOff val="60000"/>
-                </a:schemeClr>
-              </a:solidFill>
-              <a:effectLst/>
-            </a:endParaRPr>
-          </a:p>
-        </p:txBody>
-      </p:sp>
-      <p:sp>
-        <p:nvSpPr>
-          <p:cNvPr id="36" name="Rectangle 35"/>
-          <p:cNvSpPr/>
-          <p:nvPr/>
-        </p:nvSpPr>
-        <p:spPr>
-          <a:xfrm>
-            <a:off x="5933139" y="3589515"/>
-            <a:ext cx="2828916" cy="461665"/>
-          </a:xfrm>
-          <a:prstGeom prst="rect">
-            <a:avLst/>
-          </a:prstGeom>
-          <a:noFill/>
-        </p:spPr>
-        <p:txBody>
-          <a:bodyPr wrap="none" lIns="91440" tIns="45720" rIns="91440" bIns="45720">
-            <a:spAutoFit/>
-          </a:bodyPr>
-          <a:lstStyle/>
-          <a:p>
-            <a:pPr algn="ctr"/>
-            <a:r>
-              <a:rPr lang="en-US" sz="2400" b="1" cap="none" spc="0" dirty="0" smtClean="0">
-                <a:ln w="22225">
-                  <a:solidFill>
-                    <a:schemeClr val="accent2"/>
-                  </a:solidFill>
-                  <a:prstDash val="solid"/>
-                </a:ln>
-                <a:solidFill>
-                  <a:schemeClr val="accent2">
-                    <a:lumMod val="40000"/>
-                    <a:lumOff val="60000"/>
-                  </a:schemeClr>
-                </a:solidFill>
-                <a:effectLst/>
-              </a:rPr>
-              <a:t>&lt;- </a:t>
-            </a:r>
-            <a:r>
-              <a:rPr lang="en-US" sz="2400" b="1" cap="none" spc="0" dirty="0" err="1" smtClean="0">
-                <a:ln w="22225">
-                  <a:solidFill>
-                    <a:schemeClr val="accent2"/>
-                  </a:solidFill>
-                  <a:prstDash val="solid"/>
-                </a:ln>
-                <a:solidFill>
-                  <a:schemeClr val="accent2">
-                    <a:lumMod val="40000"/>
-                    <a:lumOff val="60000"/>
-                  </a:schemeClr>
-                </a:solidFill>
-                <a:effectLst/>
-              </a:rPr>
-              <a:t>ApplicationName</a:t>
-            </a:r>
-            <a:endParaRPr lang="en-US" sz="2400" b="1" cap="none" spc="0" dirty="0">
-              <a:ln w="22225">
-                <a:solidFill>
-                  <a:schemeClr val="accent2"/>
-                </a:solidFill>
-                <a:prstDash val="solid"/>
-              </a:ln>
-              <a:solidFill>
-                <a:schemeClr val="accent2">
-                  <a:lumMod val="40000"/>
-                  <a:lumOff val="60000"/>
-                </a:schemeClr>
-              </a:solidFill>
-              <a:effectLst/>
-            </a:endParaRPr>
-          </a:p>
-        </p:txBody>
-      </p:sp>
-      <p:sp>
-        <p:nvSpPr>
-          <p:cNvPr id="37" name="Rectangle 36"/>
-          <p:cNvSpPr/>
-          <p:nvPr/>
-        </p:nvSpPr>
-        <p:spPr>
-          <a:xfrm>
-            <a:off x="6032524" y="1556968"/>
-            <a:ext cx="1323568" cy="461665"/>
-          </a:xfrm>
-          <a:prstGeom prst="rect">
-            <a:avLst/>
-          </a:prstGeom>
-          <a:noFill/>
-        </p:spPr>
-        <p:txBody>
-          <a:bodyPr wrap="none" lIns="91440" tIns="45720" rIns="91440" bIns="45720">
-            <a:spAutoFit/>
-          </a:bodyPr>
-          <a:lstStyle/>
-          <a:p>
-            <a:pPr algn="ctr"/>
-            <a:r>
-              <a:rPr lang="en-US" sz="2400" b="1" cap="none" spc="0" dirty="0" smtClean="0">
-                <a:ln w="22225">
-                  <a:solidFill>
-                    <a:schemeClr val="accent2"/>
-                  </a:solidFill>
-                  <a:prstDash val="solid"/>
-                </a:ln>
-                <a:solidFill>
-                  <a:schemeClr val="accent2">
-                    <a:lumMod val="40000"/>
-                    <a:lumOff val="60000"/>
-                  </a:schemeClr>
-                </a:solidFill>
-                <a:effectLst/>
-              </a:rPr>
-              <a:t>&lt;- Group</a:t>
-            </a:r>
-            <a:endParaRPr lang="en-US" sz="2400" b="1" cap="none" spc="0" dirty="0">
-              <a:ln w="22225">
-                <a:solidFill>
-                  <a:schemeClr val="accent2"/>
-                </a:solidFill>
-                <a:prstDash val="solid"/>
-              </a:ln>
-              <a:solidFill>
-                <a:schemeClr val="accent2">
-                  <a:lumMod val="40000"/>
-                  <a:lumOff val="60000"/>
-                </a:schemeClr>
-              </a:solidFill>
-              <a:effectLst/>
-            </a:endParaRPr>
-          </a:p>
-        </p:txBody>
-      </p:sp>
-      <p:sp>
-        <p:nvSpPr>
-          <p:cNvPr id="38" name="Rectangle 37"/>
-          <p:cNvSpPr/>
-          <p:nvPr/>
-        </p:nvSpPr>
-        <p:spPr>
-          <a:xfrm>
-            <a:off x="6335077" y="4073839"/>
-            <a:ext cx="1096583" cy="461665"/>
-          </a:xfrm>
-          <a:prstGeom prst="rect">
-            <a:avLst/>
-          </a:prstGeom>
-          <a:noFill/>
-        </p:spPr>
-        <p:txBody>
-          <a:bodyPr wrap="none" lIns="91440" tIns="45720" rIns="91440" bIns="45720">
-            <a:spAutoFit/>
-          </a:bodyPr>
-          <a:lstStyle/>
-          <a:p>
-            <a:pPr algn="ctr"/>
-            <a:r>
-              <a:rPr lang="en-US" sz="2400" b="1" cap="none" spc="0" dirty="0" smtClean="0">
-                <a:ln w="22225">
-                  <a:solidFill>
-                    <a:schemeClr val="accent2"/>
-                  </a:solidFill>
-                  <a:prstDash val="solid"/>
-                </a:ln>
-                <a:solidFill>
-                  <a:schemeClr val="accent2">
-                    <a:lumMod val="40000"/>
-                    <a:lumOff val="60000"/>
-                  </a:schemeClr>
-                </a:solidFill>
-                <a:effectLst/>
-              </a:rPr>
-              <a:t>&lt;- Title</a:t>
-            </a:r>
-            <a:endParaRPr lang="en-US" sz="2400" b="1" cap="none" spc="0" dirty="0">
-              <a:ln w="22225">
-                <a:solidFill>
-                  <a:schemeClr val="accent2"/>
-                </a:solidFill>
-                <a:prstDash val="solid"/>
-              </a:ln>
-              <a:solidFill>
-                <a:schemeClr val="accent2">
-                  <a:lumMod val="40000"/>
-                  <a:lumOff val="60000"/>
-                </a:schemeClr>
-              </a:solidFill>
-              <a:effectLst/>
-            </a:endParaRPr>
-          </a:p>
-        </p:txBody>
-      </p:sp>
-      <p:sp>
-        <p:nvSpPr>
-          <p:cNvPr id="39" name="Rectangle 38"/>
-          <p:cNvSpPr/>
-          <p:nvPr/>
-        </p:nvSpPr>
-        <p:spPr>
-          <a:xfrm>
-            <a:off x="6073099" y="2024648"/>
-            <a:ext cx="1096583" cy="461665"/>
-          </a:xfrm>
-          <a:prstGeom prst="rect">
-            <a:avLst/>
-          </a:prstGeom>
-          <a:noFill/>
-        </p:spPr>
-        <p:txBody>
-          <a:bodyPr wrap="none" lIns="91440" tIns="45720" rIns="91440" bIns="45720">
-            <a:spAutoFit/>
-          </a:bodyPr>
-          <a:lstStyle/>
-          <a:p>
-            <a:pPr algn="ctr"/>
-            <a:r>
-              <a:rPr lang="en-US" sz="2400" b="1" cap="none" spc="0" dirty="0" smtClean="0">
-                <a:ln w="22225">
-                  <a:solidFill>
-                    <a:schemeClr val="accent2"/>
-                  </a:solidFill>
-                  <a:prstDash val="solid"/>
-                </a:ln>
-                <a:solidFill>
-                  <a:schemeClr val="accent2">
-                    <a:lumMod val="40000"/>
-                    <a:lumOff val="60000"/>
-                  </a:schemeClr>
-                </a:solidFill>
-                <a:effectLst/>
-              </a:rPr>
-              <a:t>&lt;- Title</a:t>
-            </a:r>
-            <a:endParaRPr lang="en-US" sz="2400" b="1" cap="none" spc="0" dirty="0">
-              <a:ln w="22225">
-                <a:solidFill>
-                  <a:schemeClr val="accent2"/>
-                </a:solidFill>
-                <a:prstDash val="solid"/>
-              </a:ln>
-              <a:solidFill>
-                <a:schemeClr val="accent2">
-                  <a:lumMod val="40000"/>
-                  <a:lumOff val="60000"/>
-                </a:schemeClr>
-              </a:solidFill>
-              <a:effectLst/>
-            </a:endParaRPr>
-          </a:p>
-        </p:txBody>
-      </p:sp>
-      <p:sp>
-        <p:nvSpPr>
-          <p:cNvPr id="40" name="Rectangle 39"/>
-          <p:cNvSpPr/>
-          <p:nvPr/>
-        </p:nvSpPr>
-        <p:spPr>
-          <a:xfrm>
-            <a:off x="6032524" y="2191827"/>
-            <a:ext cx="1568571" cy="461665"/>
-          </a:xfrm>
-          <a:prstGeom prst="rect">
-            <a:avLst/>
-          </a:prstGeom>
-          <a:noFill/>
-        </p:spPr>
-        <p:txBody>
-          <a:bodyPr wrap="none" lIns="91440" tIns="45720" rIns="91440" bIns="45720">
-            <a:spAutoFit/>
-          </a:bodyPr>
-          <a:lstStyle/>
-          <a:p>
-            <a:pPr algn="ctr"/>
-            <a:r>
-              <a:rPr lang="en-US" sz="2400" b="1" cap="none" spc="0" dirty="0" smtClean="0">
-                <a:ln w="22225">
-                  <a:solidFill>
-                    <a:schemeClr val="accent2"/>
-                  </a:solidFill>
-                  <a:prstDash val="solid"/>
-                </a:ln>
-                <a:solidFill>
-                  <a:schemeClr val="accent2">
-                    <a:lumMod val="40000"/>
-                    <a:lumOff val="60000"/>
-                  </a:schemeClr>
-                </a:solidFill>
-                <a:effectLst/>
-              </a:rPr>
-              <a:t>&lt;- Subtitle</a:t>
-            </a:r>
-            <a:endParaRPr lang="en-US" sz="2400" b="1" cap="none" spc="0" dirty="0">
-              <a:ln w="22225">
-                <a:solidFill>
-                  <a:schemeClr val="accent2"/>
-                </a:solidFill>
-                <a:prstDash val="solid"/>
-              </a:ln>
-              <a:solidFill>
-                <a:schemeClr val="accent2">
-                  <a:lumMod val="40000"/>
-                  <a:lumOff val="60000"/>
-                </a:schemeClr>
-              </a:solidFill>
-              <a:effectLst/>
-            </a:endParaRPr>
-          </a:p>
-        </p:txBody>
-      </p:sp>
-      <p:sp>
-        <p:nvSpPr>
-          <p:cNvPr id="42" name="Rectangle 41"/>
-          <p:cNvSpPr/>
-          <p:nvPr/>
-        </p:nvSpPr>
-        <p:spPr>
-          <a:xfrm>
-            <a:off x="6463289" y="4962770"/>
-            <a:ext cx="2037737" cy="461665"/>
-          </a:xfrm>
-          <a:prstGeom prst="rect">
-            <a:avLst/>
-          </a:prstGeom>
-          <a:noFill/>
-        </p:spPr>
-        <p:txBody>
-          <a:bodyPr wrap="none" lIns="91440" tIns="45720" rIns="91440" bIns="45720">
-            <a:spAutoFit/>
-          </a:bodyPr>
-          <a:lstStyle/>
-          <a:p>
-            <a:pPr algn="ctr"/>
-            <a:r>
-              <a:rPr lang="en-US" sz="2400" b="1" cap="none" spc="0" dirty="0" smtClean="0">
-                <a:ln w="22225">
-                  <a:solidFill>
-                    <a:schemeClr val="accent2"/>
-                  </a:solidFill>
-                  <a:prstDash val="solid"/>
-                </a:ln>
-                <a:solidFill>
-                  <a:schemeClr val="accent2">
-                    <a:lumMod val="40000"/>
-                    <a:lumOff val="60000"/>
-                  </a:schemeClr>
-                </a:solidFill>
-                <a:effectLst/>
-              </a:rPr>
-              <a:t>&lt;- Description</a:t>
-            </a:r>
-            <a:endParaRPr lang="en-US" sz="2400" b="1" cap="none" spc="0" dirty="0">
-              <a:ln w="22225">
-                <a:solidFill>
-                  <a:schemeClr val="accent2"/>
-                </a:solidFill>
-                <a:prstDash val="solid"/>
-              </a:ln>
-              <a:solidFill>
-                <a:schemeClr val="accent2">
-                  <a:lumMod val="40000"/>
-                  <a:lumOff val="60000"/>
-                </a:schemeClr>
-              </a:solidFill>
-              <a:effectLst/>
-            </a:endParaRPr>
-          </a:p>
-        </p:txBody>
-      </p:sp>
-      <p:sp>
-        <p:nvSpPr>
-          <p:cNvPr id="43" name="Rectangle 42"/>
-          <p:cNvSpPr/>
-          <p:nvPr/>
-        </p:nvSpPr>
-        <p:spPr>
-          <a:xfrm>
-            <a:off x="6297681" y="3815862"/>
-            <a:ext cx="1323568" cy="461665"/>
-          </a:xfrm>
-          <a:prstGeom prst="rect">
-            <a:avLst/>
-          </a:prstGeom>
-          <a:noFill/>
-        </p:spPr>
-        <p:txBody>
-          <a:bodyPr wrap="none" lIns="91440" tIns="45720" rIns="91440" bIns="45720">
-            <a:spAutoFit/>
-          </a:bodyPr>
-          <a:lstStyle/>
-          <a:p>
-            <a:pPr algn="ctr"/>
-            <a:r>
-              <a:rPr lang="en-US" sz="2400" b="1" cap="none" spc="0" dirty="0" smtClean="0">
-                <a:ln w="22225">
-                  <a:solidFill>
-                    <a:schemeClr val="accent2"/>
-                  </a:solidFill>
-                  <a:prstDash val="solid"/>
-                </a:ln>
-                <a:solidFill>
-                  <a:schemeClr val="accent2">
-                    <a:lumMod val="40000"/>
-                    <a:lumOff val="60000"/>
-                  </a:schemeClr>
-                </a:solidFill>
-                <a:effectLst/>
-              </a:rPr>
-              <a:t>&lt;- Group</a:t>
-            </a:r>
-            <a:endParaRPr lang="en-US" sz="2400" b="1" cap="none" spc="0" dirty="0">
-              <a:ln w="22225">
-                <a:solidFill>
-                  <a:schemeClr val="accent2"/>
-                </a:solidFill>
-                <a:prstDash val="solid"/>
-              </a:ln>
-              <a:solidFill>
-                <a:schemeClr val="accent2">
-                  <a:lumMod val="40000"/>
-                  <a:lumOff val="60000"/>
-                </a:schemeClr>
-              </a:solidFill>
-              <a:effectLst/>
-            </a:endParaRPr>
-          </a:p>
-        </p:txBody>
-      </p:sp>
-      <p:sp>
-        <p:nvSpPr>
-          <p:cNvPr id="44" name="Rectangle 43"/>
-          <p:cNvSpPr/>
-          <p:nvPr/>
-        </p:nvSpPr>
-        <p:spPr>
-          <a:xfrm>
-            <a:off x="5930732" y="1276183"/>
-            <a:ext cx="2828916" cy="461665"/>
-          </a:xfrm>
-          <a:prstGeom prst="rect">
-            <a:avLst/>
-          </a:prstGeom>
-          <a:noFill/>
-        </p:spPr>
-        <p:txBody>
-          <a:bodyPr wrap="none" lIns="91440" tIns="45720" rIns="91440" bIns="45720">
-            <a:spAutoFit/>
-          </a:bodyPr>
-          <a:lstStyle/>
-          <a:p>
-            <a:pPr algn="ctr"/>
-            <a:r>
-              <a:rPr lang="en-US" sz="2400" b="1" dirty="0">
-                <a:ln w="22225">
-                  <a:solidFill>
-                    <a:schemeClr val="accent2"/>
-                  </a:solidFill>
-                  <a:prstDash val="solid"/>
-                </a:ln>
-                <a:solidFill>
-                  <a:schemeClr val="accent2">
-                    <a:lumMod val="40000"/>
-                    <a:lumOff val="60000"/>
-                  </a:schemeClr>
-                </a:solidFill>
-              </a:rPr>
-              <a:t>&lt;- </a:t>
-            </a:r>
-            <a:r>
-              <a:rPr lang="en-US" sz="2400" b="1" dirty="0" err="1" smtClean="0">
-                <a:ln w="22225">
-                  <a:solidFill>
-                    <a:schemeClr val="accent2"/>
-                  </a:solidFill>
-                  <a:prstDash val="solid"/>
-                </a:ln>
-                <a:solidFill>
-                  <a:schemeClr val="accent2">
-                    <a:lumMod val="40000"/>
-                    <a:lumOff val="60000"/>
-                  </a:schemeClr>
-                </a:solidFill>
-              </a:rPr>
-              <a:t>ApplicationName</a:t>
-            </a:r>
-            <a:endParaRPr lang="en-US" sz="2400" b="1" dirty="0">
-              <a:ln w="22225">
-                <a:solidFill>
-                  <a:schemeClr val="accent2"/>
-                </a:solidFill>
-                <a:prstDash val="solid"/>
-              </a:ln>
-              <a:solidFill>
-                <a:schemeClr val="accent2">
-                  <a:lumMod val="40000"/>
-                  <a:lumOff val="60000"/>
-                </a:schemeClr>
-              </a:solidFill>
-            </a:endParaRPr>
-          </a:p>
-        </p:txBody>
-      </p:sp>
     </p:spTree>
     <p:extLst>
       <p:ext uri="{BB962C8B-B14F-4D97-AF65-F5344CB8AC3E}">
-        <p14:creationId xmlns:p14="http://schemas.microsoft.com/office/powerpoint/2010/main" val="285096467"/>
+        <p14:creationId xmlns:p14="http://schemas.microsoft.com/office/powerpoint/2010/main" val="1308519537"/>
       </p:ext>
     </p:extLst>
   </p:cSld>
@@ -12443,76 +11156,53 @@
         </p:nvSpPr>
         <p:spPr>
           <a:xfrm>
-            <a:off x="1440872" y="397884"/>
-            <a:ext cx="10283824" cy="1752599"/>
+            <a:off x="1470456" y="0"/>
+            <a:ext cx="10018713" cy="1752599"/>
           </a:xfrm>
         </p:spPr>
         <p:txBody>
           <a:bodyPr/>
           <a:lstStyle/>
           <a:p>
-            <a:r>
-              <a:rPr lang="en-US" dirty="0" smtClean="0"/>
-              <a:t>Further Customization – </a:t>
+            <a:pPr algn="l"/>
+            <a:r>
+              <a:rPr lang="en-US" dirty="0" smtClean="0"/>
+              <a:t>The two view states of our app</a:t>
+            </a:r>
+            <a:endParaRPr lang="en-US" dirty="0"/>
+          </a:p>
+        </p:txBody>
+      </p:sp>
+      <p:sp>
+        <p:nvSpPr>
+          <p:cNvPr id="3" name="Content Placeholder 2"/>
+          <p:cNvSpPr>
+            <a:spLocks noGrp="1"/>
+          </p:cNvSpPr>
+          <p:nvPr>
+            <p:ph idx="1"/>
+          </p:nvPr>
+        </p:nvSpPr>
+        <p:spPr>
+          <a:xfrm>
+            <a:off x="7053321" y="1716831"/>
+            <a:ext cx="3586969" cy="1898073"/>
+          </a:xfrm>
+        </p:spPr>
+        <p:txBody>
+          <a:bodyPr/>
+          <a:lstStyle/>
+          <a:p>
+            <a:pPr marL="0" indent="0">
+              <a:buNone/>
+            </a:pPr>
+            <a:r>
+              <a:rPr lang="en-US" dirty="0" smtClean="0"/>
+              <a:t>The </a:t>
             </a:r>
             <a:r>
               <a:rPr lang="en-US" dirty="0" err="1" smtClean="0"/>
-              <a:t>AppSetting.cs</a:t>
-            </a:r>
-            <a:r>
-              <a:rPr lang="en-US" dirty="0" smtClean="0"/>
-              <a:t/>
-            </a:r>
-            <a:br>
-              <a:rPr lang="en-US" dirty="0" smtClean="0"/>
-            </a:br>
-            <a:r>
-              <a:rPr lang="en-US" dirty="0" smtClean="0"/>
-              <a:t>(located in </a:t>
-            </a:r>
-            <a:r>
-              <a:rPr lang="en-US" dirty="0" err="1" smtClean="0"/>
-              <a:t>XPlatformCloudKit.PCL</a:t>
-            </a:r>
-            <a:r>
-              <a:rPr lang="en-US" dirty="0" smtClean="0"/>
-              <a:t>)</a:t>
-            </a:r>
-            <a:endParaRPr lang="en-US" dirty="0"/>
-          </a:p>
-        </p:txBody>
-      </p:sp>
-      <p:sp>
-        <p:nvSpPr>
-          <p:cNvPr id="3" name="Content Placeholder 2"/>
-          <p:cNvSpPr>
-            <a:spLocks noGrp="1"/>
-          </p:cNvSpPr>
-          <p:nvPr>
-            <p:ph idx="1"/>
-          </p:nvPr>
-        </p:nvSpPr>
-        <p:spPr>
-          <a:xfrm>
-            <a:off x="1705983" y="3952740"/>
-            <a:ext cx="10018713" cy="3124201"/>
-          </a:xfrm>
-        </p:spPr>
-        <p:txBody>
-          <a:bodyPr/>
-          <a:lstStyle/>
-          <a:p>
-            <a:r>
-              <a:rPr lang="en-US" dirty="0" smtClean="0"/>
-              <a:t>Here you can edit your app display name, time to cache retrieved data, theme to use for Windows 8, privacy policy </a:t>
-            </a:r>
-            <a:r>
-              <a:rPr lang="en-US" dirty="0" err="1" smtClean="0"/>
-              <a:t>url</a:t>
-            </a:r>
-            <a:r>
-              <a:rPr lang="en-US" dirty="0" smtClean="0"/>
-              <a:t>, and more.  This is the single point of configuration to make the app your own!</a:t>
+              <a:t>ItemsShowcaseView</a:t>
             </a:r>
             <a:endParaRPr lang="en-US" dirty="0"/>
           </a:p>
@@ -12520,7 +11210,7 @@
       </p:sp>
       <p:pic>
         <p:nvPicPr>
-          <p:cNvPr id="4" name="Picture 3"/>
+          <p:cNvPr id="6" name="Picture 5"/>
           <p:cNvPicPr>
             <a:picLocks noChangeAspect="1"/>
           </p:cNvPicPr>
@@ -12534,18 +11224,1653 @@
         </p:blipFill>
         <p:spPr>
           <a:xfrm>
-            <a:off x="3178636" y="1890879"/>
-            <a:ext cx="6808296" cy="2892884"/>
+            <a:off x="1495454" y="1386945"/>
+            <a:ext cx="3855110" cy="2167441"/>
           </a:xfrm>
           <a:prstGeom prst="rect">
             <a:avLst/>
           </a:prstGeom>
         </p:spPr>
       </p:pic>
+      <p:pic>
+        <p:nvPicPr>
+          <p:cNvPr id="7" name="Picture 6"/>
+          <p:cNvPicPr>
+            <a:picLocks noChangeAspect="1"/>
+          </p:cNvPicPr>
+          <p:nvPr/>
+        </p:nvPicPr>
+        <p:blipFill>
+          <a:blip r:embed="rId3"/>
+          <a:stretch>
+            <a:fillRect/>
+          </a:stretch>
+        </p:blipFill>
+        <p:spPr>
+          <a:xfrm>
+            <a:off x="5553342" y="1392381"/>
+            <a:ext cx="1297202" cy="2162005"/>
+          </a:xfrm>
+          <a:prstGeom prst="rect">
+            <a:avLst/>
+          </a:prstGeom>
+        </p:spPr>
+      </p:pic>
+      <p:pic>
+        <p:nvPicPr>
+          <p:cNvPr id="4" name="Picture 3"/>
+          <p:cNvPicPr>
+            <a:picLocks noChangeAspect="1"/>
+          </p:cNvPicPr>
+          <p:nvPr/>
+        </p:nvPicPr>
+        <p:blipFill>
+          <a:blip r:embed="rId4"/>
+          <a:stretch>
+            <a:fillRect/>
+          </a:stretch>
+        </p:blipFill>
+        <p:spPr>
+          <a:xfrm>
+            <a:off x="1495454" y="3734896"/>
+            <a:ext cx="3855110" cy="2167441"/>
+          </a:xfrm>
+          <a:prstGeom prst="rect">
+            <a:avLst/>
+          </a:prstGeom>
+        </p:spPr>
+      </p:pic>
+      <p:pic>
+        <p:nvPicPr>
+          <p:cNvPr id="5" name="Picture 4"/>
+          <p:cNvPicPr>
+            <a:picLocks noChangeAspect="1"/>
+          </p:cNvPicPr>
+          <p:nvPr/>
+        </p:nvPicPr>
+        <p:blipFill>
+          <a:blip r:embed="rId5"/>
+          <a:stretch>
+            <a:fillRect/>
+          </a:stretch>
+        </p:blipFill>
+        <p:spPr>
+          <a:xfrm>
+            <a:off x="5538276" y="3734896"/>
+            <a:ext cx="1327333" cy="2212222"/>
+          </a:xfrm>
+          <a:prstGeom prst="rect">
+            <a:avLst/>
+          </a:prstGeom>
+        </p:spPr>
+      </p:pic>
+      <p:sp>
+        <p:nvSpPr>
+          <p:cNvPr id="8" name="Content Placeholder 2"/>
+          <p:cNvSpPr txBox="1">
+            <a:spLocks/>
+          </p:cNvSpPr>
+          <p:nvPr/>
+        </p:nvSpPr>
+        <p:spPr>
+          <a:xfrm>
+            <a:off x="7053321" y="3891970"/>
+            <a:ext cx="4002606" cy="1898073"/>
+          </a:xfrm>
+          <a:prstGeom prst="rect">
+            <a:avLst/>
+          </a:prstGeom>
+        </p:spPr>
+        <p:txBody>
+          <a:bodyPr vert="horz" lIns="91440" tIns="45720" rIns="91440" bIns="45720" rtlCol="0" anchor="ctr">
+            <a:normAutofit/>
+          </a:bodyPr>
+          <a:lstStyle>
+            <a:lvl1pPr marL="285750" indent="-285750" algn="l" defTabSz="457200" rtl="0" eaLnBrk="1" latinLnBrk="0" hangingPunct="1">
+              <a:spcBef>
+                <a:spcPct val="20000"/>
+              </a:spcBef>
+              <a:spcAft>
+                <a:spcPts val="600"/>
+              </a:spcAft>
+              <a:buClr>
+                <a:schemeClr val="accent1">
+                  <a:lumMod val="75000"/>
+                </a:schemeClr>
+              </a:buClr>
+              <a:buSzPct val="145000"/>
+              <a:buFont typeface="Arial"/>
+              <a:buChar char="•"/>
+              <a:defRPr sz="2400" kern="1200" cap="none">
+                <a:solidFill>
+                  <a:schemeClr val="tx1"/>
+                </a:solidFill>
+                <a:effectLst/>
+                <a:latin typeface="+mn-lt"/>
+                <a:ea typeface="+mn-ea"/>
+                <a:cs typeface="+mn-cs"/>
+              </a:defRPr>
+            </a:lvl1pPr>
+            <a:lvl2pPr marL="742950" indent="-285750" algn="l" defTabSz="457200" rtl="0" eaLnBrk="1" latinLnBrk="0" hangingPunct="1">
+              <a:spcBef>
+                <a:spcPct val="20000"/>
+              </a:spcBef>
+              <a:spcAft>
+                <a:spcPts val="600"/>
+              </a:spcAft>
+              <a:buClr>
+                <a:schemeClr val="accent1">
+                  <a:lumMod val="75000"/>
+                </a:schemeClr>
+              </a:buClr>
+              <a:buSzPct val="145000"/>
+              <a:buFont typeface="Arial"/>
+              <a:buChar char="•"/>
+              <a:defRPr sz="2000" kern="1200" cap="none">
+                <a:solidFill>
+                  <a:schemeClr val="tx1"/>
+                </a:solidFill>
+                <a:effectLst/>
+                <a:latin typeface="+mn-lt"/>
+                <a:ea typeface="+mn-ea"/>
+                <a:cs typeface="+mn-cs"/>
+              </a:defRPr>
+            </a:lvl2pPr>
+            <a:lvl3pPr marL="1200150" indent="-285750" algn="l" defTabSz="457200" rtl="0" eaLnBrk="1" latinLnBrk="0" hangingPunct="1">
+              <a:spcBef>
+                <a:spcPct val="20000"/>
+              </a:spcBef>
+              <a:spcAft>
+                <a:spcPts val="600"/>
+              </a:spcAft>
+              <a:buClr>
+                <a:schemeClr val="accent1">
+                  <a:lumMod val="75000"/>
+                </a:schemeClr>
+              </a:buClr>
+              <a:buSzPct val="145000"/>
+              <a:buFont typeface="Arial"/>
+              <a:buChar char="•"/>
+              <a:defRPr sz="1800" kern="1200" cap="none">
+                <a:solidFill>
+                  <a:schemeClr val="tx1"/>
+                </a:solidFill>
+                <a:effectLst/>
+                <a:latin typeface="+mn-lt"/>
+                <a:ea typeface="+mn-ea"/>
+                <a:cs typeface="+mn-cs"/>
+              </a:defRPr>
+            </a:lvl3pPr>
+            <a:lvl4pPr marL="1543050" indent="-171450" algn="l" defTabSz="457200" rtl="0" eaLnBrk="1" latinLnBrk="0" hangingPunct="1">
+              <a:spcBef>
+                <a:spcPct val="20000"/>
+              </a:spcBef>
+              <a:spcAft>
+                <a:spcPts val="600"/>
+              </a:spcAft>
+              <a:buClr>
+                <a:schemeClr val="accent1">
+                  <a:lumMod val="75000"/>
+                </a:schemeClr>
+              </a:buClr>
+              <a:buSzPct val="145000"/>
+              <a:buFont typeface="Arial"/>
+              <a:buChar char="•"/>
+              <a:defRPr sz="1600" kern="1200" cap="none">
+                <a:solidFill>
+                  <a:schemeClr val="tx1"/>
+                </a:solidFill>
+                <a:effectLst/>
+                <a:latin typeface="+mn-lt"/>
+                <a:ea typeface="+mn-ea"/>
+                <a:cs typeface="+mn-cs"/>
+              </a:defRPr>
+            </a:lvl4pPr>
+            <a:lvl5pPr marL="2000250" indent="-171450" algn="l" defTabSz="457200" rtl="0" eaLnBrk="1" latinLnBrk="0" hangingPunct="1">
+              <a:spcBef>
+                <a:spcPct val="20000"/>
+              </a:spcBef>
+              <a:spcAft>
+                <a:spcPts val="600"/>
+              </a:spcAft>
+              <a:buClr>
+                <a:schemeClr val="accent1">
+                  <a:lumMod val="75000"/>
+                </a:schemeClr>
+              </a:buClr>
+              <a:buSzPct val="145000"/>
+              <a:buFont typeface="Arial"/>
+              <a:buChar char="•"/>
+              <a:defRPr sz="1400" kern="1200" cap="none">
+                <a:solidFill>
+                  <a:schemeClr val="tx1"/>
+                </a:solidFill>
+                <a:effectLst/>
+                <a:latin typeface="+mn-lt"/>
+                <a:ea typeface="+mn-ea"/>
+                <a:cs typeface="+mn-cs"/>
+              </a:defRPr>
+            </a:lvl5pPr>
+            <a:lvl6pPr marL="2514600" indent="-228600" algn="l" defTabSz="457200" rtl="0" eaLnBrk="1" latinLnBrk="0" hangingPunct="1">
+              <a:spcBef>
+                <a:spcPct val="20000"/>
+              </a:spcBef>
+              <a:spcAft>
+                <a:spcPts val="600"/>
+              </a:spcAft>
+              <a:buClr>
+                <a:schemeClr val="accent1">
+                  <a:lumMod val="75000"/>
+                </a:schemeClr>
+              </a:buClr>
+              <a:buSzPct val="145000"/>
+              <a:buFont typeface="Arial"/>
+              <a:buChar char="•"/>
+              <a:defRPr sz="1400" kern="1200" cap="none">
+                <a:solidFill>
+                  <a:schemeClr val="tx1"/>
+                </a:solidFill>
+                <a:effectLst/>
+                <a:latin typeface="+mn-lt"/>
+                <a:ea typeface="+mn-ea"/>
+                <a:cs typeface="+mn-cs"/>
+              </a:defRPr>
+            </a:lvl6pPr>
+            <a:lvl7pPr marL="2971800" indent="-228600" algn="l" defTabSz="457200" rtl="0" eaLnBrk="1" latinLnBrk="0" hangingPunct="1">
+              <a:spcBef>
+                <a:spcPct val="20000"/>
+              </a:spcBef>
+              <a:spcAft>
+                <a:spcPts val="600"/>
+              </a:spcAft>
+              <a:buClr>
+                <a:schemeClr val="accent1">
+                  <a:lumMod val="75000"/>
+                </a:schemeClr>
+              </a:buClr>
+              <a:buSzPct val="145000"/>
+              <a:buFont typeface="Arial"/>
+              <a:buChar char="•"/>
+              <a:defRPr sz="1400" kern="1200" cap="none">
+                <a:solidFill>
+                  <a:schemeClr val="tx1"/>
+                </a:solidFill>
+                <a:effectLst/>
+                <a:latin typeface="+mn-lt"/>
+                <a:ea typeface="+mn-ea"/>
+                <a:cs typeface="+mn-cs"/>
+              </a:defRPr>
+            </a:lvl7pPr>
+            <a:lvl8pPr marL="3429000" indent="-228600" algn="l" defTabSz="457200" rtl="0" eaLnBrk="1" latinLnBrk="0" hangingPunct="1">
+              <a:spcBef>
+                <a:spcPct val="20000"/>
+              </a:spcBef>
+              <a:spcAft>
+                <a:spcPts val="600"/>
+              </a:spcAft>
+              <a:buClr>
+                <a:schemeClr val="accent1">
+                  <a:lumMod val="75000"/>
+                </a:schemeClr>
+              </a:buClr>
+              <a:buSzPct val="145000"/>
+              <a:buFont typeface="Arial"/>
+              <a:buChar char="•"/>
+              <a:defRPr sz="1400" kern="1200" cap="none">
+                <a:solidFill>
+                  <a:schemeClr val="tx1"/>
+                </a:solidFill>
+                <a:effectLst/>
+                <a:latin typeface="+mn-lt"/>
+                <a:ea typeface="+mn-ea"/>
+                <a:cs typeface="+mn-cs"/>
+              </a:defRPr>
+            </a:lvl8pPr>
+            <a:lvl9pPr marL="3886200" indent="-228600" algn="l" defTabSz="457200" rtl="0" eaLnBrk="1" latinLnBrk="0" hangingPunct="1">
+              <a:spcBef>
+                <a:spcPct val="20000"/>
+              </a:spcBef>
+              <a:spcAft>
+                <a:spcPts val="600"/>
+              </a:spcAft>
+              <a:buClr>
+                <a:schemeClr val="accent1">
+                  <a:lumMod val="75000"/>
+                </a:schemeClr>
+              </a:buClr>
+              <a:buSzPct val="145000"/>
+              <a:buFont typeface="Arial"/>
+              <a:buChar char="•"/>
+              <a:defRPr sz="1400" kern="1200" cap="none">
+                <a:solidFill>
+                  <a:schemeClr val="tx1"/>
+                </a:solidFill>
+                <a:effectLst/>
+                <a:latin typeface="+mn-lt"/>
+                <a:ea typeface="+mn-ea"/>
+                <a:cs typeface="+mn-cs"/>
+              </a:defRPr>
+            </a:lvl9pPr>
+          </a:lstStyle>
+          <a:p>
+            <a:pPr marL="0" indent="0">
+              <a:buFont typeface="Arial"/>
+              <a:buNone/>
+            </a:pPr>
+            <a:r>
+              <a:rPr lang="en-US" smtClean="0"/>
+              <a:t>The ItemDescriptionView</a:t>
+            </a:r>
+            <a:endParaRPr lang="en-US" dirty="0"/>
+          </a:p>
+        </p:txBody>
+      </p:sp>
+      <p:sp>
+        <p:nvSpPr>
+          <p:cNvPr id="15" name="Rectangle 14"/>
+          <p:cNvSpPr/>
+          <p:nvPr/>
+        </p:nvSpPr>
+        <p:spPr>
+          <a:xfrm>
+            <a:off x="3000831" y="1597041"/>
+            <a:ext cx="1323568" cy="461665"/>
+          </a:xfrm>
+          <a:prstGeom prst="rect">
+            <a:avLst/>
+          </a:prstGeom>
+          <a:noFill/>
+        </p:spPr>
+        <p:txBody>
+          <a:bodyPr wrap="none" lIns="91440" tIns="45720" rIns="91440" bIns="45720">
+            <a:spAutoFit/>
+          </a:bodyPr>
+          <a:lstStyle/>
+          <a:p>
+            <a:pPr algn="ctr"/>
+            <a:r>
+              <a:rPr lang="en-US" sz="2400" b="1" cap="none" spc="0" dirty="0" smtClean="0">
+                <a:ln w="22225">
+                  <a:solidFill>
+                    <a:schemeClr val="accent2"/>
+                  </a:solidFill>
+                  <a:prstDash val="solid"/>
+                </a:ln>
+                <a:solidFill>
+                  <a:schemeClr val="accent2">
+                    <a:lumMod val="40000"/>
+                    <a:lumOff val="60000"/>
+                  </a:schemeClr>
+                </a:solidFill>
+                <a:effectLst/>
+              </a:rPr>
+              <a:t>&lt;- Group</a:t>
+            </a:r>
+            <a:endParaRPr lang="en-US" sz="2400" b="1" cap="none" spc="0" dirty="0">
+              <a:ln w="22225">
+                <a:solidFill>
+                  <a:schemeClr val="accent2"/>
+                </a:solidFill>
+                <a:prstDash val="solid"/>
+              </a:ln>
+              <a:solidFill>
+                <a:schemeClr val="accent2">
+                  <a:lumMod val="40000"/>
+                  <a:lumOff val="60000"/>
+                </a:schemeClr>
+              </a:solidFill>
+              <a:effectLst/>
+            </a:endParaRPr>
+          </a:p>
+        </p:txBody>
+      </p:sp>
+      <p:sp>
+        <p:nvSpPr>
+          <p:cNvPr id="16" name="Rectangle 15"/>
+          <p:cNvSpPr/>
+          <p:nvPr/>
+        </p:nvSpPr>
+        <p:spPr>
+          <a:xfrm>
+            <a:off x="2326426" y="2135165"/>
+            <a:ext cx="1096583" cy="461665"/>
+          </a:xfrm>
+          <a:prstGeom prst="rect">
+            <a:avLst/>
+          </a:prstGeom>
+          <a:noFill/>
+        </p:spPr>
+        <p:txBody>
+          <a:bodyPr wrap="none" lIns="91440" tIns="45720" rIns="91440" bIns="45720">
+            <a:spAutoFit/>
+          </a:bodyPr>
+          <a:lstStyle/>
+          <a:p>
+            <a:pPr algn="ctr"/>
+            <a:r>
+              <a:rPr lang="en-US" sz="2400" b="1" cap="none" spc="0" dirty="0" smtClean="0">
+                <a:ln w="22225">
+                  <a:solidFill>
+                    <a:schemeClr val="accent2"/>
+                  </a:solidFill>
+                  <a:prstDash val="solid"/>
+                </a:ln>
+                <a:solidFill>
+                  <a:schemeClr val="accent2">
+                    <a:lumMod val="40000"/>
+                    <a:lumOff val="60000"/>
+                  </a:schemeClr>
+                </a:solidFill>
+                <a:effectLst/>
+              </a:rPr>
+              <a:t>&lt;- Title</a:t>
+            </a:r>
+            <a:endParaRPr lang="en-US" sz="2400" b="1" cap="none" spc="0" dirty="0">
+              <a:ln w="22225">
+                <a:solidFill>
+                  <a:schemeClr val="accent2"/>
+                </a:solidFill>
+                <a:prstDash val="solid"/>
+              </a:ln>
+              <a:solidFill>
+                <a:schemeClr val="accent2">
+                  <a:lumMod val="40000"/>
+                  <a:lumOff val="60000"/>
+                </a:schemeClr>
+              </a:solidFill>
+              <a:effectLst/>
+            </a:endParaRPr>
+          </a:p>
+        </p:txBody>
+      </p:sp>
+      <p:sp>
+        <p:nvSpPr>
+          <p:cNvPr id="17" name="Rectangle 16"/>
+          <p:cNvSpPr/>
+          <p:nvPr/>
+        </p:nvSpPr>
+        <p:spPr>
+          <a:xfrm>
+            <a:off x="1982039" y="3092721"/>
+            <a:ext cx="1568571" cy="461665"/>
+          </a:xfrm>
+          <a:prstGeom prst="rect">
+            <a:avLst/>
+          </a:prstGeom>
+          <a:noFill/>
+        </p:spPr>
+        <p:txBody>
+          <a:bodyPr wrap="none" lIns="91440" tIns="45720" rIns="91440" bIns="45720">
+            <a:spAutoFit/>
+          </a:bodyPr>
+          <a:lstStyle/>
+          <a:p>
+            <a:pPr algn="ctr"/>
+            <a:r>
+              <a:rPr lang="en-US" sz="2400" b="1" cap="none" spc="0" dirty="0" smtClean="0">
+                <a:ln w="22225">
+                  <a:solidFill>
+                    <a:schemeClr val="accent2"/>
+                  </a:solidFill>
+                  <a:prstDash val="solid"/>
+                </a:ln>
+                <a:solidFill>
+                  <a:schemeClr val="accent2">
+                    <a:lumMod val="40000"/>
+                    <a:lumOff val="60000"/>
+                  </a:schemeClr>
+                </a:solidFill>
+                <a:effectLst/>
+              </a:rPr>
+              <a:t>&lt;- Subtitle</a:t>
+            </a:r>
+            <a:endParaRPr lang="en-US" sz="2400" b="1" cap="none" spc="0" dirty="0">
+              <a:ln w="22225">
+                <a:solidFill>
+                  <a:schemeClr val="accent2"/>
+                </a:solidFill>
+                <a:prstDash val="solid"/>
+              </a:ln>
+              <a:solidFill>
+                <a:schemeClr val="accent2">
+                  <a:lumMod val="40000"/>
+                  <a:lumOff val="60000"/>
+                </a:schemeClr>
+              </a:solidFill>
+              <a:effectLst/>
+            </a:endParaRPr>
+          </a:p>
+        </p:txBody>
+      </p:sp>
+      <p:sp>
+        <p:nvSpPr>
+          <p:cNvPr id="18" name="Rectangle 17"/>
+          <p:cNvSpPr/>
+          <p:nvPr/>
+        </p:nvSpPr>
+        <p:spPr>
+          <a:xfrm>
+            <a:off x="4425552" y="4343031"/>
+            <a:ext cx="2037737" cy="461665"/>
+          </a:xfrm>
+          <a:prstGeom prst="rect">
+            <a:avLst/>
+          </a:prstGeom>
+          <a:noFill/>
+        </p:spPr>
+        <p:txBody>
+          <a:bodyPr wrap="none" lIns="91440" tIns="45720" rIns="91440" bIns="45720">
+            <a:spAutoFit/>
+          </a:bodyPr>
+          <a:lstStyle/>
+          <a:p>
+            <a:pPr algn="ctr"/>
+            <a:r>
+              <a:rPr lang="en-US" sz="2400" b="1" cap="none" spc="0" dirty="0" smtClean="0">
+                <a:ln w="22225">
+                  <a:solidFill>
+                    <a:schemeClr val="accent2"/>
+                  </a:solidFill>
+                  <a:prstDash val="solid"/>
+                </a:ln>
+                <a:solidFill>
+                  <a:schemeClr val="accent2">
+                    <a:lumMod val="40000"/>
+                    <a:lumOff val="60000"/>
+                  </a:schemeClr>
+                </a:solidFill>
+                <a:effectLst/>
+              </a:rPr>
+              <a:t>&lt;- Description</a:t>
+            </a:r>
+            <a:endParaRPr lang="en-US" sz="2400" b="1" cap="none" spc="0" dirty="0">
+              <a:ln w="22225">
+                <a:solidFill>
+                  <a:schemeClr val="accent2"/>
+                </a:solidFill>
+                <a:prstDash val="solid"/>
+              </a:ln>
+              <a:solidFill>
+                <a:schemeClr val="accent2">
+                  <a:lumMod val="40000"/>
+                  <a:lumOff val="60000"/>
+                </a:schemeClr>
+              </a:solidFill>
+              <a:effectLst/>
+            </a:endParaRPr>
+          </a:p>
+        </p:txBody>
+      </p:sp>
+      <p:sp>
+        <p:nvSpPr>
+          <p:cNvPr id="19" name="Rectangle 18"/>
+          <p:cNvSpPr/>
+          <p:nvPr/>
+        </p:nvSpPr>
+        <p:spPr>
+          <a:xfrm>
+            <a:off x="2479967" y="3764482"/>
+            <a:ext cx="1038040" cy="369332"/>
+          </a:xfrm>
+          <a:prstGeom prst="rect">
+            <a:avLst/>
+          </a:prstGeom>
+        </p:spPr>
+        <p:txBody>
+          <a:bodyPr wrap="none">
+            <a:spAutoFit/>
+          </a:bodyPr>
+          <a:lstStyle/>
+          <a:p>
+            <a:pPr algn="ctr"/>
+            <a:r>
+              <a:rPr lang="en-US" b="1" dirty="0">
+                <a:ln w="22225">
+                  <a:solidFill>
+                    <a:schemeClr val="accent2"/>
+                  </a:solidFill>
+                  <a:prstDash val="solid"/>
+                </a:ln>
+                <a:solidFill>
+                  <a:schemeClr val="accent2">
+                    <a:lumMod val="40000"/>
+                    <a:lumOff val="60000"/>
+                  </a:schemeClr>
+                </a:solidFill>
+              </a:rPr>
+              <a:t>&lt;- Group</a:t>
+            </a:r>
+          </a:p>
+        </p:txBody>
+      </p:sp>
+      <p:sp>
+        <p:nvSpPr>
+          <p:cNvPr id="33" name="Rectangle 32"/>
+          <p:cNvSpPr/>
+          <p:nvPr/>
+        </p:nvSpPr>
+        <p:spPr>
+          <a:xfrm>
+            <a:off x="2361650" y="3918095"/>
+            <a:ext cx="1096583" cy="461665"/>
+          </a:xfrm>
+          <a:prstGeom prst="rect">
+            <a:avLst/>
+          </a:prstGeom>
+          <a:noFill/>
+        </p:spPr>
+        <p:txBody>
+          <a:bodyPr wrap="none" lIns="91440" tIns="45720" rIns="91440" bIns="45720">
+            <a:spAutoFit/>
+          </a:bodyPr>
+          <a:lstStyle/>
+          <a:p>
+            <a:pPr algn="ctr"/>
+            <a:r>
+              <a:rPr lang="en-US" sz="2400" b="1" cap="none" spc="0" dirty="0" smtClean="0">
+                <a:ln w="22225">
+                  <a:solidFill>
+                    <a:schemeClr val="accent2"/>
+                  </a:solidFill>
+                  <a:prstDash val="solid"/>
+                </a:ln>
+                <a:solidFill>
+                  <a:schemeClr val="accent2">
+                    <a:lumMod val="40000"/>
+                    <a:lumOff val="60000"/>
+                  </a:schemeClr>
+                </a:solidFill>
+                <a:effectLst/>
+              </a:rPr>
+              <a:t>&lt;- Title</a:t>
+            </a:r>
+            <a:endParaRPr lang="en-US" sz="2400" b="1" cap="none" spc="0" dirty="0">
+              <a:ln w="22225">
+                <a:solidFill>
+                  <a:schemeClr val="accent2"/>
+                </a:solidFill>
+                <a:prstDash val="solid"/>
+              </a:ln>
+              <a:solidFill>
+                <a:schemeClr val="accent2">
+                  <a:lumMod val="40000"/>
+                  <a:lumOff val="60000"/>
+                </a:schemeClr>
+              </a:solidFill>
+              <a:effectLst/>
+            </a:endParaRPr>
+          </a:p>
+        </p:txBody>
+      </p:sp>
+      <p:sp>
+        <p:nvSpPr>
+          <p:cNvPr id="34" name="Rectangle 33"/>
+          <p:cNvSpPr/>
+          <p:nvPr/>
+        </p:nvSpPr>
+        <p:spPr>
+          <a:xfrm>
+            <a:off x="1996830" y="4171077"/>
+            <a:ext cx="1568571" cy="461665"/>
+          </a:xfrm>
+          <a:prstGeom prst="rect">
+            <a:avLst/>
+          </a:prstGeom>
+          <a:noFill/>
+        </p:spPr>
+        <p:txBody>
+          <a:bodyPr wrap="none" lIns="91440" tIns="45720" rIns="91440" bIns="45720">
+            <a:spAutoFit/>
+          </a:bodyPr>
+          <a:lstStyle/>
+          <a:p>
+            <a:pPr algn="ctr"/>
+            <a:r>
+              <a:rPr lang="en-US" sz="2400" b="1" cap="none" spc="0" dirty="0" smtClean="0">
+                <a:ln w="22225">
+                  <a:solidFill>
+                    <a:schemeClr val="accent2"/>
+                  </a:solidFill>
+                  <a:prstDash val="solid"/>
+                </a:ln>
+                <a:solidFill>
+                  <a:schemeClr val="accent2">
+                    <a:lumMod val="40000"/>
+                    <a:lumOff val="60000"/>
+                  </a:schemeClr>
+                </a:solidFill>
+                <a:effectLst/>
+              </a:rPr>
+              <a:t>&lt;- Subtitle</a:t>
+            </a:r>
+            <a:endParaRPr lang="en-US" sz="2400" b="1" cap="none" spc="0" dirty="0">
+              <a:ln w="22225">
+                <a:solidFill>
+                  <a:schemeClr val="accent2"/>
+                </a:solidFill>
+                <a:prstDash val="solid"/>
+              </a:ln>
+              <a:solidFill>
+                <a:schemeClr val="accent2">
+                  <a:lumMod val="40000"/>
+                  <a:lumOff val="60000"/>
+                </a:schemeClr>
+              </a:solidFill>
+              <a:effectLst/>
+            </a:endParaRPr>
+          </a:p>
+        </p:txBody>
+      </p:sp>
+      <p:sp>
+        <p:nvSpPr>
+          <p:cNvPr id="37" name="Rectangle 36"/>
+          <p:cNvSpPr/>
+          <p:nvPr/>
+        </p:nvSpPr>
+        <p:spPr>
+          <a:xfrm>
+            <a:off x="6032524" y="1556968"/>
+            <a:ext cx="1323568" cy="461665"/>
+          </a:xfrm>
+          <a:prstGeom prst="rect">
+            <a:avLst/>
+          </a:prstGeom>
+          <a:noFill/>
+        </p:spPr>
+        <p:txBody>
+          <a:bodyPr wrap="none" lIns="91440" tIns="45720" rIns="91440" bIns="45720">
+            <a:spAutoFit/>
+          </a:bodyPr>
+          <a:lstStyle/>
+          <a:p>
+            <a:pPr algn="ctr"/>
+            <a:r>
+              <a:rPr lang="en-US" sz="2400" b="1" cap="none" spc="0" dirty="0" smtClean="0">
+                <a:ln w="22225">
+                  <a:solidFill>
+                    <a:schemeClr val="accent2"/>
+                  </a:solidFill>
+                  <a:prstDash val="solid"/>
+                </a:ln>
+                <a:solidFill>
+                  <a:schemeClr val="accent2">
+                    <a:lumMod val="40000"/>
+                    <a:lumOff val="60000"/>
+                  </a:schemeClr>
+                </a:solidFill>
+                <a:effectLst/>
+              </a:rPr>
+              <a:t>&lt;- Group</a:t>
+            </a:r>
+            <a:endParaRPr lang="en-US" sz="2400" b="1" cap="none" spc="0" dirty="0">
+              <a:ln w="22225">
+                <a:solidFill>
+                  <a:schemeClr val="accent2"/>
+                </a:solidFill>
+                <a:prstDash val="solid"/>
+              </a:ln>
+              <a:solidFill>
+                <a:schemeClr val="accent2">
+                  <a:lumMod val="40000"/>
+                  <a:lumOff val="60000"/>
+                </a:schemeClr>
+              </a:solidFill>
+              <a:effectLst/>
+            </a:endParaRPr>
+          </a:p>
+        </p:txBody>
+      </p:sp>
+      <p:sp>
+        <p:nvSpPr>
+          <p:cNvPr id="38" name="Rectangle 37"/>
+          <p:cNvSpPr/>
+          <p:nvPr/>
+        </p:nvSpPr>
+        <p:spPr>
+          <a:xfrm>
+            <a:off x="6335077" y="4073839"/>
+            <a:ext cx="1096583" cy="461665"/>
+          </a:xfrm>
+          <a:prstGeom prst="rect">
+            <a:avLst/>
+          </a:prstGeom>
+          <a:noFill/>
+        </p:spPr>
+        <p:txBody>
+          <a:bodyPr wrap="none" lIns="91440" tIns="45720" rIns="91440" bIns="45720">
+            <a:spAutoFit/>
+          </a:bodyPr>
+          <a:lstStyle/>
+          <a:p>
+            <a:pPr algn="ctr"/>
+            <a:r>
+              <a:rPr lang="en-US" sz="2400" b="1" cap="none" spc="0" dirty="0" smtClean="0">
+                <a:ln w="22225">
+                  <a:solidFill>
+                    <a:schemeClr val="accent2"/>
+                  </a:solidFill>
+                  <a:prstDash val="solid"/>
+                </a:ln>
+                <a:solidFill>
+                  <a:schemeClr val="accent2">
+                    <a:lumMod val="40000"/>
+                    <a:lumOff val="60000"/>
+                  </a:schemeClr>
+                </a:solidFill>
+                <a:effectLst/>
+              </a:rPr>
+              <a:t>&lt;- Title</a:t>
+            </a:r>
+            <a:endParaRPr lang="en-US" sz="2400" b="1" cap="none" spc="0" dirty="0">
+              <a:ln w="22225">
+                <a:solidFill>
+                  <a:schemeClr val="accent2"/>
+                </a:solidFill>
+                <a:prstDash val="solid"/>
+              </a:ln>
+              <a:solidFill>
+                <a:schemeClr val="accent2">
+                  <a:lumMod val="40000"/>
+                  <a:lumOff val="60000"/>
+                </a:schemeClr>
+              </a:solidFill>
+              <a:effectLst/>
+            </a:endParaRPr>
+          </a:p>
+        </p:txBody>
+      </p:sp>
+      <p:sp>
+        <p:nvSpPr>
+          <p:cNvPr id="39" name="Rectangle 38"/>
+          <p:cNvSpPr/>
+          <p:nvPr/>
+        </p:nvSpPr>
+        <p:spPr>
+          <a:xfrm>
+            <a:off x="6073099" y="2024648"/>
+            <a:ext cx="1096583" cy="461665"/>
+          </a:xfrm>
+          <a:prstGeom prst="rect">
+            <a:avLst/>
+          </a:prstGeom>
+          <a:noFill/>
+        </p:spPr>
+        <p:txBody>
+          <a:bodyPr wrap="none" lIns="91440" tIns="45720" rIns="91440" bIns="45720">
+            <a:spAutoFit/>
+          </a:bodyPr>
+          <a:lstStyle/>
+          <a:p>
+            <a:pPr algn="ctr"/>
+            <a:r>
+              <a:rPr lang="en-US" sz="2400" b="1" cap="none" spc="0" dirty="0" smtClean="0">
+                <a:ln w="22225">
+                  <a:solidFill>
+                    <a:schemeClr val="accent2"/>
+                  </a:solidFill>
+                  <a:prstDash val="solid"/>
+                </a:ln>
+                <a:solidFill>
+                  <a:schemeClr val="accent2">
+                    <a:lumMod val="40000"/>
+                    <a:lumOff val="60000"/>
+                  </a:schemeClr>
+                </a:solidFill>
+                <a:effectLst/>
+              </a:rPr>
+              <a:t>&lt;- Title</a:t>
+            </a:r>
+            <a:endParaRPr lang="en-US" sz="2400" b="1" cap="none" spc="0" dirty="0">
+              <a:ln w="22225">
+                <a:solidFill>
+                  <a:schemeClr val="accent2"/>
+                </a:solidFill>
+                <a:prstDash val="solid"/>
+              </a:ln>
+              <a:solidFill>
+                <a:schemeClr val="accent2">
+                  <a:lumMod val="40000"/>
+                  <a:lumOff val="60000"/>
+                </a:schemeClr>
+              </a:solidFill>
+              <a:effectLst/>
+            </a:endParaRPr>
+          </a:p>
+        </p:txBody>
+      </p:sp>
+      <p:sp>
+        <p:nvSpPr>
+          <p:cNvPr id="40" name="Rectangle 39"/>
+          <p:cNvSpPr/>
+          <p:nvPr/>
+        </p:nvSpPr>
+        <p:spPr>
+          <a:xfrm>
+            <a:off x="6032524" y="2191827"/>
+            <a:ext cx="1568571" cy="461665"/>
+          </a:xfrm>
+          <a:prstGeom prst="rect">
+            <a:avLst/>
+          </a:prstGeom>
+          <a:noFill/>
+        </p:spPr>
+        <p:txBody>
+          <a:bodyPr wrap="none" lIns="91440" tIns="45720" rIns="91440" bIns="45720">
+            <a:spAutoFit/>
+          </a:bodyPr>
+          <a:lstStyle/>
+          <a:p>
+            <a:pPr algn="ctr"/>
+            <a:r>
+              <a:rPr lang="en-US" sz="2400" b="1" cap="none" spc="0" dirty="0" smtClean="0">
+                <a:ln w="22225">
+                  <a:solidFill>
+                    <a:schemeClr val="accent2"/>
+                  </a:solidFill>
+                  <a:prstDash val="solid"/>
+                </a:ln>
+                <a:solidFill>
+                  <a:schemeClr val="accent2">
+                    <a:lumMod val="40000"/>
+                    <a:lumOff val="60000"/>
+                  </a:schemeClr>
+                </a:solidFill>
+                <a:effectLst/>
+              </a:rPr>
+              <a:t>&lt;- Subtitle</a:t>
+            </a:r>
+            <a:endParaRPr lang="en-US" sz="2400" b="1" cap="none" spc="0" dirty="0">
+              <a:ln w="22225">
+                <a:solidFill>
+                  <a:schemeClr val="accent2"/>
+                </a:solidFill>
+                <a:prstDash val="solid"/>
+              </a:ln>
+              <a:solidFill>
+                <a:schemeClr val="accent2">
+                  <a:lumMod val="40000"/>
+                  <a:lumOff val="60000"/>
+                </a:schemeClr>
+              </a:solidFill>
+              <a:effectLst/>
+            </a:endParaRPr>
+          </a:p>
+        </p:txBody>
+      </p:sp>
+      <p:sp>
+        <p:nvSpPr>
+          <p:cNvPr id="42" name="Rectangle 41"/>
+          <p:cNvSpPr/>
+          <p:nvPr/>
+        </p:nvSpPr>
+        <p:spPr>
+          <a:xfrm>
+            <a:off x="6463289" y="4962770"/>
+            <a:ext cx="2037737" cy="461665"/>
+          </a:xfrm>
+          <a:prstGeom prst="rect">
+            <a:avLst/>
+          </a:prstGeom>
+          <a:noFill/>
+        </p:spPr>
+        <p:txBody>
+          <a:bodyPr wrap="none" lIns="91440" tIns="45720" rIns="91440" bIns="45720">
+            <a:spAutoFit/>
+          </a:bodyPr>
+          <a:lstStyle/>
+          <a:p>
+            <a:pPr algn="ctr"/>
+            <a:r>
+              <a:rPr lang="en-US" sz="2400" b="1" cap="none" spc="0" dirty="0" smtClean="0">
+                <a:ln w="22225">
+                  <a:solidFill>
+                    <a:schemeClr val="accent2"/>
+                  </a:solidFill>
+                  <a:prstDash val="solid"/>
+                </a:ln>
+                <a:solidFill>
+                  <a:schemeClr val="accent2">
+                    <a:lumMod val="40000"/>
+                    <a:lumOff val="60000"/>
+                  </a:schemeClr>
+                </a:solidFill>
+                <a:effectLst/>
+              </a:rPr>
+              <a:t>&lt;- Description</a:t>
+            </a:r>
+            <a:endParaRPr lang="en-US" sz="2400" b="1" cap="none" spc="0" dirty="0">
+              <a:ln w="22225">
+                <a:solidFill>
+                  <a:schemeClr val="accent2"/>
+                </a:solidFill>
+                <a:prstDash val="solid"/>
+              </a:ln>
+              <a:solidFill>
+                <a:schemeClr val="accent2">
+                  <a:lumMod val="40000"/>
+                  <a:lumOff val="60000"/>
+                </a:schemeClr>
+              </a:solidFill>
+              <a:effectLst/>
+            </a:endParaRPr>
+          </a:p>
+        </p:txBody>
+      </p:sp>
+      <p:sp>
+        <p:nvSpPr>
+          <p:cNvPr id="43" name="Rectangle 42"/>
+          <p:cNvSpPr/>
+          <p:nvPr/>
+        </p:nvSpPr>
+        <p:spPr>
+          <a:xfrm>
+            <a:off x="6297681" y="3815862"/>
+            <a:ext cx="1323568" cy="461665"/>
+          </a:xfrm>
+          <a:prstGeom prst="rect">
+            <a:avLst/>
+          </a:prstGeom>
+          <a:noFill/>
+        </p:spPr>
+        <p:txBody>
+          <a:bodyPr wrap="none" lIns="91440" tIns="45720" rIns="91440" bIns="45720">
+            <a:spAutoFit/>
+          </a:bodyPr>
+          <a:lstStyle/>
+          <a:p>
+            <a:pPr algn="ctr"/>
+            <a:r>
+              <a:rPr lang="en-US" sz="2400" b="1" cap="none" spc="0" dirty="0" smtClean="0">
+                <a:ln w="22225">
+                  <a:solidFill>
+                    <a:schemeClr val="accent2"/>
+                  </a:solidFill>
+                  <a:prstDash val="solid"/>
+                </a:ln>
+                <a:solidFill>
+                  <a:schemeClr val="accent2">
+                    <a:lumMod val="40000"/>
+                    <a:lumOff val="60000"/>
+                  </a:schemeClr>
+                </a:solidFill>
+                <a:effectLst/>
+              </a:rPr>
+              <a:t>&lt;- Group</a:t>
+            </a:r>
+            <a:endParaRPr lang="en-US" sz="2400" b="1" cap="none" spc="0" dirty="0">
+              <a:ln w="22225">
+                <a:solidFill>
+                  <a:schemeClr val="accent2"/>
+                </a:solidFill>
+                <a:prstDash val="solid"/>
+              </a:ln>
+              <a:solidFill>
+                <a:schemeClr val="accent2">
+                  <a:lumMod val="40000"/>
+                  <a:lumOff val="60000"/>
+                </a:schemeClr>
+              </a:solidFill>
+              <a:effectLst/>
+            </a:endParaRPr>
+          </a:p>
+        </p:txBody>
+      </p:sp>
+      <p:sp>
+        <p:nvSpPr>
+          <p:cNvPr id="9" name="Rectangle 8"/>
+          <p:cNvSpPr/>
+          <p:nvPr/>
+        </p:nvSpPr>
+        <p:spPr>
+          <a:xfrm>
+            <a:off x="2946088" y="1344059"/>
+            <a:ext cx="2828915" cy="461665"/>
+          </a:xfrm>
+          <a:prstGeom prst="rect">
+            <a:avLst/>
+          </a:prstGeom>
+          <a:noFill/>
+        </p:spPr>
+        <p:txBody>
+          <a:bodyPr wrap="none" lIns="91440" tIns="45720" rIns="91440" bIns="45720">
+            <a:spAutoFit/>
+          </a:bodyPr>
+          <a:lstStyle/>
+          <a:p>
+            <a:pPr algn="ctr"/>
+            <a:r>
+              <a:rPr lang="en-US" sz="2400" b="1" cap="none" spc="0" dirty="0" smtClean="0">
+                <a:ln w="12700">
+                  <a:solidFill>
+                    <a:schemeClr val="accent1"/>
+                  </a:solidFill>
+                  <a:prstDash val="solid"/>
+                </a:ln>
+                <a:pattFill prst="pct50">
+                  <a:fgClr>
+                    <a:schemeClr val="accent1"/>
+                  </a:fgClr>
+                  <a:bgClr>
+                    <a:schemeClr val="accent1">
+                      <a:lumMod val="20000"/>
+                      <a:lumOff val="80000"/>
+                    </a:schemeClr>
+                  </a:bgClr>
+                </a:pattFill>
+                <a:effectLst>
+                  <a:outerShdw dist="38100" dir="2640000" algn="bl" rotWithShape="0">
+                    <a:schemeClr val="accent1"/>
+                  </a:outerShdw>
+                </a:effectLst>
+              </a:rPr>
+              <a:t>&lt;- </a:t>
+            </a:r>
+            <a:r>
+              <a:rPr lang="en-US" sz="2400" b="1" cap="none" spc="0" dirty="0" err="1" smtClean="0">
+                <a:ln w="12700">
+                  <a:solidFill>
+                    <a:schemeClr val="accent1"/>
+                  </a:solidFill>
+                  <a:prstDash val="solid"/>
+                </a:ln>
+                <a:pattFill prst="pct50">
+                  <a:fgClr>
+                    <a:schemeClr val="accent1"/>
+                  </a:fgClr>
+                  <a:bgClr>
+                    <a:schemeClr val="accent1">
+                      <a:lumMod val="20000"/>
+                      <a:lumOff val="80000"/>
+                    </a:schemeClr>
+                  </a:bgClr>
+                </a:pattFill>
+                <a:effectLst>
+                  <a:outerShdw dist="38100" dir="2640000" algn="bl" rotWithShape="0">
+                    <a:schemeClr val="accent1"/>
+                  </a:outerShdw>
+                </a:effectLst>
+              </a:rPr>
+              <a:t>ApplicationName</a:t>
+            </a:r>
+            <a:endParaRPr lang="en-US" sz="2400" b="1" cap="none" spc="0" dirty="0">
+              <a:ln w="12700">
+                <a:solidFill>
+                  <a:schemeClr val="accent1"/>
+                </a:solidFill>
+                <a:prstDash val="solid"/>
+              </a:ln>
+              <a:pattFill prst="pct50">
+                <a:fgClr>
+                  <a:schemeClr val="accent1"/>
+                </a:fgClr>
+                <a:bgClr>
+                  <a:schemeClr val="accent1">
+                    <a:lumMod val="20000"/>
+                    <a:lumOff val="80000"/>
+                  </a:schemeClr>
+                </a:bgClr>
+              </a:pattFill>
+              <a:effectLst>
+                <a:outerShdw dist="38100" dir="2640000" algn="bl" rotWithShape="0">
+                  <a:schemeClr val="accent1"/>
+                </a:outerShdw>
+              </a:effectLst>
+            </a:endParaRPr>
+          </a:p>
+        </p:txBody>
+      </p:sp>
+      <p:sp>
+        <p:nvSpPr>
+          <p:cNvPr id="26" name="Rectangle 25"/>
+          <p:cNvSpPr/>
+          <p:nvPr/>
+        </p:nvSpPr>
+        <p:spPr>
+          <a:xfrm>
+            <a:off x="6017891" y="1315684"/>
+            <a:ext cx="2828915" cy="461665"/>
+          </a:xfrm>
+          <a:prstGeom prst="rect">
+            <a:avLst/>
+          </a:prstGeom>
+          <a:noFill/>
+        </p:spPr>
+        <p:txBody>
+          <a:bodyPr wrap="none" lIns="91440" tIns="45720" rIns="91440" bIns="45720">
+            <a:spAutoFit/>
+          </a:bodyPr>
+          <a:lstStyle/>
+          <a:p>
+            <a:pPr algn="ctr"/>
+            <a:r>
+              <a:rPr lang="en-US" sz="2400" b="1" cap="none" spc="0" dirty="0" smtClean="0">
+                <a:ln w="12700">
+                  <a:solidFill>
+                    <a:schemeClr val="accent1"/>
+                  </a:solidFill>
+                  <a:prstDash val="solid"/>
+                </a:ln>
+                <a:pattFill prst="pct50">
+                  <a:fgClr>
+                    <a:schemeClr val="accent1"/>
+                  </a:fgClr>
+                  <a:bgClr>
+                    <a:schemeClr val="accent1">
+                      <a:lumMod val="20000"/>
+                      <a:lumOff val="80000"/>
+                    </a:schemeClr>
+                  </a:bgClr>
+                </a:pattFill>
+                <a:effectLst>
+                  <a:outerShdw dist="38100" dir="2640000" algn="bl" rotWithShape="0">
+                    <a:schemeClr val="accent1"/>
+                  </a:outerShdw>
+                </a:effectLst>
+              </a:rPr>
+              <a:t>&lt;- </a:t>
+            </a:r>
+            <a:r>
+              <a:rPr lang="en-US" sz="2400" b="1" cap="none" spc="0" dirty="0" err="1" smtClean="0">
+                <a:ln w="12700">
+                  <a:solidFill>
+                    <a:schemeClr val="accent1"/>
+                  </a:solidFill>
+                  <a:prstDash val="solid"/>
+                </a:ln>
+                <a:pattFill prst="pct50">
+                  <a:fgClr>
+                    <a:schemeClr val="accent1"/>
+                  </a:fgClr>
+                  <a:bgClr>
+                    <a:schemeClr val="accent1">
+                      <a:lumMod val="20000"/>
+                      <a:lumOff val="80000"/>
+                    </a:schemeClr>
+                  </a:bgClr>
+                </a:pattFill>
+                <a:effectLst>
+                  <a:outerShdw dist="38100" dir="2640000" algn="bl" rotWithShape="0">
+                    <a:schemeClr val="accent1"/>
+                  </a:outerShdw>
+                </a:effectLst>
+              </a:rPr>
+              <a:t>ApplicationName</a:t>
+            </a:r>
+            <a:endParaRPr lang="en-US" sz="2400" b="1" cap="none" spc="0" dirty="0">
+              <a:ln w="12700">
+                <a:solidFill>
+                  <a:schemeClr val="accent1"/>
+                </a:solidFill>
+                <a:prstDash val="solid"/>
+              </a:ln>
+              <a:pattFill prst="pct50">
+                <a:fgClr>
+                  <a:schemeClr val="accent1"/>
+                </a:fgClr>
+                <a:bgClr>
+                  <a:schemeClr val="accent1">
+                    <a:lumMod val="20000"/>
+                    <a:lumOff val="80000"/>
+                  </a:schemeClr>
+                </a:bgClr>
+              </a:pattFill>
+              <a:effectLst>
+                <a:outerShdw dist="38100" dir="2640000" algn="bl" rotWithShape="0">
+                  <a:schemeClr val="accent1"/>
+                </a:outerShdw>
+              </a:effectLst>
+            </a:endParaRPr>
+          </a:p>
+        </p:txBody>
+      </p:sp>
+      <p:sp>
+        <p:nvSpPr>
+          <p:cNvPr id="27" name="Rectangle 26"/>
+          <p:cNvSpPr/>
+          <p:nvPr/>
+        </p:nvSpPr>
+        <p:spPr>
+          <a:xfrm>
+            <a:off x="6017202" y="3569029"/>
+            <a:ext cx="2828915" cy="461665"/>
+          </a:xfrm>
+          <a:prstGeom prst="rect">
+            <a:avLst/>
+          </a:prstGeom>
+          <a:noFill/>
+        </p:spPr>
+        <p:txBody>
+          <a:bodyPr wrap="none" lIns="91440" tIns="45720" rIns="91440" bIns="45720">
+            <a:spAutoFit/>
+          </a:bodyPr>
+          <a:lstStyle/>
+          <a:p>
+            <a:pPr algn="ctr"/>
+            <a:r>
+              <a:rPr lang="en-US" sz="2400" b="1" cap="none" spc="0" dirty="0" smtClean="0">
+                <a:ln w="12700">
+                  <a:solidFill>
+                    <a:schemeClr val="accent1"/>
+                  </a:solidFill>
+                  <a:prstDash val="solid"/>
+                </a:ln>
+                <a:pattFill prst="pct50">
+                  <a:fgClr>
+                    <a:schemeClr val="accent1"/>
+                  </a:fgClr>
+                  <a:bgClr>
+                    <a:schemeClr val="accent1">
+                      <a:lumMod val="20000"/>
+                      <a:lumOff val="80000"/>
+                    </a:schemeClr>
+                  </a:bgClr>
+                </a:pattFill>
+                <a:effectLst>
+                  <a:outerShdw dist="38100" dir="2640000" algn="bl" rotWithShape="0">
+                    <a:schemeClr val="accent1"/>
+                  </a:outerShdw>
+                </a:effectLst>
+              </a:rPr>
+              <a:t>&lt;- </a:t>
+            </a:r>
+            <a:r>
+              <a:rPr lang="en-US" sz="2400" b="1" cap="none" spc="0" dirty="0" err="1" smtClean="0">
+                <a:ln w="12700">
+                  <a:solidFill>
+                    <a:schemeClr val="accent1"/>
+                  </a:solidFill>
+                  <a:prstDash val="solid"/>
+                </a:ln>
+                <a:pattFill prst="pct50">
+                  <a:fgClr>
+                    <a:schemeClr val="accent1"/>
+                  </a:fgClr>
+                  <a:bgClr>
+                    <a:schemeClr val="accent1">
+                      <a:lumMod val="20000"/>
+                      <a:lumOff val="80000"/>
+                    </a:schemeClr>
+                  </a:bgClr>
+                </a:pattFill>
+                <a:effectLst>
+                  <a:outerShdw dist="38100" dir="2640000" algn="bl" rotWithShape="0">
+                    <a:schemeClr val="accent1"/>
+                  </a:outerShdw>
+                </a:effectLst>
+              </a:rPr>
+              <a:t>ApplicationName</a:t>
+            </a:r>
+            <a:endParaRPr lang="en-US" sz="2400" b="1" cap="none" spc="0" dirty="0">
+              <a:ln w="12700">
+                <a:solidFill>
+                  <a:schemeClr val="accent1"/>
+                </a:solidFill>
+                <a:prstDash val="solid"/>
+              </a:ln>
+              <a:pattFill prst="pct50">
+                <a:fgClr>
+                  <a:schemeClr val="accent1"/>
+                </a:fgClr>
+                <a:bgClr>
+                  <a:schemeClr val="accent1">
+                    <a:lumMod val="20000"/>
+                    <a:lumOff val="80000"/>
+                  </a:schemeClr>
+                </a:bgClr>
+              </a:pattFill>
+              <a:effectLst>
+                <a:outerShdw dist="38100" dir="2640000" algn="bl" rotWithShape="0">
+                  <a:schemeClr val="accent1"/>
+                </a:outerShdw>
+              </a:effectLst>
+            </a:endParaRPr>
+          </a:p>
+        </p:txBody>
+      </p:sp>
+      <p:sp>
+        <p:nvSpPr>
+          <p:cNvPr id="28" name="Rectangle 27"/>
+          <p:cNvSpPr/>
+          <p:nvPr/>
+        </p:nvSpPr>
+        <p:spPr>
+          <a:xfrm>
+            <a:off x="2630759" y="6024688"/>
+            <a:ext cx="8372100" cy="461665"/>
+          </a:xfrm>
+          <a:prstGeom prst="rect">
+            <a:avLst/>
+          </a:prstGeom>
+          <a:noFill/>
+        </p:spPr>
+        <p:txBody>
+          <a:bodyPr wrap="none" lIns="91440" tIns="45720" rIns="91440" bIns="45720">
+            <a:spAutoFit/>
+          </a:bodyPr>
+          <a:lstStyle/>
+          <a:p>
+            <a:pPr algn="ctr"/>
+            <a:r>
+              <a:rPr lang="en-US" sz="2400" b="1" cap="none" spc="0" dirty="0" smtClean="0">
+                <a:ln w="12700">
+                  <a:solidFill>
+                    <a:schemeClr val="accent1"/>
+                  </a:solidFill>
+                  <a:prstDash val="solid"/>
+                </a:ln>
+                <a:pattFill prst="pct50">
+                  <a:fgClr>
+                    <a:schemeClr val="accent1"/>
+                  </a:fgClr>
+                  <a:bgClr>
+                    <a:schemeClr val="accent1">
+                      <a:lumMod val="20000"/>
+                      <a:lumOff val="80000"/>
+                    </a:schemeClr>
+                  </a:bgClr>
+                </a:pattFill>
+                <a:effectLst>
+                  <a:outerShdw dist="38100" dir="2640000" algn="bl" rotWithShape="0">
+                    <a:schemeClr val="accent1"/>
+                  </a:outerShdw>
+                </a:effectLst>
+              </a:rPr>
+              <a:t>Blue Items are configured in </a:t>
+            </a:r>
+            <a:r>
+              <a:rPr lang="en-US" sz="2400" b="1" cap="none" spc="0" dirty="0" err="1" smtClean="0">
+                <a:ln w="12700">
+                  <a:solidFill>
+                    <a:schemeClr val="accent1"/>
+                  </a:solidFill>
+                  <a:prstDash val="solid"/>
+                </a:ln>
+                <a:pattFill prst="pct50">
+                  <a:fgClr>
+                    <a:schemeClr val="accent1"/>
+                  </a:fgClr>
+                  <a:bgClr>
+                    <a:schemeClr val="accent1">
+                      <a:lumMod val="20000"/>
+                      <a:lumOff val="80000"/>
+                    </a:schemeClr>
+                  </a:bgClr>
+                </a:pattFill>
+                <a:effectLst>
+                  <a:outerShdw dist="38100" dir="2640000" algn="bl" rotWithShape="0">
+                    <a:schemeClr val="accent1"/>
+                  </a:outerShdw>
+                </a:effectLst>
+              </a:rPr>
+              <a:t>AppSettings.cs</a:t>
+            </a:r>
+            <a:r>
+              <a:rPr lang="en-US" sz="2400" b="1" cap="none" spc="0" dirty="0" smtClean="0">
+                <a:ln w="12700">
+                  <a:solidFill>
+                    <a:schemeClr val="accent1"/>
+                  </a:solidFill>
+                  <a:prstDash val="solid"/>
+                </a:ln>
+                <a:pattFill prst="pct50">
+                  <a:fgClr>
+                    <a:schemeClr val="accent1"/>
+                  </a:fgClr>
+                  <a:bgClr>
+                    <a:schemeClr val="accent1">
+                      <a:lumMod val="20000"/>
+                      <a:lumOff val="80000"/>
+                    </a:schemeClr>
+                  </a:bgClr>
+                </a:pattFill>
+                <a:effectLst>
+                  <a:outerShdw dist="38100" dir="2640000" algn="bl" rotWithShape="0">
+                    <a:schemeClr val="accent1"/>
+                  </a:outerShdw>
+                </a:effectLst>
+              </a:rPr>
+              <a:t> in the PCL project</a:t>
+            </a:r>
+            <a:endParaRPr lang="en-US" sz="2400" b="1" cap="none" spc="0" dirty="0">
+              <a:ln w="12700">
+                <a:solidFill>
+                  <a:schemeClr val="accent1"/>
+                </a:solidFill>
+                <a:prstDash val="solid"/>
+              </a:ln>
+              <a:pattFill prst="pct50">
+                <a:fgClr>
+                  <a:schemeClr val="accent1"/>
+                </a:fgClr>
+                <a:bgClr>
+                  <a:schemeClr val="accent1">
+                    <a:lumMod val="20000"/>
+                    <a:lumOff val="80000"/>
+                  </a:schemeClr>
+                </a:bgClr>
+              </a:pattFill>
+              <a:effectLst>
+                <a:outerShdw dist="38100" dir="2640000" algn="bl" rotWithShape="0">
+                  <a:schemeClr val="accent1"/>
+                </a:outerShdw>
+              </a:effectLst>
+            </a:endParaRPr>
+          </a:p>
+        </p:txBody>
+      </p:sp>
+      <p:sp>
+        <p:nvSpPr>
+          <p:cNvPr id="29" name="Rectangle 28"/>
+          <p:cNvSpPr/>
+          <p:nvPr/>
+        </p:nvSpPr>
+        <p:spPr>
+          <a:xfrm>
+            <a:off x="1912455" y="6389638"/>
+            <a:ext cx="11038408" cy="461665"/>
+          </a:xfrm>
+          <a:prstGeom prst="rect">
+            <a:avLst/>
+          </a:prstGeom>
+          <a:noFill/>
+        </p:spPr>
+        <p:txBody>
+          <a:bodyPr wrap="square" lIns="91440" tIns="45720" rIns="91440" bIns="45720">
+            <a:spAutoFit/>
+          </a:bodyPr>
+          <a:lstStyle/>
+          <a:p>
+            <a:pPr algn="ctr"/>
+            <a:r>
+              <a:rPr lang="en-US" sz="2400" b="1" dirty="0" smtClean="0">
+                <a:ln w="22225">
+                  <a:solidFill>
+                    <a:schemeClr val="accent2"/>
+                  </a:solidFill>
+                  <a:prstDash val="solid"/>
+                </a:ln>
+                <a:solidFill>
+                  <a:schemeClr val="accent2">
+                    <a:lumMod val="40000"/>
+                    <a:lumOff val="60000"/>
+                  </a:schemeClr>
+                </a:solidFill>
+              </a:rPr>
+              <a:t>Green items come from </a:t>
+            </a:r>
+            <a:r>
+              <a:rPr lang="en-US" sz="2400" b="1" dirty="0" err="1">
+                <a:ln w="22225">
+                  <a:solidFill>
+                    <a:schemeClr val="accent2"/>
+                  </a:solidFill>
+                  <a:prstDash val="solid"/>
+                </a:ln>
+                <a:solidFill>
+                  <a:schemeClr val="accent2">
+                    <a:lumMod val="40000"/>
+                    <a:lumOff val="60000"/>
+                  </a:schemeClr>
+                </a:solidFill>
+              </a:rPr>
+              <a:t>D</a:t>
+            </a:r>
+            <a:r>
+              <a:rPr lang="en-US" sz="2400" b="1" dirty="0" err="1" smtClean="0">
+                <a:ln w="22225">
+                  <a:solidFill>
+                    <a:schemeClr val="accent2"/>
+                  </a:solidFill>
+                  <a:prstDash val="solid"/>
+                </a:ln>
+                <a:solidFill>
+                  <a:schemeClr val="accent2">
+                    <a:lumMod val="40000"/>
+                    <a:lumOff val="60000"/>
+                  </a:schemeClr>
+                </a:solidFill>
+              </a:rPr>
+              <a:t>ataservice</a:t>
+            </a:r>
+            <a:r>
+              <a:rPr lang="en-US" sz="2400" b="1" dirty="0" smtClean="0">
+                <a:ln w="22225">
+                  <a:solidFill>
+                    <a:schemeClr val="accent2"/>
+                  </a:solidFill>
+                  <a:prstDash val="solid"/>
+                </a:ln>
+                <a:solidFill>
+                  <a:schemeClr val="accent2">
+                    <a:lumMod val="40000"/>
+                    <a:lumOff val="60000"/>
+                  </a:schemeClr>
+                </a:solidFill>
+              </a:rPr>
+              <a:t> (Azure Mobile Service or RSS Feed)</a:t>
+            </a:r>
+            <a:endParaRPr lang="en-US" sz="2400" b="1" cap="none" spc="0" dirty="0">
+              <a:ln w="22225">
+                <a:solidFill>
+                  <a:schemeClr val="accent2"/>
+                </a:solidFill>
+                <a:prstDash val="solid"/>
+              </a:ln>
+              <a:solidFill>
+                <a:schemeClr val="accent2">
+                  <a:lumMod val="40000"/>
+                  <a:lumOff val="60000"/>
+                </a:schemeClr>
+              </a:solidFill>
+              <a:effectLst/>
+            </a:endParaRPr>
+          </a:p>
+        </p:txBody>
+      </p:sp>
     </p:spTree>
     <p:extLst>
       <p:ext uri="{BB962C8B-B14F-4D97-AF65-F5344CB8AC3E}">
-        <p14:creationId xmlns:p14="http://schemas.microsoft.com/office/powerpoint/2010/main" val="2967406635"/>
+        <p14:creationId xmlns:p14="http://schemas.microsoft.com/office/powerpoint/2010/main" val="285096467"/>
       </p:ext>
     </p:extLst>
   </p:cSld>
@@ -12594,7 +12919,30 @@
           <a:p>
             <a:r>
               <a:rPr lang="en-US" dirty="0" smtClean="0"/>
-              <a:t>Further Customization - Windows 8</a:t>
+              <a:t>Further Customization – </a:t>
+            </a:r>
+            <a:r>
+              <a:rPr lang="en-US" dirty="0" err="1" smtClean="0"/>
+              <a:t>AppSetting.cs</a:t>
+            </a:r>
+            <a:r>
+              <a:rPr lang="en-US" dirty="0" smtClean="0"/>
+              <a:t/>
+            </a:r>
+            <a:br>
+              <a:rPr lang="en-US" dirty="0" smtClean="0"/>
+            </a:br>
+            <a:r>
+              <a:rPr lang="en-US" dirty="0" smtClean="0"/>
+              <a:t>(located in </a:t>
+            </a:r>
+            <a:r>
+              <a:rPr lang="en-US" dirty="0" err="1" smtClean="0"/>
+              <a:t>XPlatformCloudKit.PCL</a:t>
+            </a:r>
+            <a:r>
+              <a:rPr lang="en-US" dirty="0" smtClean="0"/>
+              <a:t>)</a:t>
             </a:r>
             <a:endParaRPr lang="en-US" dirty="0"/>
           </a:p>
@@ -12612,7 +12960,7 @@
         </p:nvSpPr>
         <p:spPr>
           <a:xfrm>
-            <a:off x="1705983" y="3817792"/>
+            <a:off x="1705983" y="3952740"/>
             <a:ext cx="10018713" cy="3124201"/>
           </a:xfrm>
         </p:spPr>
@@ -12622,21 +12970,15 @@
           <a:p>
             <a:r>
               <a:rPr lang="en-US" dirty="0" smtClean="0"/>
-              <a:t>You will also want to open up </a:t>
+              <a:t>Here you can edit your app display name, time to cache retrieved data, theme to use for Windows 8, privacy policy </a:t>
             </a:r>
             <a:r>
               <a:rPr lang="en-US" dirty="0" err="1" smtClean="0"/>
-              <a:t>Package.Appxmanifest</a:t>
-            </a:r>
-            <a:r>
-              <a:rPr lang="en-US" dirty="0" smtClean="0"/>
-              <a:t> in the root of the XPlatformCloudKit.Win8 project.</a:t>
-            </a:r>
-          </a:p>
-          <a:p>
-            <a:r>
-              <a:rPr lang="en-US" dirty="0" smtClean="0"/>
-              <a:t>Here you can edit your app name, description, and set the tile sizes you wish to use and the default image to display on them.</a:t>
+              <a:t>url</a:t>
+            </a:r>
+            <a:r>
+              <a:rPr lang="en-US" dirty="0" smtClean="0"/>
+              <a:t>, and more.  This is the single point of configuration to make the app your own!</a:t>
             </a:r>
             <a:endParaRPr lang="en-US" dirty="0"/>
           </a:p>
@@ -12644,7 +12986,7 @@
       </p:sp>
       <p:pic>
         <p:nvPicPr>
-          <p:cNvPr id="5" name="Picture 4"/>
+          <p:cNvPr id="4" name="Picture 3"/>
           <p:cNvPicPr>
             <a:picLocks noChangeAspect="1"/>
           </p:cNvPicPr>
@@ -12658,8 +13000,8 @@
         </p:blipFill>
         <p:spPr>
           <a:xfrm>
-            <a:off x="3340892" y="1768265"/>
-            <a:ext cx="6301872" cy="2630120"/>
+            <a:off x="3178636" y="1890879"/>
+            <a:ext cx="6808296" cy="2892884"/>
           </a:xfrm>
           <a:prstGeom prst="rect">
             <a:avLst/>
@@ -12669,7 +13011,7 @@
     </p:spTree>
     <p:extLst>
       <p:ext uri="{BB962C8B-B14F-4D97-AF65-F5344CB8AC3E}">
-        <p14:creationId xmlns:p14="http://schemas.microsoft.com/office/powerpoint/2010/main" val="650216853"/>
+        <p14:creationId xmlns:p14="http://schemas.microsoft.com/office/powerpoint/2010/main" val="2967406635"/>
       </p:ext>
     </p:extLst>
   </p:cSld>
@@ -12708,8 +13050,8 @@
         </p:nvSpPr>
         <p:spPr>
           <a:xfrm>
-            <a:off x="675122" y="0"/>
-            <a:ext cx="11516878" cy="1752599"/>
+            <a:off x="1440872" y="397884"/>
+            <a:ext cx="10283824" cy="1752599"/>
           </a:xfrm>
         </p:spPr>
         <p:txBody>
@@ -12718,7 +13060,7 @@
           <a:p>
             <a:r>
               <a:rPr lang="en-US" dirty="0" smtClean="0"/>
-              <a:t>Further Customization – WP8</a:t>
+              <a:t>Further Customization - Windows 8</a:t>
             </a:r>
             <a:endParaRPr lang="en-US" dirty="0"/>
           </a:p>
@@ -12746,7 +13088,15 @@
           <a:p>
             <a:r>
               <a:rPr lang="en-US" dirty="0" smtClean="0"/>
-              <a:t>You will also want to open up WMAppManifest.xml in the “Properties” folder of the XPlatformCloudKit.Phone8 project.</a:t>
+              <a:t>You will also want to open up </a:t>
+            </a:r>
+            <a:r>
+              <a:rPr lang="en-US" dirty="0" err="1" smtClean="0"/>
+              <a:t>Package.Appxmanifest</a:t>
+            </a:r>
+            <a:r>
+              <a:rPr lang="en-US" dirty="0" smtClean="0"/>
+              <a:t> in the root of the XPlatformCloudKit.Win8 project.</a:t>
             </a:r>
           </a:p>
           <a:p>
@@ -12760,7 +13110,7 @@
       </p:sp>
       <p:pic>
         <p:nvPicPr>
-          <p:cNvPr id="4" name="Picture 3"/>
+          <p:cNvPr id="5" name="Picture 4"/>
           <p:cNvPicPr>
             <a:picLocks noChangeAspect="1"/>
           </p:cNvPicPr>
@@ -12774,8 +13124,8 @@
         </p:blipFill>
         <p:spPr>
           <a:xfrm>
-            <a:off x="3650529" y="1265401"/>
-            <a:ext cx="5566064" cy="3163188"/>
+            <a:off x="3340892" y="1768265"/>
+            <a:ext cx="6301872" cy="2630120"/>
           </a:xfrm>
           <a:prstGeom prst="rect">
             <a:avLst/>
@@ -12785,7 +13135,7 @@
     </p:spTree>
     <p:extLst>
       <p:ext uri="{BB962C8B-B14F-4D97-AF65-F5344CB8AC3E}">
-        <p14:creationId xmlns:p14="http://schemas.microsoft.com/office/powerpoint/2010/main" val="3061018902"/>
+        <p14:creationId xmlns:p14="http://schemas.microsoft.com/office/powerpoint/2010/main" val="650216853"/>
       </p:ext>
     </p:extLst>
   </p:cSld>
@@ -12824,8 +13174,8 @@
         </p:nvSpPr>
         <p:spPr>
           <a:xfrm>
-            <a:off x="1522947" y="119051"/>
-            <a:ext cx="10018713" cy="1433847"/>
+            <a:off x="675122" y="0"/>
+            <a:ext cx="11516878" cy="1752599"/>
           </a:xfrm>
         </p:spPr>
         <p:txBody>
@@ -12834,7 +13184,7 @@
           <a:p>
             <a:r>
               <a:rPr lang="en-US" dirty="0" smtClean="0"/>
-              <a:t>Capturing Screenshots – WP*</a:t>
+              <a:t>Further Customization – WP8</a:t>
             </a:r>
             <a:endParaRPr lang="en-US" dirty="0"/>
           </a:p>
@@ -12852,83 +13202,25 @@
         </p:nvSpPr>
         <p:spPr>
           <a:xfrm>
-            <a:off x="1767645" y="0"/>
-            <a:ext cx="10018713" cy="4606344"/>
+            <a:off x="1705983" y="3817792"/>
+            <a:ext cx="10018713" cy="3124201"/>
           </a:xfrm>
         </p:spPr>
         <p:txBody>
           <a:bodyPr/>
           <a:lstStyle/>
           <a:p>
-            <a:pPr marL="0" indent="0">
-              <a:buNone/>
-            </a:pPr>
-            <a:endParaRPr lang="en-US" dirty="0" smtClean="0"/>
-          </a:p>
-          <a:p>
-            <a:pPr marL="0" indent="0">
-              <a:buNone/>
-            </a:pPr>
-            <a:r>
-              <a:rPr lang="en-US" dirty="0" smtClean="0"/>
-              <a:t>Make sure you are deploying to the WXGA emulator </a:t>
-            </a:r>
-          </a:p>
-          <a:p>
-            <a:pPr marL="0" indent="0">
-              <a:buNone/>
-            </a:pPr>
-            <a:r>
-              <a:rPr lang="en-US" dirty="0" smtClean="0">
-                <a:solidFill>
-                  <a:srgbClr val="FF0000"/>
-                </a:solidFill>
-              </a:rPr>
-              <a:t>DO NOT CAPTURE IMAGES WITH DEBUGGING ENABLED</a:t>
-            </a:r>
-          </a:p>
-          <a:p>
-            <a:pPr marL="0" indent="0">
-              <a:buNone/>
-            </a:pPr>
-            <a:r>
-              <a:rPr lang="en-US" dirty="0" smtClean="0">
-                <a:solidFill>
-                  <a:srgbClr val="FF0000"/>
-                </a:solidFill>
-              </a:rPr>
-              <a:t>The Marketplace will immediately fail your app </a:t>
-            </a:r>
-          </a:p>
-          <a:p>
-            <a:pPr marL="0" indent="0">
-              <a:buNone/>
-            </a:pPr>
-            <a:r>
-              <a:rPr lang="en-US" dirty="0" smtClean="0"/>
-              <a:t>To </a:t>
-            </a:r>
-            <a:r>
-              <a:rPr lang="en-US" dirty="0"/>
-              <a:t>capture screenshots </a:t>
-            </a:r>
-            <a:r>
-              <a:rPr lang="en-US" dirty="0" smtClean="0"/>
-              <a:t>:</a:t>
-            </a:r>
-          </a:p>
-          <a:p>
-            <a:pPr marL="0" indent="0">
-              <a:buNone/>
-            </a:pPr>
-            <a:r>
-              <a:rPr lang="en-US" dirty="0" smtClean="0"/>
-              <a:t>click </a:t>
-            </a:r>
-            <a:r>
-              <a:rPr lang="en-US" dirty="0"/>
-              <a:t>the double arrows (&gt;&gt;) in the emulator -&gt; Screenshot -&gt; Capture -&gt; Save</a:t>
-            </a:r>
+            <a:r>
+              <a:rPr lang="en-US" dirty="0" smtClean="0"/>
+              <a:t>You will also want to open up WMAppManifest.xml in the “Properties” folder of the XPlatformCloudKit.Phone8 project.</a:t>
+            </a:r>
+          </a:p>
+          <a:p>
+            <a:r>
+              <a:rPr lang="en-US" dirty="0" smtClean="0"/>
+              <a:t>Here you can edit your app name, description, and set the tile sizes you wish to use and the default image to display on them.</a:t>
+            </a:r>
+            <a:endParaRPr lang="en-US" dirty="0"/>
           </a:p>
         </p:txBody>
       </p:sp>
@@ -12948,8 +13240,8 @@
         </p:blipFill>
         <p:spPr>
           <a:xfrm>
-            <a:off x="3943309" y="3940411"/>
-            <a:ext cx="5175246" cy="2917589"/>
+            <a:off x="3650529" y="1265401"/>
+            <a:ext cx="5566064" cy="3163188"/>
           </a:xfrm>
           <a:prstGeom prst="rect">
             <a:avLst/>
@@ -12959,20 +13251,13 @@
     </p:spTree>
     <p:extLst>
       <p:ext uri="{BB962C8B-B14F-4D97-AF65-F5344CB8AC3E}">
-        <p14:creationId xmlns:p14="http://schemas.microsoft.com/office/powerpoint/2010/main" val="2453063874"/>
+        <p14:creationId xmlns:p14="http://schemas.microsoft.com/office/powerpoint/2010/main" val="3061018902"/>
       </p:ext>
     </p:extLst>
   </p:cSld>
   <p:clrMapOvr>
     <a:masterClrMapping/>
   </p:clrMapOvr>
-  <p:timing>
-    <p:tnLst>
-      <p:par>
-        <p:cTn id="1" dur="indefinite" restart="never" nodeType="tmRoot"/>
-      </p:par>
-    </p:tnLst>
-  </p:timing>
 </p:sld>
 </file>
 
@@ -13005,7 +13290,7 @@
         </p:nvSpPr>
         <p:spPr>
           <a:xfrm>
-            <a:off x="1535826" y="119051"/>
+            <a:off x="1522947" y="119051"/>
             <a:ext cx="10018713" cy="1433847"/>
           </a:xfrm>
         </p:spPr>
@@ -13015,7 +13300,7 @@
           <a:p>
             <a:r>
               <a:rPr lang="en-US" dirty="0" smtClean="0"/>
-              <a:t>Capturing Screenshots – Windows 8</a:t>
+              <a:t>Capturing Screenshots – WP*</a:t>
             </a:r>
             <a:endParaRPr lang="en-US" dirty="0"/>
           </a:p>
@@ -13033,14 +13318,12 @@
         </p:nvSpPr>
         <p:spPr>
           <a:xfrm>
-            <a:off x="1692562" y="1041042"/>
+            <a:off x="1767645" y="0"/>
             <a:ext cx="10018713" cy="4606344"/>
           </a:xfrm>
         </p:spPr>
         <p:txBody>
-          <a:bodyPr>
-            <a:normAutofit lnSpcReduction="10000"/>
-          </a:bodyPr>
+          <a:bodyPr/>
           <a:lstStyle/>
           <a:p>
             <a:pPr marL="0" indent="0">
@@ -13054,113 +13337,95 @@
             </a:pPr>
             <a:r>
               <a:rPr lang="en-US" dirty="0" smtClean="0"/>
-              <a:t>You may use the Print Screen button on your keyboard to capture screenshots (which must be saved as a .</a:t>
-            </a:r>
-            <a:r>
-              <a:rPr lang="en-US" dirty="0" err="1" smtClean="0"/>
-              <a:t>png</a:t>
-            </a:r>
-            <a:r>
-              <a:rPr lang="en-US" dirty="0" smtClean="0"/>
-              <a:t>) if and only if you are running in a resolution of 1366 x 768.</a:t>
+              <a:t>Make sure you are deploying to the WXGA emulator </a:t>
             </a:r>
           </a:p>
           <a:p>
             <a:pPr marL="0" indent="0">
               <a:buNone/>
             </a:pPr>
-            <a:endParaRPr lang="en-US" dirty="0"/>
+            <a:r>
+              <a:rPr lang="en-US" dirty="0" smtClean="0">
+                <a:solidFill>
+                  <a:srgbClr val="FF0000"/>
+                </a:solidFill>
+              </a:rPr>
+              <a:t>DO NOT CAPTURE IMAGES WITH DEBUGGING ENABLED</a:t>
+            </a:r>
           </a:p>
           <a:p>
             <a:pPr marL="0" indent="0">
               <a:buNone/>
             </a:pPr>
             <a:r>
-              <a:rPr lang="en-US" dirty="0" smtClean="0"/>
-              <a:t>If not, you will want to deploy your app to the Simulator</a:t>
+              <a:rPr lang="en-US" dirty="0" smtClean="0">
+                <a:solidFill>
+                  <a:srgbClr val="FF0000"/>
+                </a:solidFill>
+              </a:rPr>
+              <a:t>The Marketplace will immediately fail your app </a:t>
             </a:r>
           </a:p>
           <a:p>
             <a:pPr marL="0" indent="0">
               <a:buNone/>
             </a:pPr>
-            <a:endParaRPr lang="en-US" dirty="0" smtClean="0"/>
+            <a:r>
+              <a:rPr lang="en-US" dirty="0" smtClean="0"/>
+              <a:t>To </a:t>
+            </a:r>
+            <a:r>
+              <a:rPr lang="en-US" dirty="0"/>
+              <a:t>capture screenshots </a:t>
+            </a:r>
+            <a:r>
+              <a:rPr lang="en-US" dirty="0" smtClean="0"/>
+              <a:t>:</a:t>
+            </a:r>
           </a:p>
           <a:p>
             <a:pPr marL="0" indent="0">
               <a:buNone/>
             </a:pPr>
-            <a:endParaRPr lang="en-US" dirty="0" smtClean="0"/>
-          </a:p>
-          <a:p>
-            <a:pPr marL="0" indent="0">
-              <a:buNone/>
-            </a:pPr>
-            <a:endParaRPr lang="en-US" dirty="0"/>
-          </a:p>
-          <a:p>
-            <a:pPr marL="0" indent="0">
-              <a:buNone/>
-            </a:pPr>
-            <a:r>
-              <a:rPr lang="en-US" dirty="0" smtClean="0"/>
-              <a:t>Then follow the </a:t>
-            </a:r>
-            <a:r>
-              <a:rPr lang="en-US" dirty="0" smtClean="0">
-                <a:hlinkClick r:id="rId2"/>
-              </a:rPr>
-              <a:t>Guide to taking screenshots with Win8 Simulator</a:t>
-            </a:r>
-            <a:endParaRPr lang="en-US" dirty="0"/>
+            <a:r>
+              <a:rPr lang="en-US" dirty="0" smtClean="0"/>
+              <a:t>click </a:t>
+            </a:r>
+            <a:r>
+              <a:rPr lang="en-US" dirty="0"/>
+              <a:t>the double arrows (&gt;&gt;) in the emulator -&gt; Screenshot -&gt; Capture -&gt; Save</a:t>
+            </a:r>
           </a:p>
         </p:txBody>
       </p:sp>
       <p:pic>
         <p:nvPicPr>
-          <p:cNvPr id="1026" name="Picture 2" descr="Running in the Simulator"/>
+          <p:cNvPr id="4" name="Picture 3"/>
           <p:cNvPicPr>
-            <a:picLocks noChangeAspect="1" noChangeArrowheads="1"/>
+            <a:picLocks noChangeAspect="1"/>
           </p:cNvPicPr>
           <p:nvPr/>
         </p:nvPicPr>
         <p:blipFill>
-          <a:blip r:embed="rId3">
-            <a:extLst>
-              <a:ext uri="{28A0092B-C50C-407E-A947-70E740481C1C}">
-                <a14:useLocalDpi xmlns:a14="http://schemas.microsoft.com/office/drawing/2010/main" val="0"/>
-              </a:ext>
-            </a:extLst>
-          </a:blip>
-          <a:srcRect/>
+          <a:blip r:embed="rId2"/>
           <a:stretch>
             <a:fillRect/>
           </a:stretch>
         </p:blipFill>
-        <p:spPr bwMode="auto">
-          <a:xfrm>
-            <a:off x="2048769" y="3728099"/>
-            <a:ext cx="1800225" cy="1152526"/>
+        <p:spPr>
+          <a:xfrm>
+            <a:off x="3943309" y="3940411"/>
+            <a:ext cx="5175246" cy="2917589"/>
           </a:xfrm>
           <a:prstGeom prst="rect">
             <a:avLst/>
           </a:prstGeom>
-          <a:noFill/>
-          <a:extLst>
-            <a:ext uri="{909E8E84-426E-40DD-AFC4-6F175D3DCCD1}">
-              <a14:hiddenFill xmlns:a14="http://schemas.microsoft.com/office/drawing/2010/main">
-                <a:solidFill>
-                  <a:srgbClr val="FFFFFF"/>
-                </a:solidFill>
-              </a14:hiddenFill>
-            </a:ext>
-          </a:extLst>
         </p:spPr>
       </p:pic>
     </p:spTree>
     <p:extLst>
       <p:ext uri="{BB962C8B-B14F-4D97-AF65-F5344CB8AC3E}">
-        <p14:creationId xmlns:p14="http://schemas.microsoft.com/office/powerpoint/2010/main" val="2099975694"/>
+        <p14:creationId xmlns:p14="http://schemas.microsoft.com/office/powerpoint/2010/main" val="2453063874"/>
       </p:ext>
     </p:extLst>
   </p:cSld>
@@ -13361,14 +13626,19 @@
             <p:ph type="title"/>
           </p:nvPr>
         </p:nvSpPr>
-        <p:spPr/>
+        <p:spPr>
+          <a:xfrm>
+            <a:off x="1535826" y="119051"/>
+            <a:ext cx="10018713" cy="1433847"/>
+          </a:xfrm>
+        </p:spPr>
         <p:txBody>
           <a:bodyPr/>
           <a:lstStyle/>
           <a:p>
             <a:r>
               <a:rPr lang="en-US" dirty="0" smtClean="0"/>
-              <a:t>Ready to Submit – WP8!</a:t>
+              <a:t>Capturing Screenshots – Windows 8</a:t>
             </a:r>
             <a:endParaRPr lang="en-US" dirty="0"/>
           </a:p>
@@ -13386,152 +13656,134 @@
         </p:nvSpPr>
         <p:spPr>
           <a:xfrm>
-            <a:off x="1339263" y="2632075"/>
-            <a:ext cx="10018713" cy="4117145"/>
-          </a:xfrm>
-        </p:spPr>
-        <p:txBody>
-          <a:bodyPr/>
+            <a:off x="1692562" y="1041042"/>
+            <a:ext cx="10018713" cy="4606344"/>
+          </a:xfrm>
+        </p:spPr>
+        <p:txBody>
+          <a:bodyPr>
+            <a:normAutofit lnSpcReduction="10000"/>
+          </a:bodyPr>
           <a:lstStyle/>
           <a:p>
             <a:pPr marL="0" indent="0">
               <a:buNone/>
             </a:pPr>
-            <a:r>
-              <a:rPr lang="en-US" dirty="0" smtClean="0"/>
-              <a:t>Take a look at the </a:t>
+            <a:endParaRPr lang="en-US" dirty="0" smtClean="0"/>
+          </a:p>
+          <a:p>
+            <a:pPr marL="0" indent="0">
+              <a:buNone/>
+            </a:pPr>
+            <a:r>
+              <a:rPr lang="en-US" dirty="0" smtClean="0"/>
+              <a:t>You may use the Print Screen button on your keyboard to capture screenshots (which must be saved as a .</a:t>
+            </a:r>
+            <a:r>
+              <a:rPr lang="en-US" dirty="0" err="1" smtClean="0"/>
+              <a:t>png</a:t>
+            </a:r>
+            <a:r>
+              <a:rPr lang="en-US" dirty="0" smtClean="0"/>
+              <a:t>) if and only if you are running in a resolution of 1366 x 768.</a:t>
+            </a:r>
+          </a:p>
+          <a:p>
+            <a:pPr marL="0" indent="0">
+              <a:buNone/>
+            </a:pPr>
+            <a:endParaRPr lang="en-US" dirty="0"/>
+          </a:p>
+          <a:p>
+            <a:pPr marL="0" indent="0">
+              <a:buNone/>
+            </a:pPr>
+            <a:r>
+              <a:rPr lang="en-US" dirty="0" smtClean="0"/>
+              <a:t>If not, you will want to deploy your app to the Simulator</a:t>
+            </a:r>
+          </a:p>
+          <a:p>
+            <a:pPr marL="0" indent="0">
+              <a:buNone/>
+            </a:pPr>
+            <a:endParaRPr lang="en-US" dirty="0" smtClean="0"/>
+          </a:p>
+          <a:p>
+            <a:pPr marL="0" indent="0">
+              <a:buNone/>
+            </a:pPr>
+            <a:endParaRPr lang="en-US" dirty="0" smtClean="0"/>
+          </a:p>
+          <a:p>
+            <a:pPr marL="0" indent="0">
+              <a:buNone/>
+            </a:pPr>
+            <a:endParaRPr lang="en-US" dirty="0"/>
+          </a:p>
+          <a:p>
+            <a:pPr marL="0" indent="0">
+              <a:buNone/>
+            </a:pPr>
+            <a:r>
+              <a:rPr lang="en-US" dirty="0" smtClean="0"/>
+              <a:t>Then follow the </a:t>
             </a:r>
             <a:r>
               <a:rPr lang="en-US" dirty="0" smtClean="0">
                 <a:hlinkClick r:id="rId2"/>
               </a:rPr>
-              <a:t>app submission requirements</a:t>
-            </a:r>
-            <a:r>
-              <a:rPr lang="en-US" dirty="0" smtClean="0"/>
-              <a:t>, and make sure you have everything required to submit.</a:t>
-            </a:r>
-          </a:p>
-          <a:p>
-            <a:pPr marL="0" indent="0">
-              <a:buNone/>
-            </a:pPr>
-            <a:r>
-              <a:rPr lang="en-US" dirty="0" smtClean="0"/>
-              <a:t>Next, log </a:t>
-            </a:r>
-            <a:r>
-              <a:rPr lang="en-US" dirty="0"/>
-              <a:t>in with your developer account at </a:t>
-            </a:r>
-            <a:r>
-              <a:rPr lang="en-US" dirty="0">
-                <a:hlinkClick r:id="rId3"/>
-              </a:rPr>
-              <a:t>https://dev.windowsphone.com/ </a:t>
-            </a:r>
-            <a:r>
-              <a:rPr lang="en-US" dirty="0"/>
-              <a:t>and click ‘Submit App’ then follow the steps online to submit your application</a:t>
-            </a:r>
-            <a:r>
-              <a:rPr lang="en-US" dirty="0" smtClean="0"/>
-              <a:t>.</a:t>
-            </a:r>
-          </a:p>
-          <a:p>
-            <a:pPr marL="0" indent="0">
-              <a:buNone/>
-            </a:pPr>
-            <a:r>
-              <a:rPr lang="en-US" dirty="0" smtClean="0"/>
-              <a:t>You will need your .</a:t>
-            </a:r>
-            <a:r>
-              <a:rPr lang="en-US" dirty="0" err="1" smtClean="0"/>
-              <a:t>xap</a:t>
-            </a:r>
-            <a:r>
-              <a:rPr lang="en-US" dirty="0" smtClean="0"/>
-              <a:t> file, at least one screenshot, and a 300x300 PNG for submission. </a:t>
-            </a:r>
-            <a:r>
-              <a:rPr lang="en-US" dirty="0"/>
-              <a:t>The .</a:t>
-            </a:r>
-            <a:r>
-              <a:rPr lang="en-US" dirty="0" err="1"/>
-              <a:t>xap</a:t>
-            </a:r>
-            <a:r>
-              <a:rPr lang="en-US" dirty="0"/>
-              <a:t> file is automatically created </a:t>
-            </a:r>
-            <a:r>
-              <a:rPr lang="en-US" dirty="0" smtClean="0"/>
-              <a:t>when your project </a:t>
-            </a:r>
-            <a:r>
-              <a:rPr lang="en-US" smtClean="0"/>
-              <a:t>is built and</a:t>
-            </a:r>
-            <a:r>
-              <a:rPr lang="en-US" dirty="0"/>
-              <a:t> can be found in your projects directory in the bin\Debug or bin\Release folders.</a:t>
-            </a:r>
-          </a:p>
-          <a:p>
-            <a:pPr marL="0" indent="0">
-              <a:buNone/>
-            </a:pPr>
-            <a:r>
-              <a:rPr lang="en-US" dirty="0" smtClean="0"/>
-              <a:t>.</a:t>
-            </a:r>
-            <a:endParaRPr lang="en-US" dirty="0"/>
-          </a:p>
-          <a:p>
-            <a:pPr marL="0" indent="0">
-              <a:buNone/>
-            </a:pPr>
+              <a:t>Guide to taking screenshots with Win8 Simulator</a:t>
+            </a:r>
             <a:endParaRPr lang="en-US" dirty="0"/>
           </a:p>
         </p:txBody>
       </p:sp>
       <p:pic>
         <p:nvPicPr>
-          <p:cNvPr id="4" name="Picture 3"/>
+          <p:cNvPr id="1026" name="Picture 2" descr="Running in the Simulator"/>
           <p:cNvPicPr>
-            <a:picLocks noChangeAspect="1"/>
+            <a:picLocks noChangeAspect="1" noChangeArrowheads="1"/>
           </p:cNvPicPr>
           <p:nvPr/>
         </p:nvPicPr>
         <p:blipFill>
-          <a:blip r:embed="rId4">
+          <a:blip r:embed="rId3">
             <a:extLst>
               <a:ext uri="{28A0092B-C50C-407E-A947-70E740481C1C}">
                 <a14:useLocalDpi xmlns:a14="http://schemas.microsoft.com/office/drawing/2010/main" val="0"/>
               </a:ext>
             </a:extLst>
           </a:blip>
+          <a:srcRect/>
           <a:stretch>
             <a:fillRect/>
           </a:stretch>
         </p:blipFill>
-        <p:spPr>
-          <a:xfrm>
-            <a:off x="9443451" y="588961"/>
-            <a:ext cx="1914525" cy="1946275"/>
+        <p:spPr bwMode="auto">
+          <a:xfrm>
+            <a:off x="2048769" y="3728099"/>
+            <a:ext cx="1800225" cy="1152526"/>
           </a:xfrm>
           <a:prstGeom prst="rect">
             <a:avLst/>
           </a:prstGeom>
+          <a:noFill/>
+          <a:extLst>
+            <a:ext uri="{909E8E84-426E-40DD-AFC4-6F175D3DCCD1}">
+              <a14:hiddenFill xmlns:a14="http://schemas.microsoft.com/office/drawing/2010/main">
+                <a:solidFill>
+                  <a:srgbClr val="FFFFFF"/>
+                </a:solidFill>
+              </a14:hiddenFill>
+            </a:ext>
+          </a:extLst>
         </p:spPr>
       </p:pic>
     </p:spTree>
     <p:extLst>
       <p:ext uri="{BB962C8B-B14F-4D97-AF65-F5344CB8AC3E}">
-        <p14:creationId xmlns:p14="http://schemas.microsoft.com/office/powerpoint/2010/main" val="3609341363"/>
+        <p14:creationId xmlns:p14="http://schemas.microsoft.com/office/powerpoint/2010/main" val="2099975694"/>
       </p:ext>
     </p:extLst>
   </p:cSld>
@@ -13575,19 +13827,14 @@
             <p:ph type="title"/>
           </p:nvPr>
         </p:nvSpPr>
-        <p:spPr>
-          <a:xfrm>
-            <a:off x="1033551" y="685798"/>
-            <a:ext cx="10018713" cy="1752599"/>
-          </a:xfrm>
-        </p:spPr>
+        <p:spPr/>
         <p:txBody>
           <a:bodyPr/>
           <a:lstStyle/>
           <a:p>
             <a:r>
               <a:rPr lang="en-US" dirty="0" smtClean="0"/>
-              <a:t>Ready to Submit – Windows 8!</a:t>
+              <a:t>Ready to Submit – WP8!</a:t>
             </a:r>
             <a:endParaRPr lang="en-US" dirty="0"/>
           </a:p>
@@ -13610,102 +13857,94 @@
           </a:xfrm>
         </p:spPr>
         <p:txBody>
-          <a:bodyPr>
-            <a:normAutofit/>
-          </a:bodyPr>
+          <a:bodyPr/>
           <a:lstStyle/>
           <a:p>
             <a:pPr marL="0" indent="0">
               <a:buNone/>
             </a:pPr>
             <a:r>
-              <a:rPr lang="en-US" dirty="0"/>
-              <a:t>After you have </a:t>
-            </a:r>
-            <a:r>
-              <a:rPr lang="en-US" dirty="0">
+              <a:rPr lang="en-US" dirty="0" smtClean="0"/>
+              <a:t>Take a look at the </a:t>
+            </a:r>
+            <a:r>
+              <a:rPr lang="en-US" dirty="0" smtClean="0">
                 <a:hlinkClick r:id="rId2"/>
               </a:rPr>
-              <a:t>reserved your app's name</a:t>
+              <a:t>app submission requirements</a:t>
+            </a:r>
+            <a:r>
+              <a:rPr lang="en-US" dirty="0" smtClean="0"/>
+              <a:t>, and make sure you have everything required to submit.</a:t>
+            </a:r>
+          </a:p>
+          <a:p>
+            <a:pPr marL="0" indent="0">
+              <a:buNone/>
+            </a:pPr>
+            <a:r>
+              <a:rPr lang="en-US" dirty="0" smtClean="0"/>
+              <a:t>Next, log </a:t>
             </a:r>
             <a:r>
               <a:rPr lang="en-US" dirty="0"/>
-              <a:t>, </a:t>
+              <a:t>in with your developer account at </a:t>
             </a:r>
             <a:r>
               <a:rPr lang="en-US" dirty="0">
                 <a:hlinkClick r:id="rId3"/>
               </a:rPr>
-              <a:t>set up your payout account</a:t>
+              <a:t>https://dev.windowsphone.com/ </a:t>
             </a:r>
             <a:r>
               <a:rPr lang="en-US" dirty="0"/>
-              <a:t>, </a:t>
-            </a:r>
-            <a:r>
-              <a:rPr lang="en-US" dirty="0">
-                <a:hlinkClick r:id="rId4"/>
-              </a:rPr>
-              <a:t>built your app's packages</a:t>
+              <a:t>and click ‘Submit App’ then follow the steps online to submit your application</a:t>
+            </a:r>
+            <a:r>
+              <a:rPr lang="en-US" dirty="0" smtClean="0"/>
+              <a:t>.</a:t>
+            </a:r>
+          </a:p>
+          <a:p>
+            <a:pPr marL="0" indent="0">
+              <a:buNone/>
+            </a:pPr>
+            <a:r>
+              <a:rPr lang="en-US" dirty="0" smtClean="0"/>
+              <a:t>You will need your .</a:t>
+            </a:r>
+            <a:r>
+              <a:rPr lang="en-US" dirty="0" err="1" smtClean="0"/>
+              <a:t>xap</a:t>
+            </a:r>
+            <a:r>
+              <a:rPr lang="en-US" dirty="0" smtClean="0"/>
+              <a:t> file, at least one screenshot, and a 300x300 PNG for submission. </a:t>
             </a:r>
             <a:r>
               <a:rPr lang="en-US" dirty="0"/>
-              <a:t>, and </a:t>
-            </a:r>
-            <a:r>
-              <a:rPr lang="en-US" dirty="0">
-                <a:hlinkClick r:id="rId5"/>
-              </a:rPr>
-              <a:t>tested the app with the Windows App Certification Kit</a:t>
+              <a:t>The .</a:t>
+            </a:r>
+            <a:r>
+              <a:rPr lang="en-US" dirty="0" err="1"/>
+              <a:t>xap</a:t>
             </a:r>
             <a:r>
               <a:rPr lang="en-US" dirty="0"/>
-              <a:t>, you're ready to begin the submission process</a:t>
-            </a:r>
-            <a:r>
-              <a:rPr lang="en-US" dirty="0" smtClean="0"/>
-              <a:t>. </a:t>
-            </a:r>
-          </a:p>
-          <a:p>
-            <a:pPr marL="0" indent="0">
-              <a:buNone/>
-            </a:pPr>
-            <a:r>
-              <a:rPr lang="en-US" dirty="0" smtClean="0"/>
-              <a:t>To </a:t>
+              <a:t> file is automatically created </a:t>
+            </a:r>
+            <a:r>
+              <a:rPr lang="en-US" dirty="0" smtClean="0"/>
+              <a:t>when your project </a:t>
+            </a:r>
+            <a:r>
+              <a:rPr lang="en-US" smtClean="0"/>
+              <a:t>is built and</a:t>
             </a:r>
             <a:r>
               <a:rPr lang="en-US" dirty="0"/>
-              <a:t>submit an app, you'll need to sign in to your Windows Store Dashboard. (You can get there by clicking the "Dashboard" link near the top of any page in the </a:t>
-            </a:r>
-            <a:r>
-              <a:rPr lang="en-US" dirty="0">
-                <a:hlinkClick r:id="rId6"/>
-              </a:rPr>
-              <a:t>Windows Store apps Developer Center</a:t>
-            </a:r>
-            <a:r>
-              <a:rPr lang="en-US" dirty="0"/>
-              <a:t>.)</a:t>
-            </a:r>
-            <a:endParaRPr lang="en-US" dirty="0" smtClean="0"/>
-          </a:p>
-          <a:p>
-            <a:pPr marL="0" indent="0">
-              <a:buNone/>
-            </a:pPr>
-            <a:r>
-              <a:rPr lang="en-US" dirty="0" smtClean="0"/>
-              <a:t>If you need step-by-step instructions, you can follow this </a:t>
-            </a:r>
-            <a:r>
-              <a:rPr lang="en-US" dirty="0" smtClean="0">
-                <a:hlinkClick r:id="rId7"/>
-              </a:rPr>
-              <a:t>guide to submitting Windows 8 application to the Windows Store.</a:t>
-            </a:r>
-            <a:endParaRPr lang="en-US" dirty="0" smtClean="0"/>
+              <a:t> can be found in your projects directory in the bin\Debug or bin\Release folders.</a:t>
+            </a:r>
           </a:p>
           <a:p>
             <a:pPr marL="0" indent="0">
@@ -13734,7 +13973,7 @@
           <p:nvPr/>
         </p:nvPicPr>
         <p:blipFill>
-          <a:blip r:embed="rId8">
+          <a:blip r:embed="rId4">
             <a:extLst>
               <a:ext uri="{28A0092B-C50C-407E-A947-70E740481C1C}">
                 <a14:useLocalDpi xmlns:a14="http://schemas.microsoft.com/office/drawing/2010/main" val="0"/>
@@ -13758,7 +13997,7 @@
     </p:spTree>
     <p:extLst>
       <p:ext uri="{BB962C8B-B14F-4D97-AF65-F5344CB8AC3E}">
-        <p14:creationId xmlns:p14="http://schemas.microsoft.com/office/powerpoint/2010/main" val="2789014429"/>
+        <p14:creationId xmlns:p14="http://schemas.microsoft.com/office/powerpoint/2010/main" val="3609341363"/>
       </p:ext>
     </p:extLst>
   </p:cSld>
@@ -13802,6 +14041,233 @@
             <p:ph type="title"/>
           </p:nvPr>
         </p:nvSpPr>
+        <p:spPr>
+          <a:xfrm>
+            <a:off x="1033551" y="685798"/>
+            <a:ext cx="10018713" cy="1752599"/>
+          </a:xfrm>
+        </p:spPr>
+        <p:txBody>
+          <a:bodyPr/>
+          <a:lstStyle/>
+          <a:p>
+            <a:r>
+              <a:rPr lang="en-US" dirty="0" smtClean="0"/>
+              <a:t>Ready to Submit – Windows 8!</a:t>
+            </a:r>
+            <a:endParaRPr lang="en-US" dirty="0"/>
+          </a:p>
+        </p:txBody>
+      </p:sp>
+      <p:sp>
+        <p:nvSpPr>
+          <p:cNvPr id="3" name="Content Placeholder 2"/>
+          <p:cNvSpPr>
+            <a:spLocks noGrp="1"/>
+          </p:cNvSpPr>
+          <p:nvPr>
+            <p:ph idx="1"/>
+          </p:nvPr>
+        </p:nvSpPr>
+        <p:spPr>
+          <a:xfrm>
+            <a:off x="1339263" y="2632075"/>
+            <a:ext cx="10018713" cy="4117145"/>
+          </a:xfrm>
+        </p:spPr>
+        <p:txBody>
+          <a:bodyPr>
+            <a:normAutofit/>
+          </a:bodyPr>
+          <a:lstStyle/>
+          <a:p>
+            <a:pPr marL="0" indent="0">
+              <a:buNone/>
+            </a:pPr>
+            <a:r>
+              <a:rPr lang="en-US" dirty="0"/>
+              <a:t>After you have </a:t>
+            </a:r>
+            <a:r>
+              <a:rPr lang="en-US" dirty="0">
+                <a:hlinkClick r:id="rId2"/>
+              </a:rPr>
+              <a:t>reserved your app's name</a:t>
+            </a:r>
+            <a:r>
+              <a:rPr lang="en-US" dirty="0"/>
+              <a:t>, </a:t>
+            </a:r>
+            <a:r>
+              <a:rPr lang="en-US" dirty="0">
+                <a:hlinkClick r:id="rId3"/>
+              </a:rPr>
+              <a:t>set up your payout account</a:t>
+            </a:r>
+            <a:r>
+              <a:rPr lang="en-US" dirty="0"/>
+              <a:t>, </a:t>
+            </a:r>
+            <a:r>
+              <a:rPr lang="en-US" dirty="0">
+                <a:hlinkClick r:id="rId4"/>
+              </a:rPr>
+              <a:t>built your app's packages</a:t>
+            </a:r>
+            <a:r>
+              <a:rPr lang="en-US" dirty="0"/>
+              <a:t>, and </a:t>
+            </a:r>
+            <a:r>
+              <a:rPr lang="en-US" dirty="0">
+                <a:hlinkClick r:id="rId5"/>
+              </a:rPr>
+              <a:t>tested the app with the Windows App Certification Kit</a:t>
+            </a:r>
+            <a:r>
+              <a:rPr lang="en-US" dirty="0"/>
+              <a:t>, you're ready to begin the submission process</a:t>
+            </a:r>
+            <a:r>
+              <a:rPr lang="en-US" dirty="0" smtClean="0"/>
+              <a:t>. </a:t>
+            </a:r>
+          </a:p>
+          <a:p>
+            <a:pPr marL="0" indent="0">
+              <a:buNone/>
+            </a:pPr>
+            <a:r>
+              <a:rPr lang="en-US" dirty="0" smtClean="0"/>
+              <a:t>To </a:t>
+            </a:r>
+            <a:r>
+              <a:rPr lang="en-US" dirty="0"/>
+              <a:t>submit an app, you'll need to sign in to your Windows Store Dashboard. (You can get there by clicking the "Dashboard" link near the top of any page in the </a:t>
+            </a:r>
+            <a:r>
+              <a:rPr lang="en-US" dirty="0">
+                <a:hlinkClick r:id="rId6"/>
+              </a:rPr>
+              <a:t>Windows Store apps Developer Center</a:t>
+            </a:r>
+            <a:r>
+              <a:rPr lang="en-US" dirty="0"/>
+              <a:t>.)</a:t>
+            </a:r>
+            <a:endParaRPr lang="en-US" dirty="0" smtClean="0"/>
+          </a:p>
+          <a:p>
+            <a:pPr marL="0" indent="0">
+              <a:buNone/>
+            </a:pPr>
+            <a:r>
+              <a:rPr lang="en-US" dirty="0" smtClean="0"/>
+              <a:t>If you need step-by-step instructions, you can follow this </a:t>
+            </a:r>
+            <a:r>
+              <a:rPr lang="en-US" dirty="0" smtClean="0">
+                <a:hlinkClick r:id="rId7"/>
+              </a:rPr>
+              <a:t>guide to submitting Windows 8 application to the Windows Store.</a:t>
+            </a:r>
+            <a:endParaRPr lang="en-US" dirty="0" smtClean="0"/>
+          </a:p>
+          <a:p>
+            <a:pPr marL="0" indent="0">
+              <a:buNone/>
+            </a:pPr>
+            <a:r>
+              <a:rPr lang="en-US" dirty="0" smtClean="0"/>
+              <a:t>.</a:t>
+            </a:r>
+            <a:endParaRPr lang="en-US" dirty="0"/>
+          </a:p>
+          <a:p>
+            <a:pPr marL="0" indent="0">
+              <a:buNone/>
+            </a:pPr>
+            <a:endParaRPr lang="en-US" dirty="0"/>
+          </a:p>
+        </p:txBody>
+      </p:sp>
+      <p:pic>
+        <p:nvPicPr>
+          <p:cNvPr id="4" name="Picture 3"/>
+          <p:cNvPicPr>
+            <a:picLocks noChangeAspect="1"/>
+          </p:cNvPicPr>
+          <p:nvPr/>
+        </p:nvPicPr>
+        <p:blipFill>
+          <a:blip r:embed="rId8">
+            <a:extLst>
+              <a:ext uri="{28A0092B-C50C-407E-A947-70E740481C1C}">
+                <a14:useLocalDpi xmlns:a14="http://schemas.microsoft.com/office/drawing/2010/main" val="0"/>
+              </a:ext>
+            </a:extLst>
+          </a:blip>
+          <a:stretch>
+            <a:fillRect/>
+          </a:stretch>
+        </p:blipFill>
+        <p:spPr>
+          <a:xfrm>
+            <a:off x="9443451" y="588961"/>
+            <a:ext cx="1914525" cy="1946275"/>
+          </a:xfrm>
+          <a:prstGeom prst="rect">
+            <a:avLst/>
+          </a:prstGeom>
+        </p:spPr>
+      </p:pic>
+    </p:spTree>
+    <p:extLst>
+      <p:ext uri="{BB962C8B-B14F-4D97-AF65-F5344CB8AC3E}">
+        <p14:creationId xmlns:p14="http://schemas.microsoft.com/office/powerpoint/2010/main" val="2789014429"/>
+      </p:ext>
+    </p:extLst>
+  </p:cSld>
+  <p:clrMapOvr>
+    <a:masterClrMapping/>
+  </p:clrMapOvr>
+  <p:timing>
+    <p:tnLst>
+      <p:par>
+        <p:cTn id="1" dur="indefinite" restart="never" nodeType="tmRoot"/>
+      </p:par>
+    </p:tnLst>
+  </p:timing>
+</p:sld>
+</file>
+
+<file path=ppt/slides/slide43.xml><?xml version="1.0" encoding="utf-8"?>
+<p:sld xmlns:a="http://schemas.openxmlformats.org/drawingml/2006/main" xmlns:r="http://schemas.openxmlformats.org/officeDocument/2006/relationships" xmlns:p="http://schemas.openxmlformats.org/presentationml/2006/main">
+  <p:cSld>
+    <p:spTree>
+      <p:nvGrpSpPr>
+        <p:cNvPr id="1" name=""/>
+        <p:cNvGrpSpPr/>
+        <p:nvPr/>
+      </p:nvGrpSpPr>
+      <p:grpSpPr>
+        <a:xfrm>
+          <a:off x="0" y="0"/>
+          <a:ext cx="0" cy="0"/>
+          <a:chOff x="0" y="0"/>
+          <a:chExt cx="0" cy="0"/>
+        </a:xfrm>
+      </p:grpSpPr>
+      <p:sp>
+        <p:nvSpPr>
+          <p:cNvPr id="2" name="Title 1"/>
+          <p:cNvSpPr>
+            <a:spLocks noGrp="1"/>
+          </p:cNvSpPr>
+          <p:nvPr>
+            <p:ph type="title"/>
+          </p:nvPr>
+        </p:nvSpPr>
         <p:spPr/>
         <p:txBody>
           <a:bodyPr/>
@@ -13927,7 +14393,7 @@
 </p:sld>
 </file>
 
-<file path=ppt/slides/slide43.xml><?xml version="1.0" encoding="utf-8"?>
+<file path=ppt/slides/slide44.xml><?xml version="1.0" encoding="utf-8"?>
 <p:sld xmlns:a="http://schemas.openxmlformats.org/drawingml/2006/main" xmlns:r="http://schemas.openxmlformats.org/officeDocument/2006/relationships" xmlns:p="http://schemas.openxmlformats.org/presentationml/2006/main">
   <p:cSld>
     <p:spTree>

--- a/XPlatformCloudkit.pptx
+++ b/XPlatformCloudkit.pptx
@@ -7491,10 +7491,15 @@
             <p:ph idx="1"/>
           </p:nvPr>
         </p:nvSpPr>
-        <p:spPr/>
+        <p:spPr>
+          <a:xfrm>
+            <a:off x="1484310" y="2666999"/>
+            <a:ext cx="10018713" cy="3746680"/>
+          </a:xfrm>
+        </p:spPr>
         <p:txBody>
           <a:bodyPr>
-            <a:normAutofit lnSpcReduction="10000"/>
+            <a:normAutofit/>
           </a:bodyPr>
           <a:lstStyle/>
           <a:p>
@@ -7513,7 +7518,15 @@
             </a:r>
             <a:r>
               <a:rPr lang="en-US" dirty="0"/>
-              <a:t>part of this tutorial, you create a new SQL Database instance and server. You can reuse this new database and administer it as you would any other SQL Database instance. If you already have a database in the same region as the new mobile service, you can instead choose Use existing Database and then select that database. The use of a database in a different region is not recommended because of additional bandwidth costs and higher latencies.</a:t>
+              <a:t>part of this tutorial, you create a new SQL Database instance and server. You can reuse this new database and administer it as you would any other SQL Database instance. </a:t>
+            </a:r>
+            <a:r>
+              <a:rPr lang="en-US" dirty="0" smtClean="0"/>
+              <a:t>This is why you want to give it a generic name, because a single server can be used for multiple Mobile Services i.e. apps.  If </a:t>
+            </a:r>
+            <a:r>
+              <a:rPr lang="en-US" dirty="0"/>
+              <a:t>you already have a database in the same region as the new mobile service, you can instead choose Use existing Database and then select that database. The use of a database in a different region is not recommended because of additional bandwidth costs and higher latencies.</a:t>
             </a:r>
           </a:p>
           <a:p>

--- a/XPlatformCloudkit.pptx
+++ b/XPlatformCloudkit.pptx
@@ -7590,11 +7590,7 @@
             </a:r>
             <a:r>
               <a:rPr lang="en-US" dirty="0" err="1" smtClean="0"/>
-              <a:t>XPlatformCloudKit.</a:t>
-            </a:r>
-            <a:r>
-              <a:rPr lang="en-US" dirty="0" err="1" smtClean="0"/>
-              <a:t>PCL</a:t>
+              <a:t>XPlatformCloudKit.PCL</a:t>
             </a:r>
             <a:r>
               <a:rPr lang="en-US" dirty="0" smtClean="0"/>
@@ -7878,7 +7874,15 @@
             </a:r>
             <a:r>
               <a:rPr lang="en-US" dirty="0" smtClean="0"/>
-              <a:t>” (line 40 in </a:t>
+              <a:t>” (line </a:t>
+            </a:r>
+            <a:r>
+              <a:rPr lang="en-US" dirty="0" smtClean="0"/>
+              <a:t>42 </a:t>
+            </a:r>
+            <a:r>
+              <a:rPr lang="en-US" dirty="0" smtClean="0"/>
+              <a:t>in </a:t>
             </a:r>
             <a:r>
               <a:rPr lang="en-US" dirty="0" err="1" smtClean="0"/>
@@ -7903,7 +7907,15 @@
             </a:r>
             <a:r>
               <a:rPr lang="en-US" dirty="0" smtClean="0"/>
-              <a:t>” (line 44 in </a:t>
+              <a:t>” (line </a:t>
+            </a:r>
+            <a:r>
+              <a:rPr lang="en-US" dirty="0" smtClean="0"/>
+              <a:t>46 </a:t>
+            </a:r>
+            <a:r>
+              <a:rPr lang="en-US" dirty="0" smtClean="0"/>
+              <a:t>in </a:t>
             </a:r>
             <a:r>
               <a:rPr lang="en-US" dirty="0" err="1" smtClean="0"/>
@@ -8204,11 +8216,7 @@
             </a:pPr>
             <a:r>
               <a:rPr lang="en-US" dirty="0" smtClean="0"/>
-              <a:t>With your mobile service selected, click “Data</a:t>
-            </a:r>
-            <a:r>
-              <a:rPr lang="en-US" dirty="0" smtClean="0"/>
-              <a:t>”</a:t>
+              <a:t>With your mobile service selected, click “Data”</a:t>
             </a:r>
           </a:p>
           <a:p>
@@ -8223,7 +8231,6 @@
               <a:rPr lang="en-US" dirty="0" smtClean="0"/>
               <a:t>Next, click “Create” at the bottom and follow the instructions on the next slide to create a new table</a:t>
             </a:r>
-            <a:endParaRPr lang="en-US" dirty="0" smtClean="0"/>
           </a:p>
         </p:txBody>
       </p:sp>
@@ -8703,7 +8710,15 @@
             </a:r>
             <a:r>
               <a:rPr lang="en-US" dirty="0" smtClean="0"/>
-              <a:t>” (line 32 of </a:t>
+              <a:t>” (line </a:t>
+            </a:r>
+            <a:r>
+              <a:rPr lang="en-US" dirty="0" smtClean="0"/>
+              <a:t>38 </a:t>
+            </a:r>
+            <a:r>
+              <a:rPr lang="en-US" dirty="0" smtClean="0"/>
+              <a:t>of </a:t>
             </a:r>
             <a:r>
               <a:rPr lang="en-US" dirty="0" err="1" smtClean="0"/>
@@ -9238,7 +9253,15 @@
             </a:r>
             <a:r>
               <a:rPr lang="en-US" dirty="0"/>
-              <a:t>” (line 32 of </a:t>
+              <a:t>” (line </a:t>
+            </a:r>
+            <a:r>
+              <a:rPr lang="en-US" dirty="0" smtClean="0"/>
+              <a:t>38 </a:t>
+            </a:r>
+            <a:r>
+              <a:rPr lang="en-US" dirty="0"/>
+              <a:t>of </a:t>
             </a:r>
             <a:r>
               <a:rPr lang="en-US" dirty="0" err="1"/>
@@ -10659,39 +10682,7 @@
             </a:pPr>
             <a:r>
               <a:rPr lang="en-US" dirty="0" smtClean="0"/>
-              <a:t>If everything went right and you have followed all </a:t>
-            </a:r>
-            <a:r>
-              <a:rPr lang="en-US" dirty="0" smtClean="0"/>
-              <a:t>instructions </a:t>
-            </a:r>
-            <a:r>
-              <a:rPr lang="en-US" dirty="0" smtClean="0"/>
-              <a:t>up </a:t>
-            </a:r>
-            <a:r>
-              <a:rPr lang="en-US" dirty="0" smtClean="0"/>
-              <a:t>to this </a:t>
-            </a:r>
-            <a:r>
-              <a:rPr lang="en-US" dirty="0" smtClean="0"/>
-              <a:t>point, go ahead and build your Windows Phone and Windows 8 applications, </a:t>
-            </a:r>
-            <a:r>
-              <a:rPr lang="en-US" dirty="0" smtClean="0"/>
-              <a:t>and you </a:t>
-            </a:r>
-            <a:r>
-              <a:rPr lang="en-US" dirty="0" smtClean="0"/>
-              <a:t>should see your data come back from Azure</a:t>
-            </a:r>
-            <a:r>
-              <a:rPr lang="en-US" dirty="0" smtClean="0"/>
-              <a:t>! (Note: To ensure that data is not cached - bring up the app bar (right-click or swipe up from bottom in windows 8 or press the ‘…’ in bottom righ</a:t>
-            </a:r>
-            <a:r>
-              <a:rPr lang="en-US" dirty="0" smtClean="0"/>
-              <a:t>t for Windows phone) and click the “Refresh” button.)</a:t>
+              <a:t>If everything went right and you have followed all instructions up to this point, go ahead and build your Windows Phone and Windows 8 applications, and you should see your data come back from Azure! (Note: To ensure that data is not cached - bring up the app bar (right-click or swipe up from bottom in windows 8 or press the ‘…’ in bottom right for Windows phone) and click the “Refresh” button.)</a:t>
             </a:r>
             <a:endParaRPr lang="en-US" dirty="0"/>
           </a:p>
@@ -10850,7 +10841,11 @@
             </a:pPr>
             <a:r>
               <a:rPr lang="en-US" dirty="0" smtClean="0"/>
-              <a:t>  (line 27 of </a:t>
+              <a:t>  (line </a:t>
+            </a:r>
+            <a:r>
+              <a:rPr lang="en-US" dirty="0" smtClean="0"/>
+              <a:t>33 of </a:t>
             </a:r>
             <a:r>
               <a:rPr lang="en-US" dirty="0" err="1" smtClean="0"/>
@@ -10934,7 +10929,11 @@
             </a:r>
             <a:r>
               <a:rPr lang="en-US" dirty="0" smtClean="0"/>
-              <a:t> array on line 48 of </a:t>
+              <a:t> array on line </a:t>
+            </a:r>
+            <a:r>
+              <a:rPr lang="en-US" dirty="0" smtClean="0"/>
+              <a:t>50 of </a:t>
             </a:r>
             <a:r>
               <a:rPr lang="en-US" dirty="0" err="1" smtClean="0"/>
@@ -10950,15 +10949,7 @@
             </a:r>
             <a:r>
               <a:rPr lang="en-US" dirty="0" smtClean="0"/>
-              <a:t>, a few </a:t>
-            </a:r>
-            <a:r>
-              <a:rPr lang="en-US" dirty="0" smtClean="0"/>
-              <a:t>examples </a:t>
-            </a:r>
-            <a:r>
-              <a:rPr lang="en-US" dirty="0" smtClean="0"/>
-              <a:t>should already exist.</a:t>
+              <a:t>, a few examples should already exist.</a:t>
             </a:r>
           </a:p>
           <a:p>
@@ -13948,11 +13939,7 @@
             </a:r>
             <a:r>
               <a:rPr lang="en-US" dirty="0" smtClean="0"/>
-              <a:t>when your project </a:t>
-            </a:r>
-            <a:r>
-              <a:rPr lang="en-US" smtClean="0"/>
-              <a:t>is built and</a:t>
+              <a:t>when your project is built and</a:t>
             </a:r>
             <a:r>
               <a:rPr lang="en-US" dirty="0"/>

--- a/XPlatformCloudkit.pptx
+++ b/XPlatformCloudkit.pptx
@@ -661,7 +661,7 @@
             <a:fld id="{B61BEF0D-F0BB-DE4B-95CE-6DB70DBA9567}" type="datetimeFigureOut">
               <a:rPr lang="en-US" dirty="0"/>
               <a:pPr/>
-              <a:t>10/16/2013</a:t>
+              <a:t>11/23/2013</a:t>
             </a:fld>
             <a:endParaRPr lang="en-US" dirty="0"/>
           </a:p>
@@ -954,7 +954,7 @@
             <a:fld id="{B61BEF0D-F0BB-DE4B-95CE-6DB70DBA9567}" type="datetimeFigureOut">
               <a:rPr lang="en-US" dirty="0"/>
               <a:pPr/>
-              <a:t>10/16/2013</a:t>
+              <a:t>11/23/2013</a:t>
             </a:fld>
             <a:endParaRPr lang="en-US" dirty="0"/>
           </a:p>
@@ -1199,7 +1199,7 @@
             <a:fld id="{B61BEF0D-F0BB-DE4B-95CE-6DB70DBA9567}" type="datetimeFigureOut">
               <a:rPr lang="en-US" dirty="0"/>
               <a:pPr/>
-              <a:t>10/16/2013</a:t>
+              <a:t>11/23/2013</a:t>
             </a:fld>
             <a:endParaRPr lang="en-US" dirty="0"/>
           </a:p>
@@ -1736,7 +1736,7 @@
             <a:fld id="{B61BEF0D-F0BB-DE4B-95CE-6DB70DBA9567}" type="datetimeFigureOut">
               <a:rPr lang="en-US" dirty="0"/>
               <a:pPr/>
-              <a:t>10/16/2013</a:t>
+              <a:t>11/23/2013</a:t>
             </a:fld>
             <a:endParaRPr lang="en-US" dirty="0"/>
           </a:p>
@@ -1981,7 +1981,7 @@
             <a:fld id="{B61BEF0D-F0BB-DE4B-95CE-6DB70DBA9567}" type="datetimeFigureOut">
               <a:rPr lang="en-US" dirty="0"/>
               <a:pPr/>
-              <a:t>10/16/2013</a:t>
+              <a:t>11/23/2013</a:t>
             </a:fld>
             <a:endParaRPr lang="en-US" dirty="0"/>
           </a:p>
@@ -2510,7 +2510,7 @@
             <a:fld id="{B61BEF0D-F0BB-DE4B-95CE-6DB70DBA9567}" type="datetimeFigureOut">
               <a:rPr lang="en-US" dirty="0"/>
               <a:pPr/>
-              <a:t>10/16/2013</a:t>
+              <a:t>11/23/2013</a:t>
             </a:fld>
             <a:endParaRPr lang="en-US" dirty="0"/>
           </a:p>
@@ -2804,7 +2804,7 @@
             <a:fld id="{B61BEF0D-F0BB-DE4B-95CE-6DB70DBA9567}" type="datetimeFigureOut">
               <a:rPr lang="en-US" dirty="0"/>
               <a:pPr/>
-              <a:t>10/16/2013</a:t>
+              <a:t>11/23/2013</a:t>
             </a:fld>
             <a:endParaRPr lang="en-US" dirty="0"/>
           </a:p>
@@ -2975,7 +2975,7 @@
             <a:fld id="{B61BEF0D-F0BB-DE4B-95CE-6DB70DBA9567}" type="datetimeFigureOut">
               <a:rPr lang="en-US" dirty="0"/>
               <a:pPr/>
-              <a:t>10/16/2013</a:t>
+              <a:t>11/23/2013</a:t>
             </a:fld>
             <a:endParaRPr lang="en-US" dirty="0"/>
           </a:p>
@@ -3152,7 +3152,7 @@
             <a:fld id="{B61BEF0D-F0BB-DE4B-95CE-6DB70DBA9567}" type="datetimeFigureOut">
               <a:rPr lang="en-US" dirty="0"/>
               <a:pPr/>
-              <a:t>10/16/2013</a:t>
+              <a:t>11/23/2013</a:t>
             </a:fld>
             <a:endParaRPr lang="en-US" dirty="0"/>
           </a:p>
@@ -3319,7 +3319,7 @@
             <a:fld id="{B61BEF0D-F0BB-DE4B-95CE-6DB70DBA9567}" type="datetimeFigureOut">
               <a:rPr lang="en-US" dirty="0"/>
               <a:pPr/>
-              <a:t>10/16/2013</a:t>
+              <a:t>11/23/2013</a:t>
             </a:fld>
             <a:endParaRPr lang="en-US" dirty="0"/>
           </a:p>
@@ -3567,7 +3567,7 @@
             <a:fld id="{B61BEF0D-F0BB-DE4B-95CE-6DB70DBA9567}" type="datetimeFigureOut">
               <a:rPr lang="en-US" dirty="0"/>
               <a:pPr/>
-              <a:t>10/16/2013</a:t>
+              <a:t>11/23/2013</a:t>
             </a:fld>
             <a:endParaRPr lang="en-US" dirty="0"/>
           </a:p>
@@ -3861,7 +3861,7 @@
             <a:fld id="{B61BEF0D-F0BB-DE4B-95CE-6DB70DBA9567}" type="datetimeFigureOut">
               <a:rPr lang="en-US" dirty="0"/>
               <a:pPr/>
-              <a:t>10/16/2013</a:t>
+              <a:t>11/23/2013</a:t>
             </a:fld>
             <a:endParaRPr lang="en-US" dirty="0"/>
           </a:p>
@@ -4300,7 +4300,7 @@
             <a:fld id="{B61BEF0D-F0BB-DE4B-95CE-6DB70DBA9567}" type="datetimeFigureOut">
               <a:rPr lang="en-US" dirty="0"/>
               <a:pPr/>
-              <a:t>10/16/2013</a:t>
+              <a:t>11/23/2013</a:t>
             </a:fld>
             <a:endParaRPr lang="en-US" dirty="0"/>
           </a:p>
@@ -4415,7 +4415,7 @@
             <a:fld id="{B61BEF0D-F0BB-DE4B-95CE-6DB70DBA9567}" type="datetimeFigureOut">
               <a:rPr lang="en-US" dirty="0"/>
               <a:pPr/>
-              <a:t>10/16/2013</a:t>
+              <a:t>11/23/2013</a:t>
             </a:fld>
             <a:endParaRPr lang="en-US" dirty="0"/>
           </a:p>
@@ -4507,7 +4507,7 @@
             <a:fld id="{B61BEF0D-F0BB-DE4B-95CE-6DB70DBA9567}" type="datetimeFigureOut">
               <a:rPr lang="en-US" dirty="0"/>
               <a:pPr/>
-              <a:t>10/16/2013</a:t>
+              <a:t>11/23/2013</a:t>
             </a:fld>
             <a:endParaRPr lang="en-US" dirty="0"/>
           </a:p>
@@ -4787,7 +4787,7 @@
             <a:fld id="{B61BEF0D-F0BB-DE4B-95CE-6DB70DBA9567}" type="datetimeFigureOut">
               <a:rPr lang="en-US" dirty="0"/>
               <a:pPr/>
-              <a:t>10/16/2013</a:t>
+              <a:t>11/23/2013</a:t>
             </a:fld>
             <a:endParaRPr lang="en-US" dirty="0"/>
           </a:p>
@@ -5075,7 +5075,7 @@
             <a:fld id="{B61BEF0D-F0BB-DE4B-95CE-6DB70DBA9567}" type="datetimeFigureOut">
               <a:rPr lang="en-US" dirty="0"/>
               <a:pPr/>
-              <a:t>10/16/2013</a:t>
+              <a:t>11/23/2013</a:t>
             </a:fld>
             <a:endParaRPr lang="en-US" dirty="0"/>
           </a:p>
@@ -5602,7 +5602,7 @@
             <a:fld id="{B61BEF0D-F0BB-DE4B-95CE-6DB70DBA9567}" type="datetimeFigureOut">
               <a:rPr lang="en-US" dirty="0"/>
               <a:pPr/>
-              <a:t>10/16/2013</a:t>
+              <a:t>11/23/2013</a:t>
             </a:fld>
             <a:endParaRPr lang="en-US" dirty="0"/>
           </a:p>
@@ -6687,11 +6687,7 @@
             </a:pPr>
             <a:r>
               <a:rPr lang="en-US" dirty="0" err="1" smtClean="0"/>
-              <a:t>LocalItemsFile</a:t>
-            </a:r>
-            <a:r>
-              <a:rPr lang="en-US" dirty="0" err="1" smtClean="0"/>
-              <a:t>Service</a:t>
+              <a:t>LocalItemsFileService</a:t>
             </a:r>
             <a:r>
               <a:rPr lang="en-US" dirty="0" smtClean="0"/>
@@ -6904,11 +6900,7 @@
             </a:pPr>
             <a:r>
               <a:rPr lang="en-US" dirty="0" smtClean="0"/>
-              <a:t>An </a:t>
-            </a:r>
-            <a:r>
-              <a:rPr lang="en-US" dirty="0" smtClean="0"/>
-              <a:t>Item has 5 Properties:</a:t>
+              <a:t>An Item has 5 Properties:</a:t>
             </a:r>
           </a:p>
           <a:p>
@@ -7660,25 +7652,7 @@
                 </a:solidFill>
                 <a:effectLst/>
               </a:rPr>
-              <a:t>&lt;- </a:t>
-            </a:r>
-            <a:r>
-              <a:rPr lang="en-US" sz="2400" b="1" cap="none" spc="0" dirty="0" smtClean="0">
-                <a:ln w="22225">
-                  <a:solidFill>
-                    <a:schemeClr val="accent2"/>
-                  </a:solidFill>
-                  <a:prstDash val="solid"/>
-                </a:ln>
-                <a:solidFill>
-                  <a:schemeClr val="accent2">
-                    <a:lumMod val="40000"/>
-                    <a:lumOff val="60000"/>
-                  </a:schemeClr>
-                </a:solidFill>
-                <a:effectLst/>
-              </a:rPr>
-              <a:t>Description</a:t>
+              <a:t>&lt;- Description</a:t>
             </a:r>
           </a:p>
           <a:p>
@@ -8153,25 +8127,7 @@
                 </a:solidFill>
                 <a:effectLst/>
               </a:rPr>
-              <a:t>&lt;- </a:t>
-            </a:r>
-            <a:r>
-              <a:rPr lang="en-US" sz="2400" b="1" cap="none" spc="0" dirty="0" smtClean="0">
-                <a:ln w="22225">
-                  <a:solidFill>
-                    <a:schemeClr val="accent2"/>
-                  </a:solidFill>
-                  <a:prstDash val="solid"/>
-                </a:ln>
-                <a:solidFill>
-                  <a:schemeClr val="accent2">
-                    <a:lumMod val="40000"/>
-                    <a:lumOff val="60000"/>
-                  </a:schemeClr>
-                </a:solidFill>
-                <a:effectLst/>
-              </a:rPr>
-              <a:t>Description</a:t>
+              <a:t>&lt;- Description</a:t>
             </a:r>
           </a:p>
           <a:p>
@@ -8630,61 +8586,7 @@
                   </a:outerShdw>
                 </a:effectLst>
               </a:rPr>
-              <a:t>Blue </a:t>
-            </a:r>
-            <a:r>
-              <a:rPr lang="en-US" sz="2400" b="1" cap="none" spc="0" dirty="0" smtClean="0">
-                <a:ln w="12700">
-                  <a:solidFill>
-                    <a:schemeClr val="accent1"/>
-                  </a:solidFill>
-                  <a:prstDash val="solid"/>
-                </a:ln>
-                <a:pattFill prst="pct50">
-                  <a:fgClr>
-                    <a:schemeClr val="accent1"/>
-                  </a:fgClr>
-                  <a:bgClr>
-                    <a:schemeClr val="accent1">
-                      <a:lumMod val="20000"/>
-                      <a:lumOff val="80000"/>
-                    </a:schemeClr>
-                  </a:bgClr>
-                </a:pattFill>
-                <a:effectLst>
-                  <a:outerShdw dist="38100" dir="2640000" algn="bl" rotWithShape="0">
-                    <a:schemeClr val="accent1"/>
-                  </a:outerShdw>
-                </a:effectLst>
-              </a:rPr>
-              <a:t>values are </a:t>
-            </a:r>
-            <a:r>
-              <a:rPr lang="en-US" sz="2400" b="1" cap="none" spc="0" dirty="0" smtClean="0">
-                <a:ln w="12700">
-                  <a:solidFill>
-                    <a:schemeClr val="accent1"/>
-                  </a:solidFill>
-                  <a:prstDash val="solid"/>
-                </a:ln>
-                <a:pattFill prst="pct50">
-                  <a:fgClr>
-                    <a:schemeClr val="accent1"/>
-                  </a:fgClr>
-                  <a:bgClr>
-                    <a:schemeClr val="accent1">
-                      <a:lumMod val="20000"/>
-                      <a:lumOff val="80000"/>
-                    </a:schemeClr>
-                  </a:bgClr>
-                </a:pattFill>
-                <a:effectLst>
-                  <a:outerShdw dist="38100" dir="2640000" algn="bl" rotWithShape="0">
-                    <a:schemeClr val="accent1"/>
-                  </a:outerShdw>
-                </a:effectLst>
-              </a:rPr>
-              <a:t>configured in </a:t>
+              <a:t>Blue values are configured in </a:t>
             </a:r>
             <a:r>
               <a:rPr lang="en-US" sz="2400" b="1" cap="none" spc="0" dirty="0" err="1" smtClean="0">
@@ -8805,24 +8707,7 @@
                   </a:schemeClr>
                 </a:solidFill>
               </a:rPr>
-              <a:t>Green </a:t>
-            </a:r>
-            <a:r>
-              <a:rPr lang="en-US" sz="2400" b="1" dirty="0" smtClean="0">
-                <a:ln w="22225">
-                  <a:solidFill>
-                    <a:schemeClr val="accent2"/>
-                  </a:solidFill>
-                  <a:prstDash val="solid"/>
-                </a:ln>
-                <a:solidFill>
-                  <a:schemeClr val="accent2">
-                    <a:lumMod val="40000"/>
-                    <a:lumOff val="60000"/>
-                  </a:schemeClr>
-                </a:solidFill>
-              </a:rPr>
-              <a:t>values come from </a:t>
+              <a:t>Green values come from </a:t>
             </a:r>
             <a:r>
               <a:rPr lang="en-US" sz="2400" b="1" dirty="0" err="1" smtClean="0">
@@ -9014,21 +8899,8 @@
             </a:pPr>
             <a:r>
               <a:rPr lang="en-US" dirty="0" smtClean="0"/>
-              <a:t>1. To </a:t>
-            </a:r>
-            <a:r>
-              <a:rPr lang="en-US" dirty="0" smtClean="0"/>
-              <a:t>enable use of </a:t>
-            </a:r>
-            <a:r>
-              <a:rPr lang="en-US" dirty="0" smtClean="0"/>
-              <a:t>local data in an .xml file within </a:t>
-            </a:r>
-            <a:r>
-              <a:rPr lang="en-US" dirty="0" smtClean="0"/>
-              <a:t>your application, simply set </a:t>
-            </a:r>
-            <a:endParaRPr lang="en-US" dirty="0" smtClean="0"/>
+              <a:t>1. To enable use of local data in an .xml file within your application, simply set </a:t>
+            </a:r>
           </a:p>
           <a:p>
             <a:pPr marL="0" indent="0">
@@ -9062,7 +8934,6 @@
               <a:rPr lang="en-US" dirty="0" smtClean="0"/>
               <a:t>  </a:t>
             </a:r>
-            <a:endParaRPr lang="en-US" dirty="0" smtClean="0"/>
           </a:p>
           <a:p>
             <a:pPr marL="0" indent="0">
@@ -9154,7 +9025,6 @@
               <a:rPr lang="en-US" dirty="0" smtClean="0"/>
               <a:t>)</a:t>
             </a:r>
-            <a:endParaRPr lang="en-US" dirty="0" smtClean="0"/>
           </a:p>
           <a:p>
             <a:pPr marL="0" indent="0">
@@ -9382,13 +9252,8 @@
             </a:pPr>
             <a:r>
               <a:rPr lang="en-US" dirty="0" smtClean="0"/>
-              <a:t>1. To </a:t>
-            </a:r>
-            <a:r>
-              <a:rPr lang="en-US" dirty="0" smtClean="0"/>
-              <a:t>enable use of RSS feeds in your application, simply set </a:t>
-            </a:r>
-            <a:endParaRPr lang="en-US" dirty="0" smtClean="0"/>
+              <a:t>1. To enable use of RSS feeds in your application, simply set </a:t>
+            </a:r>
           </a:p>
           <a:p>
             <a:pPr marL="0" indent="0">
@@ -9422,7 +9287,6 @@
               <a:rPr lang="en-US" dirty="0" smtClean="0"/>
               <a:t>  </a:t>
             </a:r>
-            <a:endParaRPr lang="en-US" dirty="0" smtClean="0"/>
           </a:p>
           <a:p>
             <a:pPr marL="0" indent="0">
@@ -9496,11 +9360,7 @@
             </a:pPr>
             <a:r>
               <a:rPr lang="en-US" dirty="0" smtClean="0"/>
-              <a:t>2. Then </a:t>
-            </a:r>
-            <a:r>
-              <a:rPr lang="en-US" dirty="0" smtClean="0"/>
-              <a:t>configure the RSS sources and name to use for the source by adding to the </a:t>
+              <a:t>2. Then configure the RSS sources and name to use for the source by adding to the </a:t>
             </a:r>
             <a:r>
               <a:rPr lang="en-US" dirty="0" err="1" smtClean="0"/>
@@ -9508,11 +9368,7 @@
             </a:r>
             <a:r>
               <a:rPr lang="en-US" dirty="0" smtClean="0"/>
-              <a:t> array </a:t>
-            </a:r>
-            <a:r>
-              <a:rPr lang="en-US" dirty="0" smtClean="0"/>
-              <a:t>in </a:t>
+              <a:t> array in </a:t>
             </a:r>
             <a:r>
               <a:rPr lang="en-US" dirty="0" err="1" smtClean="0"/>
@@ -11082,15 +10938,7 @@
             </a:r>
             <a:r>
               <a:rPr lang="en-US" dirty="0" smtClean="0"/>
-              <a:t> Lab we will create an application that can consume grouped data from an Azure Mobile Service table and/or RSS feed(s</a:t>
-            </a:r>
-            <a:r>
-              <a:rPr lang="en-US" dirty="0" smtClean="0"/>
-              <a:t>) and/or Local Data in an included xml file.  </a:t>
-            </a:r>
-            <a:r>
-              <a:rPr lang="en-US" dirty="0" smtClean="0"/>
-              <a:t>The app supports live tile update upon viewing an item and sharing on both Windows 8 and Windows Phone 8.  Try to think of a topic that is well suited for this type of content i.e. a collection of super heroes, universities, TV shows, game consoles.  </a:t>
+              <a:t> Lab we will create an application that can consume grouped data from an Azure Mobile Service table and/or RSS feed(s) and/or Local Data in an included xml file.  The app supports live tile update upon viewing an item and sharing on both Windows 8 and Windows Phone 8.  Try to think of a topic that is well suited for this type of content i.e. a collection of super heroes, universities, TV shows, game consoles.  </a:t>
             </a:r>
             <a:endParaRPr lang="en-US" dirty="0"/>
           </a:p>
@@ -11397,11 +11245,7 @@
             </a:r>
             <a:r>
               <a:rPr lang="en-US" dirty="0" smtClean="0"/>
-              <a:t>” </a:t>
-            </a:r>
-            <a:r>
-              <a:rPr lang="en-US" dirty="0" smtClean="0"/>
-              <a:t>in </a:t>
+              <a:t>” in </a:t>
             </a:r>
             <a:r>
               <a:rPr lang="en-US" dirty="0" err="1" smtClean="0"/>
@@ -11409,11 +11253,7 @@
             </a:r>
             <a:r>
               <a:rPr lang="en-US" dirty="0" smtClean="0"/>
-              <a:t> to </a:t>
-            </a:r>
-            <a:r>
-              <a:rPr lang="en-US" dirty="0" smtClean="0"/>
-              <a:t>this value.</a:t>
+              <a:t> to this value.</a:t>
             </a:r>
           </a:p>
           <a:p>
@@ -11438,11 +11278,7 @@
             </a:r>
             <a:r>
               <a:rPr lang="en-US" dirty="0" smtClean="0"/>
-              <a:t> to this </a:t>
-            </a:r>
-            <a:r>
-              <a:rPr lang="en-US" dirty="0" smtClean="0"/>
-              <a:t>value.</a:t>
+              <a:t> to this value.</a:t>
             </a:r>
           </a:p>
           <a:p>
@@ -12242,11 +12078,7 @@
             </a:r>
             <a:r>
               <a:rPr lang="en-US" dirty="0" smtClean="0"/>
-              <a:t> </a:t>
-            </a:r>
-            <a:r>
-              <a:rPr lang="en-US" dirty="0" smtClean="0"/>
-              <a:t>to “true”</a:t>
+              <a:t> to “true”</a:t>
             </a:r>
           </a:p>
           <a:p>
@@ -12625,11 +12457,7 @@
             </a:r>
             <a:r>
               <a:rPr lang="en-US" dirty="0" smtClean="0"/>
-              <a:t> back </a:t>
-            </a:r>
-            <a:r>
-              <a:rPr lang="en-US" dirty="0" smtClean="0"/>
-              <a:t>to “false”.</a:t>
+              <a:t> back to “false”.</a:t>
             </a:r>
           </a:p>
         </p:txBody>
@@ -14139,11 +13967,7 @@
           <a:p>
             <a:r>
               <a:rPr lang="en-US" dirty="0" smtClean="0"/>
-              <a:t>Example using </a:t>
-            </a:r>
-            <a:r>
-              <a:rPr lang="en-US" dirty="0" smtClean="0"/>
-              <a:t>RSS and Azure </a:t>
+              <a:t>Example using RSS and Azure </a:t>
             </a:r>
             <a:r>
               <a:rPr lang="en-US" dirty="0" err="1" smtClean="0"/>
@@ -14186,11 +14010,7 @@
             </a:r>
             <a:r>
               <a:rPr lang="en-US" dirty="0" smtClean="0"/>
-              <a:t> feed</a:t>
-            </a:r>
-            <a:r>
-              <a:rPr lang="en-US" dirty="0" smtClean="0"/>
-              <a:t>! Simply enable both </a:t>
+              <a:t> feed! Simply enable both </a:t>
             </a:r>
             <a:r>
               <a:rPr lang="en-US" dirty="0" err="1" smtClean="0"/>
@@ -15691,40 +15511,29 @@
             </a:pPr>
             <a:r>
               <a:rPr lang="en-US" dirty="0" smtClean="0"/>
-              <a:t>If </a:t>
-            </a:r>
-            <a:r>
-              <a:rPr lang="en-US" dirty="0"/>
-              <a:t>you successfully publish 3 apps, contact </a:t>
-            </a:r>
-            <a:r>
-              <a:rPr lang="en-US" dirty="0">
+              <a:t>Be sure to submit your apps to </a:t>
+            </a:r>
+            <a:r>
+              <a:rPr lang="en-US" dirty="0" smtClean="0">
                 <a:hlinkClick r:id="rId2"/>
               </a:rPr>
-              <a:t>pdecarlo@microsoft.com</a:t>
-            </a:r>
-            <a:r>
-              <a:rPr lang="en-US" dirty="0"/>
-              <a:t> with the published store links and inquire about receiving a free Windows Phone</a:t>
-            </a:r>
-            <a:r>
-              <a:rPr lang="en-US" dirty="0" smtClean="0"/>
-              <a:t>!</a:t>
-            </a:r>
-            <a:r>
-              <a:rPr lang="en-US" dirty="0"/>
-              <a:t> </a:t>
+              <a:t>App Builder Rewards </a:t>
+            </a:r>
+            <a:r>
+              <a:rPr lang="en-US" dirty="0" smtClean="0"/>
+              <a:t>and </a:t>
+            </a:r>
+            <a:r>
+              <a:rPr lang="en-US" dirty="0" smtClean="0">
+                <a:hlinkClick r:id="rId3"/>
+              </a:rPr>
+              <a:t>DVLUP</a:t>
+            </a:r>
+            <a:r>
+              <a:rPr lang="en-US" dirty="0" smtClean="0"/>
+              <a:t> for the opportunity to receive prizes (Phones, Xbox games, and more!)</a:t>
             </a:r>
             <a:endParaRPr lang="en-US" dirty="0" smtClean="0"/>
-          </a:p>
-          <a:p>
-            <a:pPr marL="0" indent="0">
-              <a:buNone/>
-            </a:pPr>
-            <a:r>
-              <a:rPr lang="en-US" dirty="0" smtClean="0"/>
-              <a:t>*Offer limited to the first 100 respondents / U.S. residents only</a:t>
-            </a:r>
           </a:p>
         </p:txBody>
       </p:sp>
@@ -15737,7 +15546,7 @@
           <p:nvPr/>
         </p:nvPicPr>
         <p:blipFill>
-          <a:blip r:embed="rId3">
+          <a:blip r:embed="rId4">
             <a:extLst>
               <a:ext uri="{28A0092B-C50C-407E-A947-70E740481C1C}">
                 <a14:useLocalDpi xmlns:a14="http://schemas.microsoft.com/office/drawing/2010/main" val="0"/>
@@ -16717,15 +16526,7 @@
             </a:r>
             <a:r>
               <a:rPr lang="en-US" dirty="0" smtClean="0"/>
-              <a:t> project.  All changes to it will be accessible to all of the included projects which consume it. </a:t>
-            </a:r>
-            <a:r>
-              <a:rPr lang="en-US" dirty="0" smtClean="0"/>
-              <a:t>We </a:t>
-            </a:r>
-            <a:r>
-              <a:rPr lang="en-US" dirty="0" smtClean="0"/>
-              <a:t>can make high reuse of code by incorporating our application logic and configuration logic in a PCL.  This is the primary benefit of Portable Class Libraries.</a:t>
+              <a:t> project.  All changes to it will be accessible to all of the included projects which consume it. We can make high reuse of code by incorporating our application logic and configuration logic in a PCL.  This is the primary benefit of Portable Class Libraries.</a:t>
             </a:r>
           </a:p>
         </p:txBody>

--- a/XPlatformCloudkit.pptx
+++ b/XPlatformCloudkit.pptx
@@ -28,30 +28,33 @@
     <p:sldId id="269" r:id="rId22"/>
     <p:sldId id="272" r:id="rId23"/>
     <p:sldId id="273" r:id="rId24"/>
-    <p:sldId id="275" r:id="rId25"/>
-    <p:sldId id="278" r:id="rId26"/>
-    <p:sldId id="277" r:id="rId27"/>
-    <p:sldId id="280" r:id="rId28"/>
-    <p:sldId id="281" r:id="rId29"/>
-    <p:sldId id="282" r:id="rId30"/>
-    <p:sldId id="284" r:id="rId31"/>
-    <p:sldId id="285" r:id="rId32"/>
-    <p:sldId id="274" r:id="rId33"/>
-    <p:sldId id="279" r:id="rId34"/>
-    <p:sldId id="286" r:id="rId35"/>
-    <p:sldId id="287" r:id="rId36"/>
-    <p:sldId id="288" r:id="rId37"/>
-    <p:sldId id="289" r:id="rId38"/>
-    <p:sldId id="291" r:id="rId39"/>
-    <p:sldId id="302" r:id="rId40"/>
-    <p:sldId id="294" r:id="rId41"/>
-    <p:sldId id="297" r:id="rId42"/>
-    <p:sldId id="298" r:id="rId43"/>
-    <p:sldId id="304" r:id="rId44"/>
-    <p:sldId id="299" r:id="rId45"/>
-    <p:sldId id="303" r:id="rId46"/>
-    <p:sldId id="300" r:id="rId47"/>
-    <p:sldId id="301" r:id="rId48"/>
+    <p:sldId id="311" r:id="rId25"/>
+    <p:sldId id="310" r:id="rId26"/>
+    <p:sldId id="312" r:id="rId27"/>
+    <p:sldId id="275" r:id="rId28"/>
+    <p:sldId id="278" r:id="rId29"/>
+    <p:sldId id="277" r:id="rId30"/>
+    <p:sldId id="280" r:id="rId31"/>
+    <p:sldId id="281" r:id="rId32"/>
+    <p:sldId id="282" r:id="rId33"/>
+    <p:sldId id="284" r:id="rId34"/>
+    <p:sldId id="285" r:id="rId35"/>
+    <p:sldId id="274" r:id="rId36"/>
+    <p:sldId id="279" r:id="rId37"/>
+    <p:sldId id="286" r:id="rId38"/>
+    <p:sldId id="287" r:id="rId39"/>
+    <p:sldId id="288" r:id="rId40"/>
+    <p:sldId id="289" r:id="rId41"/>
+    <p:sldId id="291" r:id="rId42"/>
+    <p:sldId id="302" r:id="rId43"/>
+    <p:sldId id="294" r:id="rId44"/>
+    <p:sldId id="297" r:id="rId45"/>
+    <p:sldId id="298" r:id="rId46"/>
+    <p:sldId id="304" r:id="rId47"/>
+    <p:sldId id="299" r:id="rId48"/>
+    <p:sldId id="303" r:id="rId49"/>
+    <p:sldId id="300" r:id="rId50"/>
+    <p:sldId id="301" r:id="rId51"/>
   </p:sldIdLst>
   <p:sldSz cx="12192000" cy="6858000"/>
   <p:notesSz cx="6858000" cy="9144000"/>
@@ -661,7 +664,7 @@
             <a:fld id="{B61BEF0D-F0BB-DE4B-95CE-6DB70DBA9567}" type="datetimeFigureOut">
               <a:rPr lang="en-US" dirty="0"/>
               <a:pPr/>
-              <a:t>11/23/2013</a:t>
+              <a:t>11/30/2013</a:t>
             </a:fld>
             <a:endParaRPr lang="en-US" dirty="0"/>
           </a:p>
@@ -954,7 +957,7 @@
             <a:fld id="{B61BEF0D-F0BB-DE4B-95CE-6DB70DBA9567}" type="datetimeFigureOut">
               <a:rPr lang="en-US" dirty="0"/>
               <a:pPr/>
-              <a:t>11/23/2013</a:t>
+              <a:t>11/30/2013</a:t>
             </a:fld>
             <a:endParaRPr lang="en-US" dirty="0"/>
           </a:p>
@@ -1199,7 +1202,7 @@
             <a:fld id="{B61BEF0D-F0BB-DE4B-95CE-6DB70DBA9567}" type="datetimeFigureOut">
               <a:rPr lang="en-US" dirty="0"/>
               <a:pPr/>
-              <a:t>11/23/2013</a:t>
+              <a:t>11/30/2013</a:t>
             </a:fld>
             <a:endParaRPr lang="en-US" dirty="0"/>
           </a:p>
@@ -1736,7 +1739,7 @@
             <a:fld id="{B61BEF0D-F0BB-DE4B-95CE-6DB70DBA9567}" type="datetimeFigureOut">
               <a:rPr lang="en-US" dirty="0"/>
               <a:pPr/>
-              <a:t>11/23/2013</a:t>
+              <a:t>11/30/2013</a:t>
             </a:fld>
             <a:endParaRPr lang="en-US" dirty="0"/>
           </a:p>
@@ -1981,7 +1984,7 @@
             <a:fld id="{B61BEF0D-F0BB-DE4B-95CE-6DB70DBA9567}" type="datetimeFigureOut">
               <a:rPr lang="en-US" dirty="0"/>
               <a:pPr/>
-              <a:t>11/23/2013</a:t>
+              <a:t>11/30/2013</a:t>
             </a:fld>
             <a:endParaRPr lang="en-US" dirty="0"/>
           </a:p>
@@ -2510,7 +2513,7 @@
             <a:fld id="{B61BEF0D-F0BB-DE4B-95CE-6DB70DBA9567}" type="datetimeFigureOut">
               <a:rPr lang="en-US" dirty="0"/>
               <a:pPr/>
-              <a:t>11/23/2013</a:t>
+              <a:t>11/30/2013</a:t>
             </a:fld>
             <a:endParaRPr lang="en-US" dirty="0"/>
           </a:p>
@@ -2804,7 +2807,7 @@
             <a:fld id="{B61BEF0D-F0BB-DE4B-95CE-6DB70DBA9567}" type="datetimeFigureOut">
               <a:rPr lang="en-US" dirty="0"/>
               <a:pPr/>
-              <a:t>11/23/2013</a:t>
+              <a:t>11/30/2013</a:t>
             </a:fld>
             <a:endParaRPr lang="en-US" dirty="0"/>
           </a:p>
@@ -2975,7 +2978,7 @@
             <a:fld id="{B61BEF0D-F0BB-DE4B-95CE-6DB70DBA9567}" type="datetimeFigureOut">
               <a:rPr lang="en-US" dirty="0"/>
               <a:pPr/>
-              <a:t>11/23/2013</a:t>
+              <a:t>11/30/2013</a:t>
             </a:fld>
             <a:endParaRPr lang="en-US" dirty="0"/>
           </a:p>
@@ -3152,7 +3155,7 @@
             <a:fld id="{B61BEF0D-F0BB-DE4B-95CE-6DB70DBA9567}" type="datetimeFigureOut">
               <a:rPr lang="en-US" dirty="0"/>
               <a:pPr/>
-              <a:t>11/23/2013</a:t>
+              <a:t>11/30/2013</a:t>
             </a:fld>
             <a:endParaRPr lang="en-US" dirty="0"/>
           </a:p>
@@ -3319,7 +3322,7 @@
             <a:fld id="{B61BEF0D-F0BB-DE4B-95CE-6DB70DBA9567}" type="datetimeFigureOut">
               <a:rPr lang="en-US" dirty="0"/>
               <a:pPr/>
-              <a:t>11/23/2013</a:t>
+              <a:t>11/30/2013</a:t>
             </a:fld>
             <a:endParaRPr lang="en-US" dirty="0"/>
           </a:p>
@@ -3567,7 +3570,7 @@
             <a:fld id="{B61BEF0D-F0BB-DE4B-95CE-6DB70DBA9567}" type="datetimeFigureOut">
               <a:rPr lang="en-US" dirty="0"/>
               <a:pPr/>
-              <a:t>11/23/2013</a:t>
+              <a:t>11/30/2013</a:t>
             </a:fld>
             <a:endParaRPr lang="en-US" dirty="0"/>
           </a:p>
@@ -3861,7 +3864,7 @@
             <a:fld id="{B61BEF0D-F0BB-DE4B-95CE-6DB70DBA9567}" type="datetimeFigureOut">
               <a:rPr lang="en-US" dirty="0"/>
               <a:pPr/>
-              <a:t>11/23/2013</a:t>
+              <a:t>11/30/2013</a:t>
             </a:fld>
             <a:endParaRPr lang="en-US" dirty="0"/>
           </a:p>
@@ -4300,7 +4303,7 @@
             <a:fld id="{B61BEF0D-F0BB-DE4B-95CE-6DB70DBA9567}" type="datetimeFigureOut">
               <a:rPr lang="en-US" dirty="0"/>
               <a:pPr/>
-              <a:t>11/23/2013</a:t>
+              <a:t>11/30/2013</a:t>
             </a:fld>
             <a:endParaRPr lang="en-US" dirty="0"/>
           </a:p>
@@ -4415,7 +4418,7 @@
             <a:fld id="{B61BEF0D-F0BB-DE4B-95CE-6DB70DBA9567}" type="datetimeFigureOut">
               <a:rPr lang="en-US" dirty="0"/>
               <a:pPr/>
-              <a:t>11/23/2013</a:t>
+              <a:t>11/30/2013</a:t>
             </a:fld>
             <a:endParaRPr lang="en-US" dirty="0"/>
           </a:p>
@@ -4507,7 +4510,7 @@
             <a:fld id="{B61BEF0D-F0BB-DE4B-95CE-6DB70DBA9567}" type="datetimeFigureOut">
               <a:rPr lang="en-US" dirty="0"/>
               <a:pPr/>
-              <a:t>11/23/2013</a:t>
+              <a:t>11/30/2013</a:t>
             </a:fld>
             <a:endParaRPr lang="en-US" dirty="0"/>
           </a:p>
@@ -4787,7 +4790,7 @@
             <a:fld id="{B61BEF0D-F0BB-DE4B-95CE-6DB70DBA9567}" type="datetimeFigureOut">
               <a:rPr lang="en-US" dirty="0"/>
               <a:pPr/>
-              <a:t>11/23/2013</a:t>
+              <a:t>11/30/2013</a:t>
             </a:fld>
             <a:endParaRPr lang="en-US" dirty="0"/>
           </a:p>
@@ -5075,7 +5078,7 @@
             <a:fld id="{B61BEF0D-F0BB-DE4B-95CE-6DB70DBA9567}" type="datetimeFigureOut">
               <a:rPr lang="en-US" dirty="0"/>
               <a:pPr/>
-              <a:t>11/23/2013</a:t>
+              <a:t>11/30/2013</a:t>
             </a:fld>
             <a:endParaRPr lang="en-US" dirty="0"/>
           </a:p>
@@ -5602,7 +5605,7 @@
             <a:fld id="{B61BEF0D-F0BB-DE4B-95CE-6DB70DBA9567}" type="datetimeFigureOut">
               <a:rPr lang="en-US" dirty="0"/>
               <a:pPr/>
-              <a:t>11/23/2013</a:t>
+              <a:t>11/30/2013</a:t>
             </a:fld>
             <a:endParaRPr lang="en-US" dirty="0"/>
           </a:p>
@@ -11969,7 +11972,7 @@
       </p:grpSpPr>
       <p:pic>
         <p:nvPicPr>
-          <p:cNvPr id="7" name="Picture 6"/>
+          <p:cNvPr id="3" name="Picture 2"/>
           <p:cNvPicPr>
             <a:picLocks noChangeAspect="1"/>
           </p:cNvPicPr>
@@ -11983,8 +11986,8 @@
         </p:blipFill>
         <p:spPr>
           <a:xfrm>
-            <a:off x="1990844" y="1152393"/>
-            <a:ext cx="8980935" cy="3397283"/>
+            <a:off x="1641942" y="2814734"/>
+            <a:ext cx="5583471" cy="2376207"/>
           </a:xfrm>
           <a:prstGeom prst="rect">
             <a:avLst/>
@@ -12001,19 +12004,14 @@
             <p:ph type="title"/>
           </p:nvPr>
         </p:nvSpPr>
-        <p:spPr>
-          <a:xfrm>
-            <a:off x="1471956" y="11314"/>
-            <a:ext cx="10018713" cy="1752599"/>
-          </a:xfrm>
-        </p:spPr>
+        <p:spPr/>
         <p:txBody>
           <a:bodyPr/>
           <a:lstStyle/>
           <a:p>
             <a:r>
               <a:rPr lang="en-US" dirty="0" smtClean="0"/>
-              <a:t>Generate the “Item” table schema</a:t>
+              <a:t>Delete extraneous columns</a:t>
             </a:r>
             <a:endParaRPr lang="en-US" dirty="0"/>
           </a:p>
@@ -12027,8 +12025,8 @@
         </p:nvSpPr>
         <p:spPr>
           <a:xfrm>
-            <a:off x="3479626" y="4549676"/>
-            <a:ext cx="4997002" cy="2308324"/>
+            <a:off x="7506083" y="3159616"/>
+            <a:ext cx="4649273" cy="646331"/>
           </a:xfrm>
           <a:prstGeom prst="rect">
             <a:avLst/>
@@ -12046,64 +12044,23 @@
             </a:pPr>
             <a:r>
               <a:rPr lang="en-US" dirty="0" smtClean="0"/>
-              <a:t>Open </a:t>
-            </a:r>
-            <a:r>
-              <a:rPr lang="en-US" dirty="0" err="1" smtClean="0"/>
-              <a:t>AppSettings.cs</a:t>
-            </a:r>
-            <a:r>
-              <a:rPr lang="en-US" dirty="0" smtClean="0"/>
-              <a:t> in the </a:t>
-            </a:r>
-            <a:r>
-              <a:rPr lang="en-US" dirty="0" err="1" smtClean="0"/>
-              <a:t>XPlatformCloudKit.PCL</a:t>
-            </a:r>
-            <a:r>
-              <a:rPr lang="en-US" dirty="0" smtClean="0"/>
-              <a:t> project and set “</a:t>
-            </a:r>
-            <a:r>
-              <a:rPr lang="en-US" dirty="0" err="1" smtClean="0"/>
-              <a:t>CreateInitialSchemaForAzureMobileService</a:t>
-            </a:r>
-            <a:r>
-              <a:rPr lang="en-US" dirty="0" smtClean="0"/>
-              <a:t>” in </a:t>
-            </a:r>
-            <a:r>
-              <a:rPr lang="en-US" dirty="0" err="1" smtClean="0"/>
-              <a:t>AppSettings.cs</a:t>
-            </a:r>
-            <a:r>
-              <a:rPr lang="en-US" dirty="0" smtClean="0"/>
-              <a:t> to “true”</a:t>
-            </a:r>
+              <a:t>Click the ‘DATA’ Heading</a:t>
+            </a:r>
+            <a:endParaRPr lang="en-US" dirty="0" smtClean="0"/>
           </a:p>
           <a:p>
             <a:pPr marL="342900" indent="-342900">
               <a:buAutoNum type="arabicPeriod"/>
             </a:pPr>
-            <a:endParaRPr lang="en-US" dirty="0"/>
-          </a:p>
-          <a:p>
-            <a:r>
-              <a:rPr lang="en-US" dirty="0" smtClean="0"/>
-              <a:t>NOTE: We will set this value immediately back to </a:t>
-            </a:r>
-          </a:p>
-          <a:p>
-            <a:r>
-              <a:rPr lang="en-US" dirty="0" smtClean="0"/>
-              <a:t>“false” after initial success.  We will only ever have</a:t>
-            </a:r>
-          </a:p>
-          <a:p>
-            <a:r>
-              <a:rPr lang="en-US" dirty="0" smtClean="0"/>
-              <a:t>to do this step once in the lifetime of the app.</a:t>
-            </a:r>
+            <a:r>
+              <a:rPr lang="en-US" dirty="0" smtClean="0"/>
+              <a:t>Click the ‘</a:t>
+            </a:r>
+            <a:r>
+              <a:rPr lang="en-US" dirty="0" smtClean="0"/>
+              <a:t>Item’ table</a:t>
+            </a:r>
+            <a:endParaRPr lang="en-US" dirty="0" smtClean="0"/>
           </a:p>
         </p:txBody>
       </p:sp>
@@ -12115,7 +12072,7 @@
         </p:nvSpPr>
         <p:spPr>
           <a:xfrm>
-            <a:off x="5299735" y="2592438"/>
+            <a:off x="2198260" y="2438399"/>
             <a:ext cx="678392" cy="923330"/>
           </a:xfrm>
           <a:prstGeom prst="rect">
@@ -12162,10 +12119,78 @@
           </a:p>
         </p:txBody>
       </p:sp>
+      <p:sp>
+        <p:nvSpPr>
+          <p:cNvPr id="8" name="Rectangle 7"/>
+          <p:cNvSpPr/>
+          <p:nvPr/>
+        </p:nvSpPr>
+        <p:spPr>
+          <a:xfrm>
+            <a:off x="1195918" y="2900064"/>
+            <a:ext cx="721672" cy="923330"/>
+          </a:xfrm>
+          <a:prstGeom prst="rect">
+            <a:avLst/>
+          </a:prstGeom>
+          <a:noFill/>
+        </p:spPr>
+        <p:txBody>
+          <a:bodyPr wrap="none" lIns="91440" tIns="45720" rIns="91440" bIns="45720">
+            <a:spAutoFit/>
+          </a:bodyPr>
+          <a:lstStyle/>
+          <a:p>
+            <a:pPr algn="ctr"/>
+            <a:r>
+              <a:rPr lang="en-US" sz="5400" dirty="0">
+                <a:ln w="0"/>
+                <a:effectLst>
+                  <a:outerShdw blurRad="38100" dist="19050" dir="2700000" algn="tl" rotWithShape="0">
+                    <a:schemeClr val="dk1">
+                      <a:alpha val="40000"/>
+                    </a:schemeClr>
+                  </a:outerShdw>
+                </a:effectLst>
+              </a:rPr>
+              <a:t>2</a:t>
+            </a:r>
+            <a:r>
+              <a:rPr lang="en-US" sz="5400" b="0" cap="none" spc="0" dirty="0" smtClean="0">
+                <a:ln w="0"/>
+                <a:solidFill>
+                  <a:schemeClr val="tx1"/>
+                </a:solidFill>
+                <a:effectLst>
+                  <a:outerShdw blurRad="38100" dist="19050" dir="2700000" algn="tl" rotWithShape="0">
+                    <a:schemeClr val="dk1">
+                      <a:alpha val="40000"/>
+                    </a:schemeClr>
+                  </a:outerShdw>
+                </a:effectLst>
+              </a:rPr>
+              <a:t>.</a:t>
+            </a:r>
+            <a:endParaRPr lang="en-US" sz="5400" b="0" cap="none" spc="0" dirty="0">
+              <a:ln w="0"/>
+              <a:solidFill>
+                <a:schemeClr val="tx1"/>
+              </a:solidFill>
+              <a:effectLst>
+                <a:outerShdw blurRad="38100" dist="19050" dir="2700000" algn="tl" rotWithShape="0">
+                  <a:schemeClr val="dk1">
+                    <a:alpha val="40000"/>
+                  </a:schemeClr>
+                </a:outerShdw>
+              </a:effectLst>
+            </a:endParaRPr>
+          </a:p>
+        </p:txBody>
+      </p:sp>
     </p:spTree>
     <p:extLst>
       <p:ext uri="{BB962C8B-B14F-4D97-AF65-F5344CB8AC3E}">
-        <p14:creationId xmlns:p14="http://schemas.microsoft.com/office/powerpoint/2010/main" val="1686715032"/>
+        <p14:creationId xmlns:p14="http://schemas.microsoft.com/office/powerpoint/2010/main" val="724486996"/>
       </p:ext>
     </p:extLst>
   </p:cSld>
@@ -12194,7 +12219,7 @@
       </p:grpSpPr>
       <p:pic>
         <p:nvPicPr>
-          <p:cNvPr id="5" name="Picture 4"/>
+          <p:cNvPr id="7" name="Picture 6"/>
           <p:cNvPicPr>
             <a:picLocks noChangeAspect="1"/>
           </p:cNvPicPr>
@@ -12208,8 +12233,8 @@
         </p:blipFill>
         <p:spPr>
           <a:xfrm>
-            <a:off x="942200" y="2247211"/>
-            <a:ext cx="6437396" cy="3619268"/>
+            <a:off x="1341904" y="2441844"/>
+            <a:ext cx="6298171" cy="3214127"/>
           </a:xfrm>
           <a:prstGeom prst="rect">
             <a:avLst/>
@@ -12233,7 +12258,7 @@
           <a:p>
             <a:r>
               <a:rPr lang="en-US" dirty="0" smtClean="0"/>
-              <a:t>Generate the “Item” table schema continued…</a:t>
+              <a:t>Delete extraneous columns…</a:t>
             </a:r>
             <a:endParaRPr lang="en-US" dirty="0"/>
           </a:p>
@@ -12247,8 +12272,8 @@
         </p:nvSpPr>
         <p:spPr>
           <a:xfrm>
-            <a:off x="7379596" y="2987899"/>
-            <a:ext cx="4584877" cy="1200329"/>
+            <a:off x="7506083" y="3159616"/>
+            <a:ext cx="4649273" cy="369332"/>
           </a:xfrm>
           <a:prstGeom prst="rect">
             <a:avLst/>
@@ -12266,8 +12291,9 @@
             </a:pPr>
             <a:r>
               <a:rPr lang="en-US" dirty="0" smtClean="0"/>
-              <a:t>Build and deploy the XPlatformCloudKit.Win8 project (The .Phone8 project should work too, but we will use the Win8 project in the slide deck)</a:t>
-            </a:r>
+              <a:t>Click the ‘Columns’ Heading</a:t>
+            </a:r>
+            <a:endParaRPr lang="en-US" dirty="0" smtClean="0"/>
           </a:p>
         </p:txBody>
       </p:sp>
@@ -12279,7 +12305,7 @@
         </p:nvSpPr>
         <p:spPr>
           <a:xfrm>
-            <a:off x="5068300" y="4572926"/>
+            <a:off x="2964742" y="2576927"/>
             <a:ext cx="678392" cy="923330"/>
           </a:xfrm>
           <a:prstGeom prst="rect">
@@ -12329,7 +12355,7 @@
     </p:spTree>
     <p:extLst>
       <p:ext uri="{BB962C8B-B14F-4D97-AF65-F5344CB8AC3E}">
-        <p14:creationId xmlns:p14="http://schemas.microsoft.com/office/powerpoint/2010/main" val="2887236922"/>
+        <p14:creationId xmlns:p14="http://schemas.microsoft.com/office/powerpoint/2010/main" val="2463851501"/>
       </p:ext>
     </p:extLst>
   </p:cSld>
@@ -12372,8 +12398,8 @@
         </p:blipFill>
         <p:spPr>
           <a:xfrm>
-            <a:off x="1800079" y="2593174"/>
-            <a:ext cx="5090118" cy="2861794"/>
+            <a:off x="1111166" y="2264855"/>
+            <a:ext cx="6394917" cy="3271690"/>
           </a:xfrm>
           <a:prstGeom prst="rect">
             <a:avLst/>
@@ -12397,7 +12423,7 @@
           <a:p>
             <a:r>
               <a:rPr lang="en-US" dirty="0" smtClean="0"/>
-              <a:t>Generate the “Item” table schema continued…</a:t>
+              <a:t>Delete extraneous columns…</a:t>
             </a:r>
             <a:endParaRPr lang="en-US" dirty="0"/>
           </a:p>
@@ -12411,8 +12437,8 @@
         </p:nvSpPr>
         <p:spPr>
           <a:xfrm>
-            <a:off x="7096259" y="3114608"/>
-            <a:ext cx="4997002" cy="1477328"/>
+            <a:off x="7506083" y="3159616"/>
+            <a:ext cx="4649273" cy="1200329"/>
           </a:xfrm>
           <a:prstGeom prst="rect">
             <a:avLst/>
@@ -12425,47 +12451,92 @@
           </a:bodyPr>
           <a:lstStyle/>
           <a:p>
-            <a:r>
-              <a:rPr lang="en-US" dirty="0" smtClean="0"/>
-              <a:t>Upon deploy of the Windows 8 application you should see the following message.  Make note and</a:t>
-            </a:r>
-          </a:p>
-          <a:p>
-            <a:r>
-              <a:rPr lang="en-US" dirty="0" smtClean="0"/>
-              <a:t>be sure to set </a:t>
-            </a:r>
-            <a:r>
-              <a:rPr lang="en-US" dirty="0"/>
-              <a:t>“</a:t>
-            </a:r>
-            <a:r>
-              <a:rPr lang="en-US" dirty="0" err="1"/>
-              <a:t>CreateInitialSchemaForAzureMobileService</a:t>
-            </a:r>
-            <a:r>
-              <a:rPr lang="en-US" dirty="0"/>
-              <a:t>” </a:t>
-            </a:r>
-            <a:r>
-              <a:rPr lang="en-US" dirty="0" smtClean="0"/>
-              <a:t>in </a:t>
+            <a:pPr marL="342900" indent="-342900">
+              <a:buAutoNum type="arabicPeriod"/>
+            </a:pPr>
+            <a:r>
+              <a:rPr lang="en-US" dirty="0" smtClean="0"/>
+              <a:t>Delete the __</a:t>
             </a:r>
             <a:r>
               <a:rPr lang="en-US" dirty="0" err="1" smtClean="0"/>
-              <a:t>AppSettings.cs</a:t>
-            </a:r>
-            <a:r>
-              <a:rPr lang="en-US" dirty="0" smtClean="0"/>
-              <a:t> back to “false”.</a:t>
-            </a:r>
+              <a:t>createdat</a:t>
+            </a:r>
+            <a:r>
+              <a:rPr lang="en-US" dirty="0" smtClean="0"/>
+              <a:t>, __</a:t>
+            </a:r>
+            <a:r>
+              <a:rPr lang="en-US" dirty="0" err="1" smtClean="0"/>
+              <a:t>updatedat</a:t>
+            </a:r>
+            <a:r>
+              <a:rPr lang="en-US" dirty="0" smtClean="0"/>
+              <a:t>, and __version columns by selecting the column and clicking delete at the bottom of the screen. </a:t>
+            </a:r>
+            <a:endParaRPr lang="en-US" dirty="0" smtClean="0"/>
+          </a:p>
+        </p:txBody>
+      </p:sp>
+      <p:sp>
+        <p:nvSpPr>
+          <p:cNvPr id="6" name="Rectangle 5"/>
+          <p:cNvSpPr/>
+          <p:nvPr/>
+        </p:nvSpPr>
+        <p:spPr>
+          <a:xfrm>
+            <a:off x="1808294" y="3064142"/>
+            <a:ext cx="678392" cy="923330"/>
+          </a:xfrm>
+          <a:prstGeom prst="rect">
+            <a:avLst/>
+          </a:prstGeom>
+          <a:noFill/>
+        </p:spPr>
+        <p:txBody>
+          <a:bodyPr wrap="none" lIns="91440" tIns="45720" rIns="91440" bIns="45720">
+            <a:spAutoFit/>
+          </a:bodyPr>
+          <a:lstStyle/>
+          <a:p>
+            <a:pPr algn="ctr"/>
+            <a:r>
+              <a:rPr lang="en-US" sz="5400" b="0" cap="none" spc="0" dirty="0" smtClean="0">
+                <a:ln w="0"/>
+                <a:solidFill>
+                  <a:schemeClr val="tx1"/>
+                </a:solidFill>
+                <a:effectLst>
+                  <a:outerShdw blurRad="38100" dist="19050" dir="2700000" algn="tl" rotWithShape="0">
+                    <a:schemeClr val="dk1">
+                      <a:alpha val="40000"/>
+                    </a:schemeClr>
+                  </a:outerShdw>
+                </a:effectLst>
+              </a:rPr>
+              <a:t>1.</a:t>
+            </a:r>
+            <a:endParaRPr lang="en-US" sz="5400" b="0" cap="none" spc="0" dirty="0">
+              <a:ln w="0"/>
+              <a:solidFill>
+                <a:schemeClr val="tx1"/>
+              </a:solidFill>
+              <a:effectLst>
+                <a:outerShdw blurRad="38100" dist="19050" dir="2700000" algn="tl" rotWithShape="0">
+                  <a:schemeClr val="dk1">
+                    <a:alpha val="40000"/>
+                  </a:schemeClr>
+                </a:outerShdw>
+              </a:effectLst>
+            </a:endParaRPr>
           </a:p>
         </p:txBody>
       </p:sp>
     </p:spTree>
     <p:extLst>
       <p:ext uri="{BB962C8B-B14F-4D97-AF65-F5344CB8AC3E}">
-        <p14:creationId xmlns:p14="http://schemas.microsoft.com/office/powerpoint/2010/main" val="4023835916"/>
+        <p14:creationId xmlns:p14="http://schemas.microsoft.com/office/powerpoint/2010/main" val="2107036969"/>
       </p:ext>
     </p:extLst>
   </p:cSld>
@@ -12492,61 +12563,9 @@
           <a:chExt cx="0" cy="0"/>
         </a:xfrm>
       </p:grpSpPr>
-      <p:sp>
-        <p:nvSpPr>
-          <p:cNvPr id="2" name="Title 1"/>
-          <p:cNvSpPr>
-            <a:spLocks noGrp="1"/>
-          </p:cNvSpPr>
-          <p:nvPr>
-            <p:ph type="title"/>
-          </p:nvPr>
-        </p:nvSpPr>
-        <p:spPr/>
-        <p:txBody>
-          <a:bodyPr/>
-          <a:lstStyle/>
-          <a:p>
-            <a:r>
-              <a:rPr lang="en-US" dirty="0" smtClean="0"/>
-              <a:t>Verify the Schema was generated</a:t>
-            </a:r>
-            <a:endParaRPr lang="en-US" dirty="0"/>
-          </a:p>
-        </p:txBody>
-      </p:sp>
-      <p:sp>
-        <p:nvSpPr>
-          <p:cNvPr id="4" name="TextBox 3"/>
-          <p:cNvSpPr txBox="1"/>
-          <p:nvPr/>
-        </p:nvSpPr>
-        <p:spPr>
-          <a:xfrm>
-            <a:off x="2382593" y="5064005"/>
-            <a:ext cx="5434884" cy="646331"/>
-          </a:xfrm>
-          <a:prstGeom prst="rect">
-            <a:avLst/>
-          </a:prstGeom>
-          <a:noFill/>
-        </p:spPr>
-        <p:txBody>
-          <a:bodyPr wrap="square" rtlCol="0">
-            <a:spAutoFit/>
-          </a:bodyPr>
-          <a:lstStyle/>
-          <a:p>
-            <a:r>
-              <a:rPr lang="en-US" dirty="0" smtClean="0"/>
-              <a:t>In your Azure portal, click “SQL DATABASES” and select the database you assigned your Mobile Service to </a:t>
-            </a:r>
-          </a:p>
-        </p:txBody>
-      </p:sp>
       <p:pic>
         <p:nvPicPr>
-          <p:cNvPr id="6" name="Picture 5"/>
+          <p:cNvPr id="7" name="Picture 6"/>
           <p:cNvPicPr>
             <a:picLocks noChangeAspect="1"/>
           </p:cNvPicPr>
@@ -12560,18 +12579,189 @@
         </p:blipFill>
         <p:spPr>
           <a:xfrm>
-            <a:off x="1484311" y="2189408"/>
-            <a:ext cx="9504218" cy="2501110"/>
+            <a:off x="1990844" y="1152393"/>
+            <a:ext cx="8980935" cy="3397283"/>
           </a:xfrm>
           <a:prstGeom prst="rect">
             <a:avLst/>
           </a:prstGeom>
         </p:spPr>
       </p:pic>
+      <p:sp>
+        <p:nvSpPr>
+          <p:cNvPr id="2" name="Title 1"/>
+          <p:cNvSpPr>
+            <a:spLocks noGrp="1"/>
+          </p:cNvSpPr>
+          <p:nvPr>
+            <p:ph type="title"/>
+          </p:nvPr>
+        </p:nvSpPr>
+        <p:spPr>
+          <a:xfrm>
+            <a:off x="1471956" y="11314"/>
+            <a:ext cx="10018713" cy="1752599"/>
+          </a:xfrm>
+        </p:spPr>
+        <p:txBody>
+          <a:bodyPr/>
+          <a:lstStyle/>
+          <a:p>
+            <a:r>
+              <a:rPr lang="en-US" dirty="0" smtClean="0"/>
+              <a:t>Generate the “Item” table schema</a:t>
+            </a:r>
+            <a:endParaRPr lang="en-US" dirty="0"/>
+          </a:p>
+        </p:txBody>
+      </p:sp>
+      <p:sp>
+        <p:nvSpPr>
+          <p:cNvPr id="4" name="TextBox 3"/>
+          <p:cNvSpPr txBox="1"/>
+          <p:nvPr/>
+        </p:nvSpPr>
+        <p:spPr>
+          <a:xfrm>
+            <a:off x="3479626" y="4549676"/>
+            <a:ext cx="4997002" cy="2308324"/>
+          </a:xfrm>
+          <a:prstGeom prst="rect">
+            <a:avLst/>
+          </a:prstGeom>
+          <a:noFill/>
+        </p:spPr>
+        <p:txBody>
+          <a:bodyPr wrap="square" rtlCol="0">
+            <a:spAutoFit/>
+          </a:bodyPr>
+          <a:lstStyle/>
+          <a:p>
+            <a:pPr marL="342900" indent="-342900">
+              <a:buAutoNum type="arabicPeriod"/>
+            </a:pPr>
+            <a:r>
+              <a:rPr lang="en-US" dirty="0" smtClean="0"/>
+              <a:t>Open </a:t>
+            </a:r>
+            <a:r>
+              <a:rPr lang="en-US" dirty="0" err="1" smtClean="0"/>
+              <a:t>AppSettings.cs</a:t>
+            </a:r>
+            <a:r>
+              <a:rPr lang="en-US" dirty="0" smtClean="0"/>
+              <a:t> in the </a:t>
+            </a:r>
+            <a:r>
+              <a:rPr lang="en-US" dirty="0" err="1" smtClean="0"/>
+              <a:t>XPlatformCloudKit.PCL</a:t>
+            </a:r>
+            <a:r>
+              <a:rPr lang="en-US" dirty="0" smtClean="0"/>
+              <a:t> project and set “</a:t>
+            </a:r>
+            <a:r>
+              <a:rPr lang="en-US" dirty="0" err="1" smtClean="0"/>
+              <a:t>CreateInitialSchemaForAzureMobileService</a:t>
+            </a:r>
+            <a:r>
+              <a:rPr lang="en-US" dirty="0" smtClean="0"/>
+              <a:t>” in </a:t>
+            </a:r>
+            <a:r>
+              <a:rPr lang="en-US" dirty="0" err="1" smtClean="0"/>
+              <a:t>AppSettings.cs</a:t>
+            </a:r>
+            <a:r>
+              <a:rPr lang="en-US" dirty="0" smtClean="0"/>
+              <a:t> to “true”</a:t>
+            </a:r>
+          </a:p>
+          <a:p>
+            <a:pPr marL="342900" indent="-342900">
+              <a:buAutoNum type="arabicPeriod"/>
+            </a:pPr>
+            <a:endParaRPr lang="en-US" dirty="0"/>
+          </a:p>
+          <a:p>
+            <a:r>
+              <a:rPr lang="en-US" dirty="0" smtClean="0"/>
+              <a:t>NOTE: We will set this value immediately back to </a:t>
+            </a:r>
+          </a:p>
+          <a:p>
+            <a:r>
+              <a:rPr lang="en-US" dirty="0" smtClean="0"/>
+              <a:t>“false” after initial success.  We will only ever have</a:t>
+            </a:r>
+          </a:p>
+          <a:p>
+            <a:r>
+              <a:rPr lang="en-US" dirty="0" smtClean="0"/>
+              <a:t>to do this step once in the lifetime of the app.</a:t>
+            </a:r>
+          </a:p>
+        </p:txBody>
+      </p:sp>
+      <p:sp>
+        <p:nvSpPr>
+          <p:cNvPr id="6" name="Rectangle 5"/>
+          <p:cNvSpPr/>
+          <p:nvPr/>
+        </p:nvSpPr>
+        <p:spPr>
+          <a:xfrm>
+            <a:off x="5299735" y="2592438"/>
+            <a:ext cx="678392" cy="923330"/>
+          </a:xfrm>
+          <a:prstGeom prst="rect">
+            <a:avLst/>
+          </a:prstGeom>
+          <a:noFill/>
+        </p:spPr>
+        <p:txBody>
+          <a:bodyPr wrap="none" lIns="91440" tIns="45720" rIns="91440" bIns="45720">
+            <a:spAutoFit/>
+          </a:bodyPr>
+          <a:lstStyle/>
+          <a:p>
+            <a:pPr algn="ctr"/>
+            <a:r>
+              <a:rPr lang="en-US" sz="5400" b="0" cap="none" spc="0" dirty="0" smtClean="0">
+                <a:ln w="0"/>
+                <a:solidFill>
+                  <a:schemeClr val="tx1"/>
+                </a:solidFill>
+                <a:effectLst>
+                  <a:outerShdw blurRad="38100" dist="19050" dir="2700000" algn="tl" rotWithShape="0">
+                    <a:schemeClr val="dk1">
+                      <a:alpha val="40000"/>
+                    </a:schemeClr>
+                  </a:outerShdw>
+                </a:effectLst>
+              </a:rPr>
+              <a:t>1.</a:t>
+            </a:r>
+            <a:endParaRPr lang="en-US" sz="5400" b="0" cap="none" spc="0" dirty="0">
+              <a:ln w="0"/>
+              <a:solidFill>
+                <a:schemeClr val="tx1"/>
+              </a:solidFill>
+              <a:effectLst>
+                <a:outerShdw blurRad="38100" dist="19050" dir="2700000" algn="tl" rotWithShape="0">
+                  <a:schemeClr val="dk1">
+                    <a:alpha val="40000"/>
+                  </a:schemeClr>
+                </a:outerShdw>
+              </a:effectLst>
+            </a:endParaRPr>
+          </a:p>
+        </p:txBody>
+      </p:sp>
     </p:spTree>
     <p:extLst>
       <p:ext uri="{BB962C8B-B14F-4D97-AF65-F5344CB8AC3E}">
-        <p14:creationId xmlns:p14="http://schemas.microsoft.com/office/powerpoint/2010/main" val="2849293015"/>
+        <p14:creationId xmlns:p14="http://schemas.microsoft.com/office/powerpoint/2010/main" val="1686715032"/>
       </p:ext>
     </p:extLst>
   </p:cSld>
@@ -12598,78 +12788,9 @@
           <a:chExt cx="0" cy="0"/>
         </a:xfrm>
       </p:grpSpPr>
-      <p:sp>
-        <p:nvSpPr>
-          <p:cNvPr id="2" name="Title 1"/>
-          <p:cNvSpPr>
-            <a:spLocks noGrp="1"/>
-          </p:cNvSpPr>
-          <p:nvPr>
-            <p:ph type="title"/>
-          </p:nvPr>
-        </p:nvSpPr>
-        <p:spPr/>
-        <p:txBody>
-          <a:bodyPr/>
-          <a:lstStyle/>
-          <a:p>
-            <a:r>
-              <a:rPr lang="en-US" dirty="0" smtClean="0"/>
-              <a:t>Verify the Schema was generated continued…</a:t>
-            </a:r>
-            <a:endParaRPr lang="en-US" dirty="0"/>
-          </a:p>
-        </p:txBody>
-      </p:sp>
-      <p:sp>
-        <p:nvSpPr>
-          <p:cNvPr id="4" name="TextBox 3"/>
-          <p:cNvSpPr txBox="1"/>
-          <p:nvPr/>
-        </p:nvSpPr>
-        <p:spPr>
-          <a:xfrm>
-            <a:off x="3382363" y="5657671"/>
-            <a:ext cx="5434884" cy="1200329"/>
-          </a:xfrm>
-          <a:prstGeom prst="rect">
-            <a:avLst/>
-          </a:prstGeom>
-          <a:noFill/>
-        </p:spPr>
-        <p:txBody>
-          <a:bodyPr wrap="square" rtlCol="0">
-            <a:spAutoFit/>
-          </a:bodyPr>
-          <a:lstStyle/>
-          <a:p>
-            <a:r>
-              <a:rPr lang="en-US" dirty="0" smtClean="0"/>
-              <a:t>On the resulting screen, select “Design your SQL database:” underneath “Connect to your database”</a:t>
-            </a:r>
-          </a:p>
-          <a:p>
-            <a:endParaRPr lang="en-US" dirty="0"/>
-          </a:p>
-          <a:p>
-            <a:r>
-              <a:rPr lang="en-US" dirty="0" smtClean="0"/>
-              <a:t>If prompted to add your </a:t>
-            </a:r>
-            <a:r>
-              <a:rPr lang="en-US" dirty="0" err="1" smtClean="0"/>
-              <a:t>ip</a:t>
-            </a:r>
-            <a:r>
-              <a:rPr lang="en-US" dirty="0" smtClean="0"/>
-              <a:t> to firewall rules, click “Yes”</a:t>
-            </a:r>
-          </a:p>
-        </p:txBody>
-      </p:sp>
       <p:pic>
         <p:nvPicPr>
-          <p:cNvPr id="3" name="Picture 2"/>
+          <p:cNvPr id="5" name="Picture 4"/>
           <p:cNvPicPr>
             <a:picLocks noChangeAspect="1"/>
           </p:cNvPicPr>
@@ -12683,18 +12804,128 @@
         </p:blipFill>
         <p:spPr>
           <a:xfrm>
-            <a:off x="2630608" y="2149713"/>
-            <a:ext cx="6938395" cy="3383943"/>
+            <a:off x="942200" y="2247211"/>
+            <a:ext cx="6437396" cy="3619268"/>
           </a:xfrm>
           <a:prstGeom prst="rect">
             <a:avLst/>
           </a:prstGeom>
         </p:spPr>
       </p:pic>
+      <p:sp>
+        <p:nvSpPr>
+          <p:cNvPr id="2" name="Title 1"/>
+          <p:cNvSpPr>
+            <a:spLocks noGrp="1"/>
+          </p:cNvSpPr>
+          <p:nvPr>
+            <p:ph type="title"/>
+          </p:nvPr>
+        </p:nvSpPr>
+        <p:spPr/>
+        <p:txBody>
+          <a:bodyPr/>
+          <a:lstStyle/>
+          <a:p>
+            <a:r>
+              <a:rPr lang="en-US" dirty="0" smtClean="0"/>
+              <a:t>Generate the “Item” table schema continued…</a:t>
+            </a:r>
+            <a:endParaRPr lang="en-US" dirty="0"/>
+          </a:p>
+        </p:txBody>
+      </p:sp>
+      <p:sp>
+        <p:nvSpPr>
+          <p:cNvPr id="4" name="TextBox 3"/>
+          <p:cNvSpPr txBox="1"/>
+          <p:nvPr/>
+        </p:nvSpPr>
+        <p:spPr>
+          <a:xfrm>
+            <a:off x="7379596" y="2987899"/>
+            <a:ext cx="4584877" cy="1200329"/>
+          </a:xfrm>
+          <a:prstGeom prst="rect">
+            <a:avLst/>
+          </a:prstGeom>
+          <a:noFill/>
+        </p:spPr>
+        <p:txBody>
+          <a:bodyPr wrap="square" rtlCol="0">
+            <a:spAutoFit/>
+          </a:bodyPr>
+          <a:lstStyle/>
+          <a:p>
+            <a:pPr marL="342900" indent="-342900">
+              <a:buAutoNum type="arabicPeriod"/>
+            </a:pPr>
+            <a:r>
+              <a:rPr lang="en-US" dirty="0" smtClean="0"/>
+              <a:t>Build and deploy the XPlatformCloudKit.Win8 project (The .Phone8 project should work too, but we will use the Win8 project in the slide deck)</a:t>
+            </a:r>
+          </a:p>
+        </p:txBody>
+      </p:sp>
+      <p:sp>
+        <p:nvSpPr>
+          <p:cNvPr id="6" name="Rectangle 5"/>
+          <p:cNvSpPr/>
+          <p:nvPr/>
+        </p:nvSpPr>
+        <p:spPr>
+          <a:xfrm>
+            <a:off x="5068300" y="4572926"/>
+            <a:ext cx="678392" cy="923330"/>
+          </a:xfrm>
+          <a:prstGeom prst="rect">
+            <a:avLst/>
+          </a:prstGeom>
+          <a:noFill/>
+        </p:spPr>
+        <p:txBody>
+          <a:bodyPr wrap="none" lIns="91440" tIns="45720" rIns="91440" bIns="45720">
+            <a:spAutoFit/>
+          </a:bodyPr>
+          <a:lstStyle/>
+          <a:p>
+            <a:pPr algn="ctr"/>
+            <a:r>
+              <a:rPr lang="en-US" sz="5400" b="0" cap="none" spc="0" dirty="0" smtClean="0">
+                <a:ln w="0"/>
+                <a:solidFill>
+                  <a:schemeClr val="tx1"/>
+                </a:solidFill>
+                <a:effectLst>
+                  <a:outerShdw blurRad="38100" dist="19050" dir="2700000" algn="tl" rotWithShape="0">
+                    <a:schemeClr val="dk1">
+                      <a:alpha val="40000"/>
+                    </a:schemeClr>
+                  </a:outerShdw>
+                </a:effectLst>
+              </a:rPr>
+              <a:t>1.</a:t>
+            </a:r>
+            <a:endParaRPr lang="en-US" sz="5400" b="0" cap="none" spc="0" dirty="0">
+              <a:ln w="0"/>
+              <a:solidFill>
+                <a:schemeClr val="tx1"/>
+              </a:solidFill>
+              <a:effectLst>
+                <a:outerShdw blurRad="38100" dist="19050" dir="2700000" algn="tl" rotWithShape="0">
+                  <a:schemeClr val="dk1">
+                    <a:alpha val="40000"/>
+                  </a:schemeClr>
+                </a:outerShdw>
+              </a:effectLst>
+            </a:endParaRPr>
+          </a:p>
+        </p:txBody>
+      </p:sp>
     </p:spTree>
     <p:extLst>
       <p:ext uri="{BB962C8B-B14F-4D97-AF65-F5344CB8AC3E}">
-        <p14:creationId xmlns:p14="http://schemas.microsoft.com/office/powerpoint/2010/main" val="880993464"/>
+        <p14:creationId xmlns:p14="http://schemas.microsoft.com/office/powerpoint/2010/main" val="2887236922"/>
       </p:ext>
     </p:extLst>
   </p:cSld>
@@ -12721,64 +12952,9 @@
           <a:chExt cx="0" cy="0"/>
         </a:xfrm>
       </p:grpSpPr>
-      <p:sp>
-        <p:nvSpPr>
-          <p:cNvPr id="2" name="Title 1"/>
-          <p:cNvSpPr>
-            <a:spLocks noGrp="1"/>
-          </p:cNvSpPr>
-          <p:nvPr>
-            <p:ph type="title"/>
-          </p:nvPr>
-        </p:nvSpPr>
-        <p:spPr/>
-        <p:txBody>
-          <a:bodyPr/>
-          <a:lstStyle/>
-          <a:p>
-            <a:r>
-              <a:rPr lang="en-US" dirty="0" smtClean="0"/>
-              <a:t>Verify the Schema was generated continued…</a:t>
-            </a:r>
-            <a:endParaRPr lang="en-US" dirty="0"/>
-          </a:p>
-        </p:txBody>
-      </p:sp>
-      <p:sp>
-        <p:nvSpPr>
-          <p:cNvPr id="4" name="TextBox 3"/>
-          <p:cNvSpPr txBox="1"/>
-          <p:nvPr/>
-        </p:nvSpPr>
-        <p:spPr>
-          <a:xfrm>
-            <a:off x="4327349" y="5934670"/>
-            <a:ext cx="3544910" cy="923330"/>
-          </a:xfrm>
-          <a:prstGeom prst="rect">
-            <a:avLst/>
-          </a:prstGeom>
-          <a:noFill/>
-        </p:spPr>
-        <p:txBody>
-          <a:bodyPr wrap="square" rtlCol="0">
-            <a:spAutoFit/>
-          </a:bodyPr>
-          <a:lstStyle/>
-          <a:p>
-            <a:r>
-              <a:rPr lang="en-US" dirty="0" smtClean="0"/>
-              <a:t>On the resulting screen, log in using your credentials that you set earlier</a:t>
-            </a:r>
-          </a:p>
-          <a:p>
-            <a:endParaRPr lang="en-US" dirty="0"/>
-          </a:p>
-        </p:txBody>
-      </p:sp>
       <p:pic>
         <p:nvPicPr>
-          <p:cNvPr id="5" name="Picture 4"/>
+          <p:cNvPr id="3" name="Picture 2"/>
           <p:cNvPicPr>
             <a:picLocks noChangeAspect="1"/>
           </p:cNvPicPr>
@@ -12792,18 +12968,100 @@
         </p:blipFill>
         <p:spPr>
           <a:xfrm>
-            <a:off x="4513033" y="2046398"/>
-            <a:ext cx="3173543" cy="3611273"/>
+            <a:off x="1800079" y="2593174"/>
+            <a:ext cx="5090118" cy="2861794"/>
           </a:xfrm>
           <a:prstGeom prst="rect">
             <a:avLst/>
           </a:prstGeom>
         </p:spPr>
       </p:pic>
+      <p:sp>
+        <p:nvSpPr>
+          <p:cNvPr id="2" name="Title 1"/>
+          <p:cNvSpPr>
+            <a:spLocks noGrp="1"/>
+          </p:cNvSpPr>
+          <p:nvPr>
+            <p:ph type="title"/>
+          </p:nvPr>
+        </p:nvSpPr>
+        <p:spPr/>
+        <p:txBody>
+          <a:bodyPr/>
+          <a:lstStyle/>
+          <a:p>
+            <a:r>
+              <a:rPr lang="en-US" dirty="0" smtClean="0"/>
+              <a:t>Generate the “Item” table schema continued…</a:t>
+            </a:r>
+            <a:endParaRPr lang="en-US" dirty="0"/>
+          </a:p>
+        </p:txBody>
+      </p:sp>
+      <p:sp>
+        <p:nvSpPr>
+          <p:cNvPr id="4" name="TextBox 3"/>
+          <p:cNvSpPr txBox="1"/>
+          <p:nvPr/>
+        </p:nvSpPr>
+        <p:spPr>
+          <a:xfrm>
+            <a:off x="7096259" y="3114608"/>
+            <a:ext cx="4997002" cy="1477328"/>
+          </a:xfrm>
+          <a:prstGeom prst="rect">
+            <a:avLst/>
+          </a:prstGeom>
+          <a:noFill/>
+        </p:spPr>
+        <p:txBody>
+          <a:bodyPr wrap="square" rtlCol="0">
+            <a:spAutoFit/>
+          </a:bodyPr>
+          <a:lstStyle/>
+          <a:p>
+            <a:r>
+              <a:rPr lang="en-US" dirty="0" smtClean="0"/>
+              <a:t>Upon deploy of the Windows 8 application you should see the following message.  Make note and</a:t>
+            </a:r>
+          </a:p>
+          <a:p>
+            <a:r>
+              <a:rPr lang="en-US" dirty="0" smtClean="0"/>
+              <a:t>be sure to set </a:t>
+            </a:r>
+            <a:r>
+              <a:rPr lang="en-US" dirty="0"/>
+              <a:t>“</a:t>
+            </a:r>
+            <a:r>
+              <a:rPr lang="en-US" dirty="0" err="1"/>
+              <a:t>CreateInitialSchemaForAzureMobileService</a:t>
+            </a:r>
+            <a:r>
+              <a:rPr lang="en-US" dirty="0"/>
+              <a:t>” </a:t>
+            </a:r>
+            <a:r>
+              <a:rPr lang="en-US" dirty="0" smtClean="0"/>
+              <a:t>in </a:t>
+            </a:r>
+            <a:r>
+              <a:rPr lang="en-US" dirty="0" err="1" smtClean="0"/>
+              <a:t>AppSettings.cs</a:t>
+            </a:r>
+            <a:r>
+              <a:rPr lang="en-US" dirty="0" smtClean="0"/>
+              <a:t> back to “false”.</a:t>
+            </a:r>
+          </a:p>
+        </p:txBody>
+      </p:sp>
     </p:spTree>
     <p:extLst>
       <p:ext uri="{BB962C8B-B14F-4D97-AF65-F5344CB8AC3E}">
-        <p14:creationId xmlns:p14="http://schemas.microsoft.com/office/powerpoint/2010/main" val="3201014449"/>
+        <p14:creationId xmlns:p14="http://schemas.microsoft.com/office/powerpoint/2010/main" val="4023835916"/>
       </p:ext>
     </p:extLst>
   </p:cSld>
@@ -13035,7 +13293,7 @@
           <a:p>
             <a:r>
               <a:rPr lang="en-US" dirty="0" smtClean="0"/>
-              <a:t>Verify the Schema was generated continued…</a:t>
+              <a:t>Verify the Schema was generated</a:t>
             </a:r>
             <a:endParaRPr lang="en-US" dirty="0"/>
           </a:p>
@@ -13049,8 +13307,8 @@
         </p:nvSpPr>
         <p:spPr>
           <a:xfrm>
-            <a:off x="4721211" y="5311216"/>
-            <a:ext cx="3544910" cy="646331"/>
+            <a:off x="2382593" y="5064005"/>
+            <a:ext cx="5434884" cy="646331"/>
           </a:xfrm>
           <a:prstGeom prst="rect">
             <a:avLst/>
@@ -13065,17 +13323,14 @@
           <a:p>
             <a:r>
               <a:rPr lang="en-US" dirty="0" smtClean="0"/>
-              <a:t>Locate your table and select “Edit”</a:t>
-            </a:r>
-          </a:p>
-          <a:p>
-            <a:endParaRPr lang="en-US" dirty="0"/>
+              <a:t>In your Azure portal, click “SQL DATABASES” and select the database you assigned your Mobile Service to </a:t>
+            </a:r>
           </a:p>
         </p:txBody>
       </p:sp>
       <p:pic>
         <p:nvPicPr>
-          <p:cNvPr id="3" name="Picture 2"/>
+          <p:cNvPr id="6" name="Picture 5"/>
           <p:cNvPicPr>
             <a:picLocks noChangeAspect="1"/>
           </p:cNvPicPr>
@@ -13089,8 +13344,8 @@
         </p:blipFill>
         <p:spPr>
           <a:xfrm>
-            <a:off x="3469479" y="2438399"/>
-            <a:ext cx="6048375" cy="2628900"/>
+            <a:off x="1484311" y="2189408"/>
+            <a:ext cx="9504218" cy="2501110"/>
           </a:xfrm>
           <a:prstGeom prst="rect">
             <a:avLst/>
@@ -13100,7 +13355,7 @@
     </p:spTree>
     <p:extLst>
       <p:ext uri="{BB962C8B-B14F-4D97-AF65-F5344CB8AC3E}">
-        <p14:creationId xmlns:p14="http://schemas.microsoft.com/office/powerpoint/2010/main" val="1436149357"/>
+        <p14:creationId xmlns:p14="http://schemas.microsoft.com/office/powerpoint/2010/main" val="2849293015"/>
       </p:ext>
     </p:extLst>
   </p:cSld>
@@ -13158,8 +13413,8 @@
         </p:nvSpPr>
         <p:spPr>
           <a:xfrm>
-            <a:off x="4600927" y="5574453"/>
-            <a:ext cx="3785480" cy="923330"/>
+            <a:off x="3382363" y="5657671"/>
+            <a:ext cx="5434884" cy="1200329"/>
           </a:xfrm>
           <a:prstGeom prst="rect">
             <a:avLst/>
@@ -13174,23 +13429,31 @@
           <a:p>
             <a:r>
               <a:rPr lang="en-US" dirty="0" smtClean="0"/>
-              <a:t>Verify your table is named “Item”</a:t>
-            </a:r>
-          </a:p>
-          <a:p>
-            <a:r>
-              <a:rPr lang="en-US" dirty="0" smtClean="0"/>
-              <a:t>and that your schema looks like above</a:t>
-            </a:r>
-          </a:p>
-          <a:p>
-            <a:endParaRPr lang="en-US" dirty="0"/>
+              <a:t>On the resulting screen, select “Design your SQL database:” underneath “Connect to your database”</a:t>
+            </a:r>
+          </a:p>
+          <a:p>
+            <a:endParaRPr lang="en-US" dirty="0"/>
+          </a:p>
+          <a:p>
+            <a:r>
+              <a:rPr lang="en-US" dirty="0" smtClean="0"/>
+              <a:t>If prompted to add your </a:t>
+            </a:r>
+            <a:r>
+              <a:rPr lang="en-US" dirty="0" err="1" smtClean="0"/>
+              <a:t>ip</a:t>
+            </a:r>
+            <a:r>
+              <a:rPr lang="en-US" dirty="0" smtClean="0"/>
+              <a:t> to firewall rules, click “Yes”</a:t>
+            </a:r>
           </a:p>
         </p:txBody>
       </p:sp>
       <p:pic>
         <p:nvPicPr>
-          <p:cNvPr id="5" name="Picture 4"/>
+          <p:cNvPr id="3" name="Picture 2"/>
           <p:cNvPicPr>
             <a:picLocks noChangeAspect="1"/>
           </p:cNvPicPr>
@@ -13204,8 +13467,8 @@
         </p:blipFill>
         <p:spPr>
           <a:xfrm>
-            <a:off x="3522949" y="2047093"/>
-            <a:ext cx="5941436" cy="3416523"/>
+            <a:off x="2630608" y="2149713"/>
+            <a:ext cx="6938395" cy="3383943"/>
           </a:xfrm>
           <a:prstGeom prst="rect">
             <a:avLst/>
@@ -13215,7 +13478,7 @@
     </p:spTree>
     <p:extLst>
       <p:ext uri="{BB962C8B-B14F-4D97-AF65-F5344CB8AC3E}">
-        <p14:creationId xmlns:p14="http://schemas.microsoft.com/office/powerpoint/2010/main" val="64378281"/>
+        <p14:creationId xmlns:p14="http://schemas.microsoft.com/office/powerpoint/2010/main" val="880993464"/>
       </p:ext>
     </p:extLst>
   </p:cSld>
@@ -13258,90 +13521,73 @@
           <a:lstStyle/>
           <a:p>
             <a:r>
-              <a:rPr lang="en-US" dirty="0" err="1" smtClean="0"/>
-              <a:t>Whoah</a:t>
-            </a:r>
-            <a:r>
-              <a:rPr lang="en-US" dirty="0" smtClean="0"/>
-              <a:t>, we just auto-generated a table schema, how the heck did that happen?</a:t>
-            </a:r>
-            <a:endParaRPr lang="en-US" dirty="0"/>
-          </a:p>
-        </p:txBody>
-      </p:sp>
-      <p:sp>
-        <p:nvSpPr>
-          <p:cNvPr id="3" name="Content Placeholder 2"/>
-          <p:cNvSpPr>
-            <a:spLocks noGrp="1"/>
-          </p:cNvSpPr>
-          <p:nvPr>
-            <p:ph idx="1"/>
-          </p:nvPr>
-        </p:nvSpPr>
-        <p:spPr/>
-        <p:txBody>
-          <a:bodyPr/>
-          <a:lstStyle/>
-          <a:p>
-            <a:pPr marL="0" indent="0">
-              <a:buNone/>
-            </a:pPr>
-            <a:r>
-              <a:rPr lang="en-US" dirty="0" smtClean="0"/>
-              <a:t>Azure Mobile services allows us to auto-generate a table schema when a new item is inserted into a brand new table that does not contain any items.  When </a:t>
-            </a:r>
-            <a:r>
-              <a:rPr lang="en-US" dirty="0"/>
-              <a:t>“</a:t>
-            </a:r>
-            <a:r>
-              <a:rPr lang="en-US" dirty="0" err="1"/>
-              <a:t>CreateInitialSchemaForAzureMobileService</a:t>
-            </a:r>
-            <a:r>
-              <a:rPr lang="en-US" dirty="0"/>
-              <a:t>” </a:t>
-            </a:r>
-            <a:r>
-              <a:rPr lang="en-US" dirty="0" smtClean="0"/>
-              <a:t>is set to true, we insert and then immediately delete an object of type “Item” which sets up the schema to support the properties of the “Item” Class.  See “</a:t>
-            </a:r>
-            <a:r>
-              <a:rPr lang="en-US" dirty="0" err="1" smtClean="0"/>
-              <a:t>Item.cs</a:t>
-            </a:r>
-            <a:r>
-              <a:rPr lang="en-US" dirty="0" smtClean="0"/>
-              <a:t>” in the “Models” folder of </a:t>
-            </a:r>
-            <a:r>
-              <a:rPr lang="en-US" dirty="0" err="1" smtClean="0"/>
-              <a:t>XPlatformCloudKit.PCL</a:t>
-            </a:r>
-            <a:r>
-              <a:rPr lang="en-US" dirty="0" smtClean="0"/>
-              <a:t>, note that it has a “Title”, “Subtitle”, “Description”, “Image”, and “Group” property</a:t>
-            </a:r>
-          </a:p>
-          <a:p>
-            <a:pPr marL="0" indent="0">
-              <a:buNone/>
-            </a:pPr>
-            <a:endParaRPr lang="en-US" dirty="0"/>
-          </a:p>
-          <a:p>
-            <a:pPr marL="0" indent="0">
-              <a:buNone/>
-            </a:pPr>
-            <a:endParaRPr lang="en-US" dirty="0"/>
-          </a:p>
-        </p:txBody>
-      </p:sp>
+              <a:rPr lang="en-US" dirty="0" smtClean="0"/>
+              <a:t>Verify the Schema was generated continued…</a:t>
+            </a:r>
+            <a:endParaRPr lang="en-US" dirty="0"/>
+          </a:p>
+        </p:txBody>
+      </p:sp>
+      <p:sp>
+        <p:nvSpPr>
+          <p:cNvPr id="4" name="TextBox 3"/>
+          <p:cNvSpPr txBox="1"/>
+          <p:nvPr/>
+        </p:nvSpPr>
+        <p:spPr>
+          <a:xfrm>
+            <a:off x="4327349" y="5934670"/>
+            <a:ext cx="3544910" cy="923330"/>
+          </a:xfrm>
+          <a:prstGeom prst="rect">
+            <a:avLst/>
+          </a:prstGeom>
+          <a:noFill/>
+        </p:spPr>
+        <p:txBody>
+          <a:bodyPr wrap="square" rtlCol="0">
+            <a:spAutoFit/>
+          </a:bodyPr>
+          <a:lstStyle/>
+          <a:p>
+            <a:r>
+              <a:rPr lang="en-US" dirty="0" smtClean="0"/>
+              <a:t>On the resulting screen, log in using your credentials that you set earlier</a:t>
+            </a:r>
+          </a:p>
+          <a:p>
+            <a:endParaRPr lang="en-US" dirty="0"/>
+          </a:p>
+        </p:txBody>
+      </p:sp>
+      <p:pic>
+        <p:nvPicPr>
+          <p:cNvPr id="5" name="Picture 4"/>
+          <p:cNvPicPr>
+            <a:picLocks noChangeAspect="1"/>
+          </p:cNvPicPr>
+          <p:nvPr/>
+        </p:nvPicPr>
+        <p:blipFill>
+          <a:blip r:embed="rId2"/>
+          <a:stretch>
+            <a:fillRect/>
+          </a:stretch>
+        </p:blipFill>
+        <p:spPr>
+          <a:xfrm>
+            <a:off x="4513033" y="2046398"/>
+            <a:ext cx="3173543" cy="3611273"/>
+          </a:xfrm>
+          <a:prstGeom prst="rect">
+            <a:avLst/>
+          </a:prstGeom>
+        </p:spPr>
+      </p:pic>
     </p:spTree>
     <p:extLst>
       <p:ext uri="{BB962C8B-B14F-4D97-AF65-F5344CB8AC3E}">
-        <p14:creationId xmlns:p14="http://schemas.microsoft.com/office/powerpoint/2010/main" val="2435757149"/>
+        <p14:creationId xmlns:p14="http://schemas.microsoft.com/office/powerpoint/2010/main" val="3201014449"/>
       </p:ext>
     </p:extLst>
   </p:cSld>
@@ -13385,15 +13631,47 @@
           <a:p>
             <a:r>
               <a:rPr lang="en-US" dirty="0" smtClean="0"/>
-              <a:t>The code for creating the initial schema</a:t>
-            </a:r>
+              <a:t>Verify the Schema was generated continued…</a:t>
+            </a:r>
+            <a:endParaRPr lang="en-US" dirty="0"/>
+          </a:p>
+        </p:txBody>
+      </p:sp>
+      <p:sp>
+        <p:nvSpPr>
+          <p:cNvPr id="4" name="TextBox 3"/>
+          <p:cNvSpPr txBox="1"/>
+          <p:nvPr/>
+        </p:nvSpPr>
+        <p:spPr>
+          <a:xfrm>
+            <a:off x="4721211" y="5311216"/>
+            <a:ext cx="3544910" cy="646331"/>
+          </a:xfrm>
+          <a:prstGeom prst="rect">
+            <a:avLst/>
+          </a:prstGeom>
+          <a:noFill/>
+        </p:spPr>
+        <p:txBody>
+          <a:bodyPr wrap="square" rtlCol="0">
+            <a:spAutoFit/>
+          </a:bodyPr>
+          <a:lstStyle/>
+          <a:p>
+            <a:r>
+              <a:rPr lang="en-US" dirty="0" smtClean="0"/>
+              <a:t>Locate your table and select “Edit”</a:t>
+            </a:r>
+          </a:p>
+          <a:p>
             <a:endParaRPr lang="en-US" dirty="0"/>
           </a:p>
         </p:txBody>
       </p:sp>
       <p:pic>
         <p:nvPicPr>
-          <p:cNvPr id="4" name="Picture 3"/>
+          <p:cNvPr id="3" name="Picture 2"/>
           <p:cNvPicPr>
             <a:picLocks noChangeAspect="1"/>
           </p:cNvPicPr>
@@ -13407,8 +13685,8 @@
         </p:blipFill>
         <p:spPr>
           <a:xfrm>
-            <a:off x="2395469" y="2213039"/>
-            <a:ext cx="8240029" cy="4243368"/>
+            <a:off x="3469479" y="2438399"/>
+            <a:ext cx="6048375" cy="2628900"/>
           </a:xfrm>
           <a:prstGeom prst="rect">
             <a:avLst/>
@@ -13418,7 +13696,7 @@
     </p:spTree>
     <p:extLst>
       <p:ext uri="{BB962C8B-B14F-4D97-AF65-F5344CB8AC3E}">
-        <p14:creationId xmlns:p14="http://schemas.microsoft.com/office/powerpoint/2010/main" val="97225058"/>
+        <p14:creationId xmlns:p14="http://schemas.microsoft.com/office/powerpoint/2010/main" val="1436149357"/>
       </p:ext>
     </p:extLst>
   </p:cSld>
@@ -13462,7 +13740,7 @@
           <a:p>
             <a:r>
               <a:rPr lang="en-US" dirty="0" smtClean="0"/>
-              <a:t>Adding data to the “Item” table</a:t>
+              <a:t>Verify the Schema was generated continued…</a:t>
             </a:r>
             <a:endParaRPr lang="en-US" dirty="0"/>
           </a:p>
@@ -13477,7 +13755,7 @@
         <p:spPr>
           <a:xfrm>
             <a:off x="4600927" y="5574453"/>
-            <a:ext cx="3785480" cy="646331"/>
+            <a:ext cx="3785480" cy="923330"/>
           </a:xfrm>
           <a:prstGeom prst="rect">
             <a:avLst/>
@@ -13492,7 +13770,13 @@
           <a:p>
             <a:r>
               <a:rPr lang="en-US" dirty="0" smtClean="0"/>
-              <a:t>In the table-edit screen, click “Data”</a:t>
+              <a:t>Verify your table is named “Item”</a:t>
+            </a:r>
+          </a:p>
+          <a:p>
+            <a:r>
+              <a:rPr lang="en-US" dirty="0" smtClean="0"/>
+              <a:t>and that your schema looks like above</a:t>
             </a:r>
           </a:p>
           <a:p>
@@ -13527,7 +13811,7 @@
     </p:spTree>
     <p:extLst>
       <p:ext uri="{BB962C8B-B14F-4D97-AF65-F5344CB8AC3E}">
-        <p14:creationId xmlns:p14="http://schemas.microsoft.com/office/powerpoint/2010/main" val="2019552621"/>
+        <p14:creationId xmlns:p14="http://schemas.microsoft.com/office/powerpoint/2010/main" val="64378281"/>
       </p:ext>
     </p:extLst>
   </p:cSld>
@@ -13570,119 +13854,90 @@
           <a:lstStyle/>
           <a:p>
             <a:r>
-              <a:rPr lang="en-US" dirty="0" smtClean="0"/>
-              <a:t>Adding data to the “Item” table continued…</a:t>
-            </a:r>
-            <a:endParaRPr lang="en-US" dirty="0"/>
-          </a:p>
-        </p:txBody>
-      </p:sp>
-      <p:sp>
-        <p:nvSpPr>
-          <p:cNvPr id="4" name="TextBox 3"/>
-          <p:cNvSpPr txBox="1"/>
-          <p:nvPr/>
-        </p:nvSpPr>
-        <p:spPr>
-          <a:xfrm>
-            <a:off x="2052636" y="4549216"/>
-            <a:ext cx="8864746" cy="646331"/>
-          </a:xfrm>
-          <a:prstGeom prst="rect">
-            <a:avLst/>
-          </a:prstGeom>
-          <a:noFill/>
-        </p:spPr>
-        <p:txBody>
-          <a:bodyPr wrap="square" rtlCol="0">
-            <a:spAutoFit/>
-          </a:bodyPr>
-          <a:lstStyle/>
-          <a:p>
-            <a:r>
-              <a:rPr lang="en-US" dirty="0" smtClean="0"/>
-              <a:t>Click “Add row” and begin filling in some data!  Make sure to click “Save” when you are done!</a:t>
-            </a:r>
-          </a:p>
-          <a:p>
-            <a:endParaRPr lang="en-US" dirty="0"/>
-          </a:p>
-        </p:txBody>
-      </p:sp>
-      <p:sp>
-        <p:nvSpPr>
-          <p:cNvPr id="6" name="TextBox 5"/>
-          <p:cNvSpPr txBox="1"/>
-          <p:nvPr/>
-        </p:nvSpPr>
-        <p:spPr>
-          <a:xfrm>
-            <a:off x="2052636" y="5024514"/>
-            <a:ext cx="8086726" cy="1477328"/>
-          </a:xfrm>
-          <a:prstGeom prst="rect">
-            <a:avLst/>
-          </a:prstGeom>
-          <a:noFill/>
-        </p:spPr>
-        <p:txBody>
-          <a:bodyPr wrap="square" rtlCol="0">
-            <a:spAutoFit/>
-          </a:bodyPr>
-          <a:lstStyle/>
-          <a:p>
-            <a:r>
-              <a:rPr lang="en-US" dirty="0" smtClean="0"/>
-              <a:t>NOTE: All columns accept string values.  For image, you will want to use a </a:t>
-            </a:r>
-            <a:r>
               <a:rPr lang="en-US" dirty="0" err="1" smtClean="0"/>
-              <a:t>url</a:t>
-            </a:r>
-            <a:r>
-              <a:rPr lang="en-US" dirty="0" smtClean="0"/>
-              <a:t> to a remote hosted image.  The description field offers the ability to render html, thus if you paste html into this field it will properly render in the Win8 and </a:t>
+              <a:t>Whoah</a:t>
+            </a:r>
+            <a:r>
+              <a:rPr lang="en-US" dirty="0" smtClean="0"/>
+              <a:t>, we just auto-generated a table schema, how the heck did that happen?</a:t>
+            </a:r>
+            <a:endParaRPr lang="en-US" dirty="0"/>
+          </a:p>
+        </p:txBody>
+      </p:sp>
+      <p:sp>
+        <p:nvSpPr>
+          <p:cNvPr id="3" name="Content Placeholder 2"/>
+          <p:cNvSpPr>
+            <a:spLocks noGrp="1"/>
+          </p:cNvSpPr>
+          <p:nvPr>
+            <p:ph idx="1"/>
+          </p:nvPr>
+        </p:nvSpPr>
+        <p:spPr/>
+        <p:txBody>
+          <a:bodyPr/>
+          <a:lstStyle/>
+          <a:p>
+            <a:pPr marL="0" indent="0">
+              <a:buNone/>
+            </a:pPr>
+            <a:r>
+              <a:rPr lang="en-US" dirty="0" smtClean="0"/>
+              <a:t>Azure Mobile services allows us to auto-generate a table schema when a new item is inserted into a brand new table that does not contain any items.  When </a:t>
+            </a:r>
+            <a:r>
+              <a:rPr lang="en-US" dirty="0"/>
+              <a:t>“</a:t>
+            </a:r>
+            <a:r>
+              <a:rPr lang="en-US" dirty="0" err="1"/>
+              <a:t>CreateInitialSchemaForAzureMobileService</a:t>
+            </a:r>
+            <a:r>
+              <a:rPr lang="en-US" dirty="0"/>
+              <a:t>” </a:t>
+            </a:r>
+            <a:r>
+              <a:rPr lang="en-US" dirty="0" smtClean="0"/>
+              <a:t>is set to true, we insert and then immediately delete an object of type “Item” which sets up the schema to support the properties of the “Item” Class.  See “</a:t>
             </a:r>
             <a:r>
               <a:rPr lang="en-US" dirty="0" err="1" smtClean="0"/>
-              <a:t>WinPhone</a:t>
-            </a:r>
-            <a:r>
-              <a:rPr lang="en-US" dirty="0" smtClean="0"/>
-              <a:t> applications.  This can allow for some custom modifications to the way description is presented in your apps.</a:t>
-            </a:r>
-            <a:endParaRPr lang="en-US" dirty="0"/>
-          </a:p>
-        </p:txBody>
-      </p:sp>
-      <p:pic>
-        <p:nvPicPr>
-          <p:cNvPr id="7" name="Picture 6"/>
-          <p:cNvPicPr>
-            <a:picLocks noChangeAspect="1"/>
-          </p:cNvPicPr>
-          <p:nvPr/>
-        </p:nvPicPr>
-        <p:blipFill>
-          <a:blip r:embed="rId2"/>
-          <a:stretch>
-            <a:fillRect/>
-          </a:stretch>
-        </p:blipFill>
-        <p:spPr>
-          <a:xfrm>
-            <a:off x="2052636" y="1965035"/>
-            <a:ext cx="7839509" cy="2555771"/>
-          </a:xfrm>
-          <a:prstGeom prst="rect">
-            <a:avLst/>
-          </a:prstGeom>
-        </p:spPr>
-      </p:pic>
+              <a:t>Item.cs</a:t>
+            </a:r>
+            <a:r>
+              <a:rPr lang="en-US" dirty="0" smtClean="0"/>
+              <a:t>” in the “Models” folder of </a:t>
+            </a:r>
+            <a:r>
+              <a:rPr lang="en-US" dirty="0" err="1" smtClean="0"/>
+              <a:t>XPlatformCloudKit.PCL</a:t>
+            </a:r>
+            <a:r>
+              <a:rPr lang="en-US" dirty="0" smtClean="0"/>
+              <a:t>, note that it has a “Title”, “Subtitle”, “Description”, “Image”, and “Group” property</a:t>
+            </a:r>
+          </a:p>
+          <a:p>
+            <a:pPr marL="0" indent="0">
+              <a:buNone/>
+            </a:pPr>
+            <a:endParaRPr lang="en-US" dirty="0"/>
+          </a:p>
+          <a:p>
+            <a:pPr marL="0" indent="0">
+              <a:buNone/>
+            </a:pPr>
+            <a:endParaRPr lang="en-US" dirty="0"/>
+          </a:p>
+        </p:txBody>
+      </p:sp>
     </p:spTree>
     <p:extLst>
       <p:ext uri="{BB962C8B-B14F-4D97-AF65-F5344CB8AC3E}">
-        <p14:creationId xmlns:p14="http://schemas.microsoft.com/office/powerpoint/2010/main" val="340092270"/>
+        <p14:creationId xmlns:p14="http://schemas.microsoft.com/office/powerpoint/2010/main" val="2435757149"/>
       </p:ext>
     </p:extLst>
   </p:cSld>
@@ -13726,47 +13981,15 @@
           <a:p>
             <a:r>
               <a:rPr lang="en-US" dirty="0" smtClean="0"/>
-              <a:t>Example table</a:t>
-            </a:r>
-            <a:endParaRPr lang="en-US" dirty="0"/>
-          </a:p>
-        </p:txBody>
-      </p:sp>
-      <p:sp>
-        <p:nvSpPr>
-          <p:cNvPr id="4" name="TextBox 3"/>
-          <p:cNvSpPr txBox="1"/>
-          <p:nvPr/>
-        </p:nvSpPr>
-        <p:spPr>
-          <a:xfrm>
-            <a:off x="2052635" y="4549216"/>
-            <a:ext cx="8993981" cy="646331"/>
-          </a:xfrm>
-          <a:prstGeom prst="rect">
-            <a:avLst/>
-          </a:prstGeom>
-          <a:noFill/>
-        </p:spPr>
-        <p:txBody>
-          <a:bodyPr wrap="square" rtlCol="0">
-            <a:spAutoFit/>
-          </a:bodyPr>
-          <a:lstStyle/>
-          <a:p>
-            <a:r>
-              <a:rPr lang="en-US" dirty="0" smtClean="0"/>
-              <a:t>Here is an example of a table with some Marvel Comics Super Heroes entered </a:t>
-            </a:r>
-          </a:p>
-          <a:p>
+              <a:t>The code for creating the initial schema</a:t>
+            </a:r>
             <a:endParaRPr lang="en-US" dirty="0"/>
           </a:p>
         </p:txBody>
       </p:sp>
       <p:pic>
         <p:nvPicPr>
-          <p:cNvPr id="5" name="Picture 4"/>
+          <p:cNvPr id="4" name="Picture 3"/>
           <p:cNvPicPr>
             <a:picLocks noChangeAspect="1"/>
           </p:cNvPicPr>
@@ -13780,8 +14003,8 @@
         </p:blipFill>
         <p:spPr>
           <a:xfrm>
-            <a:off x="1940717" y="2006041"/>
-            <a:ext cx="9105900" cy="2543175"/>
+            <a:off x="2395469" y="2213039"/>
+            <a:ext cx="8240029" cy="4243368"/>
           </a:xfrm>
           <a:prstGeom prst="rect">
             <a:avLst/>
@@ -13791,7 +14014,7 @@
     </p:spTree>
     <p:extLst>
       <p:ext uri="{BB962C8B-B14F-4D97-AF65-F5344CB8AC3E}">
-        <p14:creationId xmlns:p14="http://schemas.microsoft.com/office/powerpoint/2010/main" val="2923302112"/>
+        <p14:creationId xmlns:p14="http://schemas.microsoft.com/office/powerpoint/2010/main" val="97225058"/>
       </p:ext>
     </p:extLst>
   </p:cSld>
@@ -13835,46 +14058,47 @@
           <a:p>
             <a:r>
               <a:rPr lang="en-US" dirty="0" smtClean="0"/>
-              <a:t>Show me the data!</a:t>
-            </a:r>
-            <a:endParaRPr lang="en-US" dirty="0"/>
-          </a:p>
-        </p:txBody>
-      </p:sp>
-      <p:sp>
-        <p:nvSpPr>
-          <p:cNvPr id="3" name="Content Placeholder 2"/>
-          <p:cNvSpPr>
-            <a:spLocks noGrp="1"/>
-          </p:cNvSpPr>
-          <p:nvPr>
-            <p:ph idx="1"/>
-          </p:nvPr>
-        </p:nvSpPr>
-        <p:spPr>
-          <a:xfrm>
-            <a:off x="2277504" y="4502034"/>
-            <a:ext cx="8905536" cy="2459182"/>
-          </a:xfrm>
-        </p:spPr>
-        <p:txBody>
-          <a:bodyPr/>
-          <a:lstStyle/>
-          <a:p>
-            <a:pPr marL="0" indent="0">
-              <a:buNone/>
-            </a:pPr>
-            <a:r>
-              <a:rPr lang="en-US" dirty="0" smtClean="0"/>
-              <a:t>If everything went right and you have followed all instructions up to this point, go ahead and build your Windows Phone and Windows 8 applications, and you should see your data come back from Azure! (Note: To ensure that data is not cached - bring up the app bar (right-click or swipe up from bottom in windows 8 or press the ‘…’ in bottom right for Windows phone) and click the “Refresh” button.)</a:t>
-            </a:r>
+              <a:t>Adding data to the “Item” table</a:t>
+            </a:r>
+            <a:endParaRPr lang="en-US" dirty="0"/>
+          </a:p>
+        </p:txBody>
+      </p:sp>
+      <p:sp>
+        <p:nvSpPr>
+          <p:cNvPr id="4" name="TextBox 3"/>
+          <p:cNvSpPr txBox="1"/>
+          <p:nvPr/>
+        </p:nvSpPr>
+        <p:spPr>
+          <a:xfrm>
+            <a:off x="4600927" y="5574453"/>
+            <a:ext cx="3785480" cy="646331"/>
+          </a:xfrm>
+          <a:prstGeom prst="rect">
+            <a:avLst/>
+          </a:prstGeom>
+          <a:noFill/>
+        </p:spPr>
+        <p:txBody>
+          <a:bodyPr wrap="square" rtlCol="0">
+            <a:spAutoFit/>
+          </a:bodyPr>
+          <a:lstStyle/>
+          <a:p>
+            <a:r>
+              <a:rPr lang="en-US" dirty="0" smtClean="0"/>
+              <a:t>In the table-edit screen, click “Data”</a:t>
+            </a:r>
+          </a:p>
+          <a:p>
             <a:endParaRPr lang="en-US" dirty="0"/>
           </a:p>
         </p:txBody>
       </p:sp>
       <p:pic>
         <p:nvPicPr>
-          <p:cNvPr id="4" name="Picture 3"/>
+          <p:cNvPr id="5" name="Picture 4"/>
           <p:cNvPicPr>
             <a:picLocks noChangeAspect="1"/>
           </p:cNvPicPr>
@@ -13888,32 +14112,8 @@
         </p:blipFill>
         <p:spPr>
           <a:xfrm>
-            <a:off x="2150479" y="2031760"/>
-            <a:ext cx="4579793" cy="2574876"/>
-          </a:xfrm>
-          <a:prstGeom prst="rect">
-            <a:avLst/>
-          </a:prstGeom>
-        </p:spPr>
-      </p:pic>
-      <p:pic>
-        <p:nvPicPr>
-          <p:cNvPr id="5" name="Picture 4"/>
-          <p:cNvPicPr>
-            <a:picLocks noChangeAspect="1"/>
-          </p:cNvPicPr>
-          <p:nvPr/>
-        </p:nvPicPr>
-        <p:blipFill>
-          <a:blip r:embed="rId3"/>
-          <a:stretch>
-            <a:fillRect/>
-          </a:stretch>
-        </p:blipFill>
-        <p:spPr>
-          <a:xfrm>
-            <a:off x="8269168" y="2031760"/>
-            <a:ext cx="1544925" cy="2574876"/>
+            <a:off x="3522949" y="2047093"/>
+            <a:ext cx="5941436" cy="3416523"/>
           </a:xfrm>
           <a:prstGeom prst="rect">
             <a:avLst/>
@@ -13923,7 +14123,7 @@
     </p:spTree>
     <p:extLst>
       <p:ext uri="{BB962C8B-B14F-4D97-AF65-F5344CB8AC3E}">
-        <p14:creationId xmlns:p14="http://schemas.microsoft.com/office/powerpoint/2010/main" val="560297710"/>
+        <p14:creationId xmlns:p14="http://schemas.microsoft.com/office/powerpoint/2010/main" val="2019552621"/>
       </p:ext>
     </p:extLst>
   </p:cSld>
@@ -13967,62 +14167,85 @@
           <a:p>
             <a:r>
               <a:rPr lang="en-US" dirty="0" smtClean="0"/>
-              <a:t>Example using RSS and Azure </a:t>
+              <a:t>Adding data to the “Item” table continued…</a:t>
+            </a:r>
+            <a:endParaRPr lang="en-US" dirty="0"/>
+          </a:p>
+        </p:txBody>
+      </p:sp>
+      <p:sp>
+        <p:nvSpPr>
+          <p:cNvPr id="4" name="TextBox 3"/>
+          <p:cNvSpPr txBox="1"/>
+          <p:nvPr/>
+        </p:nvSpPr>
+        <p:spPr>
+          <a:xfrm>
+            <a:off x="2052636" y="4549216"/>
+            <a:ext cx="8864746" cy="646331"/>
+          </a:xfrm>
+          <a:prstGeom prst="rect">
+            <a:avLst/>
+          </a:prstGeom>
+          <a:noFill/>
+        </p:spPr>
+        <p:txBody>
+          <a:bodyPr wrap="square" rtlCol="0">
+            <a:spAutoFit/>
+          </a:bodyPr>
+          <a:lstStyle/>
+          <a:p>
+            <a:r>
+              <a:rPr lang="en-US" dirty="0" smtClean="0"/>
+              <a:t>Click “Add row” and begin filling in some data!  Make sure to click “Save” when you are done!</a:t>
+            </a:r>
+          </a:p>
+          <a:p>
+            <a:endParaRPr lang="en-US" dirty="0"/>
+          </a:p>
+        </p:txBody>
+      </p:sp>
+      <p:sp>
+        <p:nvSpPr>
+          <p:cNvPr id="6" name="TextBox 5"/>
+          <p:cNvSpPr txBox="1"/>
+          <p:nvPr/>
+        </p:nvSpPr>
+        <p:spPr>
+          <a:xfrm>
+            <a:off x="2052636" y="5024514"/>
+            <a:ext cx="8086726" cy="1477328"/>
+          </a:xfrm>
+          <a:prstGeom prst="rect">
+            <a:avLst/>
+          </a:prstGeom>
+          <a:noFill/>
+        </p:spPr>
+        <p:txBody>
+          <a:bodyPr wrap="square" rtlCol="0">
+            <a:spAutoFit/>
+          </a:bodyPr>
+          <a:lstStyle/>
+          <a:p>
+            <a:r>
+              <a:rPr lang="en-US" dirty="0" smtClean="0"/>
+              <a:t>NOTE: All columns accept string values.  For image, you will want to use a </a:t>
             </a:r>
             <a:r>
               <a:rPr lang="en-US" dirty="0" err="1" smtClean="0"/>
-              <a:t>DataService</a:t>
-            </a:r>
-            <a:endParaRPr lang="en-US" dirty="0"/>
-          </a:p>
-        </p:txBody>
-      </p:sp>
-      <p:sp>
-        <p:nvSpPr>
-          <p:cNvPr id="3" name="Content Placeholder 2"/>
-          <p:cNvSpPr>
-            <a:spLocks noGrp="1"/>
-          </p:cNvSpPr>
-          <p:nvPr>
-            <p:ph idx="1"/>
-          </p:nvPr>
-        </p:nvSpPr>
-        <p:spPr>
-          <a:xfrm>
-            <a:off x="3132063" y="4606636"/>
-            <a:ext cx="7257908" cy="1898073"/>
-          </a:xfrm>
-        </p:spPr>
-        <p:txBody>
-          <a:bodyPr/>
-          <a:lstStyle/>
-          <a:p>
-            <a:pPr marL="0" indent="0">
-              <a:buNone/>
-            </a:pPr>
-            <a:r>
-              <a:rPr lang="en-US" dirty="0" smtClean="0"/>
-              <a:t>Note that Avengers are coming from Azure and Microsoft data is coming from Bing </a:t>
+              <a:t>url</a:t>
+            </a:r>
+            <a:r>
+              <a:rPr lang="en-US" dirty="0" smtClean="0"/>
+              <a:t> to a remote hosted image.  The description field offers the ability to render html, thus if you paste html into this field it will properly render in the Win8 and </a:t>
             </a:r>
             <a:r>
               <a:rPr lang="en-US" dirty="0" err="1" smtClean="0"/>
-              <a:t>Rss</a:t>
-            </a:r>
-            <a:r>
-              <a:rPr lang="en-US" dirty="0" smtClean="0"/>
-              <a:t> feed! Simply enable both </a:t>
-            </a:r>
-            <a:r>
-              <a:rPr lang="en-US" dirty="0" err="1" smtClean="0"/>
-              <a:t>DataServices</a:t>
-            </a:r>
-            <a:r>
-              <a:rPr lang="en-US" dirty="0" smtClean="0"/>
-              <a:t> in </a:t>
-            </a:r>
-            <a:r>
-              <a:rPr lang="en-US" dirty="0" err="1" smtClean="0"/>
-              <a:t>AppSettings.cs</a:t>
+              <a:t>WinPhone</a:t>
+            </a:r>
+            <a:r>
+              <a:rPr lang="en-US" dirty="0" smtClean="0"/>
+              <a:t> applications.  This can allow for some custom modifications to the way description is presented in your apps.</a:t>
             </a:r>
             <a:endParaRPr lang="en-US" dirty="0"/>
           </a:p>
@@ -14030,7 +14253,7 @@
       </p:sp>
       <p:pic>
         <p:nvPicPr>
-          <p:cNvPr id="6" name="Picture 5"/>
+          <p:cNvPr id="7" name="Picture 6"/>
           <p:cNvPicPr>
             <a:picLocks noChangeAspect="1"/>
           </p:cNvPicPr>
@@ -14044,32 +14267,8 @@
         </p:blipFill>
         <p:spPr>
           <a:xfrm>
-            <a:off x="2261670" y="2105194"/>
-            <a:ext cx="4499347" cy="2529648"/>
-          </a:xfrm>
-          <a:prstGeom prst="rect">
-            <a:avLst/>
-          </a:prstGeom>
-        </p:spPr>
-      </p:pic>
-      <p:pic>
-        <p:nvPicPr>
-          <p:cNvPr id="7" name="Picture 6"/>
-          <p:cNvPicPr>
-            <a:picLocks noChangeAspect="1"/>
-          </p:cNvPicPr>
-          <p:nvPr/>
-        </p:nvPicPr>
-        <p:blipFill>
-          <a:blip r:embed="rId3"/>
-          <a:stretch>
-            <a:fillRect/>
-          </a:stretch>
-        </p:blipFill>
-        <p:spPr>
-          <a:xfrm>
-            <a:off x="8411214" y="2105194"/>
-            <a:ext cx="1517788" cy="2529648"/>
+            <a:off x="2052636" y="1965035"/>
+            <a:ext cx="7839509" cy="2555771"/>
           </a:xfrm>
           <a:prstGeom prst="rect">
             <a:avLst/>
@@ -14079,7 +14278,7 @@
     </p:spTree>
     <p:extLst>
       <p:ext uri="{BB962C8B-B14F-4D97-AF65-F5344CB8AC3E}">
-        <p14:creationId xmlns:p14="http://schemas.microsoft.com/office/powerpoint/2010/main" val="1308519537"/>
+        <p14:creationId xmlns:p14="http://schemas.microsoft.com/office/powerpoint/2010/main" val="340092270"/>
       </p:ext>
     </p:extLst>
   </p:cSld>
@@ -14116,79 +14315,47 @@
             <p:ph type="title"/>
           </p:nvPr>
         </p:nvSpPr>
-        <p:spPr>
-          <a:xfrm>
-            <a:off x="1440872" y="397884"/>
-            <a:ext cx="10283824" cy="1752599"/>
-          </a:xfrm>
-        </p:spPr>
+        <p:spPr/>
         <p:txBody>
           <a:bodyPr/>
           <a:lstStyle/>
           <a:p>
             <a:r>
               <a:rPr lang="en-US" dirty="0" smtClean="0"/>
-              <a:t>Further Customization – </a:t>
-            </a:r>
-            <a:r>
-              <a:rPr lang="en-US" dirty="0" err="1" smtClean="0"/>
-              <a:t>AppSetting.cs</a:t>
-            </a:r>
-            <a:r>
-              <a:rPr lang="en-US" dirty="0" smtClean="0"/>
-              <a:t/>
-            </a:r>
-            <a:br>
-              <a:rPr lang="en-US" dirty="0" smtClean="0"/>
-            </a:br>
-            <a:r>
-              <a:rPr lang="en-US" dirty="0" smtClean="0"/>
-              <a:t>(located in </a:t>
-            </a:r>
-            <a:r>
-              <a:rPr lang="en-US" dirty="0" err="1" smtClean="0"/>
-              <a:t>XPlatformCloudKit.PCL</a:t>
-            </a:r>
-            <a:r>
-              <a:rPr lang="en-US" dirty="0" smtClean="0"/>
-              <a:t>)</a:t>
-            </a:r>
-            <a:endParaRPr lang="en-US" dirty="0"/>
-          </a:p>
-        </p:txBody>
-      </p:sp>
-      <p:sp>
-        <p:nvSpPr>
-          <p:cNvPr id="3" name="Content Placeholder 2"/>
-          <p:cNvSpPr>
-            <a:spLocks noGrp="1"/>
-          </p:cNvSpPr>
-          <p:nvPr>
-            <p:ph idx="1"/>
-          </p:nvPr>
-        </p:nvSpPr>
-        <p:spPr>
-          <a:xfrm>
-            <a:off x="1705983" y="3952740"/>
-            <a:ext cx="10018713" cy="3124201"/>
-          </a:xfrm>
-        </p:spPr>
-        <p:txBody>
-          <a:bodyPr/>
-          <a:lstStyle/>
-          <a:p>
-            <a:r>
-              <a:rPr lang="en-US" dirty="0" smtClean="0"/>
-              <a:t>Here you can edit your app display name, time to cache retrieved data, theme to use for Windows 8, privacy policy </a:t>
-            </a:r>
-            <a:r>
-              <a:rPr lang="en-US" dirty="0" err="1" smtClean="0"/>
-              <a:t>url</a:t>
-            </a:r>
-            <a:r>
-              <a:rPr lang="en-US" dirty="0" smtClean="0"/>
-              <a:t>, and more.  This is the single point of configuration to make the app your own!</a:t>
-            </a:r>
+              <a:t>Example table</a:t>
+            </a:r>
+            <a:endParaRPr lang="en-US" dirty="0"/>
+          </a:p>
+        </p:txBody>
+      </p:sp>
+      <p:sp>
+        <p:nvSpPr>
+          <p:cNvPr id="4" name="TextBox 3"/>
+          <p:cNvSpPr txBox="1"/>
+          <p:nvPr/>
+        </p:nvSpPr>
+        <p:spPr>
+          <a:xfrm>
+            <a:off x="2052635" y="4549216"/>
+            <a:ext cx="8993981" cy="646331"/>
+          </a:xfrm>
+          <a:prstGeom prst="rect">
+            <a:avLst/>
+          </a:prstGeom>
+          <a:noFill/>
+        </p:spPr>
+        <p:txBody>
+          <a:bodyPr wrap="square" rtlCol="0">
+            <a:spAutoFit/>
+          </a:bodyPr>
+          <a:lstStyle/>
+          <a:p>
+            <a:r>
+              <a:rPr lang="en-US" dirty="0" smtClean="0"/>
+              <a:t>Here is an example of a table with some Marvel Comics Super Heroes entered </a:t>
+            </a:r>
+          </a:p>
+          <a:p>
             <a:endParaRPr lang="en-US" dirty="0"/>
           </a:p>
         </p:txBody>
@@ -14209,8 +14376,8 @@
         </p:blipFill>
         <p:spPr>
           <a:xfrm>
-            <a:off x="2514670" y="1937067"/>
-            <a:ext cx="8136228" cy="2940806"/>
+            <a:off x="1940717" y="2006041"/>
+            <a:ext cx="9105900" cy="2543175"/>
           </a:xfrm>
           <a:prstGeom prst="rect">
             <a:avLst/>
@@ -14220,7 +14387,7 @@
     </p:spTree>
     <p:extLst>
       <p:ext uri="{BB962C8B-B14F-4D97-AF65-F5344CB8AC3E}">
-        <p14:creationId xmlns:p14="http://schemas.microsoft.com/office/powerpoint/2010/main" val="2967406635"/>
+        <p14:creationId xmlns:p14="http://schemas.microsoft.com/office/powerpoint/2010/main" val="2923302112"/>
       </p:ext>
     </p:extLst>
   </p:cSld>
@@ -14414,19 +14581,14 @@
             <p:ph type="title"/>
           </p:nvPr>
         </p:nvSpPr>
-        <p:spPr>
-          <a:xfrm>
-            <a:off x="1440872" y="397884"/>
-            <a:ext cx="10283824" cy="1752599"/>
-          </a:xfrm>
-        </p:spPr>
+        <p:spPr/>
         <p:txBody>
           <a:bodyPr/>
           <a:lstStyle/>
           <a:p>
             <a:r>
               <a:rPr lang="en-US" dirty="0" smtClean="0"/>
-              <a:t>Further Customization - Windows 8</a:t>
+              <a:t>Show me the data!</a:t>
             </a:r>
             <a:endParaRPr lang="en-US" dirty="0"/>
           </a:p>
@@ -14444,31 +14606,20 @@
         </p:nvSpPr>
         <p:spPr>
           <a:xfrm>
-            <a:off x="1705983" y="3817792"/>
-            <a:ext cx="10018713" cy="3124201"/>
+            <a:off x="2277504" y="4502034"/>
+            <a:ext cx="8905536" cy="2459182"/>
           </a:xfrm>
         </p:spPr>
         <p:txBody>
           <a:bodyPr/>
           <a:lstStyle/>
           <a:p>
-            <a:r>
-              <a:rPr lang="en-US" dirty="0" smtClean="0"/>
-              <a:t>You will also want to open up </a:t>
-            </a:r>
-            <a:r>
-              <a:rPr lang="en-US" dirty="0" err="1" smtClean="0"/>
-              <a:t>Package.Appxmanifest</a:t>
-            </a:r>
-            <a:r>
-              <a:rPr lang="en-US" dirty="0" smtClean="0"/>
-              <a:t> in the root of the XPlatformCloudKit.Win8 project.</a:t>
-            </a:r>
-          </a:p>
-          <a:p>
-            <a:r>
-              <a:rPr lang="en-US" dirty="0" smtClean="0"/>
-              <a:t>Here you can edit your app name, description, and set the tile sizes you wish to use and the default image to display on them.</a:t>
+            <a:pPr marL="0" indent="0">
+              <a:buNone/>
+            </a:pPr>
+            <a:r>
+              <a:rPr lang="en-US" dirty="0" smtClean="0"/>
+              <a:t>If everything went right and you have followed all instructions up to this point, go ahead and build your Windows Phone and Windows 8 applications, and you should see your data come back from Azure! (Note: To ensure that data is not cached - bring up the app bar (right-click or swipe up from bottom in windows 8 or press the ‘…’ in bottom right for Windows phone) and click the “Refresh” button.)</a:t>
             </a:r>
             <a:endParaRPr lang="en-US" dirty="0"/>
           </a:p>
@@ -14476,7 +14627,7 @@
       </p:sp>
       <p:pic>
         <p:nvPicPr>
-          <p:cNvPr id="5" name="Picture 4"/>
+          <p:cNvPr id="4" name="Picture 3"/>
           <p:cNvPicPr>
             <a:picLocks noChangeAspect="1"/>
           </p:cNvPicPr>
@@ -14490,8 +14641,32 @@
         </p:blipFill>
         <p:spPr>
           <a:xfrm>
-            <a:off x="3340892" y="1768265"/>
-            <a:ext cx="6301872" cy="2630120"/>
+            <a:off x="2150479" y="2031760"/>
+            <a:ext cx="4579793" cy="2574876"/>
+          </a:xfrm>
+          <a:prstGeom prst="rect">
+            <a:avLst/>
+          </a:prstGeom>
+        </p:spPr>
+      </p:pic>
+      <p:pic>
+        <p:nvPicPr>
+          <p:cNvPr id="5" name="Picture 4"/>
+          <p:cNvPicPr>
+            <a:picLocks noChangeAspect="1"/>
+          </p:cNvPicPr>
+          <p:nvPr/>
+        </p:nvPicPr>
+        <p:blipFill>
+          <a:blip r:embed="rId3"/>
+          <a:stretch>
+            <a:fillRect/>
+          </a:stretch>
+        </p:blipFill>
+        <p:spPr>
+          <a:xfrm>
+            <a:off x="8269168" y="2031760"/>
+            <a:ext cx="1544925" cy="2574876"/>
           </a:xfrm>
           <a:prstGeom prst="rect">
             <a:avLst/>
@@ -14501,7 +14676,7 @@
     </p:spTree>
     <p:extLst>
       <p:ext uri="{BB962C8B-B14F-4D97-AF65-F5344CB8AC3E}">
-        <p14:creationId xmlns:p14="http://schemas.microsoft.com/office/powerpoint/2010/main" val="650216853"/>
+        <p14:creationId xmlns:p14="http://schemas.microsoft.com/office/powerpoint/2010/main" val="560297710"/>
       </p:ext>
     </p:extLst>
   </p:cSld>
@@ -14538,19 +14713,18 @@
             <p:ph type="title"/>
           </p:nvPr>
         </p:nvSpPr>
-        <p:spPr>
-          <a:xfrm>
-            <a:off x="675122" y="0"/>
-            <a:ext cx="11516878" cy="1752599"/>
-          </a:xfrm>
-        </p:spPr>
+        <p:spPr/>
         <p:txBody>
           <a:bodyPr/>
           <a:lstStyle/>
           <a:p>
             <a:r>
               <a:rPr lang="en-US" dirty="0" smtClean="0"/>
-              <a:t>Further Customization – WP8</a:t>
+              <a:t>Example using RSS and Azure </a:t>
+            </a:r>
+            <a:r>
+              <a:rPr lang="en-US" dirty="0" err="1" smtClean="0"/>
+              <a:t>DataService</a:t>
             </a:r>
             <a:endParaRPr lang="en-US" dirty="0"/>
           </a:p>
@@ -14568,23 +14742,40 @@
         </p:nvSpPr>
         <p:spPr>
           <a:xfrm>
-            <a:off x="1705983" y="3817792"/>
-            <a:ext cx="10018713" cy="3124201"/>
+            <a:off x="3132063" y="4606636"/>
+            <a:ext cx="7257908" cy="1898073"/>
           </a:xfrm>
         </p:spPr>
         <p:txBody>
           <a:bodyPr/>
           <a:lstStyle/>
           <a:p>
-            <a:r>
-              <a:rPr lang="en-US" dirty="0" smtClean="0"/>
-              <a:t>You will also want to open up WMAppManifest.xml in the “Properties” folder of the XPlatformCloudKit.Phone8 project.</a:t>
-            </a:r>
-          </a:p>
-          <a:p>
-            <a:r>
-              <a:rPr lang="en-US" dirty="0" smtClean="0"/>
-              <a:t>Here you can edit your app name, description, and set the tile sizes you wish to use and the default image to display on them.</a:t>
+            <a:pPr marL="0" indent="0">
+              <a:buNone/>
+            </a:pPr>
+            <a:r>
+              <a:rPr lang="en-US" dirty="0" smtClean="0"/>
+              <a:t>Note that Avengers are coming from Azure and Microsoft data is coming from Bing </a:t>
+            </a:r>
+            <a:r>
+              <a:rPr lang="en-US" dirty="0" err="1" smtClean="0"/>
+              <a:t>Rss</a:t>
+            </a:r>
+            <a:r>
+              <a:rPr lang="en-US" dirty="0" smtClean="0"/>
+              <a:t> feed! Simply enable both </a:t>
+            </a:r>
+            <a:r>
+              <a:rPr lang="en-US" dirty="0" err="1" smtClean="0"/>
+              <a:t>DataServices</a:t>
+            </a:r>
+            <a:r>
+              <a:rPr lang="en-US" dirty="0" smtClean="0"/>
+              <a:t> in </a:t>
+            </a:r>
+            <a:r>
+              <a:rPr lang="en-US" dirty="0" err="1" smtClean="0"/>
+              <a:t>AppSettings.cs</a:t>
             </a:r>
             <a:endParaRPr lang="en-US" dirty="0"/>
           </a:p>
@@ -14592,7 +14783,7 @@
       </p:sp>
       <p:pic>
         <p:nvPicPr>
-          <p:cNvPr id="4" name="Picture 3"/>
+          <p:cNvPr id="6" name="Picture 5"/>
           <p:cNvPicPr>
             <a:picLocks noChangeAspect="1"/>
           </p:cNvPicPr>
@@ -14606,8 +14797,32 @@
         </p:blipFill>
         <p:spPr>
           <a:xfrm>
-            <a:off x="3650529" y="1265401"/>
-            <a:ext cx="5566064" cy="3163188"/>
+            <a:off x="2261670" y="2105194"/>
+            <a:ext cx="4499347" cy="2529648"/>
+          </a:xfrm>
+          <a:prstGeom prst="rect">
+            <a:avLst/>
+          </a:prstGeom>
+        </p:spPr>
+      </p:pic>
+      <p:pic>
+        <p:nvPicPr>
+          <p:cNvPr id="7" name="Picture 6"/>
+          <p:cNvPicPr>
+            <a:picLocks noChangeAspect="1"/>
+          </p:cNvPicPr>
+          <p:nvPr/>
+        </p:nvPicPr>
+        <p:blipFill>
+          <a:blip r:embed="rId3"/>
+          <a:stretch>
+            <a:fillRect/>
+          </a:stretch>
+        </p:blipFill>
+        <p:spPr>
+          <a:xfrm>
+            <a:off x="8411214" y="2105194"/>
+            <a:ext cx="1517788" cy="2529648"/>
           </a:xfrm>
           <a:prstGeom prst="rect">
             <a:avLst/>
@@ -14617,7 +14832,7 @@
     </p:spTree>
     <p:extLst>
       <p:ext uri="{BB962C8B-B14F-4D97-AF65-F5344CB8AC3E}">
-        <p14:creationId xmlns:p14="http://schemas.microsoft.com/office/powerpoint/2010/main" val="3061018902"/>
+        <p14:creationId xmlns:p14="http://schemas.microsoft.com/office/powerpoint/2010/main" val="1308519537"/>
       </p:ext>
     </p:extLst>
   </p:cSld>
@@ -14656,8 +14871,8 @@
         </p:nvSpPr>
         <p:spPr>
           <a:xfrm>
-            <a:off x="1522947" y="119051"/>
-            <a:ext cx="10018713" cy="1433847"/>
+            <a:off x="1440872" y="397884"/>
+            <a:ext cx="10283824" cy="1752599"/>
           </a:xfrm>
         </p:spPr>
         <p:txBody>
@@ -14666,7 +14881,30 @@
           <a:p>
             <a:r>
               <a:rPr lang="en-US" dirty="0" smtClean="0"/>
-              <a:t>Capturing Screenshots – WP*</a:t>
+              <a:t>Further Customization – </a:t>
+            </a:r>
+            <a:r>
+              <a:rPr lang="en-US" dirty="0" err="1" smtClean="0"/>
+              <a:t>AppSetting.cs</a:t>
+            </a:r>
+            <a:r>
+              <a:rPr lang="en-US" dirty="0" smtClean="0"/>
+              <a:t/>
+            </a:r>
+            <a:br>
+              <a:rPr lang="en-US" dirty="0" smtClean="0"/>
+            </a:br>
+            <a:r>
+              <a:rPr lang="en-US" dirty="0" smtClean="0"/>
+              <a:t>(located in </a:t>
+            </a:r>
+            <a:r>
+              <a:rPr lang="en-US" dirty="0" err="1" smtClean="0"/>
+              <a:t>XPlatformCloudKit.PCL</a:t>
+            </a:r>
+            <a:r>
+              <a:rPr lang="en-US" dirty="0" smtClean="0"/>
+              <a:t>)</a:t>
             </a:r>
             <a:endParaRPr lang="en-US" dirty="0"/>
           </a:p>
@@ -14684,89 +14922,33 @@
         </p:nvSpPr>
         <p:spPr>
           <a:xfrm>
-            <a:off x="1767645" y="0"/>
-            <a:ext cx="10018713" cy="4606344"/>
+            <a:off x="1705983" y="3952740"/>
+            <a:ext cx="10018713" cy="3124201"/>
           </a:xfrm>
         </p:spPr>
         <p:txBody>
           <a:bodyPr/>
           <a:lstStyle/>
           <a:p>
-            <a:pPr marL="0" indent="0">
-              <a:buNone/>
-            </a:pPr>
-            <a:endParaRPr lang="en-US" dirty="0" smtClean="0"/>
-          </a:p>
-          <a:p>
-            <a:pPr marL="0" indent="0">
-              <a:buNone/>
-            </a:pPr>
-            <a:r>
-              <a:rPr lang="en-US" dirty="0" smtClean="0"/>
-              <a:t>Make sure you are deploying to the WXGA emulator </a:t>
-            </a:r>
-          </a:p>
-          <a:p>
-            <a:pPr marL="0" indent="0">
-              <a:buNone/>
-            </a:pPr>
-            <a:r>
-              <a:rPr lang="en-US" dirty="0" smtClean="0">
-                <a:solidFill>
-                  <a:srgbClr val="FF0000"/>
-                </a:solidFill>
-              </a:rPr>
-              <a:t>DO NOT CAPTURE IMAGES WITH DEBUGGING ENABLED</a:t>
-            </a:r>
-          </a:p>
-          <a:p>
-            <a:pPr marL="0" indent="0">
-              <a:buNone/>
-            </a:pPr>
-            <a:r>
-              <a:rPr lang="en-US" dirty="0" smtClean="0">
-                <a:solidFill>
-                  <a:srgbClr val="FF0000"/>
-                </a:solidFill>
-              </a:rPr>
-              <a:t>The Marketplace will immediately fail your app </a:t>
-            </a:r>
-          </a:p>
-          <a:p>
-            <a:pPr marL="0" indent="0">
-              <a:buNone/>
-            </a:pPr>
-            <a:r>
-              <a:rPr lang="en-US" dirty="0" smtClean="0"/>
-              <a:t>To </a:t>
-            </a:r>
-            <a:r>
-              <a:rPr lang="en-US" dirty="0"/>
-              <a:t>capture screenshots </a:t>
-            </a:r>
-            <a:r>
-              <a:rPr lang="en-US" dirty="0" smtClean="0"/>
-              <a:t>:</a:t>
-            </a:r>
-          </a:p>
-          <a:p>
-            <a:pPr marL="0" indent="0">
-              <a:buNone/>
-            </a:pPr>
-            <a:r>
-              <a:rPr lang="en-US" dirty="0" smtClean="0"/>
-              <a:t>click </a:t>
-            </a:r>
-            <a:r>
-              <a:rPr lang="en-US" dirty="0"/>
-              <a:t>the double arrows (&gt;&gt;) in the emulator -&gt; Screenshot -&gt; Capture -&gt; Save</a:t>
-            </a:r>
+            <a:r>
+              <a:rPr lang="en-US" dirty="0" smtClean="0"/>
+              <a:t>Here you can edit your app display name, time to cache retrieved data, theme to use for Windows 8, privacy policy </a:t>
+            </a:r>
+            <a:r>
+              <a:rPr lang="en-US" dirty="0" err="1" smtClean="0"/>
+              <a:t>url</a:t>
+            </a:r>
+            <a:r>
+              <a:rPr lang="en-US" dirty="0" smtClean="0"/>
+              <a:t>, and more.  This is the single point of configuration to make the app your own!</a:t>
+            </a:r>
+            <a:endParaRPr lang="en-US" dirty="0"/>
           </a:p>
         </p:txBody>
       </p:sp>
       <p:pic>
         <p:nvPicPr>
-          <p:cNvPr id="4" name="Picture 3"/>
+          <p:cNvPr id="5" name="Picture 4"/>
           <p:cNvPicPr>
             <a:picLocks noChangeAspect="1"/>
           </p:cNvPicPr>
@@ -14780,8 +14962,8 @@
         </p:blipFill>
         <p:spPr>
           <a:xfrm>
-            <a:off x="3943309" y="3940411"/>
-            <a:ext cx="5175246" cy="2917589"/>
+            <a:off x="2514670" y="1937067"/>
+            <a:ext cx="8136228" cy="2940806"/>
           </a:xfrm>
           <a:prstGeom prst="rect">
             <a:avLst/>
@@ -14791,20 +14973,13 @@
     </p:spTree>
     <p:extLst>
       <p:ext uri="{BB962C8B-B14F-4D97-AF65-F5344CB8AC3E}">
-        <p14:creationId xmlns:p14="http://schemas.microsoft.com/office/powerpoint/2010/main" val="2453063874"/>
+        <p14:creationId xmlns:p14="http://schemas.microsoft.com/office/powerpoint/2010/main" val="2967406635"/>
       </p:ext>
     </p:extLst>
   </p:cSld>
   <p:clrMapOvr>
     <a:masterClrMapping/>
   </p:clrMapOvr>
-  <p:timing>
-    <p:tnLst>
-      <p:par>
-        <p:cTn id="1" dur="indefinite" restart="never" nodeType="tmRoot"/>
-      </p:par>
-    </p:tnLst>
-  </p:timing>
 </p:sld>
 </file>
 
@@ -14837,8 +15012,8 @@
         </p:nvSpPr>
         <p:spPr>
           <a:xfrm>
-            <a:off x="1535826" y="119051"/>
-            <a:ext cx="10018713" cy="1433847"/>
+            <a:off x="1440872" y="397884"/>
+            <a:ext cx="10283824" cy="1752599"/>
           </a:xfrm>
         </p:spPr>
         <p:txBody>
@@ -14847,7 +15022,7 @@
           <a:p>
             <a:r>
               <a:rPr lang="en-US" dirty="0" smtClean="0"/>
-              <a:t>Capturing Screenshots – Windows 8</a:t>
+              <a:t>Further Customization - Windows 8</a:t>
             </a:r>
             <a:endParaRPr lang="en-US" dirty="0"/>
           </a:p>
@@ -14865,84 +15040,31 @@
         </p:nvSpPr>
         <p:spPr>
           <a:xfrm>
-            <a:off x="1692562" y="1041042"/>
-            <a:ext cx="10018713" cy="4606344"/>
-          </a:xfrm>
-        </p:spPr>
-        <p:txBody>
-          <a:bodyPr>
-            <a:normAutofit lnSpcReduction="10000"/>
-          </a:bodyPr>
-          <a:lstStyle/>
-          <a:p>
-            <a:pPr marL="0" indent="0">
-              <a:buNone/>
-            </a:pPr>
-            <a:endParaRPr lang="en-US" dirty="0" smtClean="0"/>
-          </a:p>
-          <a:p>
-            <a:pPr marL="0" indent="0">
-              <a:buNone/>
-            </a:pPr>
-            <a:r>
-              <a:rPr lang="en-US" dirty="0" smtClean="0"/>
-              <a:t>You may use the Print Screen button on your keyboard to capture screenshots (which must be saved as a .</a:t>
+            <a:off x="1705983" y="3817792"/>
+            <a:ext cx="10018713" cy="3124201"/>
+          </a:xfrm>
+        </p:spPr>
+        <p:txBody>
+          <a:bodyPr/>
+          <a:lstStyle/>
+          <a:p>
+            <a:r>
+              <a:rPr lang="en-US" dirty="0" smtClean="0"/>
+              <a:t>You will also want to open up </a:t>
             </a:r>
             <a:r>
               <a:rPr lang="en-US" dirty="0" err="1" smtClean="0"/>
-              <a:t>png</a:t>
-            </a:r>
-            <a:r>
-              <a:rPr lang="en-US" dirty="0" smtClean="0"/>
-              <a:t>) if and only if you are running in a resolution of 1366 x 768.</a:t>
-            </a:r>
-          </a:p>
-          <a:p>
-            <a:pPr marL="0" indent="0">
-              <a:buNone/>
-            </a:pPr>
-            <a:endParaRPr lang="en-US" dirty="0"/>
-          </a:p>
-          <a:p>
-            <a:pPr marL="0" indent="0">
-              <a:buNone/>
-            </a:pPr>
-            <a:r>
-              <a:rPr lang="en-US" dirty="0" smtClean="0"/>
-              <a:t>If not, you will want to deploy your app to the Simulator</a:t>
-            </a:r>
-          </a:p>
-          <a:p>
-            <a:pPr marL="0" indent="0">
-              <a:buNone/>
-            </a:pPr>
-            <a:endParaRPr lang="en-US" dirty="0" smtClean="0"/>
-          </a:p>
-          <a:p>
-            <a:pPr marL="0" indent="0">
-              <a:buNone/>
-            </a:pPr>
-            <a:endParaRPr lang="en-US" dirty="0" smtClean="0"/>
-          </a:p>
-          <a:p>
-            <a:pPr marL="0" indent="0">
-              <a:buNone/>
-            </a:pPr>
-            <a:endParaRPr lang="en-US" dirty="0"/>
-          </a:p>
-          <a:p>
-            <a:pPr marL="0" indent="0">
-              <a:buNone/>
-            </a:pPr>
-            <a:r>
-              <a:rPr lang="en-US" dirty="0" smtClean="0"/>
-              <a:t>Then follow the </a:t>
-            </a:r>
-            <a:r>
-              <a:rPr lang="en-US" dirty="0" smtClean="0">
-                <a:hlinkClick r:id="rId2"/>
-              </a:rPr>
-              <a:t>Guide to taking screenshots with Win8 Simulator</a:t>
+              <a:t>Package.Appxmanifest</a:t>
+            </a:r>
+            <a:r>
+              <a:rPr lang="en-US" dirty="0" smtClean="0"/>
+              <a:t> in the root of the XPlatformCloudKit.Win8 project.</a:t>
+            </a:r>
+          </a:p>
+          <a:p>
+            <a:r>
+              <a:rPr lang="en-US" dirty="0" smtClean="0"/>
+              <a:t>Here you can edit your app name, description, and set the tile sizes you wish to use and the default image to display on them.</a:t>
             </a:r>
             <a:endParaRPr lang="en-US" dirty="0"/>
           </a:p>
@@ -14950,62 +15072,38 @@
       </p:sp>
       <p:pic>
         <p:nvPicPr>
-          <p:cNvPr id="1026" name="Picture 2" descr="Running in the Simulator"/>
+          <p:cNvPr id="5" name="Picture 4"/>
           <p:cNvPicPr>
-            <a:picLocks noChangeAspect="1" noChangeArrowheads="1"/>
+            <a:picLocks noChangeAspect="1"/>
           </p:cNvPicPr>
           <p:nvPr/>
         </p:nvPicPr>
         <p:blipFill>
-          <a:blip r:embed="rId3">
-            <a:extLst>
-              <a:ext uri="{28A0092B-C50C-407E-A947-70E740481C1C}">
-                <a14:useLocalDpi xmlns:a14="http://schemas.microsoft.com/office/drawing/2010/main" val="0"/>
-              </a:ext>
-            </a:extLst>
-          </a:blip>
-          <a:srcRect/>
+          <a:blip r:embed="rId2"/>
           <a:stretch>
             <a:fillRect/>
           </a:stretch>
         </p:blipFill>
-        <p:spPr bwMode="auto">
-          <a:xfrm>
-            <a:off x="2048769" y="3728099"/>
-            <a:ext cx="1800225" cy="1152526"/>
+        <p:spPr>
+          <a:xfrm>
+            <a:off x="3340892" y="1768265"/>
+            <a:ext cx="6301872" cy="2630120"/>
           </a:xfrm>
           <a:prstGeom prst="rect">
             <a:avLst/>
           </a:prstGeom>
-          <a:noFill/>
-          <a:extLst>
-            <a:ext uri="{909E8E84-426E-40DD-AFC4-6F175D3DCCD1}">
-              <a14:hiddenFill xmlns:a14="http://schemas.microsoft.com/office/drawing/2010/main">
-                <a:solidFill>
-                  <a:srgbClr val="FFFFFF"/>
-                </a:solidFill>
-              </a14:hiddenFill>
-            </a:ext>
-          </a:extLst>
         </p:spPr>
       </p:pic>
     </p:spTree>
     <p:extLst>
       <p:ext uri="{BB962C8B-B14F-4D97-AF65-F5344CB8AC3E}">
-        <p14:creationId xmlns:p14="http://schemas.microsoft.com/office/powerpoint/2010/main" val="2099975694"/>
+        <p14:creationId xmlns:p14="http://schemas.microsoft.com/office/powerpoint/2010/main" val="650216853"/>
       </p:ext>
     </p:extLst>
   </p:cSld>
   <p:clrMapOvr>
     <a:masterClrMapping/>
   </p:clrMapOvr>
-  <p:timing>
-    <p:tnLst>
-      <p:par>
-        <p:cTn id="1" dur="indefinite" restart="never" nodeType="tmRoot"/>
-      </p:par>
-    </p:tnLst>
-  </p:timing>
 </p:sld>
 </file>
 
@@ -15036,14 +15134,19 @@
             <p:ph type="title"/>
           </p:nvPr>
         </p:nvSpPr>
-        <p:spPr/>
+        <p:spPr>
+          <a:xfrm>
+            <a:off x="675122" y="0"/>
+            <a:ext cx="11516878" cy="1752599"/>
+          </a:xfrm>
+        </p:spPr>
         <p:txBody>
           <a:bodyPr/>
           <a:lstStyle/>
           <a:p>
             <a:r>
               <a:rPr lang="en-US" dirty="0" smtClean="0"/>
-              <a:t>Ready to Submit – WP8!</a:t>
+              <a:t>Further Customization – WP8</a:t>
             </a:r>
             <a:endParaRPr lang="en-US" dirty="0"/>
           </a:p>
@@ -15061,110 +15164,24 @@
         </p:nvSpPr>
         <p:spPr>
           <a:xfrm>
-            <a:off x="1339263" y="2632075"/>
-            <a:ext cx="10018713" cy="4117145"/>
+            <a:off x="1705983" y="3817792"/>
+            <a:ext cx="10018713" cy="3124201"/>
           </a:xfrm>
         </p:spPr>
         <p:txBody>
           <a:bodyPr/>
           <a:lstStyle/>
           <a:p>
-            <a:pPr marL="0" indent="0">
-              <a:buNone/>
-            </a:pPr>
-            <a:r>
-              <a:rPr lang="en-US" dirty="0" smtClean="0"/>
-              <a:t>Take a look at the </a:t>
-            </a:r>
-            <a:r>
-              <a:rPr lang="en-US" dirty="0" smtClean="0">
-                <a:hlinkClick r:id="rId2"/>
-              </a:rPr>
-              <a:t>app submission requirements</a:t>
-            </a:r>
-            <a:r>
-              <a:rPr lang="en-US" dirty="0" smtClean="0"/>
-              <a:t>, and make sure you have everything required to submit.</a:t>
-            </a:r>
-          </a:p>
-          <a:p>
-            <a:pPr marL="0" indent="0">
-              <a:buNone/>
-            </a:pPr>
-            <a:r>
-              <a:rPr lang="en-US" dirty="0" smtClean="0"/>
-              <a:t>Next, log </a:t>
-            </a:r>
-            <a:r>
-              <a:rPr lang="en-US" dirty="0"/>
-              <a:t>in with your developer account at </a:t>
-            </a:r>
-            <a:r>
-              <a:rPr lang="en-US" dirty="0">
-                <a:hlinkClick r:id="rId3"/>
-              </a:rPr>
-              <a:t>https://dev.windowsphone.com/ </a:t>
-            </a:r>
-            <a:r>
-              <a:rPr lang="en-US" dirty="0"/>
-              <a:t>and click ‘Submit App’ then follow the steps online to submit your application</a:t>
-            </a:r>
-            <a:r>
-              <a:rPr lang="en-US" dirty="0" smtClean="0"/>
-              <a:t>.</a:t>
-            </a:r>
-          </a:p>
-          <a:p>
-            <a:pPr marL="0" indent="0">
-              <a:buNone/>
-            </a:pPr>
-            <a:r>
-              <a:rPr lang="en-US" dirty="0" smtClean="0"/>
-              <a:t>You will need your .</a:t>
-            </a:r>
-            <a:r>
-              <a:rPr lang="en-US" dirty="0" err="1" smtClean="0"/>
-              <a:t>xap</a:t>
-            </a:r>
-            <a:r>
-              <a:rPr lang="en-US" dirty="0" smtClean="0"/>
-              <a:t> file, at least one screenshot, and a 300x300 PNG for submission. </a:t>
-            </a:r>
-            <a:r>
-              <a:rPr lang="en-US" dirty="0"/>
-              <a:t>The .</a:t>
-            </a:r>
-            <a:r>
-              <a:rPr lang="en-US" dirty="0" err="1"/>
-              <a:t>xap</a:t>
-            </a:r>
-            <a:r>
-              <a:rPr lang="en-US" dirty="0"/>
-              <a:t> file is automatically created </a:t>
-            </a:r>
-            <a:r>
-              <a:rPr lang="en-US" dirty="0" smtClean="0"/>
-              <a:t>when your project is built and</a:t>
-            </a:r>
-            <a:r>
-              <a:rPr lang="en-US" dirty="0"/>
-              <a:t> can be found in your projects directory in the bin\Debug or bin\Release folders.</a:t>
-            </a:r>
-          </a:p>
-          <a:p>
-            <a:pPr marL="0" indent="0">
-              <a:buNone/>
-            </a:pPr>
-            <a:r>
-              <a:rPr lang="en-US" dirty="0" smtClean="0"/>
-              <a:t>.</a:t>
-            </a:r>
-            <a:endParaRPr lang="en-US" dirty="0"/>
-          </a:p>
-          <a:p>
-            <a:pPr marL="0" indent="0">
-              <a:buNone/>
-            </a:pPr>
+            <a:r>
+              <a:rPr lang="en-US" dirty="0" smtClean="0"/>
+              <a:t>You will also want to open up WMAppManifest.xml in the “Properties” folder of the XPlatformCloudKit.Phone8 project.</a:t>
+            </a:r>
+          </a:p>
+          <a:p>
+            <a:r>
+              <a:rPr lang="en-US" dirty="0" smtClean="0"/>
+              <a:t>Here you can edit your app name, description, and set the tile sizes you wish to use and the default image to display on them.</a:t>
+            </a:r>
             <a:endParaRPr lang="en-US" dirty="0"/>
           </a:p>
         </p:txBody>
@@ -15178,21 +15195,15 @@
           <p:nvPr/>
         </p:nvPicPr>
         <p:blipFill>
-          <a:blip r:embed="rId4">
-            <a:extLst>
-              <a:ext uri="{28A0092B-C50C-407E-A947-70E740481C1C}">
-                <a14:useLocalDpi xmlns:a14="http://schemas.microsoft.com/office/drawing/2010/main" val="0"/>
-              </a:ext>
-            </a:extLst>
-          </a:blip>
+          <a:blip r:embed="rId2"/>
           <a:stretch>
             <a:fillRect/>
           </a:stretch>
         </p:blipFill>
         <p:spPr>
           <a:xfrm>
-            <a:off x="9443451" y="588961"/>
-            <a:ext cx="1914525" cy="1946275"/>
+            <a:off x="3650529" y="1265401"/>
+            <a:ext cx="5566064" cy="3163188"/>
           </a:xfrm>
           <a:prstGeom prst="rect">
             <a:avLst/>
@@ -15202,20 +15213,13 @@
     </p:spTree>
     <p:extLst>
       <p:ext uri="{BB962C8B-B14F-4D97-AF65-F5344CB8AC3E}">
-        <p14:creationId xmlns:p14="http://schemas.microsoft.com/office/powerpoint/2010/main" val="3609341363"/>
+        <p14:creationId xmlns:p14="http://schemas.microsoft.com/office/powerpoint/2010/main" val="3061018902"/>
       </p:ext>
     </p:extLst>
   </p:cSld>
   <p:clrMapOvr>
     <a:masterClrMapping/>
   </p:clrMapOvr>
-  <p:timing>
-    <p:tnLst>
-      <p:par>
-        <p:cTn id="1" dur="indefinite" restart="never" nodeType="tmRoot"/>
-      </p:par>
-    </p:tnLst>
-  </p:timing>
 </p:sld>
 </file>
 
@@ -15248,8 +15252,8 @@
         </p:nvSpPr>
         <p:spPr>
           <a:xfrm>
-            <a:off x="1033551" y="685798"/>
-            <a:ext cx="10018713" cy="1752599"/>
+            <a:off x="1522947" y="119051"/>
+            <a:ext cx="10018713" cy="1433847"/>
           </a:xfrm>
         </p:spPr>
         <p:txBody>
@@ -15258,7 +15262,7 @@
           <a:p>
             <a:r>
               <a:rPr lang="en-US" dirty="0" smtClean="0"/>
-              <a:t>Ready to Submit – Windows 8!</a:t>
+              <a:t>Capturing Screenshots – WP*</a:t>
             </a:r>
             <a:endParaRPr lang="en-US" dirty="0"/>
           </a:p>
@@ -15276,123 +15280,83 @@
         </p:nvSpPr>
         <p:spPr>
           <a:xfrm>
-            <a:off x="1339263" y="2632075"/>
-            <a:ext cx="10018713" cy="4117145"/>
-          </a:xfrm>
-        </p:spPr>
-        <p:txBody>
-          <a:bodyPr>
-            <a:normAutofit/>
-          </a:bodyPr>
+            <a:off x="1767645" y="0"/>
+            <a:ext cx="10018713" cy="4606344"/>
+          </a:xfrm>
+        </p:spPr>
+        <p:txBody>
+          <a:bodyPr/>
           <a:lstStyle/>
           <a:p>
             <a:pPr marL="0" indent="0">
               <a:buNone/>
             </a:pPr>
+            <a:endParaRPr lang="en-US" dirty="0" smtClean="0"/>
+          </a:p>
+          <a:p>
+            <a:pPr marL="0" indent="0">
+              <a:buNone/>
+            </a:pPr>
+            <a:r>
+              <a:rPr lang="en-US" dirty="0" smtClean="0"/>
+              <a:t>Make sure you are deploying to the WXGA emulator </a:t>
+            </a:r>
+          </a:p>
+          <a:p>
+            <a:pPr marL="0" indent="0">
+              <a:buNone/>
+            </a:pPr>
+            <a:r>
+              <a:rPr lang="en-US" dirty="0" smtClean="0">
+                <a:solidFill>
+                  <a:srgbClr val="FF0000"/>
+                </a:solidFill>
+              </a:rPr>
+              <a:t>DO NOT CAPTURE IMAGES WITH DEBUGGING ENABLED</a:t>
+            </a:r>
+          </a:p>
+          <a:p>
+            <a:pPr marL="0" indent="0">
+              <a:buNone/>
+            </a:pPr>
+            <a:r>
+              <a:rPr lang="en-US" dirty="0" smtClean="0">
+                <a:solidFill>
+                  <a:srgbClr val="FF0000"/>
+                </a:solidFill>
+              </a:rPr>
+              <a:t>The Marketplace will immediately fail your app </a:t>
+            </a:r>
+          </a:p>
+          <a:p>
+            <a:pPr marL="0" indent="0">
+              <a:buNone/>
+            </a:pPr>
+            <a:r>
+              <a:rPr lang="en-US" dirty="0" smtClean="0"/>
+              <a:t>To </a:t>
+            </a:r>
             <a:r>
               <a:rPr lang="en-US" dirty="0"/>
-              <a:t>After you have </a:t>
-            </a:r>
-            <a:r>
-              <a:rPr lang="en-US" dirty="0">
-                <a:hlinkClick r:id="rId2"/>
-              </a:rPr>
-              <a:t>reserved your app's name</a:t>
+              <a:t>capture screenshots </a:t>
+            </a:r>
+            <a:r>
+              <a:rPr lang="en-US" dirty="0" smtClean="0"/>
+              <a:t>:</a:t>
+            </a:r>
+          </a:p>
+          <a:p>
+            <a:pPr marL="0" indent="0">
+              <a:buNone/>
+            </a:pPr>
+            <a:r>
+              <a:rPr lang="en-US" dirty="0" smtClean="0"/>
+              <a:t>click </a:t>
             </a:r>
             <a:r>
               <a:rPr lang="en-US" dirty="0"/>
-              <a:t>, </a:t>
-            </a:r>
-            <a:r>
-              <a:rPr lang="en-US" dirty="0">
-                <a:hlinkClick r:id="rId3"/>
-              </a:rPr>
-              <a:t>set up your payout account</a:t>
-            </a:r>
-            <a:r>
-              <a:rPr lang="en-US" dirty="0"/>
-              <a:t>, </a:t>
-            </a:r>
-            <a:r>
-              <a:rPr lang="en-US" dirty="0">
-                <a:hlinkClick r:id="rId4"/>
-              </a:rPr>
-              <a:t>built your app's packages</a:t>
-            </a:r>
-            <a:r>
-              <a:rPr lang="en-US" dirty="0"/>
-              <a:t>, and </a:t>
-            </a:r>
-            <a:r>
-              <a:rPr lang="en-US" dirty="0">
-                <a:hlinkClick r:id="rId5"/>
-              </a:rPr>
-              <a:t>tested the app with the Windows App Certification Kit</a:t>
-            </a:r>
-            <a:r>
-              <a:rPr lang="en-US" dirty="0"/>
-              <a:t>, you're ready to begin the submission process</a:t>
-            </a:r>
-            <a:r>
-              <a:rPr lang="en-US" dirty="0" smtClean="0"/>
-              <a:t>. </a:t>
-            </a:r>
-          </a:p>
-          <a:p>
-            <a:pPr marL="0" indent="0">
-              <a:buNone/>
-            </a:pPr>
-            <a:r>
-              <a:rPr lang="en-US" dirty="0" smtClean="0"/>
-              <a:t>To </a:t>
-            </a:r>
-            <a:r>
-              <a:rPr lang="en-US" dirty="0"/>
-              <a:t>submit an app, you'll need to sign in to your Windows Store Dashboard. (You can get there by clicking the "Dashboard" link near the top of any page in the </a:t>
-            </a:r>
-            <a:r>
-              <a:rPr lang="en-US" dirty="0">
-                <a:hlinkClick r:id="rId6"/>
-              </a:rPr>
-              <a:t>Windows Store apps Developer Center</a:t>
-            </a:r>
-            <a:r>
-              <a:rPr lang="en-US" dirty="0"/>
-              <a:t>.)</a:t>
-            </a:r>
-            <a:endParaRPr lang="en-US" dirty="0" smtClean="0"/>
-          </a:p>
-          <a:p>
-            <a:pPr marL="0" indent="0">
-              <a:buNone/>
-            </a:pPr>
-            <a:r>
-              <a:rPr lang="en-US" dirty="0" smtClean="0"/>
-              <a:t>If you need step-by-step instructions, you can follow this </a:t>
-            </a:r>
-            <a:r>
-              <a:rPr lang="en-US" dirty="0" smtClean="0">
-                <a:hlinkClick r:id="rId7"/>
-              </a:rPr>
-              <a:t>guide to submitting Windows 8 application to the Windows Store.</a:t>
-            </a:r>
-            <a:endParaRPr lang="en-US" dirty="0" smtClean="0"/>
-          </a:p>
-          <a:p>
-            <a:pPr marL="0" indent="0">
-              <a:buNone/>
-            </a:pPr>
-            <a:r>
-              <a:rPr lang="en-US" dirty="0" smtClean="0"/>
-              <a:t>.</a:t>
-            </a:r>
-            <a:endParaRPr lang="en-US" dirty="0"/>
-          </a:p>
-          <a:p>
-            <a:pPr marL="0" indent="0">
-              <a:buNone/>
-            </a:pPr>
-            <a:endParaRPr lang="en-US" dirty="0"/>
+              <a:t>the double arrows (&gt;&gt;) in the emulator -&gt; Screenshot -&gt; Capture -&gt; Save</a:t>
+            </a:r>
           </a:p>
         </p:txBody>
       </p:sp>
@@ -15405,21 +15369,15 @@
           <p:nvPr/>
         </p:nvPicPr>
         <p:blipFill>
-          <a:blip r:embed="rId8">
-            <a:extLst>
-              <a:ext uri="{28A0092B-C50C-407E-A947-70E740481C1C}">
-                <a14:useLocalDpi xmlns:a14="http://schemas.microsoft.com/office/drawing/2010/main" val="0"/>
-              </a:ext>
-            </a:extLst>
-          </a:blip>
+          <a:blip r:embed="rId2"/>
           <a:stretch>
             <a:fillRect/>
           </a:stretch>
         </p:blipFill>
         <p:spPr>
           <a:xfrm>
-            <a:off x="9443451" y="588961"/>
-            <a:ext cx="1914525" cy="1946275"/>
+            <a:off x="3943309" y="3940411"/>
+            <a:ext cx="5175246" cy="2917589"/>
           </a:xfrm>
           <a:prstGeom prst="rect">
             <a:avLst/>
@@ -15429,7 +15387,7 @@
     </p:spTree>
     <p:extLst>
       <p:ext uri="{BB962C8B-B14F-4D97-AF65-F5344CB8AC3E}">
-        <p14:creationId xmlns:p14="http://schemas.microsoft.com/office/powerpoint/2010/main" val="2789014429"/>
+        <p14:creationId xmlns:p14="http://schemas.microsoft.com/office/powerpoint/2010/main" val="2453063874"/>
       </p:ext>
     </p:extLst>
   </p:cSld>
@@ -15473,14 +15431,19 @@
             <p:ph type="title"/>
           </p:nvPr>
         </p:nvSpPr>
-        <p:spPr/>
+        <p:spPr>
+          <a:xfrm>
+            <a:off x="1535826" y="119051"/>
+            <a:ext cx="10018713" cy="1433847"/>
+          </a:xfrm>
+        </p:spPr>
         <p:txBody>
           <a:bodyPr/>
           <a:lstStyle/>
           <a:p>
             <a:r>
               <a:rPr lang="en-US" dirty="0" smtClean="0"/>
-              <a:t>Reward yourself, you earned it!</a:t>
+              <a:t>Capturing Screenshots – Windows 8</a:t>
             </a:r>
             <a:endParaRPr lang="en-US" dirty="0"/>
           </a:p>
@@ -15498,79 +15461,134 @@
         </p:nvSpPr>
         <p:spPr>
           <a:xfrm>
-            <a:off x="1484311" y="2438399"/>
-            <a:ext cx="10018713" cy="3522786"/>
-          </a:xfrm>
-        </p:spPr>
-        <p:txBody>
-          <a:bodyPr/>
+            <a:off x="1692562" y="1041042"/>
+            <a:ext cx="10018713" cy="4606344"/>
+          </a:xfrm>
+        </p:spPr>
+        <p:txBody>
+          <a:bodyPr>
+            <a:normAutofit lnSpcReduction="10000"/>
+          </a:bodyPr>
           <a:lstStyle/>
           <a:p>
             <a:pPr marL="0" indent="0">
               <a:buNone/>
             </a:pPr>
-            <a:r>
-              <a:rPr lang="en-US" dirty="0" smtClean="0"/>
-              <a:t>Be sure to submit your apps to </a:t>
+            <a:endParaRPr lang="en-US" dirty="0" smtClean="0"/>
+          </a:p>
+          <a:p>
+            <a:pPr marL="0" indent="0">
+              <a:buNone/>
+            </a:pPr>
+            <a:r>
+              <a:rPr lang="en-US" dirty="0" smtClean="0"/>
+              <a:t>You may use the Print Screen button on your keyboard to capture screenshots (which must be saved as a .</a:t>
+            </a:r>
+            <a:r>
+              <a:rPr lang="en-US" dirty="0" err="1" smtClean="0"/>
+              <a:t>png</a:t>
+            </a:r>
+            <a:r>
+              <a:rPr lang="en-US" dirty="0" smtClean="0"/>
+              <a:t>) if and only if you are running in a resolution of 1366 x 768.</a:t>
+            </a:r>
+          </a:p>
+          <a:p>
+            <a:pPr marL="0" indent="0">
+              <a:buNone/>
+            </a:pPr>
+            <a:endParaRPr lang="en-US" dirty="0"/>
+          </a:p>
+          <a:p>
+            <a:pPr marL="0" indent="0">
+              <a:buNone/>
+            </a:pPr>
+            <a:r>
+              <a:rPr lang="en-US" dirty="0" smtClean="0"/>
+              <a:t>If not, you will want to deploy your app to the Simulator</a:t>
+            </a:r>
+          </a:p>
+          <a:p>
+            <a:pPr marL="0" indent="0">
+              <a:buNone/>
+            </a:pPr>
+            <a:endParaRPr lang="en-US" dirty="0" smtClean="0"/>
+          </a:p>
+          <a:p>
+            <a:pPr marL="0" indent="0">
+              <a:buNone/>
+            </a:pPr>
+            <a:endParaRPr lang="en-US" dirty="0" smtClean="0"/>
+          </a:p>
+          <a:p>
+            <a:pPr marL="0" indent="0">
+              <a:buNone/>
+            </a:pPr>
+            <a:endParaRPr lang="en-US" dirty="0"/>
+          </a:p>
+          <a:p>
+            <a:pPr marL="0" indent="0">
+              <a:buNone/>
+            </a:pPr>
+            <a:r>
+              <a:rPr lang="en-US" dirty="0" smtClean="0"/>
+              <a:t>Then follow the </a:t>
             </a:r>
             <a:r>
               <a:rPr lang="en-US" dirty="0" smtClean="0">
                 <a:hlinkClick r:id="rId2"/>
               </a:rPr>
-              <a:t>App Builder Rewards </a:t>
-            </a:r>
-            <a:r>
-              <a:rPr lang="en-US" dirty="0" smtClean="0"/>
-              <a:t>and </a:t>
-            </a:r>
-            <a:r>
-              <a:rPr lang="en-US" dirty="0" smtClean="0">
-                <a:hlinkClick r:id="rId3"/>
-              </a:rPr>
-              <a:t>DVLUP</a:t>
-            </a:r>
-            <a:r>
-              <a:rPr lang="en-US" dirty="0" smtClean="0"/>
-              <a:t> for the opportunity to receive prizes (Phones, Xbox games, and more!)</a:t>
-            </a:r>
-            <a:endParaRPr lang="en-US" dirty="0" smtClean="0"/>
+              <a:t>Guide to taking screenshots with Win8 Simulator</a:t>
+            </a:r>
+            <a:endParaRPr lang="en-US" dirty="0"/>
           </a:p>
         </p:txBody>
       </p:sp>
       <p:pic>
         <p:nvPicPr>
-          <p:cNvPr id="4" name="Picture 3"/>
+          <p:cNvPr id="1026" name="Picture 2" descr="Running in the Simulator"/>
           <p:cNvPicPr>
-            <a:picLocks noChangeAspect="1"/>
+            <a:picLocks noChangeAspect="1" noChangeArrowheads="1"/>
           </p:cNvPicPr>
           <p:nvPr/>
         </p:nvPicPr>
         <p:blipFill>
-          <a:blip r:embed="rId4">
+          <a:blip r:embed="rId3">
             <a:extLst>
               <a:ext uri="{28A0092B-C50C-407E-A947-70E740481C1C}">
                 <a14:useLocalDpi xmlns:a14="http://schemas.microsoft.com/office/drawing/2010/main" val="0"/>
               </a:ext>
             </a:extLst>
           </a:blip>
+          <a:srcRect/>
           <a:stretch>
             <a:fillRect/>
           </a:stretch>
         </p:blipFill>
-        <p:spPr>
-          <a:xfrm>
-            <a:off x="5900480" y="2111912"/>
-            <a:ext cx="1186374" cy="1186374"/>
+        <p:spPr bwMode="auto">
+          <a:xfrm>
+            <a:off x="2048769" y="3728099"/>
+            <a:ext cx="1800225" cy="1152526"/>
           </a:xfrm>
           <a:prstGeom prst="rect">
             <a:avLst/>
           </a:prstGeom>
+          <a:noFill/>
+          <a:extLst>
+            <a:ext uri="{909E8E84-426E-40DD-AFC4-6F175D3DCCD1}">
+              <a14:hiddenFill xmlns:a14="http://schemas.microsoft.com/office/drawing/2010/main">
+                <a:solidFill>
+                  <a:srgbClr val="FFFFFF"/>
+                </a:solidFill>
+              </a14:hiddenFill>
+            </a:ext>
+          </a:extLst>
         </p:spPr>
       </p:pic>
     </p:spTree>
     <p:extLst>
       <p:ext uri="{BB962C8B-B14F-4D97-AF65-F5344CB8AC3E}">
-        <p14:creationId xmlns:p14="http://schemas.microsoft.com/office/powerpoint/2010/main" val="2754927281"/>
+        <p14:creationId xmlns:p14="http://schemas.microsoft.com/office/powerpoint/2010/main" val="2099975694"/>
       </p:ext>
     </p:extLst>
   </p:cSld>
@@ -15621,7 +15639,7 @@
           <a:p>
             <a:r>
               <a:rPr lang="en-US" dirty="0" smtClean="0"/>
-              <a:t>Further Help and Assistance</a:t>
+              <a:t>Ready to Submit – WP8!</a:t>
             </a:r>
             <a:endParaRPr lang="en-US" dirty="0"/>
           </a:p>
@@ -15637,7 +15655,12 @@
             <p:ph idx="1"/>
           </p:nvPr>
         </p:nvSpPr>
-        <p:spPr/>
+        <p:spPr>
+          <a:xfrm>
+            <a:off x="1339263" y="2632075"/>
+            <a:ext cx="10018713" cy="4117145"/>
+          </a:xfrm>
+        </p:spPr>
         <p:txBody>
           <a:bodyPr/>
           <a:lstStyle/>
@@ -15647,18 +15670,97 @@
             </a:pPr>
             <a:r>
               <a:rPr lang="en-US" dirty="0" smtClean="0"/>
-              <a:t>If you are having trouble with any portion of this lab, please contact Paul DeCarlo at </a:t>
+              <a:t>Take a look at the </a:t>
             </a:r>
             <a:r>
               <a:rPr lang="en-US" dirty="0" smtClean="0">
                 <a:hlinkClick r:id="rId2"/>
               </a:rPr>
-              <a:t>pdecarlo@microsoft.com</a:t>
-            </a:r>
-            <a:r>
-              <a:rPr lang="en-US" dirty="0" smtClean="0"/>
-              <a:t> and I will do my best to help get your application coded, tested, and submitted to the Windows marketplace!</a:t>
-            </a:r>
+              <a:t>app submission requirements</a:t>
+            </a:r>
+            <a:r>
+              <a:rPr lang="en-US" dirty="0" smtClean="0"/>
+              <a:t>, and make sure you have everything required to submit.</a:t>
+            </a:r>
+          </a:p>
+          <a:p>
+            <a:pPr marL="0" indent="0">
+              <a:buNone/>
+            </a:pPr>
+            <a:r>
+              <a:rPr lang="en-US" dirty="0" smtClean="0"/>
+              <a:t>Next, log </a:t>
+            </a:r>
+            <a:r>
+              <a:rPr lang="en-US" dirty="0"/>
+              <a:t>in with your developer account at </a:t>
+            </a:r>
+            <a:r>
+              <a:rPr lang="en-US" dirty="0">
+                <a:hlinkClick r:id="rId3"/>
+              </a:rPr>
+              <a:t>https://dev.windowsphone.com/ </a:t>
+            </a:r>
+            <a:r>
+              <a:rPr lang="en-US" dirty="0"/>
+              <a:t>and click ‘Submit App’ then follow the steps online to submit your application</a:t>
+            </a:r>
+            <a:r>
+              <a:rPr lang="en-US" dirty="0" smtClean="0"/>
+              <a:t>.</a:t>
+            </a:r>
+          </a:p>
+          <a:p>
+            <a:pPr marL="0" indent="0">
+              <a:buNone/>
+            </a:pPr>
+            <a:r>
+              <a:rPr lang="en-US" dirty="0" smtClean="0"/>
+              <a:t>You will need your .</a:t>
+            </a:r>
+            <a:r>
+              <a:rPr lang="en-US" dirty="0" err="1" smtClean="0"/>
+              <a:t>xap</a:t>
+            </a:r>
+            <a:r>
+              <a:rPr lang="en-US" dirty="0" smtClean="0"/>
+              <a:t> file, at least one screenshot, and a 300x300 PNG for submission. </a:t>
+            </a:r>
+            <a:r>
+              <a:rPr lang="en-US" dirty="0"/>
+              <a:t>The .</a:t>
+            </a:r>
+            <a:r>
+              <a:rPr lang="en-US" dirty="0" err="1"/>
+              <a:t>xap</a:t>
+            </a:r>
+            <a:r>
+              <a:rPr lang="en-US" dirty="0"/>
+              <a:t> file is automatically created </a:t>
+            </a:r>
+            <a:r>
+              <a:rPr lang="en-US" dirty="0" smtClean="0"/>
+              <a:t>when your project is built and</a:t>
+            </a:r>
+            <a:r>
+              <a:rPr lang="en-US" dirty="0"/>
+              <a:t> can be found in your projects directory in the bin\Debug or bin\Release folders.</a:t>
+            </a:r>
+          </a:p>
+          <a:p>
+            <a:pPr marL="0" indent="0">
+              <a:buNone/>
+            </a:pPr>
+            <a:r>
+              <a:rPr lang="en-US" dirty="0" smtClean="0"/>
+              <a:t>.</a:t>
+            </a:r>
+            <a:endParaRPr lang="en-US" dirty="0"/>
+          </a:p>
+          <a:p>
+            <a:pPr marL="0" indent="0">
+              <a:buNone/>
+            </a:pPr>
             <a:endParaRPr lang="en-US" dirty="0"/>
           </a:p>
         </p:txBody>
@@ -15672,7 +15774,7 @@
           <p:nvPr/>
         </p:nvPicPr>
         <p:blipFill>
-          <a:blip r:embed="rId3">
+          <a:blip r:embed="rId4">
             <a:extLst>
               <a:ext uri="{28A0092B-C50C-407E-A947-70E740481C1C}">
                 <a14:useLocalDpi xmlns:a14="http://schemas.microsoft.com/office/drawing/2010/main" val="0"/>
@@ -15685,8 +15787,8 @@
         </p:blipFill>
         <p:spPr>
           <a:xfrm>
-            <a:off x="5733082" y="1997613"/>
-            <a:ext cx="1521168" cy="1546395"/>
+            <a:off x="9443451" y="588961"/>
+            <a:ext cx="1914525" cy="1946275"/>
           </a:xfrm>
           <a:prstGeom prst="rect">
             <a:avLst/>
@@ -15696,7 +15798,374 @@
     </p:spTree>
     <p:extLst>
       <p:ext uri="{BB962C8B-B14F-4D97-AF65-F5344CB8AC3E}">
-        <p14:creationId xmlns:p14="http://schemas.microsoft.com/office/powerpoint/2010/main" val="2834044626"/>
+        <p14:creationId xmlns:p14="http://schemas.microsoft.com/office/powerpoint/2010/main" val="3609341363"/>
+      </p:ext>
+    </p:extLst>
+  </p:cSld>
+  <p:clrMapOvr>
+    <a:masterClrMapping/>
+  </p:clrMapOvr>
+  <p:timing>
+    <p:tnLst>
+      <p:par>
+        <p:cTn id="1" dur="indefinite" restart="never" nodeType="tmRoot"/>
+      </p:par>
+    </p:tnLst>
+  </p:timing>
+</p:sld>
+</file>
+
+<file path=ppt/slides/slide48.xml><?xml version="1.0" encoding="utf-8"?>
+<p:sld xmlns:a="http://schemas.openxmlformats.org/drawingml/2006/main" xmlns:r="http://schemas.openxmlformats.org/officeDocument/2006/relationships" xmlns:p="http://schemas.openxmlformats.org/presentationml/2006/main">
+  <p:cSld>
+    <p:spTree>
+      <p:nvGrpSpPr>
+        <p:cNvPr id="1" name=""/>
+        <p:cNvGrpSpPr/>
+        <p:nvPr/>
+      </p:nvGrpSpPr>
+      <p:grpSpPr>
+        <a:xfrm>
+          <a:off x="0" y="0"/>
+          <a:ext cx="0" cy="0"/>
+          <a:chOff x="0" y="0"/>
+          <a:chExt cx="0" cy="0"/>
+        </a:xfrm>
+      </p:grpSpPr>
+      <p:sp>
+        <p:nvSpPr>
+          <p:cNvPr id="2" name="Title 1"/>
+          <p:cNvSpPr>
+            <a:spLocks noGrp="1"/>
+          </p:cNvSpPr>
+          <p:nvPr>
+            <p:ph type="title"/>
+          </p:nvPr>
+        </p:nvSpPr>
+        <p:spPr>
+          <a:xfrm>
+            <a:off x="1033551" y="685798"/>
+            <a:ext cx="10018713" cy="1752599"/>
+          </a:xfrm>
+        </p:spPr>
+        <p:txBody>
+          <a:bodyPr/>
+          <a:lstStyle/>
+          <a:p>
+            <a:r>
+              <a:rPr lang="en-US" dirty="0" smtClean="0"/>
+              <a:t>Ready to Submit – Windows 8!</a:t>
+            </a:r>
+            <a:endParaRPr lang="en-US" dirty="0"/>
+          </a:p>
+        </p:txBody>
+      </p:sp>
+      <p:sp>
+        <p:nvSpPr>
+          <p:cNvPr id="3" name="Content Placeholder 2"/>
+          <p:cNvSpPr>
+            <a:spLocks noGrp="1"/>
+          </p:cNvSpPr>
+          <p:nvPr>
+            <p:ph idx="1"/>
+          </p:nvPr>
+        </p:nvSpPr>
+        <p:spPr>
+          <a:xfrm>
+            <a:off x="1339263" y="2632075"/>
+            <a:ext cx="10018713" cy="4117145"/>
+          </a:xfrm>
+        </p:spPr>
+        <p:txBody>
+          <a:bodyPr>
+            <a:normAutofit/>
+          </a:bodyPr>
+          <a:lstStyle/>
+          <a:p>
+            <a:pPr marL="0" indent="0">
+              <a:buNone/>
+            </a:pPr>
+            <a:r>
+              <a:rPr lang="en-US" dirty="0"/>
+              <a:t>After you have </a:t>
+            </a:r>
+            <a:r>
+              <a:rPr lang="en-US" dirty="0">
+                <a:hlinkClick r:id="rId2"/>
+              </a:rPr>
+              <a:t>reserved your app's name</a:t>
+            </a:r>
+            <a:r>
+              <a:rPr lang="en-US" dirty="0"/>
+              <a:t>, </a:t>
+            </a:r>
+            <a:r>
+              <a:rPr lang="en-US" dirty="0">
+                <a:hlinkClick r:id="rId3"/>
+              </a:rPr>
+              <a:t>set up your payout account</a:t>
+            </a:r>
+            <a:r>
+              <a:rPr lang="en-US" dirty="0"/>
+              <a:t>, </a:t>
+            </a:r>
+            <a:r>
+              <a:rPr lang="en-US" dirty="0">
+                <a:hlinkClick r:id="rId4"/>
+              </a:rPr>
+              <a:t>built your app's packages</a:t>
+            </a:r>
+            <a:r>
+              <a:rPr lang="en-US" dirty="0"/>
+              <a:t>, and </a:t>
+            </a:r>
+            <a:r>
+              <a:rPr lang="en-US" dirty="0">
+                <a:hlinkClick r:id="rId5"/>
+              </a:rPr>
+              <a:t>tested the app with the Windows App Certification Kit</a:t>
+            </a:r>
+            <a:r>
+              <a:rPr lang="en-US" dirty="0"/>
+              <a:t>, you're ready to begin the submission process</a:t>
+            </a:r>
+            <a:r>
+              <a:rPr lang="en-US" dirty="0" smtClean="0"/>
+              <a:t>. </a:t>
+            </a:r>
+          </a:p>
+          <a:p>
+            <a:pPr marL="0" indent="0">
+              <a:buNone/>
+            </a:pPr>
+            <a:r>
+              <a:rPr lang="en-US" dirty="0" smtClean="0"/>
+              <a:t>To </a:t>
+            </a:r>
+            <a:r>
+              <a:rPr lang="en-US" dirty="0"/>
+              <a:t>submit an app, you'll need to sign in to your Windows Store Dashboard. (You can get there by clicking the "Dashboard" link near the top of any page in the </a:t>
+            </a:r>
+            <a:r>
+              <a:rPr lang="en-US" dirty="0">
+                <a:hlinkClick r:id="rId6"/>
+              </a:rPr>
+              <a:t>Windows Store apps Developer Center</a:t>
+            </a:r>
+            <a:r>
+              <a:rPr lang="en-US" dirty="0"/>
+              <a:t>.)</a:t>
+            </a:r>
+            <a:endParaRPr lang="en-US" dirty="0" smtClean="0"/>
+          </a:p>
+          <a:p>
+            <a:pPr marL="0" indent="0">
+              <a:buNone/>
+            </a:pPr>
+            <a:r>
+              <a:rPr lang="en-US" dirty="0" smtClean="0"/>
+              <a:t>If you need step-by-step instructions, you can follow this </a:t>
+            </a:r>
+            <a:r>
+              <a:rPr lang="en-US" dirty="0" smtClean="0">
+                <a:hlinkClick r:id="rId7"/>
+              </a:rPr>
+              <a:t>guide to submitting Windows 8 application to the Windows Store.</a:t>
+            </a:r>
+            <a:endParaRPr lang="en-US" dirty="0" smtClean="0"/>
+          </a:p>
+          <a:p>
+            <a:pPr marL="0" indent="0">
+              <a:buNone/>
+            </a:pPr>
+            <a:r>
+              <a:rPr lang="en-US" dirty="0" smtClean="0"/>
+              <a:t>.</a:t>
+            </a:r>
+            <a:endParaRPr lang="en-US" dirty="0"/>
+          </a:p>
+          <a:p>
+            <a:pPr marL="0" indent="0">
+              <a:buNone/>
+            </a:pPr>
+            <a:endParaRPr lang="en-US" dirty="0"/>
+          </a:p>
+        </p:txBody>
+      </p:sp>
+      <p:pic>
+        <p:nvPicPr>
+          <p:cNvPr id="4" name="Picture 3"/>
+          <p:cNvPicPr>
+            <a:picLocks noChangeAspect="1"/>
+          </p:cNvPicPr>
+          <p:nvPr/>
+        </p:nvPicPr>
+        <p:blipFill>
+          <a:blip r:embed="rId8">
+            <a:extLst>
+              <a:ext uri="{28A0092B-C50C-407E-A947-70E740481C1C}">
+                <a14:useLocalDpi xmlns:a14="http://schemas.microsoft.com/office/drawing/2010/main" val="0"/>
+              </a:ext>
+            </a:extLst>
+          </a:blip>
+          <a:stretch>
+            <a:fillRect/>
+          </a:stretch>
+        </p:blipFill>
+        <p:spPr>
+          <a:xfrm>
+            <a:off x="9443451" y="588961"/>
+            <a:ext cx="1914525" cy="1946275"/>
+          </a:xfrm>
+          <a:prstGeom prst="rect">
+            <a:avLst/>
+          </a:prstGeom>
+        </p:spPr>
+      </p:pic>
+    </p:spTree>
+    <p:extLst>
+      <p:ext uri="{BB962C8B-B14F-4D97-AF65-F5344CB8AC3E}">
+        <p14:creationId xmlns:p14="http://schemas.microsoft.com/office/powerpoint/2010/main" val="2789014429"/>
+      </p:ext>
+    </p:extLst>
+  </p:cSld>
+  <p:clrMapOvr>
+    <a:masterClrMapping/>
+  </p:clrMapOvr>
+  <p:timing>
+    <p:tnLst>
+      <p:par>
+        <p:cTn id="1" dur="indefinite" restart="never" nodeType="tmRoot"/>
+      </p:par>
+    </p:tnLst>
+  </p:timing>
+</p:sld>
+</file>
+
+<file path=ppt/slides/slide49.xml><?xml version="1.0" encoding="utf-8"?>
+<p:sld xmlns:a="http://schemas.openxmlformats.org/drawingml/2006/main" xmlns:r="http://schemas.openxmlformats.org/officeDocument/2006/relationships" xmlns:p="http://schemas.openxmlformats.org/presentationml/2006/main">
+  <p:cSld>
+    <p:spTree>
+      <p:nvGrpSpPr>
+        <p:cNvPr id="1" name=""/>
+        <p:cNvGrpSpPr/>
+        <p:nvPr/>
+      </p:nvGrpSpPr>
+      <p:grpSpPr>
+        <a:xfrm>
+          <a:off x="0" y="0"/>
+          <a:ext cx="0" cy="0"/>
+          <a:chOff x="0" y="0"/>
+          <a:chExt cx="0" cy="0"/>
+        </a:xfrm>
+      </p:grpSpPr>
+      <p:sp>
+        <p:nvSpPr>
+          <p:cNvPr id="2" name="Title 1"/>
+          <p:cNvSpPr>
+            <a:spLocks noGrp="1"/>
+          </p:cNvSpPr>
+          <p:nvPr>
+            <p:ph type="title"/>
+          </p:nvPr>
+        </p:nvSpPr>
+        <p:spPr/>
+        <p:txBody>
+          <a:bodyPr/>
+          <a:lstStyle/>
+          <a:p>
+            <a:r>
+              <a:rPr lang="en-US" dirty="0" smtClean="0"/>
+              <a:t>Reward yourself, you earned it!</a:t>
+            </a:r>
+            <a:endParaRPr lang="en-US" dirty="0"/>
+          </a:p>
+        </p:txBody>
+      </p:sp>
+      <p:sp>
+        <p:nvSpPr>
+          <p:cNvPr id="3" name="Content Placeholder 2"/>
+          <p:cNvSpPr>
+            <a:spLocks noGrp="1"/>
+          </p:cNvSpPr>
+          <p:nvPr>
+            <p:ph idx="1"/>
+          </p:nvPr>
+        </p:nvSpPr>
+        <p:spPr>
+          <a:xfrm>
+            <a:off x="1484311" y="2438399"/>
+            <a:ext cx="10018713" cy="3522786"/>
+          </a:xfrm>
+        </p:spPr>
+        <p:txBody>
+          <a:bodyPr/>
+          <a:lstStyle/>
+          <a:p>
+            <a:pPr marL="0" indent="0">
+              <a:buNone/>
+            </a:pPr>
+            <a:r>
+              <a:rPr lang="en-US" dirty="0" smtClean="0"/>
+              <a:t>Be sure to submit your apps to </a:t>
+            </a:r>
+            <a:r>
+              <a:rPr lang="en-US" dirty="0" smtClean="0">
+                <a:hlinkClick r:id="rId2"/>
+              </a:rPr>
+              <a:t>App Builder Rewards </a:t>
+            </a:r>
+            <a:r>
+              <a:rPr lang="en-US" dirty="0" smtClean="0"/>
+              <a:t>and </a:t>
+            </a:r>
+            <a:r>
+              <a:rPr lang="en-US" dirty="0" smtClean="0">
+                <a:hlinkClick r:id="rId3"/>
+              </a:rPr>
+              <a:t>DVLUP</a:t>
+            </a:r>
+            <a:r>
+              <a:rPr lang="en-US" dirty="0" smtClean="0"/>
+              <a:t> for the opportunity to receive prizes (Phones, Xbox games, and more!)</a:t>
+            </a:r>
+          </a:p>
+        </p:txBody>
+      </p:sp>
+      <p:pic>
+        <p:nvPicPr>
+          <p:cNvPr id="4" name="Picture 3"/>
+          <p:cNvPicPr>
+            <a:picLocks noChangeAspect="1"/>
+          </p:cNvPicPr>
+          <p:nvPr/>
+        </p:nvPicPr>
+        <p:blipFill>
+          <a:blip r:embed="rId4">
+            <a:extLst>
+              <a:ext uri="{28A0092B-C50C-407E-A947-70E740481C1C}">
+                <a14:useLocalDpi xmlns:a14="http://schemas.microsoft.com/office/drawing/2010/main" val="0"/>
+              </a:ext>
+            </a:extLst>
+          </a:blip>
+          <a:stretch>
+            <a:fillRect/>
+          </a:stretch>
+        </p:blipFill>
+        <p:spPr>
+          <a:xfrm>
+            <a:off x="5900480" y="2111912"/>
+            <a:ext cx="1186374" cy="1186374"/>
+          </a:xfrm>
+          <a:prstGeom prst="rect">
+            <a:avLst/>
+          </a:prstGeom>
+        </p:spPr>
+      </p:pic>
+    </p:spTree>
+    <p:extLst>
+      <p:ext uri="{BB962C8B-B14F-4D97-AF65-F5344CB8AC3E}">
+        <p14:creationId xmlns:p14="http://schemas.microsoft.com/office/powerpoint/2010/main" val="2754927281"/>
       </p:ext>
     </p:extLst>
   </p:cSld>
@@ -15913,6 +16382,132 @@
     <p:extLst>
       <p:ext uri="{BB962C8B-B14F-4D97-AF65-F5344CB8AC3E}">
         <p14:creationId xmlns:p14="http://schemas.microsoft.com/office/powerpoint/2010/main" val="750014249"/>
+      </p:ext>
+    </p:extLst>
+  </p:cSld>
+  <p:clrMapOvr>
+    <a:masterClrMapping/>
+  </p:clrMapOvr>
+  <p:timing>
+    <p:tnLst>
+      <p:par>
+        <p:cTn id="1" dur="indefinite" restart="never" nodeType="tmRoot"/>
+      </p:par>
+    </p:tnLst>
+  </p:timing>
+</p:sld>
+</file>
+
+<file path=ppt/slides/slide50.xml><?xml version="1.0" encoding="utf-8"?>
+<p:sld xmlns:a="http://schemas.openxmlformats.org/drawingml/2006/main" xmlns:r="http://schemas.openxmlformats.org/officeDocument/2006/relationships" xmlns:p="http://schemas.openxmlformats.org/presentationml/2006/main">
+  <p:cSld>
+    <p:spTree>
+      <p:nvGrpSpPr>
+        <p:cNvPr id="1" name=""/>
+        <p:cNvGrpSpPr/>
+        <p:nvPr/>
+      </p:nvGrpSpPr>
+      <p:grpSpPr>
+        <a:xfrm>
+          <a:off x="0" y="0"/>
+          <a:ext cx="0" cy="0"/>
+          <a:chOff x="0" y="0"/>
+          <a:chExt cx="0" cy="0"/>
+        </a:xfrm>
+      </p:grpSpPr>
+      <p:sp>
+        <p:nvSpPr>
+          <p:cNvPr id="2" name="Title 1"/>
+          <p:cNvSpPr>
+            <a:spLocks noGrp="1"/>
+          </p:cNvSpPr>
+          <p:nvPr>
+            <p:ph type="title"/>
+          </p:nvPr>
+        </p:nvSpPr>
+        <p:spPr/>
+        <p:txBody>
+          <a:bodyPr/>
+          <a:lstStyle/>
+          <a:p>
+            <a:r>
+              <a:rPr lang="en-US" dirty="0" smtClean="0"/>
+              <a:t>Further Help and Assistance</a:t>
+            </a:r>
+            <a:endParaRPr lang="en-US" dirty="0"/>
+          </a:p>
+        </p:txBody>
+      </p:sp>
+      <p:sp>
+        <p:nvSpPr>
+          <p:cNvPr id="3" name="Content Placeholder 2"/>
+          <p:cNvSpPr>
+            <a:spLocks noGrp="1"/>
+          </p:cNvSpPr>
+          <p:nvPr>
+            <p:ph idx="1"/>
+          </p:nvPr>
+        </p:nvSpPr>
+        <p:spPr/>
+        <p:txBody>
+          <a:bodyPr/>
+          <a:lstStyle/>
+          <a:p>
+            <a:pPr marL="0" indent="0">
+              <a:buNone/>
+            </a:pPr>
+            <a:r>
+              <a:rPr lang="en-US" dirty="0" smtClean="0"/>
+              <a:t>If you are having trouble with any portion of this lab, please contact Paul DeCarlo at </a:t>
+            </a:r>
+            <a:r>
+              <a:rPr lang="en-US" dirty="0" smtClean="0">
+                <a:hlinkClick r:id="rId2"/>
+              </a:rPr>
+              <a:t>pdecarlo@microsoft.com</a:t>
+            </a:r>
+            <a:r>
+              <a:rPr lang="en-US" dirty="0" smtClean="0"/>
+              <a:t> and I will do my best to help get your application coded, tested, and submitted to the Windows marketplace!</a:t>
+            </a:r>
+            <a:endParaRPr lang="en-US" dirty="0"/>
+          </a:p>
+        </p:txBody>
+      </p:sp>
+      <p:pic>
+        <p:nvPicPr>
+          <p:cNvPr id="4" name="Picture 3"/>
+          <p:cNvPicPr>
+            <a:picLocks noChangeAspect="1"/>
+          </p:cNvPicPr>
+          <p:nvPr/>
+        </p:nvPicPr>
+        <p:blipFill>
+          <a:blip r:embed="rId3">
+            <a:extLst>
+              <a:ext uri="{28A0092B-C50C-407E-A947-70E740481C1C}">
+                <a14:useLocalDpi xmlns:a14="http://schemas.microsoft.com/office/drawing/2010/main" val="0"/>
+              </a:ext>
+            </a:extLst>
+          </a:blip>
+          <a:stretch>
+            <a:fillRect/>
+          </a:stretch>
+        </p:blipFill>
+        <p:spPr>
+          <a:xfrm>
+            <a:off x="5733082" y="1997613"/>
+            <a:ext cx="1521168" cy="1546395"/>
+          </a:xfrm>
+          <a:prstGeom prst="rect">
+            <a:avLst/>
+          </a:prstGeom>
+        </p:spPr>
+      </p:pic>
+    </p:spTree>
+    <p:extLst>
+      <p:ext uri="{BB962C8B-B14F-4D97-AF65-F5344CB8AC3E}">
+        <p14:creationId xmlns:p14="http://schemas.microsoft.com/office/powerpoint/2010/main" val="2834044626"/>
       </p:ext>
     </p:extLst>
   </p:cSld>
